--- a/Desenvolvendo Sites Responsivos com Bootstrap 4.pptx
+++ b/Desenvolvendo Sites Responsivos com Bootstrap 4.pptx
@@ -445,11 +445,11 @@
         </c:dLbls>
         <c:gapWidth val="100"/>
         <c:overlap val="-24"/>
-        <c:axId val="179596640"/>
-        <c:axId val="179595520"/>
+        <c:axId val="163951312"/>
+        <c:axId val="163951872"/>
       </c:barChart>
       <c:catAx>
-        <c:axId val="179596640"/>
+        <c:axId val="163951312"/>
         <c:scaling>
           <c:orientation val="minMax"/>
         </c:scaling>
@@ -489,7 +489,7 @@
             <a:endParaRPr lang="pt-BR"/>
           </a:p>
         </c:txPr>
-        <c:crossAx val="179595520"/>
+        <c:crossAx val="163951872"/>
         <c:crosses val="autoZero"/>
         <c:auto val="1"/>
         <c:lblAlgn val="ctr"/>
@@ -497,7 +497,7 @@
         <c:noMultiLvlLbl val="0"/>
       </c:catAx>
       <c:valAx>
-        <c:axId val="179595520"/>
+        <c:axId val="163951872"/>
         <c:scaling>
           <c:orientation val="minMax"/>
         </c:scaling>
@@ -545,7 +545,7 @@
             <a:endParaRPr lang="pt-BR"/>
           </a:p>
         </c:txPr>
-        <c:crossAx val="179596640"/>
+        <c:crossAx val="163951312"/>
         <c:crosses val="autoZero"/>
         <c:crossBetween val="between"/>
       </c:valAx>
@@ -4210,7 +4210,7 @@
           <a:p>
             <a:fld id="{D63D5444-F62C-42C3-A75A-D9DBA807730F}" type="datetimeFigureOut">
               <a:rPr lang="pt-BR" smtClean="0"/>
-              <a:t>31/10/2017</a:t>
+              <a:t>02/11/2017</a:t>
             </a:fld>
             <a:endParaRPr lang="pt-BR" dirty="0"/>
           </a:p>
@@ -4375,7 +4375,7 @@
           <a:p>
             <a:fld id="{12CAA1FA-7B6A-47D2-8D61-F225D71B51FF}" type="datetimeFigureOut">
               <a:rPr lang="pt-BR" smtClean="0"/>
-              <a:t>31/10/2017</a:t>
+              <a:t>02/11/2017</a:t>
             </a:fld>
             <a:endParaRPr lang="pt-BR" dirty="0"/>
           </a:p>
@@ -5223,7 +5223,7 @@
           <a:p>
             <a:fld id="{A79A3335-6331-4872-A8B7-ECD55539F4D0}" type="datetimeFigureOut">
               <a:rPr lang="pt-BR" smtClean="0"/>
-              <a:t>31/10/2017</a:t>
+              <a:t>02/11/2017</a:t>
             </a:fld>
             <a:endParaRPr lang="pt-BR" dirty="0"/>
           </a:p>
@@ -5482,7 +5482,7 @@
           <a:p>
             <a:fld id="{A79A3335-6331-4872-A8B7-ECD55539F4D0}" type="datetimeFigureOut">
               <a:rPr lang="pt-BR" smtClean="0"/>
-              <a:t>31/10/2017</a:t>
+              <a:t>02/11/2017</a:t>
             </a:fld>
             <a:endParaRPr lang="pt-BR" dirty="0"/>
           </a:p>
@@ -6010,7 +6010,7 @@
           <a:p>
             <a:fld id="{A79A3335-6331-4872-A8B7-ECD55539F4D0}" type="datetimeFigureOut">
               <a:rPr lang="pt-BR" smtClean="0"/>
-              <a:t>31/10/2017</a:t>
+              <a:t>02/11/2017</a:t>
             </a:fld>
             <a:endParaRPr lang="pt-BR" dirty="0"/>
           </a:p>
@@ -6342,7 +6342,7 @@
           <a:p>
             <a:fld id="{A79A3335-6331-4872-A8B7-ECD55539F4D0}" type="datetimeFigureOut">
               <a:rPr lang="pt-BR" smtClean="0"/>
-              <a:t>31/10/2017</a:t>
+              <a:t>02/11/2017</a:t>
             </a:fld>
             <a:endParaRPr lang="pt-BR" dirty="0"/>
           </a:p>
@@ -6412,6 +6412,13 @@
       </p:transition>
     </mc:Fallback>
   </mc:AlternateContent>
+  <p:timing>
+    <p:tnLst>
+      <p:par>
+        <p:cTn id="1" dur="indefinite" restart="never" nodeType="tmRoot"/>
+      </p:par>
+    </p:tnLst>
+  </p:timing>
 </p:sldLayout>
 </file>
 
@@ -6448,7 +6455,7 @@
           <a:lstStyle/>
           <a:p>
             <a:r>
-              <a:rPr lang="pt-BR" smtClean="0"/>
+              <a:rPr lang="pt-BR" dirty="0" smtClean="0"/>
               <a:t>Clique para editar o título mestre</a:t>
             </a:r>
             <a:endParaRPr lang="pt-BR" dirty="0"/>
@@ -6524,7 +6531,7 @@
           <a:p>
             <a:fld id="{A79A3335-6331-4872-A8B7-ECD55539F4D0}" type="datetimeFigureOut">
               <a:rPr lang="pt-BR" smtClean="0"/>
-              <a:t>31/10/2017</a:t>
+              <a:t>02/11/2017</a:t>
             </a:fld>
             <a:endParaRPr lang="pt-BR" dirty="0"/>
           </a:p>
@@ -6864,7 +6871,7 @@
           </a:lstStyle>
           <a:p>
             <a:r>
-              <a:rPr lang="pt-BR" smtClean="0"/>
+              <a:rPr lang="pt-BR" dirty="0" smtClean="0"/>
               <a:t>Clique para editar o título mestre</a:t>
             </a:r>
             <a:endParaRPr lang="pt-BR" dirty="0"/>
@@ -7612,6 +7619,13 @@
       </p:transition>
     </mc:Fallback>
   </mc:AlternateContent>
+  <p:timing>
+    <p:tnLst>
+      <p:par>
+        <p:cTn id="1" dur="indefinite" restart="never" nodeType="tmRoot"/>
+      </p:par>
+    </p:tnLst>
+  </p:timing>
 </p:sldLayout>
 </file>
 
@@ -7781,7 +7795,7 @@
           <a:p>
             <a:fld id="{A79A3335-6331-4872-A8B7-ECD55539F4D0}" type="datetimeFigureOut">
               <a:rPr lang="pt-BR" smtClean="0"/>
-              <a:t>31/10/2017</a:t>
+              <a:t>02/11/2017</a:t>
             </a:fld>
             <a:endParaRPr lang="pt-BR" dirty="0"/>
           </a:p>
@@ -7851,6 +7865,13 @@
       </p:transition>
     </mc:Fallback>
   </mc:AlternateContent>
+  <p:timing>
+    <p:tnLst>
+      <p:par>
+        <p:cTn id="1" dur="indefinite" restart="never" nodeType="tmRoot"/>
+      </p:par>
+    </p:tnLst>
+  </p:timing>
 </p:sldLayout>
 </file>
 
@@ -8164,7 +8185,7 @@
           <a:p>
             <a:fld id="{A79A3335-6331-4872-A8B7-ECD55539F4D0}" type="datetimeFigureOut">
               <a:rPr lang="pt-BR" smtClean="0"/>
-              <a:t>31/10/2017</a:t>
+              <a:t>02/11/2017</a:t>
             </a:fld>
             <a:endParaRPr lang="pt-BR" dirty="0"/>
           </a:p>
@@ -8234,6 +8255,13 @@
       </p:transition>
     </mc:Fallback>
   </mc:AlternateContent>
+  <p:timing>
+    <p:tnLst>
+      <p:par>
+        <p:cTn id="1" dur="indefinite" restart="never" nodeType="tmRoot"/>
+      </p:par>
+    </p:tnLst>
+  </p:timing>
 </p:sldLayout>
 </file>
 
@@ -8294,7 +8322,7 @@
           <a:p>
             <a:fld id="{A79A3335-6331-4872-A8B7-ECD55539F4D0}" type="datetimeFigureOut">
               <a:rPr lang="pt-BR" smtClean="0"/>
-              <a:t>31/10/2017</a:t>
+              <a:t>02/11/2017</a:t>
             </a:fld>
             <a:endParaRPr lang="pt-BR" dirty="0"/>
           </a:p>
@@ -8401,7 +8429,7 @@
           <a:p>
             <a:fld id="{A79A3335-6331-4872-A8B7-ECD55539F4D0}" type="datetimeFigureOut">
               <a:rPr lang="pt-BR" smtClean="0"/>
-              <a:t>31/10/2017</a:t>
+              <a:t>02/11/2017</a:t>
             </a:fld>
             <a:endParaRPr lang="pt-BR" dirty="0"/>
           </a:p>
@@ -8692,7 +8720,7 @@
           <a:p>
             <a:fld id="{A79A3335-6331-4872-A8B7-ECD55539F4D0}" type="datetimeFigureOut">
               <a:rPr lang="pt-BR" smtClean="0"/>
-              <a:t>31/10/2017</a:t>
+              <a:t>02/11/2017</a:t>
             </a:fld>
             <a:endParaRPr lang="pt-BR" dirty="0"/>
           </a:p>
@@ -9055,7 +9083,7 @@
             <a:fld id="{A79A3335-6331-4872-A8B7-ECD55539F4D0}" type="datetimeFigureOut">
               <a:rPr lang="pt-BR" smtClean="0"/>
               <a:pPr/>
-              <a:t>31/10/2017</a:t>
+              <a:t>02/11/2017</a:t>
             </a:fld>
             <a:endParaRPr lang="pt-BR" dirty="0"/>
           </a:p>
@@ -9171,6 +9199,13 @@
       </p:transition>
     </mc:Fallback>
   </mc:AlternateContent>
+  <p:timing>
+    <p:tnLst>
+      <p:par>
+        <p:cTn id="1" dur="indefinite" restart="never" nodeType="tmRoot"/>
+      </p:par>
+    </p:tnLst>
+  </p:timing>
   <p:txStyles>
     <p:titleStyle>
       <a:lvl1pPr algn="l" defTabSz="914400" rtl="0" eaLnBrk="1" latinLnBrk="0" hangingPunct="1">
@@ -12391,14 +12426,14 @@
         <a:srgbClr val="666699"/>
       </a:folHlink>
     </a:clrScheme>
-    <a:fontScheme name="Book Antiqua">
+    <a:fontScheme name="Personalizada 1">
       <a:majorFont>
-        <a:latin typeface="Book Antiqua"/>
+        <a:latin typeface="Segoe UI"/>
         <a:ea typeface=""/>
         <a:cs typeface=""/>
       </a:majorFont>
       <a:minorFont>
-        <a:latin typeface="Book Antiqua"/>
+        <a:latin typeface="Segoe UI"/>
         <a:ea typeface=""/>
         <a:cs typeface=""/>
       </a:minorFont>

--- a/Desenvolvendo Sites Responsivos com Bootstrap 4.pptx
+++ b/Desenvolvendo Sites Responsivos com Bootstrap 4.pptx
@@ -5,10 +5,10 @@
     <p:sldMasterId id="2147483648" r:id="rId2"/>
   </p:sldMasterIdLst>
   <p:notesMasterIdLst>
-    <p:notesMasterId r:id="rId19"/>
+    <p:notesMasterId r:id="rId20"/>
   </p:notesMasterIdLst>
   <p:handoutMasterIdLst>
-    <p:handoutMasterId r:id="rId20"/>
+    <p:handoutMasterId r:id="rId21"/>
   </p:handoutMasterIdLst>
   <p:sldIdLst>
     <p:sldId id="257" r:id="rId3"/>
@@ -17,16 +17,17 @@
     <p:sldId id="272" r:id="rId6"/>
     <p:sldId id="271" r:id="rId7"/>
     <p:sldId id="274" r:id="rId8"/>
-    <p:sldId id="258" r:id="rId9"/>
-    <p:sldId id="259" r:id="rId10"/>
-    <p:sldId id="260" r:id="rId11"/>
-    <p:sldId id="261" r:id="rId12"/>
-    <p:sldId id="262" r:id="rId13"/>
-    <p:sldId id="263" r:id="rId14"/>
-    <p:sldId id="264" r:id="rId15"/>
-    <p:sldId id="265" r:id="rId16"/>
-    <p:sldId id="267" r:id="rId17"/>
-    <p:sldId id="268" r:id="rId18"/>
+    <p:sldId id="275" r:id="rId9"/>
+    <p:sldId id="258" r:id="rId10"/>
+    <p:sldId id="259" r:id="rId11"/>
+    <p:sldId id="260" r:id="rId12"/>
+    <p:sldId id="261" r:id="rId13"/>
+    <p:sldId id="262" r:id="rId14"/>
+    <p:sldId id="263" r:id="rId15"/>
+    <p:sldId id="264" r:id="rId16"/>
+    <p:sldId id="265" r:id="rId17"/>
+    <p:sldId id="267" r:id="rId18"/>
+    <p:sldId id="268" r:id="rId19"/>
   </p:sldIdLst>
   <p:sldSz cx="12192000" cy="6858000"/>
   <p:notesSz cx="6858000" cy="9144000"/>
@@ -445,11 +446,11 @@
         </c:dLbls>
         <c:gapWidth val="100"/>
         <c:overlap val="-24"/>
-        <c:axId val="163951312"/>
-        <c:axId val="163951872"/>
+        <c:axId val="190191184"/>
+        <c:axId val="143545952"/>
       </c:barChart>
       <c:catAx>
-        <c:axId val="163951312"/>
+        <c:axId val="190191184"/>
         <c:scaling>
           <c:orientation val="minMax"/>
         </c:scaling>
@@ -489,7 +490,7 @@
             <a:endParaRPr lang="pt-BR"/>
           </a:p>
         </c:txPr>
-        <c:crossAx val="163951872"/>
+        <c:crossAx val="143545952"/>
         <c:crosses val="autoZero"/>
         <c:auto val="1"/>
         <c:lblAlgn val="ctr"/>
@@ -497,7 +498,7 @@
         <c:noMultiLvlLbl val="0"/>
       </c:catAx>
       <c:valAx>
-        <c:axId val="163951872"/>
+        <c:axId val="143545952"/>
         <c:scaling>
           <c:orientation val="minMax"/>
         </c:scaling>
@@ -545,7 +546,7 @@
             <a:endParaRPr lang="pt-BR"/>
           </a:p>
         </c:txPr>
-        <c:crossAx val="163951312"/>
+        <c:crossAx val="190191184"/>
         <c:crosses val="autoZero"/>
         <c:crossBetween val="between"/>
       </c:valAx>
@@ -2059,36 +2060,12 @@
             <a:buNone/>
           </a:pPr>
           <a:r>
-            <a:rPr lang="en-US" sz="1800" b="0" i="0" dirty="0" err="1">
-              <a:latin typeface="Book Antiqua"/>
-              <a:ea typeface="+mn-ea"/>
-              <a:cs typeface="+mn-cs"/>
-            </a:rPr>
-            <a:t>Título</a:t>
-          </a:r>
-          <a:r>
             <a:rPr lang="en-US" sz="1800" b="0" i="0" dirty="0">
               <a:latin typeface="Book Antiqua"/>
               <a:ea typeface="+mn-ea"/>
               <a:cs typeface="+mn-cs"/>
             </a:rPr>
-            <a:t> da </a:t>
-          </a:r>
-          <a:r>
-            <a:rPr lang="en-US" sz="1800" b="0" i="0" dirty="0" err="1">
-              <a:latin typeface="Book Antiqua"/>
-              <a:ea typeface="+mn-ea"/>
-              <a:cs typeface="+mn-cs"/>
-            </a:rPr>
-            <a:t>Etapa</a:t>
-          </a:r>
-          <a:r>
-            <a:rPr lang="en-US" sz="1800" b="0" i="0" dirty="0">
-              <a:latin typeface="Book Antiqua"/>
-              <a:ea typeface="+mn-ea"/>
-              <a:cs typeface="+mn-cs"/>
-            </a:rPr>
-            <a:t> 1</a:t>
+            <a:t>Título da Etapa 1</a:t>
           </a:r>
         </a:p>
       </dgm:t>
@@ -2126,7 +2103,7 @@
             <a:buNone/>
           </a:pPr>
           <a:r>
-            <a:rPr lang="en-US" sz="1800" b="0" i="0">
+            <a:rPr lang="en-US" sz="1800" b="0" i="0" dirty="0">
               <a:latin typeface="Book Antiqua"/>
               <a:ea typeface="+mn-ea"/>
               <a:cs typeface="+mn-cs"/>
@@ -2169,7 +2146,7 @@
             <a:buNone/>
           </a:pPr>
           <a:r>
-            <a:rPr lang="en-US" sz="1800" b="0" i="0">
+            <a:rPr lang="en-US" sz="1800" b="0" i="0" dirty="0">
               <a:latin typeface="Book Antiqua"/>
               <a:ea typeface="+mn-ea"/>
               <a:cs typeface="+mn-cs"/>
@@ -2212,7 +2189,7 @@
             <a:buNone/>
           </a:pPr>
           <a:r>
-            <a:rPr lang="en-US" sz="1800" b="0" i="0">
+            <a:rPr lang="en-US" sz="1800" b="0" i="0" dirty="0">
               <a:latin typeface="Book Antiqua"/>
               <a:ea typeface="+mn-ea"/>
               <a:cs typeface="+mn-cs"/>
@@ -2460,36 +2437,12 @@
             <a:buNone/>
           </a:pPr>
           <a:r>
-            <a:rPr lang="en-US" sz="2700" b="0" i="0" kern="1200" dirty="0" err="1">
-              <a:latin typeface="Book Antiqua"/>
-              <a:ea typeface="+mn-ea"/>
-              <a:cs typeface="+mn-cs"/>
-            </a:rPr>
-            <a:t>Título</a:t>
-          </a:r>
-          <a:r>
             <a:rPr lang="en-US" sz="2700" b="0" i="0" kern="1200" dirty="0">
               <a:latin typeface="Book Antiqua"/>
               <a:ea typeface="+mn-ea"/>
               <a:cs typeface="+mn-cs"/>
             </a:rPr>
-            <a:t> da </a:t>
-          </a:r>
-          <a:r>
-            <a:rPr lang="en-US" sz="2700" b="0" i="0" kern="1200" dirty="0" err="1">
-              <a:latin typeface="Book Antiqua"/>
-              <a:ea typeface="+mn-ea"/>
-              <a:cs typeface="+mn-cs"/>
-            </a:rPr>
-            <a:t>Etapa</a:t>
-          </a:r>
-          <a:r>
-            <a:rPr lang="en-US" sz="2700" b="0" i="0" kern="1200" dirty="0">
-              <a:latin typeface="Book Antiqua"/>
-              <a:ea typeface="+mn-ea"/>
-              <a:cs typeface="+mn-cs"/>
-            </a:rPr>
-            <a:t> 1</a:t>
+            <a:t>Título da Etapa 1</a:t>
           </a:r>
         </a:p>
       </dsp:txBody>
@@ -2587,7 +2540,7 @@
             <a:buNone/>
           </a:pPr>
           <a:r>
-            <a:rPr lang="en-US" sz="2700" b="0" i="0" kern="1200">
+            <a:rPr lang="en-US" sz="2700" b="0" i="0" kern="1200" dirty="0">
               <a:latin typeface="Book Antiqua"/>
               <a:ea typeface="+mn-ea"/>
               <a:cs typeface="+mn-cs"/>
@@ -2690,7 +2643,7 @@
             <a:buNone/>
           </a:pPr>
           <a:r>
-            <a:rPr lang="en-US" sz="2700" b="0" i="0" kern="1200">
+            <a:rPr lang="en-US" sz="2700" b="0" i="0" kern="1200" dirty="0">
               <a:latin typeface="Book Antiqua"/>
               <a:ea typeface="+mn-ea"/>
               <a:cs typeface="+mn-cs"/>
@@ -2793,7 +2746,7 @@
             <a:buNone/>
           </a:pPr>
           <a:r>
-            <a:rPr lang="en-US" sz="2700" b="0" i="0" kern="1200">
+            <a:rPr lang="en-US" sz="2700" b="0" i="0" kern="1200" dirty="0">
               <a:latin typeface="Book Antiqua"/>
               <a:ea typeface="+mn-ea"/>
               <a:cs typeface="+mn-cs"/>
@@ -5129,7 +5082,7 @@
           </a:lstStyle>
           <a:p>
             <a:r>
-              <a:rPr lang="pt-BR" smtClean="0"/>
+              <a:rPr lang="pt-BR" dirty="0" smtClean="0"/>
               <a:t>Clique no ícone para adicionar uma imagem</a:t>
             </a:r>
             <a:endParaRPr lang="pt-BR" dirty="0"/>
@@ -5366,7 +5319,7 @@
             <a:spLocks noGrp="1"/>
           </p:cNvSpPr>
           <p:nvPr>
-            <p:ph type="title"/>
+            <p:ph type="title" hasCustomPrompt="1"/>
           </p:nvPr>
         </p:nvSpPr>
         <p:spPr>
@@ -5379,13 +5332,15 @@
           <a:bodyPr anchor="b"/>
           <a:lstStyle>
             <a:lvl1pPr>
-              <a:defRPr sz="3200"/>
+              <a:defRPr sz="3200">
+                <a:latin typeface="Century Gothic" panose="020B0502020202020204" pitchFamily="34" charset="0"/>
+              </a:defRPr>
             </a:lvl1pPr>
           </a:lstStyle>
           <a:p>
             <a:r>
-              <a:rPr lang="pt-BR" smtClean="0"/>
-              <a:t>Clique para editar o título mestre</a:t>
+              <a:rPr lang="pt-BR" dirty="0" smtClean="0"/>
+              <a:t>CLIQUE PARA EDITAR O TÍTULO MESTRE</a:t>
             </a:r>
             <a:endParaRPr lang="pt-BR" dirty="0"/>
           </a:p>
@@ -5802,7 +5757,7 @@
           </a:lstStyle>
           <a:p>
             <a:r>
-              <a:rPr lang="pt-BR" smtClean="0"/>
+              <a:rPr lang="pt-BR" dirty="0" smtClean="0"/>
               <a:t>Clique no ícone para adicionar uma imagem</a:t>
             </a:r>
             <a:endParaRPr lang="pt-BR" dirty="0"/>
@@ -5869,7 +5824,7 @@
           </a:lstStyle>
           <a:p>
             <a:r>
-              <a:rPr lang="pt-BR" smtClean="0"/>
+              <a:rPr lang="pt-BR" dirty="0" smtClean="0"/>
               <a:t>Clique no ícone para adicionar uma imagem</a:t>
             </a:r>
             <a:endParaRPr lang="pt-BR" dirty="0"/>
@@ -6412,13 +6367,6 @@
       </p:transition>
     </mc:Fallback>
   </mc:AlternateContent>
-  <p:timing>
-    <p:tnLst>
-      <p:par>
-        <p:cTn id="1" dur="indefinite" restart="never" nodeType="tmRoot"/>
-      </p:par>
-    </p:tnLst>
-  </p:timing>
 </p:sldLayout>
 </file>
 
@@ -6455,7 +6403,7 @@
           <a:lstStyle/>
           <a:p>
             <a:r>
-              <a:rPr lang="pt-BR" dirty="0" smtClean="0"/>
+              <a:rPr lang="pt-BR" smtClean="0"/>
               <a:t>Clique para editar o título mestre</a:t>
             </a:r>
             <a:endParaRPr lang="pt-BR" dirty="0"/>
@@ -6871,7 +6819,7 @@
           </a:lstStyle>
           <a:p>
             <a:r>
-              <a:rPr lang="pt-BR" dirty="0" smtClean="0"/>
+              <a:rPr lang="pt-BR" smtClean="0"/>
               <a:t>Clique para editar o título mestre</a:t>
             </a:r>
             <a:endParaRPr lang="pt-BR" dirty="0"/>
@@ -7033,7 +6981,7 @@
           </a:lstStyle>
           <a:p>
             <a:r>
-              <a:rPr lang="pt-BR" smtClean="0"/>
+              <a:rPr lang="pt-BR" dirty="0" smtClean="0"/>
               <a:t>Clique no ícone para adicionar uma imagem</a:t>
             </a:r>
             <a:endParaRPr lang="pt-BR" dirty="0"/>
@@ -7619,13 +7567,6 @@
       </p:transition>
     </mc:Fallback>
   </mc:AlternateContent>
-  <p:timing>
-    <p:tnLst>
-      <p:par>
-        <p:cTn id="1" dur="indefinite" restart="never" nodeType="tmRoot"/>
-      </p:par>
-    </p:tnLst>
-  </p:timing>
 </p:sldLayout>
 </file>
 
@@ -7865,13 +7806,6 @@
       </p:transition>
     </mc:Fallback>
   </mc:AlternateContent>
-  <p:timing>
-    <p:tnLst>
-      <p:par>
-        <p:cTn id="1" dur="indefinite" restart="never" nodeType="tmRoot"/>
-      </p:par>
-    </p:tnLst>
-  </p:timing>
 </p:sldLayout>
 </file>
 
@@ -8255,13 +8189,6 @@
       </p:transition>
     </mc:Fallback>
   </mc:AlternateContent>
-  <p:timing>
-    <p:tnLst>
-      <p:par>
-        <p:cTn id="1" dur="indefinite" restart="never" nodeType="tmRoot"/>
-      </p:par>
-    </p:tnLst>
-  </p:timing>
 </p:sldLayout>
 </file>
 
@@ -9199,13 +9126,6 @@
       </p:transition>
     </mc:Fallback>
   </mc:AlternateContent>
-  <p:timing>
-    <p:tnLst>
-      <p:par>
-        <p:cTn id="1" dur="indefinite" restart="never" nodeType="tmRoot"/>
-      </p:par>
-    </p:tnLst>
-  </p:timing>
   <p:txStyles>
     <p:titleStyle>
       <a:lvl1pPr algn="l" defTabSz="914400" rtl="0" eaLnBrk="1" latinLnBrk="0" hangingPunct="1">
@@ -9558,7 +9478,7 @@
                 <a:solidFill>
                   <a:srgbClr val="595959"/>
                 </a:solidFill>
-                <a:latin typeface="Segoe UI" panose="020B0502040204020203" pitchFamily="34" charset="0"/>
+                <a:latin typeface="Century Gothic" panose="020B0502020202020204" pitchFamily="34" charset="0"/>
                 <a:ea typeface="Segoe UI" panose="020B0502040204020203" pitchFamily="34" charset="0"/>
                 <a:cs typeface="Segoe UI" panose="020B0502040204020203" pitchFamily="34" charset="0"/>
               </a:rPr>
@@ -9568,7 +9488,7 @@
               <a:solidFill>
                 <a:srgbClr val="595959"/>
               </a:solidFill>
-              <a:latin typeface="Segoe UI" panose="020B0502040204020203" pitchFamily="34" charset="0"/>
+              <a:latin typeface="Century Gothic" panose="020B0502020202020204" pitchFamily="34" charset="0"/>
               <a:ea typeface="Segoe UI" panose="020B0502040204020203" pitchFamily="34" charset="0"/>
               <a:cs typeface="Segoe UI" panose="020B0502040204020203" pitchFamily="34" charset="0"/>
             </a:endParaRPr>
@@ -9656,2344 +9576,6 @@
 </file>
 
 <file path=ppt/slides/slide10.xml><?xml version="1.0" encoding="utf-8"?>
-<p:sld xmlns:a="http://schemas.openxmlformats.org/drawingml/2006/main" xmlns:r="http://schemas.openxmlformats.org/officeDocument/2006/relationships" xmlns:p="http://schemas.openxmlformats.org/presentationml/2006/main">
-  <p:cSld>
-    <p:spTree>
-      <p:nvGrpSpPr>
-        <p:cNvPr id="1" name=""/>
-        <p:cNvGrpSpPr/>
-        <p:nvPr/>
-      </p:nvGrpSpPr>
-      <p:grpSpPr>
-        <a:xfrm>
-          <a:off x="0" y="0"/>
-          <a:ext cx="0" cy="0"/>
-          <a:chOff x="0" y="0"/>
-          <a:chExt cx="0" cy="0"/>
-        </a:xfrm>
-      </p:grpSpPr>
-      <p:sp>
-        <p:nvSpPr>
-          <p:cNvPr id="2" name="Título 1"/>
-          <p:cNvSpPr>
-            <a:spLocks noGrp="1"/>
-          </p:cNvSpPr>
-          <p:nvPr>
-            <p:ph type="title"/>
-          </p:nvPr>
-        </p:nvSpPr>
-        <p:spPr/>
-        <p:txBody>
-          <a:bodyPr>
-            <a:normAutofit/>
-          </a:bodyPr>
-          <a:lstStyle/>
-          <a:p>
-            <a:pPr algn="l" defTabSz="914400">
-              <a:spcBef>
-                <a:spcPts val="0"/>
-              </a:spcBef>
-              <a:buNone/>
-            </a:pPr>
-            <a:r>
-              <a:rPr lang="pt-BR" sz="3200" b="0" i="0" dirty="0" smtClean="0">
-                <a:solidFill>
-                  <a:schemeClr val="bg1"/>
-                </a:solidFill>
-                <a:latin typeface="Book Antiqua"/>
-                <a:ea typeface="+mj-ea"/>
-                <a:cs typeface="+mj-cs"/>
-              </a:rPr>
-              <a:t>Layout de Título e Conteúdo com </a:t>
-            </a:r>
-            <a:r>
-              <a:rPr lang="pt-BR" sz="3200" b="0" i="0" dirty="0" err="1" smtClean="0">
-                <a:solidFill>
-                  <a:schemeClr val="bg1"/>
-                </a:solidFill>
-                <a:latin typeface="Book Antiqua"/>
-                <a:ea typeface="+mj-ea"/>
-                <a:cs typeface="+mj-cs"/>
-              </a:rPr>
-              <a:t>SmartArt</a:t>
-            </a:r>
-            <a:endParaRPr lang="pt-BR" sz="3200" b="0" i="0" dirty="0">
-              <a:solidFill>
-                <a:schemeClr val="bg1"/>
-              </a:solidFill>
-              <a:latin typeface="Book Antiqua"/>
-              <a:ea typeface="+mj-ea"/>
-              <a:cs typeface="+mj-cs"/>
-            </a:endParaRPr>
-          </a:p>
-        </p:txBody>
-      </p:sp>
-      <p:graphicFrame>
-        <p:nvGraphicFramePr>
-          <p:cNvPr id="6" name="Espaço Reservado para Conteúdo 5" descr="Processo Básico em Divisas" title="SmartArt"/>
-          <p:cNvGraphicFramePr>
-            <a:graphicFrameLocks noGrp="1"/>
-          </p:cNvGraphicFramePr>
-          <p:nvPr>
-            <p:ph idx="1"/>
-            <p:extLst>
-              <p:ext uri="{D42A27DB-BD31-4B8C-83A1-F6EECF244321}">
-                <p14:modId xmlns:p14="http://schemas.microsoft.com/office/powerpoint/2010/main" val="2398150307"/>
-              </p:ext>
-            </p:extLst>
-          </p:nvPr>
-        </p:nvGraphicFramePr>
-        <p:xfrm>
-          <a:off x="1295400" y="1828800"/>
-          <a:ext cx="9601200" cy="4343400"/>
-        </p:xfrm>
-        <a:graphic>
-          <a:graphicData uri="http://schemas.openxmlformats.org/drawingml/2006/diagram">
-            <dgm:relIds xmlns:dgm="http://schemas.openxmlformats.org/drawingml/2006/diagram" xmlns:r="http://schemas.openxmlformats.org/officeDocument/2006/relationships" r:dm="rId2" r:lo="rId3" r:qs="rId4" r:cs="rId5"/>
-          </a:graphicData>
-        </a:graphic>
-      </p:graphicFrame>
-    </p:spTree>
-    <p:extLst>
-      <p:ext uri="{BB962C8B-B14F-4D97-AF65-F5344CB8AC3E}">
-        <p14:creationId xmlns:p14="http://schemas.microsoft.com/office/powerpoint/2010/main" val="3112142608"/>
-      </p:ext>
-    </p:extLst>
-  </p:cSld>
-  <p:clrMapOvr>
-    <a:masterClrMapping/>
-  </p:clrMapOvr>
-  <mc:AlternateContent xmlns:mc="http://schemas.openxmlformats.org/markup-compatibility/2006" xmlns:p14="http://schemas.microsoft.com/office/powerpoint/2010/main">
-    <mc:Choice Requires="p14">
-      <p:transition spd="med" p14:dur="700">
-        <p:fade/>
-      </p:transition>
-    </mc:Choice>
-    <mc:Fallback xmlns="">
-      <p:transition spd="med">
-        <p:fade/>
-      </p:transition>
-    </mc:Fallback>
-  </mc:AlternateContent>
-  <p:timing>
-    <p:tnLst>
-      <p:par>
-        <p:cTn id="1" dur="indefinite" restart="never" nodeType="tmRoot"/>
-      </p:par>
-    </p:tnLst>
-  </p:timing>
-</p:sld>
-</file>
-
-<file path=ppt/slides/slide11.xml><?xml version="1.0" encoding="utf-8"?>
-<p:sld xmlns:a="http://schemas.openxmlformats.org/drawingml/2006/main" xmlns:r="http://schemas.openxmlformats.org/officeDocument/2006/relationships" xmlns:p="http://schemas.openxmlformats.org/presentationml/2006/main">
-  <p:cSld>
-    <p:spTree>
-      <p:nvGrpSpPr>
-        <p:cNvPr id="1" name=""/>
-        <p:cNvGrpSpPr/>
-        <p:nvPr/>
-      </p:nvGrpSpPr>
-      <p:grpSpPr>
-        <a:xfrm>
-          <a:off x="0" y="0"/>
-          <a:ext cx="0" cy="0"/>
-          <a:chOff x="0" y="0"/>
-          <a:chExt cx="0" cy="0"/>
-        </a:xfrm>
-      </p:grpSpPr>
-      <p:sp>
-        <p:nvSpPr>
-          <p:cNvPr id="2" name="Título 1"/>
-          <p:cNvSpPr>
-            <a:spLocks noGrp="1"/>
-          </p:cNvSpPr>
-          <p:nvPr>
-            <p:ph type="ctrTitle"/>
-          </p:nvPr>
-        </p:nvSpPr>
-        <p:spPr/>
-        <p:txBody>
-          <a:bodyPr/>
-          <a:lstStyle/>
-          <a:p>
-            <a:endParaRPr lang="pt-BR" dirty="0"/>
-          </a:p>
-        </p:txBody>
-      </p:sp>
-      <p:sp>
-        <p:nvSpPr>
-          <p:cNvPr id="3" name="Subtítulo 2"/>
-          <p:cNvSpPr>
-            <a:spLocks noGrp="1"/>
-          </p:cNvSpPr>
-          <p:nvPr>
-            <p:ph type="subTitle" idx="1"/>
-          </p:nvPr>
-        </p:nvSpPr>
-        <p:spPr/>
-        <p:txBody>
-          <a:bodyPr/>
-          <a:lstStyle/>
-          <a:p>
-            <a:endParaRPr lang="pt-BR" dirty="0"/>
-          </a:p>
-        </p:txBody>
-      </p:sp>
-    </p:spTree>
-    <p:extLst>
-      <p:ext uri="{BB962C8B-B14F-4D97-AF65-F5344CB8AC3E}">
-        <p14:creationId xmlns:p14="http://schemas.microsoft.com/office/powerpoint/2010/main" val="1636679273"/>
-      </p:ext>
-    </p:extLst>
-  </p:cSld>
-  <p:clrMapOvr>
-    <a:masterClrMapping/>
-  </p:clrMapOvr>
-  <mc:AlternateContent xmlns:mc="http://schemas.openxmlformats.org/markup-compatibility/2006" xmlns:p14="http://schemas.microsoft.com/office/powerpoint/2010/main">
-    <mc:Choice Requires="p14">
-      <p:transition spd="med" p14:dur="700">
-        <p:fade/>
-      </p:transition>
-    </mc:Choice>
-    <mc:Fallback xmlns="">
-      <p:transition spd="med">
-        <p:fade/>
-      </p:transition>
-    </mc:Fallback>
-  </mc:AlternateContent>
-  <p:timing>
-    <p:tnLst>
-      <p:par>
-        <p:cTn id="1" dur="indefinite" restart="never" nodeType="tmRoot"/>
-      </p:par>
-    </p:tnLst>
-  </p:timing>
-</p:sld>
-</file>
-
-<file path=ppt/slides/slide12.xml><?xml version="1.0" encoding="utf-8"?>
-<p:sld xmlns:a="http://schemas.openxmlformats.org/drawingml/2006/main" xmlns:r="http://schemas.openxmlformats.org/officeDocument/2006/relationships" xmlns:p="http://schemas.openxmlformats.org/presentationml/2006/main">
-  <p:cSld>
-    <p:spTree>
-      <p:nvGrpSpPr>
-        <p:cNvPr id="1" name=""/>
-        <p:cNvGrpSpPr/>
-        <p:nvPr/>
-      </p:nvGrpSpPr>
-      <p:grpSpPr>
-        <a:xfrm>
-          <a:off x="0" y="0"/>
-          <a:ext cx="0" cy="0"/>
-          <a:chOff x="0" y="0"/>
-          <a:chExt cx="0" cy="0"/>
-        </a:xfrm>
-      </p:grpSpPr>
-      <p:sp>
-        <p:nvSpPr>
-          <p:cNvPr id="2" name="Título 1"/>
-          <p:cNvSpPr>
-            <a:spLocks noGrp="1"/>
-          </p:cNvSpPr>
-          <p:nvPr>
-            <p:ph type="title"/>
-          </p:nvPr>
-        </p:nvSpPr>
-        <p:spPr/>
-        <p:txBody>
-          <a:bodyPr/>
-          <a:lstStyle/>
-          <a:p>
-            <a:endParaRPr lang="pt-BR" dirty="0"/>
-          </a:p>
-        </p:txBody>
-      </p:sp>
-      <p:sp>
-        <p:nvSpPr>
-          <p:cNvPr id="3" name="Espaço Reservado para Texto 2"/>
-          <p:cNvSpPr>
-            <a:spLocks noGrp="1"/>
-          </p:cNvSpPr>
-          <p:nvPr>
-            <p:ph type="body" idx="1"/>
-          </p:nvPr>
-        </p:nvSpPr>
-        <p:spPr/>
-        <p:txBody>
-          <a:bodyPr/>
-          <a:lstStyle/>
-          <a:p>
-            <a:endParaRPr lang="pt-BR" dirty="0"/>
-          </a:p>
-        </p:txBody>
-      </p:sp>
-    </p:spTree>
-    <p:extLst>
-      <p:ext uri="{BB962C8B-B14F-4D97-AF65-F5344CB8AC3E}">
-        <p14:creationId xmlns:p14="http://schemas.microsoft.com/office/powerpoint/2010/main" val="3374778722"/>
-      </p:ext>
-    </p:extLst>
-  </p:cSld>
-  <p:clrMapOvr>
-    <a:masterClrMapping/>
-  </p:clrMapOvr>
-  <mc:AlternateContent xmlns:mc="http://schemas.openxmlformats.org/markup-compatibility/2006" xmlns:p14="http://schemas.microsoft.com/office/powerpoint/2010/main">
-    <mc:Choice Requires="p14">
-      <p:transition spd="med" p14:dur="700">
-        <p:fade/>
-      </p:transition>
-    </mc:Choice>
-    <mc:Fallback xmlns="">
-      <p:transition spd="med">
-        <p:fade/>
-      </p:transition>
-    </mc:Fallback>
-  </mc:AlternateContent>
-  <p:timing>
-    <p:tnLst>
-      <p:par>
-        <p:cTn id="1" dur="indefinite" restart="never" nodeType="tmRoot"/>
-      </p:par>
-    </p:tnLst>
-  </p:timing>
-</p:sld>
-</file>
-
-<file path=ppt/slides/slide13.xml><?xml version="1.0" encoding="utf-8"?>
-<p:sld xmlns:a="http://schemas.openxmlformats.org/drawingml/2006/main" xmlns:r="http://schemas.openxmlformats.org/officeDocument/2006/relationships" xmlns:p="http://schemas.openxmlformats.org/presentationml/2006/main">
-  <p:cSld>
-    <p:spTree>
-      <p:nvGrpSpPr>
-        <p:cNvPr id="1" name=""/>
-        <p:cNvGrpSpPr/>
-        <p:nvPr/>
-      </p:nvGrpSpPr>
-      <p:grpSpPr>
-        <a:xfrm>
-          <a:off x="0" y="0"/>
-          <a:ext cx="0" cy="0"/>
-          <a:chOff x="0" y="0"/>
-          <a:chExt cx="0" cy="0"/>
-        </a:xfrm>
-      </p:grpSpPr>
-      <p:sp>
-        <p:nvSpPr>
-          <p:cNvPr id="2" name="Título 1"/>
-          <p:cNvSpPr>
-            <a:spLocks noGrp="1"/>
-          </p:cNvSpPr>
-          <p:nvPr>
-            <p:ph type="title"/>
-          </p:nvPr>
-        </p:nvSpPr>
-        <p:spPr/>
-        <p:txBody>
-          <a:bodyPr/>
-          <a:lstStyle/>
-          <a:p>
-            <a:endParaRPr lang="pt-BR" dirty="0"/>
-          </a:p>
-        </p:txBody>
-      </p:sp>
-      <p:sp>
-        <p:nvSpPr>
-          <p:cNvPr id="3" name="Espaço Reservado para Texto 2"/>
-          <p:cNvSpPr>
-            <a:spLocks noGrp="1"/>
-          </p:cNvSpPr>
-          <p:nvPr>
-            <p:ph type="body" idx="1"/>
-          </p:nvPr>
-        </p:nvSpPr>
-        <p:spPr/>
-        <p:txBody>
-          <a:bodyPr/>
-          <a:lstStyle/>
-          <a:p>
-            <a:endParaRPr lang="pt-BR" dirty="0"/>
-          </a:p>
-        </p:txBody>
-      </p:sp>
-      <p:sp>
-        <p:nvSpPr>
-          <p:cNvPr id="4" name="Espaço Reservado para Conteúdo 3"/>
-          <p:cNvSpPr>
-            <a:spLocks noGrp="1"/>
-          </p:cNvSpPr>
-          <p:nvPr>
-            <p:ph sz="half" idx="2"/>
-          </p:nvPr>
-        </p:nvSpPr>
-        <p:spPr/>
-        <p:txBody>
-          <a:bodyPr/>
-          <a:lstStyle/>
-          <a:p>
-            <a:endParaRPr lang="pt-BR" dirty="0"/>
-          </a:p>
-        </p:txBody>
-      </p:sp>
-      <p:sp>
-        <p:nvSpPr>
-          <p:cNvPr id="5" name="Espaço Reservado para Texto 4"/>
-          <p:cNvSpPr>
-            <a:spLocks noGrp="1"/>
-          </p:cNvSpPr>
-          <p:nvPr>
-            <p:ph type="body" sz="quarter" idx="3"/>
-          </p:nvPr>
-        </p:nvSpPr>
-        <p:spPr/>
-        <p:txBody>
-          <a:bodyPr/>
-          <a:lstStyle/>
-          <a:p>
-            <a:endParaRPr lang="pt-BR" dirty="0"/>
-          </a:p>
-        </p:txBody>
-      </p:sp>
-      <p:sp>
-        <p:nvSpPr>
-          <p:cNvPr id="6" name="Espaço Reservado para Conteúdo 5"/>
-          <p:cNvSpPr>
-            <a:spLocks noGrp="1"/>
-          </p:cNvSpPr>
-          <p:nvPr>
-            <p:ph sz="quarter" idx="4"/>
-          </p:nvPr>
-        </p:nvSpPr>
-        <p:spPr/>
-        <p:txBody>
-          <a:bodyPr/>
-          <a:lstStyle/>
-          <a:p>
-            <a:endParaRPr lang="pt-BR" dirty="0"/>
-          </a:p>
-        </p:txBody>
-      </p:sp>
-    </p:spTree>
-    <p:extLst>
-      <p:ext uri="{BB962C8B-B14F-4D97-AF65-F5344CB8AC3E}">
-        <p14:creationId xmlns:p14="http://schemas.microsoft.com/office/powerpoint/2010/main" val="737118897"/>
-      </p:ext>
-    </p:extLst>
-  </p:cSld>
-  <p:clrMapOvr>
-    <a:masterClrMapping/>
-  </p:clrMapOvr>
-  <mc:AlternateContent xmlns:mc="http://schemas.openxmlformats.org/markup-compatibility/2006" xmlns:p14="http://schemas.microsoft.com/office/powerpoint/2010/main">
-    <mc:Choice Requires="p14">
-      <p:transition spd="med" p14:dur="700">
-        <p:fade/>
-      </p:transition>
-    </mc:Choice>
-    <mc:Fallback xmlns="">
-      <p:transition spd="med">
-        <p:fade/>
-      </p:transition>
-    </mc:Fallback>
-  </mc:AlternateContent>
-  <p:timing>
-    <p:tnLst>
-      <p:par>
-        <p:cTn id="1" dur="indefinite" restart="never" nodeType="tmRoot"/>
-      </p:par>
-    </p:tnLst>
-  </p:timing>
-</p:sld>
-</file>
-
-<file path=ppt/slides/slide14.xml><?xml version="1.0" encoding="utf-8"?>
-<p:sld xmlns:a="http://schemas.openxmlformats.org/drawingml/2006/main" xmlns:r="http://schemas.openxmlformats.org/officeDocument/2006/relationships" xmlns:p="http://schemas.openxmlformats.org/presentationml/2006/main">
-  <p:cSld>
-    <p:spTree>
-      <p:nvGrpSpPr>
-        <p:cNvPr id="1" name=""/>
-        <p:cNvGrpSpPr/>
-        <p:nvPr/>
-      </p:nvGrpSpPr>
-      <p:grpSpPr>
-        <a:xfrm>
-          <a:off x="0" y="0"/>
-          <a:ext cx="0" cy="0"/>
-          <a:chOff x="0" y="0"/>
-          <a:chExt cx="0" cy="0"/>
-        </a:xfrm>
-      </p:grpSpPr>
-      <p:sp>
-        <p:nvSpPr>
-          <p:cNvPr id="2" name="Título 1"/>
-          <p:cNvSpPr>
-            <a:spLocks noGrp="1"/>
-          </p:cNvSpPr>
-          <p:nvPr>
-            <p:ph type="title"/>
-          </p:nvPr>
-        </p:nvSpPr>
-        <p:spPr/>
-        <p:txBody>
-          <a:bodyPr/>
-          <a:lstStyle/>
-          <a:p>
-            <a:endParaRPr lang="pt-BR" dirty="0"/>
-          </a:p>
-        </p:txBody>
-      </p:sp>
-    </p:spTree>
-    <p:extLst>
-      <p:ext uri="{BB962C8B-B14F-4D97-AF65-F5344CB8AC3E}">
-        <p14:creationId xmlns:p14="http://schemas.microsoft.com/office/powerpoint/2010/main" val="3061729273"/>
-      </p:ext>
-    </p:extLst>
-  </p:cSld>
-  <p:clrMapOvr>
-    <a:masterClrMapping/>
-  </p:clrMapOvr>
-  <mc:AlternateContent xmlns:mc="http://schemas.openxmlformats.org/markup-compatibility/2006" xmlns:p14="http://schemas.microsoft.com/office/powerpoint/2010/main">
-    <mc:Choice Requires="p14">
-      <p:transition spd="med" p14:dur="700">
-        <p:fade/>
-      </p:transition>
-    </mc:Choice>
-    <mc:Fallback xmlns="">
-      <p:transition spd="med">
-        <p:fade/>
-      </p:transition>
-    </mc:Fallback>
-  </mc:AlternateContent>
-  <p:timing>
-    <p:tnLst>
-      <p:par>
-        <p:cTn id="1" dur="indefinite" restart="never" nodeType="tmRoot"/>
-      </p:par>
-    </p:tnLst>
-  </p:timing>
-</p:sld>
-</file>
-
-<file path=ppt/slides/slide15.xml><?xml version="1.0" encoding="utf-8"?>
-<p:sld xmlns:a="http://schemas.openxmlformats.org/drawingml/2006/main" xmlns:r="http://schemas.openxmlformats.org/officeDocument/2006/relationships" xmlns:p="http://schemas.openxmlformats.org/presentationml/2006/main">
-  <p:cSld>
-    <p:spTree>
-      <p:nvGrpSpPr>
-        <p:cNvPr id="1" name=""/>
-        <p:cNvGrpSpPr/>
-        <p:nvPr/>
-      </p:nvGrpSpPr>
-      <p:grpSpPr>
-        <a:xfrm>
-          <a:off x="0" y="0"/>
-          <a:ext cx="0" cy="0"/>
-          <a:chOff x="0" y="0"/>
-          <a:chExt cx="0" cy="0"/>
-        </a:xfrm>
-      </p:grpSpPr>
-      <p:sp>
-        <p:nvSpPr>
-          <p:cNvPr id="2" name="Título 1"/>
-          <p:cNvSpPr>
-            <a:spLocks noGrp="1"/>
-          </p:cNvSpPr>
-          <p:nvPr>
-            <p:ph type="title"/>
-          </p:nvPr>
-        </p:nvSpPr>
-        <p:spPr/>
-        <p:txBody>
-          <a:bodyPr/>
-          <a:lstStyle/>
-          <a:p>
-            <a:endParaRPr lang="pt-BR" dirty="0"/>
-          </a:p>
-        </p:txBody>
-      </p:sp>
-      <p:sp>
-        <p:nvSpPr>
-          <p:cNvPr id="3" name="Espaço Reservado para Conteúdo 2"/>
-          <p:cNvSpPr>
-            <a:spLocks noGrp="1"/>
-          </p:cNvSpPr>
-          <p:nvPr>
-            <p:ph idx="1"/>
-          </p:nvPr>
-        </p:nvSpPr>
-        <p:spPr/>
-        <p:txBody>
-          <a:bodyPr/>
-          <a:lstStyle/>
-          <a:p>
-            <a:endParaRPr lang="pt-BR" dirty="0"/>
-          </a:p>
-        </p:txBody>
-      </p:sp>
-      <p:sp>
-        <p:nvSpPr>
-          <p:cNvPr id="4" name="Espaço Reservado para Texto 3"/>
-          <p:cNvSpPr>
-            <a:spLocks noGrp="1"/>
-          </p:cNvSpPr>
-          <p:nvPr>
-            <p:ph type="body" sz="half" idx="2"/>
-          </p:nvPr>
-        </p:nvSpPr>
-        <p:spPr/>
-        <p:txBody>
-          <a:bodyPr/>
-          <a:lstStyle/>
-          <a:p>
-            <a:endParaRPr lang="pt-BR" dirty="0"/>
-          </a:p>
-        </p:txBody>
-      </p:sp>
-    </p:spTree>
-    <p:extLst>
-      <p:ext uri="{BB962C8B-B14F-4D97-AF65-F5344CB8AC3E}">
-        <p14:creationId xmlns:p14="http://schemas.microsoft.com/office/powerpoint/2010/main" val="332843759"/>
-      </p:ext>
-    </p:extLst>
-  </p:cSld>
-  <p:clrMapOvr>
-    <a:masterClrMapping/>
-  </p:clrMapOvr>
-  <mc:AlternateContent xmlns:mc="http://schemas.openxmlformats.org/markup-compatibility/2006" xmlns:p14="http://schemas.microsoft.com/office/powerpoint/2010/main">
-    <mc:Choice Requires="p14">
-      <p:transition spd="med" p14:dur="700">
-        <p:fade/>
-      </p:transition>
-    </mc:Choice>
-    <mc:Fallback xmlns="">
-      <p:transition spd="med">
-        <p:fade/>
-      </p:transition>
-    </mc:Fallback>
-  </mc:AlternateContent>
-  <p:timing>
-    <p:tnLst>
-      <p:par>
-        <p:cTn id="1" dur="indefinite" restart="never" nodeType="tmRoot"/>
-      </p:par>
-    </p:tnLst>
-  </p:timing>
-</p:sld>
-</file>
-
-<file path=ppt/slides/slide16.xml><?xml version="1.0" encoding="utf-8"?>
-<p:sld xmlns:a="http://schemas.openxmlformats.org/drawingml/2006/main" xmlns:r="http://schemas.openxmlformats.org/officeDocument/2006/relationships" xmlns:p="http://schemas.openxmlformats.org/presentationml/2006/main">
-  <p:cSld>
-    <p:spTree>
-      <p:nvGrpSpPr>
-        <p:cNvPr id="1" name=""/>
-        <p:cNvGrpSpPr/>
-        <p:nvPr/>
-      </p:nvGrpSpPr>
-      <p:grpSpPr>
-        <a:xfrm>
-          <a:off x="0" y="0"/>
-          <a:ext cx="0" cy="0"/>
-          <a:chOff x="0" y="0"/>
-          <a:chExt cx="0" cy="0"/>
-        </a:xfrm>
-      </p:grpSpPr>
-      <p:sp>
-        <p:nvSpPr>
-          <p:cNvPr id="2" name="Título 1"/>
-          <p:cNvSpPr>
-            <a:spLocks noGrp="1"/>
-          </p:cNvSpPr>
-          <p:nvPr>
-            <p:ph type="title"/>
-          </p:nvPr>
-        </p:nvSpPr>
-        <p:spPr/>
-        <p:txBody>
-          <a:bodyPr/>
-          <a:lstStyle/>
-          <a:p>
-            <a:endParaRPr lang="pt-BR" dirty="0"/>
-          </a:p>
-        </p:txBody>
-      </p:sp>
-      <p:sp>
-        <p:nvSpPr>
-          <p:cNvPr id="3" name="Espaço Reservado para Imagem 2"/>
-          <p:cNvSpPr>
-            <a:spLocks noGrp="1"/>
-          </p:cNvSpPr>
-          <p:nvPr>
-            <p:ph type="pic" idx="1"/>
-          </p:nvPr>
-        </p:nvSpPr>
-        <p:spPr/>
-      </p:sp>
-      <p:sp>
-        <p:nvSpPr>
-          <p:cNvPr id="4" name="Espaço Reservado para Texto 3"/>
-          <p:cNvSpPr>
-            <a:spLocks noGrp="1"/>
-          </p:cNvSpPr>
-          <p:nvPr>
-            <p:ph type="body" sz="half" idx="2"/>
-          </p:nvPr>
-        </p:nvSpPr>
-        <p:spPr/>
-        <p:txBody>
-          <a:bodyPr/>
-          <a:lstStyle/>
-          <a:p>
-            <a:endParaRPr lang="pt-BR" dirty="0"/>
-          </a:p>
-        </p:txBody>
-      </p:sp>
-    </p:spTree>
-    <p:extLst>
-      <p:ext uri="{BB962C8B-B14F-4D97-AF65-F5344CB8AC3E}">
-        <p14:creationId xmlns:p14="http://schemas.microsoft.com/office/powerpoint/2010/main" val="4129926194"/>
-      </p:ext>
-    </p:extLst>
-  </p:cSld>
-  <p:clrMapOvr>
-    <a:masterClrMapping/>
-  </p:clrMapOvr>
-  <mc:AlternateContent xmlns:mc="http://schemas.openxmlformats.org/markup-compatibility/2006" xmlns:p14="http://schemas.microsoft.com/office/powerpoint/2010/main">
-    <mc:Choice Requires="p14">
-      <p:transition spd="med" p14:dur="700">
-        <p:fade/>
-      </p:transition>
-    </mc:Choice>
-    <mc:Fallback xmlns="">
-      <p:transition spd="med">
-        <p:fade/>
-      </p:transition>
-    </mc:Fallback>
-  </mc:AlternateContent>
-  <p:timing>
-    <p:tnLst>
-      <p:par>
-        <p:cTn id="1" dur="indefinite" restart="never" nodeType="tmRoot"/>
-      </p:par>
-    </p:tnLst>
-  </p:timing>
-</p:sld>
-</file>
-
-<file path=ppt/slides/slide2.xml><?xml version="1.0" encoding="utf-8"?>
-<p:sld xmlns:a="http://schemas.openxmlformats.org/drawingml/2006/main" xmlns:r="http://schemas.openxmlformats.org/officeDocument/2006/relationships" xmlns:p="http://schemas.openxmlformats.org/presentationml/2006/main">
-  <p:cSld>
-    <p:spTree>
-      <p:nvGrpSpPr>
-        <p:cNvPr id="1" name=""/>
-        <p:cNvGrpSpPr/>
-        <p:nvPr/>
-      </p:nvGrpSpPr>
-      <p:grpSpPr>
-        <a:xfrm>
-          <a:off x="0" y="0"/>
-          <a:ext cx="0" cy="0"/>
-          <a:chOff x="0" y="0"/>
-          <a:chExt cx="0" cy="0"/>
-        </a:xfrm>
-      </p:grpSpPr>
-      <p:sp>
-        <p:nvSpPr>
-          <p:cNvPr id="2" name="Título 1"/>
-          <p:cNvSpPr>
-            <a:spLocks noGrp="1"/>
-          </p:cNvSpPr>
-          <p:nvPr>
-            <p:ph type="title"/>
-          </p:nvPr>
-        </p:nvSpPr>
-        <p:spPr/>
-        <p:txBody>
-          <a:bodyPr>
-            <a:normAutofit/>
-          </a:bodyPr>
-          <a:lstStyle/>
-          <a:p>
-            <a:r>
-              <a:rPr lang="pt-BR" sz="4000" dirty="0" smtClean="0">
-                <a:latin typeface="Segoe UI" panose="020B0502040204020203" pitchFamily="34" charset="0"/>
-                <a:ea typeface="Segoe UI" panose="020B0502040204020203" pitchFamily="34" charset="0"/>
-                <a:cs typeface="Segoe UI" panose="020B0502040204020203" pitchFamily="34" charset="0"/>
-              </a:rPr>
-              <a:t>Autores</a:t>
-            </a:r>
-            <a:endParaRPr lang="pt-BR" sz="4000" dirty="0">
-              <a:latin typeface="Segoe UI" panose="020B0502040204020203" pitchFamily="34" charset="0"/>
-              <a:ea typeface="Segoe UI" panose="020B0502040204020203" pitchFamily="34" charset="0"/>
-              <a:cs typeface="Segoe UI" panose="020B0502040204020203" pitchFamily="34" charset="0"/>
-            </a:endParaRPr>
-          </a:p>
-        </p:txBody>
-      </p:sp>
-      <p:sp>
-        <p:nvSpPr>
-          <p:cNvPr id="3" name="Espaço Reservado para Texto 2"/>
-          <p:cNvSpPr>
-            <a:spLocks noGrp="1"/>
-          </p:cNvSpPr>
-          <p:nvPr>
-            <p:ph type="body" sz="half" idx="2"/>
-          </p:nvPr>
-        </p:nvSpPr>
-        <p:spPr/>
-        <p:txBody>
-          <a:bodyPr/>
-          <a:lstStyle/>
-          <a:p>
-            <a:r>
-              <a:rPr lang="pt-BR" dirty="0" smtClean="0">
-                <a:latin typeface="Segoe UI" panose="020B0502040204020203" pitchFamily="34" charset="0"/>
-                <a:ea typeface="Segoe UI" panose="020B0502040204020203" pitchFamily="34" charset="0"/>
-                <a:cs typeface="Segoe UI" panose="020B0502040204020203" pitchFamily="34" charset="0"/>
-              </a:rPr>
-              <a:t>David Allysson Pereira Moreira</a:t>
-            </a:r>
-          </a:p>
-          <a:p>
-            <a:r>
-              <a:rPr lang="pt-BR" dirty="0" smtClean="0">
-                <a:latin typeface="Segoe UI" panose="020B0502040204020203" pitchFamily="34" charset="0"/>
-                <a:ea typeface="Segoe UI" panose="020B0502040204020203" pitchFamily="34" charset="0"/>
-                <a:cs typeface="Segoe UI" panose="020B0502040204020203" pitchFamily="34" charset="0"/>
-              </a:rPr>
-              <a:t>github.com/</a:t>
-            </a:r>
-            <a:r>
-              <a:rPr lang="pt-BR" dirty="0" err="1" smtClean="0">
-                <a:latin typeface="Segoe UI" panose="020B0502040204020203" pitchFamily="34" charset="0"/>
-                <a:ea typeface="Segoe UI" panose="020B0502040204020203" pitchFamily="34" charset="0"/>
-                <a:cs typeface="Segoe UI" panose="020B0502040204020203" pitchFamily="34" charset="0"/>
-              </a:rPr>
-              <a:t>davidallysson</a:t>
-            </a:r>
-            <a:endParaRPr lang="pt-BR" dirty="0" smtClean="0">
-              <a:latin typeface="Segoe UI" panose="020B0502040204020203" pitchFamily="34" charset="0"/>
-              <a:ea typeface="Segoe UI" panose="020B0502040204020203" pitchFamily="34" charset="0"/>
-              <a:cs typeface="Segoe UI" panose="020B0502040204020203" pitchFamily="34" charset="0"/>
-            </a:endParaRPr>
-          </a:p>
-          <a:p>
-            <a:r>
-              <a:rPr lang="pt-BR" dirty="0" smtClean="0">
-                <a:latin typeface="Segoe UI" panose="020B0502040204020203" pitchFamily="34" charset="0"/>
-                <a:ea typeface="Segoe UI" panose="020B0502040204020203" pitchFamily="34" charset="0"/>
-                <a:cs typeface="Segoe UI" panose="020B0502040204020203" pitchFamily="34" charset="0"/>
-              </a:rPr>
-              <a:t>davidmoreirainformatica@gmail.com</a:t>
-            </a:r>
-            <a:endParaRPr lang="pt-BR" dirty="0">
-              <a:latin typeface="Segoe UI" panose="020B0502040204020203" pitchFamily="34" charset="0"/>
-              <a:ea typeface="Segoe UI" panose="020B0502040204020203" pitchFamily="34" charset="0"/>
-              <a:cs typeface="Segoe UI" panose="020B0502040204020203" pitchFamily="34" charset="0"/>
-            </a:endParaRPr>
-          </a:p>
-        </p:txBody>
-      </p:sp>
-      <p:sp>
-        <p:nvSpPr>
-          <p:cNvPr id="4" name="Espaço Reservado para Texto 3"/>
-          <p:cNvSpPr>
-            <a:spLocks noGrp="1"/>
-          </p:cNvSpPr>
-          <p:nvPr>
-            <p:ph type="body" sz="half" idx="14"/>
-          </p:nvPr>
-        </p:nvSpPr>
-        <p:spPr/>
-        <p:txBody>
-          <a:bodyPr/>
-          <a:lstStyle/>
-          <a:p>
-            <a:endParaRPr lang="pt-BR" dirty="0"/>
-          </a:p>
-        </p:txBody>
-      </p:sp>
-      <p:sp>
-        <p:nvSpPr>
-          <p:cNvPr id="6" name="Espaço Reservado para Imagem 5"/>
-          <p:cNvSpPr>
-            <a:spLocks noGrp="1"/>
-          </p:cNvSpPr>
-          <p:nvPr>
-            <p:ph type="pic" idx="13"/>
-          </p:nvPr>
-        </p:nvSpPr>
-        <p:spPr/>
-      </p:sp>
-      <p:pic>
-        <p:nvPicPr>
-          <p:cNvPr id="11" name="Espaço Reservado para Imagem 10"/>
-          <p:cNvPicPr>
-            <a:picLocks noGrp="1" noChangeAspect="1"/>
-          </p:cNvPicPr>
-          <p:nvPr>
-            <p:ph type="pic" idx="1"/>
-          </p:nvPr>
-        </p:nvPicPr>
-        <p:blipFill>
-          <a:blip r:embed="rId2">
-            <a:extLst>
-              <a:ext uri="{28A0092B-C50C-407E-A947-70E740481C1C}">
-                <a14:useLocalDpi xmlns:a14="http://schemas.microsoft.com/office/drawing/2010/main" val="0"/>
-              </a:ext>
-            </a:extLst>
-          </a:blip>
-          <a:stretch>
-            <a:fillRect/>
-          </a:stretch>
-        </p:blipFill>
-        <p:spPr>
-          <a:xfrm>
-            <a:off x="1759040" y="1828801"/>
-            <a:ext cx="3405389" cy="3405389"/>
-          </a:xfrm>
-          <a:effectLst>
-            <a:softEdge rad="0"/>
-          </a:effectLst>
-        </p:spPr>
-      </p:pic>
-    </p:spTree>
-    <p:extLst>
-      <p:ext uri="{BB962C8B-B14F-4D97-AF65-F5344CB8AC3E}">
-        <p14:creationId xmlns:p14="http://schemas.microsoft.com/office/powerpoint/2010/main" val="188841400"/>
-      </p:ext>
-    </p:extLst>
-  </p:cSld>
-  <p:clrMapOvr>
-    <a:masterClrMapping/>
-  </p:clrMapOvr>
-  <mc:AlternateContent xmlns:mc="http://schemas.openxmlformats.org/markup-compatibility/2006" xmlns:p14="http://schemas.microsoft.com/office/powerpoint/2010/main">
-    <mc:Choice Requires="p14">
-      <p:transition spd="med" p14:dur="700">
-        <p:fade/>
-      </p:transition>
-    </mc:Choice>
-    <mc:Fallback xmlns="">
-      <p:transition spd="med">
-        <p:fade/>
-      </p:transition>
-    </mc:Fallback>
-  </mc:AlternateContent>
-  <p:timing>
-    <p:tnLst>
-      <p:par>
-        <p:cTn id="1" dur="indefinite" restart="never" nodeType="tmRoot"/>
-      </p:par>
-    </p:tnLst>
-  </p:timing>
-</p:sld>
-</file>
-
-<file path=ppt/slides/slide3.xml><?xml version="1.0" encoding="utf-8"?>
-<p:sld xmlns:a="http://schemas.openxmlformats.org/drawingml/2006/main" xmlns:r="http://schemas.openxmlformats.org/officeDocument/2006/relationships" xmlns:p="http://schemas.openxmlformats.org/presentationml/2006/main">
-  <p:cSld>
-    <p:spTree>
-      <p:nvGrpSpPr>
-        <p:cNvPr id="1" name=""/>
-        <p:cNvGrpSpPr/>
-        <p:nvPr/>
-      </p:nvGrpSpPr>
-      <p:grpSpPr>
-        <a:xfrm>
-          <a:off x="0" y="0"/>
-          <a:ext cx="0" cy="0"/>
-          <a:chOff x="0" y="0"/>
-          <a:chExt cx="0" cy="0"/>
-        </a:xfrm>
-      </p:grpSpPr>
-      <p:sp>
-        <p:nvSpPr>
-          <p:cNvPr id="2" name="Título 1"/>
-          <p:cNvSpPr>
-            <a:spLocks noGrp="1"/>
-          </p:cNvSpPr>
-          <p:nvPr>
-            <p:ph type="title"/>
-          </p:nvPr>
-        </p:nvSpPr>
-        <p:spPr/>
-        <p:txBody>
-          <a:bodyPr>
-            <a:normAutofit/>
-          </a:bodyPr>
-          <a:lstStyle/>
-          <a:p>
-            <a:r>
-              <a:rPr lang="pt-BR" sz="4000" dirty="0" smtClean="0">
-                <a:latin typeface="Segoe UI" panose="020B0502040204020203" pitchFamily="34" charset="0"/>
-                <a:ea typeface="Segoe UI" panose="020B0502040204020203" pitchFamily="34" charset="0"/>
-                <a:cs typeface="Segoe UI" panose="020B0502040204020203" pitchFamily="34" charset="0"/>
-              </a:rPr>
-              <a:t>O que são Sites Responsivos?</a:t>
-            </a:r>
-            <a:endParaRPr lang="pt-BR" sz="4000" dirty="0">
-              <a:latin typeface="Segoe UI" panose="020B0502040204020203" pitchFamily="34" charset="0"/>
-              <a:ea typeface="Segoe UI" panose="020B0502040204020203" pitchFamily="34" charset="0"/>
-              <a:cs typeface="Segoe UI" panose="020B0502040204020203" pitchFamily="34" charset="0"/>
-            </a:endParaRPr>
-          </a:p>
-        </p:txBody>
-      </p:sp>
-      <p:sp>
-        <p:nvSpPr>
-          <p:cNvPr id="3" name="Espaço Reservado para Conteúdo 2"/>
-          <p:cNvSpPr>
-            <a:spLocks noGrp="1"/>
-          </p:cNvSpPr>
-          <p:nvPr>
-            <p:ph sz="half" idx="1"/>
-          </p:nvPr>
-        </p:nvSpPr>
-        <p:spPr>
-          <a:xfrm>
-            <a:off x="1295400" y="1828800"/>
-            <a:ext cx="5889171" cy="4343400"/>
-          </a:xfrm>
-        </p:spPr>
-        <p:txBody>
-          <a:bodyPr>
-            <a:normAutofit/>
-          </a:bodyPr>
-          <a:lstStyle/>
-          <a:p>
-            <a:pPr algn="just">
-              <a:lnSpc>
-                <a:spcPct val="150000"/>
-              </a:lnSpc>
-            </a:pPr>
-            <a:r>
-              <a:rPr lang="pt-BR" dirty="0" smtClean="0">
-                <a:latin typeface="Segoe UI" panose="020B0502040204020203" pitchFamily="34" charset="0"/>
-                <a:ea typeface="Segoe UI" panose="020B0502040204020203" pitchFamily="34" charset="0"/>
-                <a:cs typeface="Segoe UI" panose="020B0502040204020203" pitchFamily="34" charset="0"/>
-              </a:rPr>
-              <a:t>Media Queries</a:t>
-            </a:r>
-          </a:p>
-          <a:p>
-            <a:pPr algn="just">
-              <a:lnSpc>
-                <a:spcPct val="150000"/>
-              </a:lnSpc>
-            </a:pPr>
-            <a:r>
-              <a:rPr lang="pt-BR" dirty="0" smtClean="0">
-                <a:latin typeface="Segoe UI" panose="020B0502040204020203" pitchFamily="34" charset="0"/>
-                <a:ea typeface="Segoe UI" panose="020B0502040204020203" pitchFamily="34" charset="0"/>
-                <a:cs typeface="Segoe UI" panose="020B0502040204020203" pitchFamily="34" charset="0"/>
-              </a:rPr>
-              <a:t>Unidades de Medida</a:t>
-            </a:r>
-            <a:endParaRPr lang="pt-BR" dirty="0">
-              <a:latin typeface="Segoe UI" panose="020B0502040204020203" pitchFamily="34" charset="0"/>
-              <a:ea typeface="Segoe UI" panose="020B0502040204020203" pitchFamily="34" charset="0"/>
-              <a:cs typeface="Segoe UI" panose="020B0502040204020203" pitchFamily="34" charset="0"/>
-            </a:endParaRPr>
-          </a:p>
-        </p:txBody>
-      </p:sp>
-      <p:pic>
-        <p:nvPicPr>
-          <p:cNvPr id="1032" name="Picture 8" descr="http://www.ooweboo.co.za/wp-content/uploads/2016/02/Responsive-Web-Design-And-Mobile-Site-Development.png"/>
-          <p:cNvPicPr>
-            <a:picLocks noChangeAspect="1" noChangeArrowheads="1"/>
-          </p:cNvPicPr>
-          <p:nvPr/>
-        </p:nvPicPr>
-        <p:blipFill>
-          <a:blip r:embed="rId2">
-            <a:extLst>
-              <a:ext uri="{28A0092B-C50C-407E-A947-70E740481C1C}">
-                <a14:useLocalDpi xmlns:a14="http://schemas.microsoft.com/office/drawing/2010/main" val="0"/>
-              </a:ext>
-            </a:extLst>
-          </a:blip>
-          <a:srcRect/>
-          <a:stretch>
-            <a:fillRect/>
-          </a:stretch>
-        </p:blipFill>
-        <p:spPr bwMode="auto">
-          <a:xfrm>
-            <a:off x="3914775" y="2116665"/>
-            <a:ext cx="7769225" cy="4055535"/>
-          </a:xfrm>
-          <a:prstGeom prst="rect">
-            <a:avLst/>
-          </a:prstGeom>
-          <a:noFill/>
-          <a:extLst>
-            <a:ext uri="{909E8E84-426E-40DD-AFC4-6F175D3DCCD1}">
-              <a14:hiddenFill xmlns:a14="http://schemas.microsoft.com/office/drawing/2010/main">
-                <a:solidFill>
-                  <a:srgbClr val="FFFFFF"/>
-                </a:solidFill>
-              </a14:hiddenFill>
-            </a:ext>
-          </a:extLst>
-        </p:spPr>
-      </p:pic>
-    </p:spTree>
-    <p:extLst>
-      <p:ext uri="{BB962C8B-B14F-4D97-AF65-F5344CB8AC3E}">
-        <p14:creationId xmlns:p14="http://schemas.microsoft.com/office/powerpoint/2010/main" val="1051951380"/>
-      </p:ext>
-    </p:extLst>
-  </p:cSld>
-  <p:clrMapOvr>
-    <a:masterClrMapping/>
-  </p:clrMapOvr>
-  <mc:AlternateContent xmlns:mc="http://schemas.openxmlformats.org/markup-compatibility/2006" xmlns:p14="http://schemas.microsoft.com/office/powerpoint/2010/main">
-    <mc:Choice Requires="p14">
-      <p:transition spd="med" p14:dur="700">
-        <p:fade/>
-      </p:transition>
-    </mc:Choice>
-    <mc:Fallback xmlns="">
-      <p:transition spd="med">
-        <p:fade/>
-      </p:transition>
-    </mc:Fallback>
-  </mc:AlternateContent>
-  <p:timing>
-    <p:tnLst>
-      <p:par>
-        <p:cTn id="1" dur="indefinite" restart="never" nodeType="tmRoot"/>
-      </p:par>
-    </p:tnLst>
-  </p:timing>
-</p:sld>
-</file>
-
-<file path=ppt/slides/slide4.xml><?xml version="1.0" encoding="utf-8"?>
-<p:sld xmlns:a="http://schemas.openxmlformats.org/drawingml/2006/main" xmlns:r="http://schemas.openxmlformats.org/officeDocument/2006/relationships" xmlns:p="http://schemas.openxmlformats.org/presentationml/2006/main">
-  <p:cSld>
-    <p:spTree>
-      <p:nvGrpSpPr>
-        <p:cNvPr id="1" name=""/>
-        <p:cNvGrpSpPr/>
-        <p:nvPr/>
-      </p:nvGrpSpPr>
-      <p:grpSpPr>
-        <a:xfrm>
-          <a:off x="0" y="0"/>
-          <a:ext cx="0" cy="0"/>
-          <a:chOff x="0" y="0"/>
-          <a:chExt cx="0" cy="0"/>
-        </a:xfrm>
-      </p:grpSpPr>
-      <p:sp>
-        <p:nvSpPr>
-          <p:cNvPr id="2" name="Título 1"/>
-          <p:cNvSpPr>
-            <a:spLocks noGrp="1"/>
-          </p:cNvSpPr>
-          <p:nvPr>
-            <p:ph type="title"/>
-          </p:nvPr>
-        </p:nvSpPr>
-        <p:spPr/>
-        <p:txBody>
-          <a:bodyPr>
-            <a:normAutofit/>
-          </a:bodyPr>
-          <a:lstStyle/>
-          <a:p>
-            <a:r>
-              <a:rPr lang="pt-BR" sz="4000" dirty="0" smtClean="0">
-                <a:latin typeface="Segoe UI" panose="020B0502040204020203" pitchFamily="34" charset="0"/>
-                <a:ea typeface="Segoe UI" panose="020B0502040204020203" pitchFamily="34" charset="0"/>
-                <a:cs typeface="Segoe UI" panose="020B0502040204020203" pitchFamily="34" charset="0"/>
-              </a:rPr>
-              <a:t>Afinal, o que é Bootstrap?</a:t>
-            </a:r>
-            <a:endParaRPr lang="pt-BR" sz="4000" dirty="0">
-              <a:latin typeface="Segoe UI" panose="020B0502040204020203" pitchFamily="34" charset="0"/>
-              <a:ea typeface="Segoe UI" panose="020B0502040204020203" pitchFamily="34" charset="0"/>
-              <a:cs typeface="Segoe UI" panose="020B0502040204020203" pitchFamily="34" charset="0"/>
-            </a:endParaRPr>
-          </a:p>
-        </p:txBody>
-      </p:sp>
-      <p:sp>
-        <p:nvSpPr>
-          <p:cNvPr id="3" name="Espaço Reservado para Conteúdo 2"/>
-          <p:cNvSpPr>
-            <a:spLocks noGrp="1"/>
-          </p:cNvSpPr>
-          <p:nvPr>
-            <p:ph sz="half" idx="1"/>
-          </p:nvPr>
-        </p:nvSpPr>
-        <p:spPr>
-          <a:xfrm>
-            <a:off x="1295400" y="1828800"/>
-            <a:ext cx="5889171" cy="4343400"/>
-          </a:xfrm>
-        </p:spPr>
-        <p:txBody>
-          <a:bodyPr>
-            <a:normAutofit lnSpcReduction="10000"/>
-          </a:bodyPr>
-          <a:lstStyle/>
-          <a:p>
-            <a:pPr algn="just">
-              <a:lnSpc>
-                <a:spcPct val="150000"/>
-              </a:lnSpc>
-            </a:pPr>
-            <a:r>
-              <a:rPr lang="pt-BR" dirty="0" smtClean="0">
-                <a:latin typeface="Segoe UI" panose="020B0502040204020203" pitchFamily="34" charset="0"/>
-                <a:ea typeface="Segoe UI" panose="020B0502040204020203" pitchFamily="34" charset="0"/>
-                <a:cs typeface="Segoe UI" panose="020B0502040204020203" pitchFamily="34" charset="0"/>
-              </a:rPr>
-              <a:t>Framework CSS (Front-</a:t>
-            </a:r>
-            <a:r>
-              <a:rPr lang="pt-BR" dirty="0" err="1" smtClean="0">
-                <a:latin typeface="Segoe UI" panose="020B0502040204020203" pitchFamily="34" charset="0"/>
-                <a:ea typeface="Segoe UI" panose="020B0502040204020203" pitchFamily="34" charset="0"/>
-                <a:cs typeface="Segoe UI" panose="020B0502040204020203" pitchFamily="34" charset="0"/>
-              </a:rPr>
-              <a:t>end</a:t>
-            </a:r>
-            <a:r>
-              <a:rPr lang="pt-BR" dirty="0" smtClean="0">
-                <a:latin typeface="Segoe UI" panose="020B0502040204020203" pitchFamily="34" charset="0"/>
-                <a:ea typeface="Segoe UI" panose="020B0502040204020203" pitchFamily="34" charset="0"/>
-                <a:cs typeface="Segoe UI" panose="020B0502040204020203" pitchFamily="34" charset="0"/>
-              </a:rPr>
-              <a:t>)</a:t>
-            </a:r>
-          </a:p>
-          <a:p>
-            <a:pPr lvl="1" algn="just">
-              <a:lnSpc>
-                <a:spcPct val="150000"/>
-              </a:lnSpc>
-            </a:pPr>
-            <a:r>
-              <a:rPr lang="pt-BR" dirty="0" smtClean="0">
-                <a:latin typeface="Segoe UI" panose="020B0502040204020203" pitchFamily="34" charset="0"/>
-                <a:ea typeface="Segoe UI" panose="020B0502040204020203" pitchFamily="34" charset="0"/>
-                <a:cs typeface="Segoe UI" panose="020B0502040204020203" pitchFamily="34" charset="0"/>
-              </a:rPr>
-              <a:t>Ferramenta de Resolução de Problemas Comuns ou Recorrentes</a:t>
-            </a:r>
-          </a:p>
-          <a:p>
-            <a:pPr algn="just">
-              <a:lnSpc>
-                <a:spcPct val="150000"/>
-              </a:lnSpc>
-            </a:pPr>
-            <a:r>
-              <a:rPr lang="pt-BR" dirty="0">
-                <a:latin typeface="Segoe UI" panose="020B0502040204020203" pitchFamily="34" charset="0"/>
-                <a:ea typeface="Segoe UI" panose="020B0502040204020203" pitchFamily="34" charset="0"/>
-                <a:cs typeface="Segoe UI" panose="020B0502040204020203" pitchFamily="34" charset="0"/>
-              </a:rPr>
-              <a:t>Open-</a:t>
-            </a:r>
-            <a:r>
-              <a:rPr lang="pt-BR" dirty="0" err="1">
-                <a:latin typeface="Segoe UI" panose="020B0502040204020203" pitchFamily="34" charset="0"/>
-                <a:ea typeface="Segoe UI" panose="020B0502040204020203" pitchFamily="34" charset="0"/>
-                <a:cs typeface="Segoe UI" panose="020B0502040204020203" pitchFamily="34" charset="0"/>
-              </a:rPr>
-              <a:t>Source</a:t>
-            </a:r>
-            <a:r>
-              <a:rPr lang="pt-BR" dirty="0">
-                <a:latin typeface="Segoe UI" panose="020B0502040204020203" pitchFamily="34" charset="0"/>
-                <a:ea typeface="Segoe UI" panose="020B0502040204020203" pitchFamily="34" charset="0"/>
-                <a:cs typeface="Segoe UI" panose="020B0502040204020203" pitchFamily="34" charset="0"/>
-              </a:rPr>
-              <a:t> (</a:t>
-            </a:r>
-            <a:r>
-              <a:rPr lang="pt-BR" dirty="0">
-                <a:latin typeface="Segoe UI" panose="020B0502040204020203" pitchFamily="34" charset="0"/>
-                <a:ea typeface="Segoe UI" panose="020B0502040204020203" pitchFamily="34" charset="0"/>
-                <a:cs typeface="Segoe UI" panose="020B0502040204020203" pitchFamily="34" charset="0"/>
-                <a:hlinkClick r:id="rId2"/>
-              </a:rPr>
-              <a:t>https://github.com/twbs/bootstrap</a:t>
-            </a:r>
-            <a:r>
-              <a:rPr lang="pt-BR" dirty="0">
-                <a:latin typeface="Segoe UI" panose="020B0502040204020203" pitchFamily="34" charset="0"/>
-                <a:ea typeface="Segoe UI" panose="020B0502040204020203" pitchFamily="34" charset="0"/>
-                <a:cs typeface="Segoe UI" panose="020B0502040204020203" pitchFamily="34" charset="0"/>
-              </a:rPr>
-              <a:t>) </a:t>
-            </a:r>
-          </a:p>
-          <a:p>
-            <a:pPr algn="just">
-              <a:lnSpc>
-                <a:spcPct val="150000"/>
-              </a:lnSpc>
-            </a:pPr>
-            <a:r>
-              <a:rPr lang="pt-BR" dirty="0" smtClean="0">
-                <a:latin typeface="Segoe UI" panose="020B0502040204020203" pitchFamily="34" charset="0"/>
-                <a:ea typeface="Segoe UI" panose="020B0502040204020203" pitchFamily="34" charset="0"/>
-                <a:cs typeface="Segoe UI" panose="020B0502040204020203" pitchFamily="34" charset="0"/>
-              </a:rPr>
-              <a:t>Globo Bootstrap</a:t>
-            </a:r>
-          </a:p>
-          <a:p>
-            <a:pPr algn="just">
-              <a:lnSpc>
-                <a:spcPct val="150000"/>
-              </a:lnSpc>
-            </a:pPr>
-            <a:r>
-              <a:rPr lang="pt-BR" dirty="0" smtClean="0">
-                <a:latin typeface="Segoe UI" panose="020B0502040204020203" pitchFamily="34" charset="0"/>
-                <a:ea typeface="Segoe UI" panose="020B0502040204020203" pitchFamily="34" charset="0"/>
-                <a:cs typeface="Segoe UI" panose="020B0502040204020203" pitchFamily="34" charset="0"/>
-              </a:rPr>
-              <a:t>Versão 4</a:t>
-            </a:r>
-            <a:endParaRPr lang="pt-BR" dirty="0">
-              <a:latin typeface="Segoe UI" panose="020B0502040204020203" pitchFamily="34" charset="0"/>
-              <a:ea typeface="Segoe UI" panose="020B0502040204020203" pitchFamily="34" charset="0"/>
-              <a:cs typeface="Segoe UI" panose="020B0502040204020203" pitchFamily="34" charset="0"/>
-            </a:endParaRPr>
-          </a:p>
-        </p:txBody>
-      </p:sp>
-      <p:pic>
-        <p:nvPicPr>
-          <p:cNvPr id="1026" name="Picture 2" descr="https://v4-alpha.getbootstrap.com/assets/brand/bootstrap-social-logo.png"/>
-          <p:cNvPicPr>
-            <a:picLocks noChangeAspect="1" noChangeArrowheads="1"/>
-          </p:cNvPicPr>
-          <p:nvPr/>
-        </p:nvPicPr>
-        <p:blipFill>
-          <a:blip r:embed="rId3">
-            <a:extLst>
-              <a:ext uri="{28A0092B-C50C-407E-A947-70E740481C1C}">
-                <a14:useLocalDpi xmlns:a14="http://schemas.microsoft.com/office/drawing/2010/main" val="0"/>
-              </a:ext>
-            </a:extLst>
-          </a:blip>
-          <a:srcRect/>
-          <a:stretch>
-            <a:fillRect/>
-          </a:stretch>
-        </p:blipFill>
-        <p:spPr bwMode="auto">
-          <a:xfrm>
-            <a:off x="7460575" y="1828800"/>
-            <a:ext cx="4343400" cy="4343400"/>
-          </a:xfrm>
-          <a:prstGeom prst="rect">
-            <a:avLst/>
-          </a:prstGeom>
-          <a:noFill/>
-          <a:extLst>
-            <a:ext uri="{909E8E84-426E-40DD-AFC4-6F175D3DCCD1}">
-              <a14:hiddenFill xmlns:a14="http://schemas.microsoft.com/office/drawing/2010/main">
-                <a:solidFill>
-                  <a:srgbClr val="FFFFFF"/>
-                </a:solidFill>
-              </a14:hiddenFill>
-            </a:ext>
-          </a:extLst>
-        </p:spPr>
-      </p:pic>
-    </p:spTree>
-    <p:extLst>
-      <p:ext uri="{BB962C8B-B14F-4D97-AF65-F5344CB8AC3E}">
-        <p14:creationId xmlns:p14="http://schemas.microsoft.com/office/powerpoint/2010/main" val="1265147456"/>
-      </p:ext>
-    </p:extLst>
-  </p:cSld>
-  <p:clrMapOvr>
-    <a:masterClrMapping/>
-  </p:clrMapOvr>
-  <mc:AlternateContent xmlns:mc="http://schemas.openxmlformats.org/markup-compatibility/2006" xmlns:p14="http://schemas.microsoft.com/office/powerpoint/2010/main">
-    <mc:Choice Requires="p14">
-      <p:transition spd="med" p14:dur="700">
-        <p:fade/>
-      </p:transition>
-    </mc:Choice>
-    <mc:Fallback xmlns="">
-      <p:transition spd="med">
-        <p:fade/>
-      </p:transition>
-    </mc:Fallback>
-  </mc:AlternateContent>
-  <p:timing>
-    <p:tnLst>
-      <p:par>
-        <p:cTn id="1" dur="indefinite" restart="never" nodeType="tmRoot"/>
-      </p:par>
-    </p:tnLst>
-  </p:timing>
-</p:sld>
-</file>
-
-<file path=ppt/slides/slide5.xml><?xml version="1.0" encoding="utf-8"?>
-<p:sld xmlns:a="http://schemas.openxmlformats.org/drawingml/2006/main" xmlns:r="http://schemas.openxmlformats.org/officeDocument/2006/relationships" xmlns:p="http://schemas.openxmlformats.org/presentationml/2006/main">
-  <p:cSld>
-    <p:spTree>
-      <p:nvGrpSpPr>
-        <p:cNvPr id="1" name=""/>
-        <p:cNvGrpSpPr/>
-        <p:nvPr/>
-      </p:nvGrpSpPr>
-      <p:grpSpPr>
-        <a:xfrm>
-          <a:off x="0" y="0"/>
-          <a:ext cx="0" cy="0"/>
-          <a:chOff x="0" y="0"/>
-          <a:chExt cx="0" cy="0"/>
-        </a:xfrm>
-      </p:grpSpPr>
-      <p:sp>
-        <p:nvSpPr>
-          <p:cNvPr id="2" name="Título 1"/>
-          <p:cNvSpPr>
-            <a:spLocks noGrp="1"/>
-          </p:cNvSpPr>
-          <p:nvPr>
-            <p:ph type="title"/>
-          </p:nvPr>
-        </p:nvSpPr>
-        <p:spPr/>
-        <p:txBody>
-          <a:bodyPr>
-            <a:normAutofit/>
-          </a:bodyPr>
-          <a:lstStyle/>
-          <a:p>
-            <a:r>
-              <a:rPr lang="pt-BR" sz="4000" dirty="0" smtClean="0">
-                <a:latin typeface="Segoe UI" panose="020B0502040204020203" pitchFamily="34" charset="0"/>
-                <a:ea typeface="Segoe UI" panose="020B0502040204020203" pitchFamily="34" charset="0"/>
-                <a:cs typeface="Segoe UI" panose="020B0502040204020203" pitchFamily="34" charset="0"/>
-              </a:rPr>
-              <a:t>Outros Frameworks</a:t>
-            </a:r>
-            <a:endParaRPr lang="pt-BR" sz="4000" dirty="0">
-              <a:latin typeface="Segoe UI" panose="020B0502040204020203" pitchFamily="34" charset="0"/>
-              <a:ea typeface="Segoe UI" panose="020B0502040204020203" pitchFamily="34" charset="0"/>
-              <a:cs typeface="Segoe UI" panose="020B0502040204020203" pitchFamily="34" charset="0"/>
-            </a:endParaRPr>
-          </a:p>
-        </p:txBody>
-      </p:sp>
-      <p:pic>
-        <p:nvPicPr>
-          <p:cNvPr id="2050" name="Picture 2" descr="https://dab1nmslvvntp.cloudfront.net/wp-content/uploads/2016/04/1461315888semantic.png"/>
-          <p:cNvPicPr>
-            <a:picLocks noChangeAspect="1" noChangeArrowheads="1"/>
-          </p:cNvPicPr>
-          <p:nvPr/>
-        </p:nvPicPr>
-        <p:blipFill>
-          <a:blip r:embed="rId2">
-            <a:extLst>
-              <a:ext uri="{28A0092B-C50C-407E-A947-70E740481C1C}">
-                <a14:useLocalDpi xmlns:a14="http://schemas.microsoft.com/office/drawing/2010/main" val="0"/>
-              </a:ext>
-            </a:extLst>
-          </a:blip>
-          <a:srcRect/>
-          <a:stretch>
-            <a:fillRect/>
-          </a:stretch>
-        </p:blipFill>
-        <p:spPr bwMode="auto">
-          <a:xfrm>
-            <a:off x="1295400" y="1871662"/>
-            <a:ext cx="2371725" cy="2238376"/>
-          </a:xfrm>
-          <a:prstGeom prst="rect">
-            <a:avLst/>
-          </a:prstGeom>
-          <a:noFill/>
-          <a:extLst>
-            <a:ext uri="{909E8E84-426E-40DD-AFC4-6F175D3DCCD1}">
-              <a14:hiddenFill xmlns:a14="http://schemas.microsoft.com/office/drawing/2010/main">
-                <a:solidFill>
-                  <a:srgbClr val="FFFFFF"/>
-                </a:solidFill>
-              </a14:hiddenFill>
-            </a:ext>
-          </a:extLst>
-        </p:spPr>
-      </p:pic>
-      <p:pic>
-        <p:nvPicPr>
-          <p:cNvPr id="2052" name="Picture 4" descr="https://stephenhaunts.files.wordpress.com/2014/07/foundationcss.jpg?w=750"/>
-          <p:cNvPicPr>
-            <a:picLocks noChangeAspect="1" noChangeArrowheads="1"/>
-          </p:cNvPicPr>
-          <p:nvPr/>
-        </p:nvPicPr>
-        <p:blipFill>
-          <a:blip r:embed="rId3">
-            <a:extLst>
-              <a:ext uri="{28A0092B-C50C-407E-A947-70E740481C1C}">
-                <a14:useLocalDpi xmlns:a14="http://schemas.microsoft.com/office/drawing/2010/main" val="0"/>
-              </a:ext>
-            </a:extLst>
-          </a:blip>
-          <a:srcRect/>
-          <a:stretch>
-            <a:fillRect/>
-          </a:stretch>
-        </p:blipFill>
-        <p:spPr bwMode="auto">
-          <a:xfrm>
-            <a:off x="7172325" y="1871662"/>
-            <a:ext cx="3724275" cy="1552576"/>
-          </a:xfrm>
-          <a:prstGeom prst="rect">
-            <a:avLst/>
-          </a:prstGeom>
-          <a:noFill/>
-          <a:extLst>
-            <a:ext uri="{909E8E84-426E-40DD-AFC4-6F175D3DCCD1}">
-              <a14:hiddenFill xmlns:a14="http://schemas.microsoft.com/office/drawing/2010/main">
-                <a:solidFill>
-                  <a:srgbClr val="FFFFFF"/>
-                </a:solidFill>
-              </a14:hiddenFill>
-            </a:ext>
-          </a:extLst>
-        </p:spPr>
-      </p:pic>
-      <p:pic>
-        <p:nvPicPr>
-          <p:cNvPr id="2054" name="Picture 6" descr="https://www.ciawebsites.com.br/wp-content/uploads/2017/06/materialize-1.jpg"/>
-          <p:cNvPicPr>
-            <a:picLocks noChangeAspect="1" noChangeArrowheads="1"/>
-          </p:cNvPicPr>
-          <p:nvPr/>
-        </p:nvPicPr>
-        <p:blipFill rotWithShape="1">
-          <a:blip r:embed="rId4">
-            <a:extLst>
-              <a:ext uri="{28A0092B-C50C-407E-A947-70E740481C1C}">
-                <a14:useLocalDpi xmlns:a14="http://schemas.microsoft.com/office/drawing/2010/main" val="0"/>
-              </a:ext>
-            </a:extLst>
-          </a:blip>
-          <a:srcRect l="31177" r="32704"/>
-          <a:stretch/>
-        </p:blipFill>
-        <p:spPr bwMode="auto">
-          <a:xfrm>
-            <a:off x="3918856" y="1871662"/>
-            <a:ext cx="2917371" cy="2676525"/>
-          </a:xfrm>
-          <a:prstGeom prst="rect">
-            <a:avLst/>
-          </a:prstGeom>
-          <a:noFill/>
-          <a:extLst>
-            <a:ext uri="{909E8E84-426E-40DD-AFC4-6F175D3DCCD1}">
-              <a14:hiddenFill xmlns:a14="http://schemas.microsoft.com/office/drawing/2010/main">
-                <a:solidFill>
-                  <a:srgbClr val="FFFFFF"/>
-                </a:solidFill>
-              </a14:hiddenFill>
-            </a:ext>
-          </a:extLst>
-        </p:spPr>
-      </p:pic>
-      <p:pic>
-        <p:nvPicPr>
-          <p:cNvPr id="2056" name="Picture 8" descr="https://purecss.io/img/logo_pure@2x.png"/>
-          <p:cNvPicPr>
-            <a:picLocks noChangeAspect="1" noChangeArrowheads="1"/>
-          </p:cNvPicPr>
-          <p:nvPr/>
-        </p:nvPicPr>
-        <p:blipFill>
-          <a:blip r:embed="rId5">
-            <a:extLst>
-              <a:ext uri="{28A0092B-C50C-407E-A947-70E740481C1C}">
-                <a14:useLocalDpi xmlns:a14="http://schemas.microsoft.com/office/drawing/2010/main" val="0"/>
-              </a:ext>
-            </a:extLst>
-          </a:blip>
-          <a:srcRect/>
-          <a:stretch>
-            <a:fillRect/>
-          </a:stretch>
-        </p:blipFill>
-        <p:spPr bwMode="auto">
-          <a:xfrm>
-            <a:off x="1295400" y="4828524"/>
-            <a:ext cx="7981950" cy="1381126"/>
-          </a:xfrm>
-          <a:prstGeom prst="rect">
-            <a:avLst/>
-          </a:prstGeom>
-          <a:noFill/>
-          <a:extLst>
-            <a:ext uri="{909E8E84-426E-40DD-AFC4-6F175D3DCCD1}">
-              <a14:hiddenFill xmlns:a14="http://schemas.microsoft.com/office/drawing/2010/main">
-                <a:solidFill>
-                  <a:srgbClr val="FFFFFF"/>
-                </a:solidFill>
-              </a14:hiddenFill>
-            </a:ext>
-          </a:extLst>
-        </p:spPr>
-      </p:pic>
-      <p:sp>
-        <p:nvSpPr>
-          <p:cNvPr id="7" name="Espaço Reservado para Conteúdo 2"/>
-          <p:cNvSpPr txBox="1">
-            <a:spLocks/>
-          </p:cNvSpPr>
-          <p:nvPr/>
-        </p:nvSpPr>
-        <p:spPr>
-          <a:xfrm>
-            <a:off x="7172325" y="4003916"/>
-            <a:ext cx="3724275" cy="544271"/>
-          </a:xfrm>
-          <a:prstGeom prst="rect">
-            <a:avLst/>
-          </a:prstGeom>
-        </p:spPr>
-        <p:txBody>
-          <a:bodyPr>
-            <a:normAutofit/>
-          </a:bodyPr>
-          <a:lstStyle>
-            <a:lvl1pPr marL="274320" indent="-274320" algn="l" defTabSz="914400" rtl="0" eaLnBrk="1" latinLnBrk="0" hangingPunct="1">
-              <a:lnSpc>
-                <a:spcPct val="90000"/>
-              </a:lnSpc>
-              <a:spcBef>
-                <a:spcPts val="1800"/>
-              </a:spcBef>
-              <a:buFont typeface="Arial" panose="020B0604020202020204" pitchFamily="34" charset="0"/>
-              <a:buChar char="•"/>
-              <a:defRPr sz="2400" kern="1200">
-                <a:solidFill>
-                  <a:schemeClr val="tx1"/>
-                </a:solidFill>
-                <a:latin typeface="+mn-lt"/>
-                <a:ea typeface="+mn-ea"/>
-                <a:cs typeface="+mn-cs"/>
-              </a:defRPr>
-            </a:lvl1pPr>
-            <a:lvl2pPr marL="548640" indent="-228600" algn="l" defTabSz="914400" rtl="0" eaLnBrk="1" latinLnBrk="0" hangingPunct="1">
-              <a:lnSpc>
-                <a:spcPct val="90000"/>
-              </a:lnSpc>
-              <a:spcBef>
-                <a:spcPts val="1000"/>
-              </a:spcBef>
-              <a:buFont typeface="Arial" panose="020B0604020202020204" pitchFamily="34" charset="0"/>
-              <a:buChar char="•"/>
-              <a:defRPr sz="2000" kern="1200">
-                <a:solidFill>
-                  <a:schemeClr val="tx1"/>
-                </a:solidFill>
-                <a:latin typeface="+mn-lt"/>
-                <a:ea typeface="+mn-ea"/>
-                <a:cs typeface="+mn-cs"/>
-              </a:defRPr>
-            </a:lvl2pPr>
-            <a:lvl3pPr marL="822960" indent="-228600" algn="l" defTabSz="914400" rtl="0" eaLnBrk="1" latinLnBrk="0" hangingPunct="1">
-              <a:lnSpc>
-                <a:spcPct val="90000"/>
-              </a:lnSpc>
-              <a:spcBef>
-                <a:spcPts val="800"/>
-              </a:spcBef>
-              <a:buFont typeface="Arial" panose="020B0604020202020204" pitchFamily="34" charset="0"/>
-              <a:buChar char="•"/>
-              <a:defRPr sz="1800" kern="1200">
-                <a:solidFill>
-                  <a:schemeClr val="tx1"/>
-                </a:solidFill>
-                <a:latin typeface="+mn-lt"/>
-                <a:ea typeface="+mn-ea"/>
-                <a:cs typeface="+mn-cs"/>
-              </a:defRPr>
-            </a:lvl3pPr>
-            <a:lvl4pPr marL="1097280" indent="-228600" algn="l" defTabSz="914400" rtl="0" eaLnBrk="1" latinLnBrk="0" hangingPunct="1">
-              <a:lnSpc>
-                <a:spcPct val="90000"/>
-              </a:lnSpc>
-              <a:spcBef>
-                <a:spcPts val="800"/>
-              </a:spcBef>
-              <a:buFont typeface="Arial" panose="020B0604020202020204" pitchFamily="34" charset="0"/>
-              <a:buChar char="•"/>
-              <a:defRPr sz="1600" kern="1200">
-                <a:solidFill>
-                  <a:schemeClr val="tx1"/>
-                </a:solidFill>
-                <a:latin typeface="+mn-lt"/>
-                <a:ea typeface="+mn-ea"/>
-                <a:cs typeface="+mn-cs"/>
-              </a:defRPr>
-            </a:lvl4pPr>
-            <a:lvl5pPr marL="1325880" indent="-228600" algn="l" defTabSz="914400" rtl="0" eaLnBrk="1" latinLnBrk="0" hangingPunct="1">
-              <a:lnSpc>
-                <a:spcPct val="90000"/>
-              </a:lnSpc>
-              <a:spcBef>
-                <a:spcPts val="800"/>
-              </a:spcBef>
-              <a:buFont typeface="Arial" panose="020B0604020202020204" pitchFamily="34" charset="0"/>
-              <a:buChar char="•"/>
-              <a:defRPr sz="1600" kern="1200">
-                <a:solidFill>
-                  <a:schemeClr val="tx1"/>
-                </a:solidFill>
-                <a:latin typeface="+mn-lt"/>
-                <a:ea typeface="+mn-ea"/>
-                <a:cs typeface="+mn-cs"/>
-              </a:defRPr>
-            </a:lvl5pPr>
-            <a:lvl6pPr marL="1554480" indent="-228600" algn="l" defTabSz="914400" rtl="0" eaLnBrk="1" latinLnBrk="0" hangingPunct="1">
-              <a:lnSpc>
-                <a:spcPct val="90000"/>
-              </a:lnSpc>
-              <a:spcBef>
-                <a:spcPts val="800"/>
-              </a:spcBef>
-              <a:buFont typeface="Arial" panose="020B0604020202020204" pitchFamily="34" charset="0"/>
-              <a:buChar char="•"/>
-              <a:defRPr sz="1600" kern="1200">
-                <a:solidFill>
-                  <a:schemeClr val="tx1"/>
-                </a:solidFill>
-                <a:latin typeface="+mn-lt"/>
-                <a:ea typeface="+mn-ea"/>
-                <a:cs typeface="+mn-cs"/>
-              </a:defRPr>
-            </a:lvl6pPr>
-            <a:lvl7pPr marL="1783080" indent="-228600" algn="l" defTabSz="914400" rtl="0" eaLnBrk="1" latinLnBrk="0" hangingPunct="1">
-              <a:lnSpc>
-                <a:spcPct val="90000"/>
-              </a:lnSpc>
-              <a:spcBef>
-                <a:spcPts val="800"/>
-              </a:spcBef>
-              <a:buFont typeface="Arial" panose="020B0604020202020204" pitchFamily="34" charset="0"/>
-              <a:buChar char="•"/>
-              <a:defRPr sz="1600" kern="1200">
-                <a:solidFill>
-                  <a:schemeClr val="tx1"/>
-                </a:solidFill>
-                <a:latin typeface="+mn-lt"/>
-                <a:ea typeface="+mn-ea"/>
-                <a:cs typeface="+mn-cs"/>
-              </a:defRPr>
-            </a:lvl7pPr>
-            <a:lvl8pPr marL="2011680" indent="-228600" algn="l" defTabSz="914400" rtl="0" eaLnBrk="1" latinLnBrk="0" hangingPunct="1">
-              <a:lnSpc>
-                <a:spcPct val="90000"/>
-              </a:lnSpc>
-              <a:spcBef>
-                <a:spcPts val="800"/>
-              </a:spcBef>
-              <a:buFont typeface="Arial" panose="020B0604020202020204" pitchFamily="34" charset="0"/>
-              <a:buChar char="•"/>
-              <a:defRPr sz="1600" kern="1200">
-                <a:solidFill>
-                  <a:schemeClr val="tx1"/>
-                </a:solidFill>
-                <a:latin typeface="+mn-lt"/>
-                <a:ea typeface="+mn-ea"/>
-                <a:cs typeface="+mn-cs"/>
-              </a:defRPr>
-            </a:lvl8pPr>
-            <a:lvl9pPr marL="2240280" indent="-228600" algn="l" defTabSz="914400" rtl="0" eaLnBrk="1" latinLnBrk="0" hangingPunct="1">
-              <a:lnSpc>
-                <a:spcPct val="90000"/>
-              </a:lnSpc>
-              <a:spcBef>
-                <a:spcPts val="800"/>
-              </a:spcBef>
-              <a:buFont typeface="Arial" panose="020B0604020202020204" pitchFamily="34" charset="0"/>
-              <a:buChar char="•"/>
-              <a:defRPr sz="1600" kern="1200">
-                <a:solidFill>
-                  <a:schemeClr val="tx1"/>
-                </a:solidFill>
-                <a:latin typeface="+mn-lt"/>
-                <a:ea typeface="+mn-ea"/>
-                <a:cs typeface="+mn-cs"/>
-              </a:defRPr>
-            </a:lvl9pPr>
-          </a:lstStyle>
-          <a:p>
-            <a:pPr marL="0" indent="0">
-              <a:lnSpc>
-                <a:spcPct val="110000"/>
-              </a:lnSpc>
-              <a:buClr>
-                <a:srgbClr val="595959"/>
-              </a:buClr>
-              <a:buNone/>
-            </a:pPr>
-            <a:r>
-              <a:rPr lang="pt-BR" dirty="0" smtClean="0">
-                <a:solidFill>
-                  <a:srgbClr val="595959"/>
-                </a:solidFill>
-                <a:latin typeface="Segoe UI" panose="020B0502040204020203" pitchFamily="34" charset="0"/>
-                <a:ea typeface="Segoe UI" panose="020B0502040204020203" pitchFamily="34" charset="0"/>
-                <a:cs typeface="Segoe UI" panose="020B0502040204020203" pitchFamily="34" charset="0"/>
-              </a:rPr>
-              <a:t>E muito mais...</a:t>
-            </a:r>
-            <a:endParaRPr lang="pt-BR" dirty="0">
-              <a:solidFill>
-                <a:srgbClr val="595959"/>
-              </a:solidFill>
-              <a:latin typeface="Segoe UI" panose="020B0502040204020203" pitchFamily="34" charset="0"/>
-              <a:ea typeface="Segoe UI" panose="020B0502040204020203" pitchFamily="34" charset="0"/>
-              <a:cs typeface="Segoe UI" panose="020B0502040204020203" pitchFamily="34" charset="0"/>
-            </a:endParaRPr>
-          </a:p>
-        </p:txBody>
-      </p:sp>
-    </p:spTree>
-    <p:extLst>
-      <p:ext uri="{BB962C8B-B14F-4D97-AF65-F5344CB8AC3E}">
-        <p14:creationId xmlns:p14="http://schemas.microsoft.com/office/powerpoint/2010/main" val="2149435294"/>
-      </p:ext>
-    </p:extLst>
-  </p:cSld>
-  <p:clrMapOvr>
-    <a:masterClrMapping/>
-  </p:clrMapOvr>
-  <mc:AlternateContent xmlns:mc="http://schemas.openxmlformats.org/markup-compatibility/2006" xmlns:p14="http://schemas.microsoft.com/office/powerpoint/2010/main">
-    <mc:Choice Requires="p14">
-      <p:transition spd="med" p14:dur="700">
-        <p:fade/>
-      </p:transition>
-    </mc:Choice>
-    <mc:Fallback xmlns="">
-      <p:transition spd="med">
-        <p:fade/>
-      </p:transition>
-    </mc:Fallback>
-  </mc:AlternateContent>
-  <p:timing>
-    <p:tnLst>
-      <p:par>
-        <p:cTn id="1" dur="indefinite" restart="never" nodeType="tmRoot"/>
-      </p:par>
-    </p:tnLst>
-  </p:timing>
-</p:sld>
-</file>
-
-<file path=ppt/slides/slide6.xml><?xml version="1.0" encoding="utf-8"?>
-<p:sld xmlns:a="http://schemas.openxmlformats.org/drawingml/2006/main" xmlns:r="http://schemas.openxmlformats.org/officeDocument/2006/relationships" xmlns:p="http://schemas.openxmlformats.org/presentationml/2006/main">
-  <p:cSld>
-    <p:spTree>
-      <p:nvGrpSpPr>
-        <p:cNvPr id="1" name=""/>
-        <p:cNvGrpSpPr/>
-        <p:nvPr/>
-      </p:nvGrpSpPr>
-      <p:grpSpPr>
-        <a:xfrm>
-          <a:off x="0" y="0"/>
-          <a:ext cx="0" cy="0"/>
-          <a:chOff x="0" y="0"/>
-          <a:chExt cx="0" cy="0"/>
-        </a:xfrm>
-      </p:grpSpPr>
-      <p:pic>
-        <p:nvPicPr>
-          <p:cNvPr id="2" name="Imagem 1"/>
-          <p:cNvPicPr>
-            <a:picLocks noChangeAspect="1"/>
-          </p:cNvPicPr>
-          <p:nvPr/>
-        </p:nvPicPr>
-        <p:blipFill rotWithShape="1">
-          <a:blip r:embed="rId2" cstate="print">
-            <a:extLst>
-              <a:ext uri="{28A0092B-C50C-407E-A947-70E740481C1C}">
-                <a14:useLocalDpi xmlns:a14="http://schemas.microsoft.com/office/drawing/2010/main" val="0"/>
-              </a:ext>
-            </a:extLst>
-          </a:blip>
-          <a:srcRect l="17783" t="5400" r="17423" b="4751"/>
-          <a:stretch/>
-        </p:blipFill>
-        <p:spPr>
-          <a:xfrm>
-            <a:off x="7217228" y="0"/>
-            <a:ext cx="4974772" cy="6898346"/>
-          </a:xfrm>
-          <a:prstGeom prst="rect">
-            <a:avLst/>
-          </a:prstGeom>
-        </p:spPr>
-      </p:pic>
-      <p:sp>
-        <p:nvSpPr>
-          <p:cNvPr id="3" name="Título 1"/>
-          <p:cNvSpPr txBox="1">
-            <a:spLocks/>
-          </p:cNvSpPr>
-          <p:nvPr/>
-        </p:nvSpPr>
-        <p:spPr>
-          <a:xfrm>
-            <a:off x="1295401" y="1873584"/>
-            <a:ext cx="5120640" cy="2560320"/>
-          </a:xfrm>
-          <a:prstGeom prst="rect">
-            <a:avLst/>
-          </a:prstGeom>
-        </p:spPr>
-        <p:txBody>
-          <a:bodyPr>
-            <a:normAutofit/>
-          </a:bodyPr>
-          <a:lstStyle>
-            <a:lvl1pPr algn="l" defTabSz="914400" rtl="0" eaLnBrk="1" latinLnBrk="0" hangingPunct="1">
-              <a:lnSpc>
-                <a:spcPct val="90000"/>
-              </a:lnSpc>
-              <a:spcBef>
-                <a:spcPct val="0"/>
-              </a:spcBef>
-              <a:buNone/>
-              <a:defRPr sz="3200" kern="1200">
-                <a:solidFill>
-                  <a:schemeClr val="bg1"/>
-                </a:solidFill>
-                <a:latin typeface="+mj-lt"/>
-                <a:ea typeface="+mj-ea"/>
-                <a:cs typeface="+mj-cs"/>
-              </a:defRPr>
-            </a:lvl1pPr>
-          </a:lstStyle>
-          <a:p>
-            <a:pPr>
-              <a:lnSpc>
-                <a:spcPct val="150000"/>
-              </a:lnSpc>
-              <a:spcBef>
-                <a:spcPts val="0"/>
-              </a:spcBef>
-            </a:pPr>
-            <a:r>
-              <a:rPr lang="pt-BR" sz="4000" dirty="0" err="1" smtClean="0">
-                <a:solidFill>
-                  <a:srgbClr val="595959"/>
-                </a:solidFill>
-                <a:latin typeface="Segoe UI" panose="020B0502040204020203" pitchFamily="34" charset="0"/>
-                <a:ea typeface="Segoe UI" panose="020B0502040204020203" pitchFamily="34" charset="0"/>
-                <a:cs typeface="Segoe UI" panose="020B0502040204020203" pitchFamily="34" charset="0"/>
-              </a:rPr>
-              <a:t>Personal</a:t>
-            </a:r>
-            <a:r>
-              <a:rPr lang="pt-BR" sz="4000" dirty="0" smtClean="0">
-                <a:solidFill>
-                  <a:srgbClr val="595959"/>
-                </a:solidFill>
-                <a:latin typeface="Segoe UI" panose="020B0502040204020203" pitchFamily="34" charset="0"/>
-                <a:ea typeface="Segoe UI" panose="020B0502040204020203" pitchFamily="34" charset="0"/>
-                <a:cs typeface="Segoe UI" panose="020B0502040204020203" pitchFamily="34" charset="0"/>
-              </a:rPr>
-              <a:t> Page:</a:t>
-            </a:r>
-          </a:p>
-          <a:p>
-            <a:pPr>
-              <a:lnSpc>
-                <a:spcPct val="150000"/>
-              </a:lnSpc>
-              <a:spcBef>
-                <a:spcPts val="0"/>
-              </a:spcBef>
-            </a:pPr>
-            <a:r>
-              <a:rPr lang="pt-BR" sz="4000" dirty="0" smtClean="0">
-                <a:solidFill>
-                  <a:srgbClr val="595959"/>
-                </a:solidFill>
-                <a:latin typeface="Segoe UI" panose="020B0502040204020203" pitchFamily="34" charset="0"/>
-                <a:ea typeface="Segoe UI" panose="020B0502040204020203" pitchFamily="34" charset="0"/>
-                <a:cs typeface="Segoe UI" panose="020B0502040204020203" pitchFamily="34" charset="0"/>
-              </a:rPr>
-              <a:t>Curriculum Online</a:t>
-            </a:r>
-            <a:endParaRPr lang="pt-BR" sz="4000" dirty="0">
-              <a:solidFill>
-                <a:srgbClr val="595959"/>
-              </a:solidFill>
-              <a:latin typeface="Segoe UI" panose="020B0502040204020203" pitchFamily="34" charset="0"/>
-              <a:ea typeface="Segoe UI" panose="020B0502040204020203" pitchFamily="34" charset="0"/>
-              <a:cs typeface="Segoe UI" panose="020B0502040204020203" pitchFamily="34" charset="0"/>
-            </a:endParaRPr>
-          </a:p>
-        </p:txBody>
-      </p:sp>
-    </p:spTree>
-    <p:extLst>
-      <p:ext uri="{BB962C8B-B14F-4D97-AF65-F5344CB8AC3E}">
-        <p14:creationId xmlns:p14="http://schemas.microsoft.com/office/powerpoint/2010/main" val="3540979623"/>
-      </p:ext>
-    </p:extLst>
-  </p:cSld>
-  <p:clrMapOvr>
-    <a:masterClrMapping/>
-  </p:clrMapOvr>
-  <mc:AlternateContent xmlns:mc="http://schemas.openxmlformats.org/markup-compatibility/2006" xmlns:p14="http://schemas.microsoft.com/office/powerpoint/2010/main">
-    <mc:Choice Requires="p14">
-      <p:transition spd="med" p14:dur="700">
-        <p:fade/>
-      </p:transition>
-    </mc:Choice>
-    <mc:Fallback xmlns="">
-      <p:transition spd="med">
-        <p:fade/>
-      </p:transition>
-    </mc:Fallback>
-  </mc:AlternateContent>
-  <p:timing>
-    <p:tnLst>
-      <p:par>
-        <p:cTn id="1" dur="indefinite" restart="never" nodeType="tmRoot"/>
-      </p:par>
-    </p:tnLst>
-  </p:timing>
-</p:sld>
-</file>
-
-<file path=ppt/slides/slide7.xml><?xml version="1.0" encoding="utf-8"?>
-<p:sld xmlns:a="http://schemas.openxmlformats.org/drawingml/2006/main" xmlns:r="http://schemas.openxmlformats.org/officeDocument/2006/relationships" xmlns:p="http://schemas.openxmlformats.org/presentationml/2006/main">
-  <p:cSld>
-    <p:bg>
-      <p:bgPr>
-        <a:solidFill>
-          <a:schemeClr val="bg2"/>
-        </a:solidFill>
-        <a:effectLst/>
-      </p:bgPr>
-    </p:bg>
-    <p:spTree>
-      <p:nvGrpSpPr>
-        <p:cNvPr id="1" name=""/>
-        <p:cNvGrpSpPr/>
-        <p:nvPr/>
-      </p:nvGrpSpPr>
-      <p:grpSpPr>
-        <a:xfrm>
-          <a:off x="0" y="0"/>
-          <a:ext cx="0" cy="0"/>
-          <a:chOff x="0" y="0"/>
-          <a:chExt cx="0" cy="0"/>
-        </a:xfrm>
-      </p:grpSpPr>
-      <p:sp>
-        <p:nvSpPr>
-          <p:cNvPr id="2" name="Título 1"/>
-          <p:cNvSpPr>
-            <a:spLocks noGrp="1"/>
-          </p:cNvSpPr>
-          <p:nvPr>
-            <p:ph type="title"/>
-          </p:nvPr>
-        </p:nvSpPr>
-        <p:spPr/>
-        <p:txBody>
-          <a:bodyPr>
-            <a:normAutofit/>
-          </a:bodyPr>
-          <a:lstStyle/>
-          <a:p>
-            <a:pPr algn="l" defTabSz="914400">
-              <a:spcBef>
-                <a:spcPts val="0"/>
-              </a:spcBef>
-              <a:buNone/>
-            </a:pPr>
-            <a:r>
-              <a:rPr lang="pt-BR" sz="3200" b="0" i="0" dirty="0" smtClean="0">
-                <a:solidFill>
-                  <a:schemeClr val="bg1"/>
-                </a:solidFill>
-                <a:latin typeface="Segoe UI" panose="020B0502040204020203" pitchFamily="34" charset="0"/>
-                <a:ea typeface="Segoe UI" panose="020B0502040204020203" pitchFamily="34" charset="0"/>
-                <a:cs typeface="Segoe UI" panose="020B0502040204020203" pitchFamily="34" charset="0"/>
-              </a:rPr>
-              <a:t>Layout de Título e Conteúdo com Lista</a:t>
-            </a:r>
-            <a:endParaRPr lang="pt-BR" sz="3200" b="0" i="0" dirty="0">
-              <a:solidFill>
-                <a:schemeClr val="bg1"/>
-              </a:solidFill>
-              <a:latin typeface="Segoe UI" panose="020B0502040204020203" pitchFamily="34" charset="0"/>
-              <a:ea typeface="Segoe UI" panose="020B0502040204020203" pitchFamily="34" charset="0"/>
-              <a:cs typeface="Segoe UI" panose="020B0502040204020203" pitchFamily="34" charset="0"/>
-            </a:endParaRPr>
-          </a:p>
-        </p:txBody>
-      </p:sp>
-      <p:sp>
-        <p:nvSpPr>
-          <p:cNvPr id="3" name="Espaço Reservado para Conteúdo 2"/>
-          <p:cNvSpPr>
-            <a:spLocks noGrp="1"/>
-          </p:cNvSpPr>
-          <p:nvPr>
-            <p:ph idx="1"/>
-          </p:nvPr>
-        </p:nvSpPr>
-        <p:spPr/>
-        <p:txBody>
-          <a:bodyPr>
-            <a:normAutofit/>
-          </a:bodyPr>
-          <a:lstStyle/>
-          <a:p>
-            <a:pPr>
-              <a:lnSpc>
-                <a:spcPct val="110000"/>
-              </a:lnSpc>
-              <a:buClr>
-                <a:srgbClr val="595959"/>
-              </a:buClr>
-            </a:pPr>
-            <a:r>
-              <a:rPr lang="pt-BR" sz="2400" b="0" i="0" dirty="0" smtClean="0">
-                <a:solidFill>
-                  <a:srgbClr val="595959"/>
-                </a:solidFill>
-                <a:latin typeface="Segoe UI" panose="020B0502040204020203" pitchFamily="34" charset="0"/>
-                <a:ea typeface="Segoe UI" panose="020B0502040204020203" pitchFamily="34" charset="0"/>
-                <a:cs typeface="Segoe UI" panose="020B0502040204020203" pitchFamily="34" charset="0"/>
-              </a:rPr>
-              <a:t>Adicione seu primeiro marcador aqui</a:t>
-            </a:r>
-          </a:p>
-          <a:p>
-            <a:pPr>
-              <a:lnSpc>
-                <a:spcPct val="110000"/>
-              </a:lnSpc>
-              <a:buClr>
-                <a:srgbClr val="595959"/>
-              </a:buClr>
-            </a:pPr>
-            <a:r>
-              <a:rPr lang="pt-BR" sz="2400" b="0" i="0" dirty="0" smtClean="0">
-                <a:solidFill>
-                  <a:srgbClr val="595959"/>
-                </a:solidFill>
-                <a:latin typeface="Segoe UI" panose="020B0502040204020203" pitchFamily="34" charset="0"/>
-                <a:ea typeface="Segoe UI" panose="020B0502040204020203" pitchFamily="34" charset="0"/>
-                <a:cs typeface="Segoe UI" panose="020B0502040204020203" pitchFamily="34" charset="0"/>
-              </a:rPr>
-              <a:t>Adicione seu segundo marcador aqui</a:t>
-            </a:r>
-          </a:p>
-          <a:p>
-            <a:pPr>
-              <a:lnSpc>
-                <a:spcPct val="110000"/>
-              </a:lnSpc>
-              <a:buClr>
-                <a:srgbClr val="595959"/>
-              </a:buClr>
-            </a:pPr>
-            <a:r>
-              <a:rPr lang="pt-BR" sz="2400" b="0" i="0" dirty="0" smtClean="0">
-                <a:solidFill>
-                  <a:srgbClr val="595959"/>
-                </a:solidFill>
-                <a:latin typeface="Segoe UI" panose="020B0502040204020203" pitchFamily="34" charset="0"/>
-                <a:ea typeface="Segoe UI" panose="020B0502040204020203" pitchFamily="34" charset="0"/>
-                <a:cs typeface="Segoe UI" panose="020B0502040204020203" pitchFamily="34" charset="0"/>
-              </a:rPr>
-              <a:t>Adicione seu terceiro marcador aqui</a:t>
-            </a:r>
-            <a:endParaRPr lang="pt-BR" sz="2400" b="0" i="0" dirty="0">
-              <a:solidFill>
-                <a:srgbClr val="595959"/>
-              </a:solidFill>
-              <a:latin typeface="Segoe UI" panose="020B0502040204020203" pitchFamily="34" charset="0"/>
-              <a:ea typeface="Segoe UI" panose="020B0502040204020203" pitchFamily="34" charset="0"/>
-              <a:cs typeface="Segoe UI" panose="020B0502040204020203" pitchFamily="34" charset="0"/>
-            </a:endParaRPr>
-          </a:p>
-        </p:txBody>
-      </p:sp>
-    </p:spTree>
-    <p:extLst>
-      <p:ext uri="{BB962C8B-B14F-4D97-AF65-F5344CB8AC3E}">
-        <p14:creationId xmlns:p14="http://schemas.microsoft.com/office/powerpoint/2010/main" val="3639872359"/>
-      </p:ext>
-    </p:extLst>
-  </p:cSld>
-  <p:clrMapOvr>
-    <a:masterClrMapping/>
-  </p:clrMapOvr>
-  <mc:AlternateContent xmlns:mc="http://schemas.openxmlformats.org/markup-compatibility/2006" xmlns:p14="http://schemas.microsoft.com/office/powerpoint/2010/main">
-    <mc:Choice Requires="p14">
-      <p:transition spd="med" p14:dur="700">
-        <p:fade/>
-      </p:transition>
-    </mc:Choice>
-    <mc:Fallback xmlns="">
-      <p:transition spd="med">
-        <p:fade/>
-      </p:transition>
-    </mc:Fallback>
-  </mc:AlternateContent>
-  <p:timing>
-    <p:tnLst>
-      <p:par>
-        <p:cTn id="1" dur="indefinite" restart="never" nodeType="tmRoot"/>
-      </p:par>
-    </p:tnLst>
-  </p:timing>
-</p:sld>
-</file>
-
-<file path=ppt/slides/slide8.xml><?xml version="1.0" encoding="utf-8"?>
-<p:sld xmlns:a="http://schemas.openxmlformats.org/drawingml/2006/main" xmlns:r="http://schemas.openxmlformats.org/officeDocument/2006/relationships" xmlns:p="http://schemas.openxmlformats.org/presentationml/2006/main">
-  <p:cSld>
-    <p:spTree>
-      <p:nvGrpSpPr>
-        <p:cNvPr id="1" name=""/>
-        <p:cNvGrpSpPr/>
-        <p:nvPr/>
-      </p:nvGrpSpPr>
-      <p:grpSpPr>
-        <a:xfrm>
-          <a:off x="0" y="0"/>
-          <a:ext cx="0" cy="0"/>
-          <a:chOff x="0" y="0"/>
-          <a:chExt cx="0" cy="0"/>
-        </a:xfrm>
-      </p:grpSpPr>
-      <p:sp>
-        <p:nvSpPr>
-          <p:cNvPr id="2" name="Título 1"/>
-          <p:cNvSpPr>
-            <a:spLocks noGrp="1"/>
-          </p:cNvSpPr>
-          <p:nvPr>
-            <p:ph type="title"/>
-          </p:nvPr>
-        </p:nvSpPr>
-        <p:spPr/>
-        <p:txBody>
-          <a:bodyPr>
-            <a:normAutofit/>
-          </a:bodyPr>
-          <a:lstStyle/>
-          <a:p>
-            <a:pPr algn="l" defTabSz="914400">
-              <a:spcBef>
-                <a:spcPts val="0"/>
-              </a:spcBef>
-              <a:buNone/>
-            </a:pPr>
-            <a:r>
-              <a:rPr lang="pt-BR" sz="3200" b="0" i="0" dirty="0" smtClean="0">
-                <a:solidFill>
-                  <a:schemeClr val="bg1"/>
-                </a:solidFill>
-                <a:latin typeface="Book Antiqua"/>
-                <a:ea typeface="+mj-ea"/>
-                <a:cs typeface="+mj-cs"/>
-              </a:rPr>
-              <a:t>Layout de Título e Conteúdo com Gráfico</a:t>
-            </a:r>
-            <a:endParaRPr lang="pt-BR" sz="3200" b="0" i="0" dirty="0">
-              <a:solidFill>
-                <a:schemeClr val="bg1"/>
-              </a:solidFill>
-              <a:latin typeface="Book Antiqua"/>
-              <a:ea typeface="+mj-ea"/>
-              <a:cs typeface="+mj-cs"/>
-            </a:endParaRPr>
-          </a:p>
-        </p:txBody>
-      </p:sp>
-      <p:graphicFrame>
-        <p:nvGraphicFramePr>
-          <p:cNvPr id="7" name="Espaço Reservado para Conteúdo 6"/>
-          <p:cNvGraphicFramePr>
-            <a:graphicFrameLocks noGrp="1"/>
-          </p:cNvGraphicFramePr>
-          <p:nvPr>
-            <p:ph idx="1"/>
-            <p:extLst>
-              <p:ext uri="{D42A27DB-BD31-4B8C-83A1-F6EECF244321}">
-                <p14:modId xmlns:p14="http://schemas.microsoft.com/office/powerpoint/2010/main" val="583852116"/>
-              </p:ext>
-            </p:extLst>
-          </p:nvPr>
-        </p:nvGraphicFramePr>
-        <p:xfrm>
-          <a:off x="1295400" y="1828800"/>
-          <a:ext cx="9601200" cy="4343400"/>
-        </p:xfrm>
-        <a:graphic>
-          <a:graphicData uri="http://schemas.openxmlformats.org/drawingml/2006/chart">
-            <c:chart xmlns:c="http://schemas.openxmlformats.org/drawingml/2006/chart" xmlns:r="http://schemas.openxmlformats.org/officeDocument/2006/relationships" r:id="rId2"/>
-          </a:graphicData>
-        </a:graphic>
-      </p:graphicFrame>
-    </p:spTree>
-    <p:extLst>
-      <p:ext uri="{BB962C8B-B14F-4D97-AF65-F5344CB8AC3E}">
-        <p14:creationId xmlns:p14="http://schemas.microsoft.com/office/powerpoint/2010/main" val="3574231650"/>
-      </p:ext>
-    </p:extLst>
-  </p:cSld>
-  <p:clrMapOvr>
-    <a:masterClrMapping/>
-  </p:clrMapOvr>
-  <mc:AlternateContent xmlns:mc="http://schemas.openxmlformats.org/markup-compatibility/2006" xmlns:p14="http://schemas.microsoft.com/office/powerpoint/2010/main">
-    <mc:Choice Requires="p14">
-      <p:transition spd="med" p14:dur="700">
-        <p:fade/>
-      </p:transition>
-    </mc:Choice>
-    <mc:Fallback xmlns="">
-      <p:transition spd="med">
-        <p:fade/>
-      </p:transition>
-    </mc:Fallback>
-  </mc:AlternateContent>
-  <p:timing>
-    <p:tnLst>
-      <p:par>
-        <p:cTn id="1" dur="indefinite" restart="never" nodeType="tmRoot"/>
-      </p:par>
-    </p:tnLst>
-  </p:timing>
-</p:sld>
-</file>
-
-<file path=ppt/slides/slide9.xml><?xml version="1.0" encoding="utf-8"?>
 <p:sld xmlns:a="http://schemas.openxmlformats.org/drawingml/2006/main" xmlns:r="http://schemas.openxmlformats.org/officeDocument/2006/relationships" xmlns:p="http://schemas.openxmlformats.org/presentationml/2006/main">
   <p:cSld>
     <p:spTree>
@@ -12385,6 +9967,6537 @@
 </p:sld>
 </file>
 
+<file path=ppt/slides/slide11.xml><?xml version="1.0" encoding="utf-8"?>
+<p:sld xmlns:a="http://schemas.openxmlformats.org/drawingml/2006/main" xmlns:r="http://schemas.openxmlformats.org/officeDocument/2006/relationships" xmlns:p="http://schemas.openxmlformats.org/presentationml/2006/main">
+  <p:cSld>
+    <p:spTree>
+      <p:nvGrpSpPr>
+        <p:cNvPr id="1" name=""/>
+        <p:cNvGrpSpPr/>
+        <p:nvPr/>
+      </p:nvGrpSpPr>
+      <p:grpSpPr>
+        <a:xfrm>
+          <a:off x="0" y="0"/>
+          <a:ext cx="0" cy="0"/>
+          <a:chOff x="0" y="0"/>
+          <a:chExt cx="0" cy="0"/>
+        </a:xfrm>
+      </p:grpSpPr>
+      <p:sp>
+        <p:nvSpPr>
+          <p:cNvPr id="2" name="Título 1"/>
+          <p:cNvSpPr>
+            <a:spLocks noGrp="1"/>
+          </p:cNvSpPr>
+          <p:nvPr>
+            <p:ph type="title"/>
+          </p:nvPr>
+        </p:nvSpPr>
+        <p:spPr/>
+        <p:txBody>
+          <a:bodyPr>
+            <a:normAutofit/>
+          </a:bodyPr>
+          <a:lstStyle/>
+          <a:p>
+            <a:pPr algn="l" defTabSz="914400">
+              <a:spcBef>
+                <a:spcPts val="0"/>
+              </a:spcBef>
+              <a:buNone/>
+            </a:pPr>
+            <a:r>
+              <a:rPr lang="pt-BR" sz="3200" b="0" i="0" dirty="0" smtClean="0">
+                <a:solidFill>
+                  <a:schemeClr val="bg1"/>
+                </a:solidFill>
+                <a:latin typeface="Book Antiqua"/>
+                <a:ea typeface="+mj-ea"/>
+                <a:cs typeface="+mj-cs"/>
+              </a:rPr>
+              <a:t>Layout de Título e Conteúdo com SmartArt</a:t>
+            </a:r>
+            <a:endParaRPr lang="pt-BR" sz="3200" b="0" i="0" dirty="0">
+              <a:solidFill>
+                <a:schemeClr val="bg1"/>
+              </a:solidFill>
+              <a:latin typeface="Book Antiqua"/>
+              <a:ea typeface="+mj-ea"/>
+              <a:cs typeface="+mj-cs"/>
+            </a:endParaRPr>
+          </a:p>
+        </p:txBody>
+      </p:sp>
+      <p:graphicFrame>
+        <p:nvGraphicFramePr>
+          <p:cNvPr id="6" name="Espaço Reservado para Conteúdo 5" descr="Processo Básico em Divisas" title="SmartArt"/>
+          <p:cNvGraphicFramePr>
+            <a:graphicFrameLocks noGrp="1"/>
+          </p:cNvGraphicFramePr>
+          <p:nvPr>
+            <p:ph idx="1"/>
+            <p:extLst>
+              <p:ext uri="{D42A27DB-BD31-4B8C-83A1-F6EECF244321}">
+                <p14:modId xmlns:p14="http://schemas.microsoft.com/office/powerpoint/2010/main" val="2398150307"/>
+              </p:ext>
+            </p:extLst>
+          </p:nvPr>
+        </p:nvGraphicFramePr>
+        <p:xfrm>
+          <a:off x="1295400" y="1828800"/>
+          <a:ext cx="9601200" cy="4343400"/>
+        </p:xfrm>
+        <a:graphic>
+          <a:graphicData uri="http://schemas.openxmlformats.org/drawingml/2006/diagram">
+            <dgm:relIds xmlns:dgm="http://schemas.openxmlformats.org/drawingml/2006/diagram" xmlns:r="http://schemas.openxmlformats.org/officeDocument/2006/relationships" r:dm="rId2" r:lo="rId3" r:qs="rId4" r:cs="rId5"/>
+          </a:graphicData>
+        </a:graphic>
+      </p:graphicFrame>
+    </p:spTree>
+    <p:extLst>
+      <p:ext uri="{BB962C8B-B14F-4D97-AF65-F5344CB8AC3E}">
+        <p14:creationId xmlns:p14="http://schemas.microsoft.com/office/powerpoint/2010/main" val="3112142608"/>
+      </p:ext>
+    </p:extLst>
+  </p:cSld>
+  <p:clrMapOvr>
+    <a:masterClrMapping/>
+  </p:clrMapOvr>
+  <mc:AlternateContent xmlns:mc="http://schemas.openxmlformats.org/markup-compatibility/2006" xmlns:p14="http://schemas.microsoft.com/office/powerpoint/2010/main">
+    <mc:Choice Requires="p14">
+      <p:transition spd="med" p14:dur="700">
+        <p:fade/>
+      </p:transition>
+    </mc:Choice>
+    <mc:Fallback xmlns="">
+      <p:transition spd="med">
+        <p:fade/>
+      </p:transition>
+    </mc:Fallback>
+  </mc:AlternateContent>
+  <p:timing>
+    <p:tnLst>
+      <p:par>
+        <p:cTn id="1" dur="indefinite" restart="never" nodeType="tmRoot"/>
+      </p:par>
+    </p:tnLst>
+  </p:timing>
+</p:sld>
+</file>
+
+<file path=ppt/slides/slide12.xml><?xml version="1.0" encoding="utf-8"?>
+<p:sld xmlns:a="http://schemas.openxmlformats.org/drawingml/2006/main" xmlns:r="http://schemas.openxmlformats.org/officeDocument/2006/relationships" xmlns:p="http://schemas.openxmlformats.org/presentationml/2006/main">
+  <p:cSld>
+    <p:spTree>
+      <p:nvGrpSpPr>
+        <p:cNvPr id="1" name=""/>
+        <p:cNvGrpSpPr/>
+        <p:nvPr/>
+      </p:nvGrpSpPr>
+      <p:grpSpPr>
+        <a:xfrm>
+          <a:off x="0" y="0"/>
+          <a:ext cx="0" cy="0"/>
+          <a:chOff x="0" y="0"/>
+          <a:chExt cx="0" cy="0"/>
+        </a:xfrm>
+      </p:grpSpPr>
+      <p:sp>
+        <p:nvSpPr>
+          <p:cNvPr id="2" name="Título 1"/>
+          <p:cNvSpPr>
+            <a:spLocks noGrp="1"/>
+          </p:cNvSpPr>
+          <p:nvPr>
+            <p:ph type="ctrTitle"/>
+          </p:nvPr>
+        </p:nvSpPr>
+        <p:spPr/>
+        <p:txBody>
+          <a:bodyPr/>
+          <a:lstStyle/>
+          <a:p>
+            <a:endParaRPr lang="pt-BR" dirty="0"/>
+          </a:p>
+        </p:txBody>
+      </p:sp>
+      <p:sp>
+        <p:nvSpPr>
+          <p:cNvPr id="3" name="Subtítulo 2"/>
+          <p:cNvSpPr>
+            <a:spLocks noGrp="1"/>
+          </p:cNvSpPr>
+          <p:nvPr>
+            <p:ph type="subTitle" idx="1"/>
+          </p:nvPr>
+        </p:nvSpPr>
+        <p:spPr/>
+        <p:txBody>
+          <a:bodyPr/>
+          <a:lstStyle/>
+          <a:p>
+            <a:endParaRPr lang="pt-BR" dirty="0"/>
+          </a:p>
+        </p:txBody>
+      </p:sp>
+    </p:spTree>
+    <p:extLst>
+      <p:ext uri="{BB962C8B-B14F-4D97-AF65-F5344CB8AC3E}">
+        <p14:creationId xmlns:p14="http://schemas.microsoft.com/office/powerpoint/2010/main" val="1636679273"/>
+      </p:ext>
+    </p:extLst>
+  </p:cSld>
+  <p:clrMapOvr>
+    <a:masterClrMapping/>
+  </p:clrMapOvr>
+  <mc:AlternateContent xmlns:mc="http://schemas.openxmlformats.org/markup-compatibility/2006" xmlns:p14="http://schemas.microsoft.com/office/powerpoint/2010/main">
+    <mc:Choice Requires="p14">
+      <p:transition spd="med" p14:dur="700">
+        <p:fade/>
+      </p:transition>
+    </mc:Choice>
+    <mc:Fallback xmlns="">
+      <p:transition spd="med">
+        <p:fade/>
+      </p:transition>
+    </mc:Fallback>
+  </mc:AlternateContent>
+  <p:timing>
+    <p:tnLst>
+      <p:par>
+        <p:cTn id="1" dur="indefinite" restart="never" nodeType="tmRoot"/>
+      </p:par>
+    </p:tnLst>
+  </p:timing>
+</p:sld>
+</file>
+
+<file path=ppt/slides/slide13.xml><?xml version="1.0" encoding="utf-8"?>
+<p:sld xmlns:a="http://schemas.openxmlformats.org/drawingml/2006/main" xmlns:r="http://schemas.openxmlformats.org/officeDocument/2006/relationships" xmlns:p="http://schemas.openxmlformats.org/presentationml/2006/main">
+  <p:cSld>
+    <p:spTree>
+      <p:nvGrpSpPr>
+        <p:cNvPr id="1" name=""/>
+        <p:cNvGrpSpPr/>
+        <p:nvPr/>
+      </p:nvGrpSpPr>
+      <p:grpSpPr>
+        <a:xfrm>
+          <a:off x="0" y="0"/>
+          <a:ext cx="0" cy="0"/>
+          <a:chOff x="0" y="0"/>
+          <a:chExt cx="0" cy="0"/>
+        </a:xfrm>
+      </p:grpSpPr>
+      <p:sp>
+        <p:nvSpPr>
+          <p:cNvPr id="2" name="Título 1"/>
+          <p:cNvSpPr>
+            <a:spLocks noGrp="1"/>
+          </p:cNvSpPr>
+          <p:nvPr>
+            <p:ph type="title"/>
+          </p:nvPr>
+        </p:nvSpPr>
+        <p:spPr/>
+        <p:txBody>
+          <a:bodyPr/>
+          <a:lstStyle/>
+          <a:p>
+            <a:endParaRPr lang="pt-BR" dirty="0"/>
+          </a:p>
+        </p:txBody>
+      </p:sp>
+      <p:sp>
+        <p:nvSpPr>
+          <p:cNvPr id="3" name="Espaço Reservado para Texto 2"/>
+          <p:cNvSpPr>
+            <a:spLocks noGrp="1"/>
+          </p:cNvSpPr>
+          <p:nvPr>
+            <p:ph type="body" idx="1"/>
+          </p:nvPr>
+        </p:nvSpPr>
+        <p:spPr/>
+        <p:txBody>
+          <a:bodyPr/>
+          <a:lstStyle/>
+          <a:p>
+            <a:endParaRPr lang="pt-BR" dirty="0"/>
+          </a:p>
+        </p:txBody>
+      </p:sp>
+    </p:spTree>
+    <p:extLst>
+      <p:ext uri="{BB962C8B-B14F-4D97-AF65-F5344CB8AC3E}">
+        <p14:creationId xmlns:p14="http://schemas.microsoft.com/office/powerpoint/2010/main" val="3374778722"/>
+      </p:ext>
+    </p:extLst>
+  </p:cSld>
+  <p:clrMapOvr>
+    <a:masterClrMapping/>
+  </p:clrMapOvr>
+  <mc:AlternateContent xmlns:mc="http://schemas.openxmlformats.org/markup-compatibility/2006" xmlns:p14="http://schemas.microsoft.com/office/powerpoint/2010/main">
+    <mc:Choice Requires="p14">
+      <p:transition spd="med" p14:dur="700">
+        <p:fade/>
+      </p:transition>
+    </mc:Choice>
+    <mc:Fallback xmlns="">
+      <p:transition spd="med">
+        <p:fade/>
+      </p:transition>
+    </mc:Fallback>
+  </mc:AlternateContent>
+  <p:timing>
+    <p:tnLst>
+      <p:par>
+        <p:cTn id="1" dur="indefinite" restart="never" nodeType="tmRoot"/>
+      </p:par>
+    </p:tnLst>
+  </p:timing>
+</p:sld>
+</file>
+
+<file path=ppt/slides/slide14.xml><?xml version="1.0" encoding="utf-8"?>
+<p:sld xmlns:a="http://schemas.openxmlformats.org/drawingml/2006/main" xmlns:r="http://schemas.openxmlformats.org/officeDocument/2006/relationships" xmlns:p="http://schemas.openxmlformats.org/presentationml/2006/main">
+  <p:cSld>
+    <p:spTree>
+      <p:nvGrpSpPr>
+        <p:cNvPr id="1" name=""/>
+        <p:cNvGrpSpPr/>
+        <p:nvPr/>
+      </p:nvGrpSpPr>
+      <p:grpSpPr>
+        <a:xfrm>
+          <a:off x="0" y="0"/>
+          <a:ext cx="0" cy="0"/>
+          <a:chOff x="0" y="0"/>
+          <a:chExt cx="0" cy="0"/>
+        </a:xfrm>
+      </p:grpSpPr>
+      <p:sp>
+        <p:nvSpPr>
+          <p:cNvPr id="2" name="Título 1"/>
+          <p:cNvSpPr>
+            <a:spLocks noGrp="1"/>
+          </p:cNvSpPr>
+          <p:nvPr>
+            <p:ph type="title"/>
+          </p:nvPr>
+        </p:nvSpPr>
+        <p:spPr/>
+        <p:txBody>
+          <a:bodyPr/>
+          <a:lstStyle/>
+          <a:p>
+            <a:endParaRPr lang="pt-BR" dirty="0"/>
+          </a:p>
+        </p:txBody>
+      </p:sp>
+      <p:sp>
+        <p:nvSpPr>
+          <p:cNvPr id="3" name="Espaço Reservado para Texto 2"/>
+          <p:cNvSpPr>
+            <a:spLocks noGrp="1"/>
+          </p:cNvSpPr>
+          <p:nvPr>
+            <p:ph type="body" idx="1"/>
+          </p:nvPr>
+        </p:nvSpPr>
+        <p:spPr/>
+        <p:txBody>
+          <a:bodyPr/>
+          <a:lstStyle/>
+          <a:p>
+            <a:endParaRPr lang="pt-BR" dirty="0"/>
+          </a:p>
+        </p:txBody>
+      </p:sp>
+      <p:sp>
+        <p:nvSpPr>
+          <p:cNvPr id="4" name="Espaço Reservado para Conteúdo 3"/>
+          <p:cNvSpPr>
+            <a:spLocks noGrp="1"/>
+          </p:cNvSpPr>
+          <p:nvPr>
+            <p:ph sz="half" idx="2"/>
+          </p:nvPr>
+        </p:nvSpPr>
+        <p:spPr/>
+        <p:txBody>
+          <a:bodyPr/>
+          <a:lstStyle/>
+          <a:p>
+            <a:endParaRPr lang="pt-BR" dirty="0"/>
+          </a:p>
+        </p:txBody>
+      </p:sp>
+      <p:sp>
+        <p:nvSpPr>
+          <p:cNvPr id="5" name="Espaço Reservado para Texto 4"/>
+          <p:cNvSpPr>
+            <a:spLocks noGrp="1"/>
+          </p:cNvSpPr>
+          <p:nvPr>
+            <p:ph type="body" sz="quarter" idx="3"/>
+          </p:nvPr>
+        </p:nvSpPr>
+        <p:spPr/>
+        <p:txBody>
+          <a:bodyPr/>
+          <a:lstStyle/>
+          <a:p>
+            <a:endParaRPr lang="pt-BR" dirty="0"/>
+          </a:p>
+        </p:txBody>
+      </p:sp>
+      <p:sp>
+        <p:nvSpPr>
+          <p:cNvPr id="6" name="Espaço Reservado para Conteúdo 5"/>
+          <p:cNvSpPr>
+            <a:spLocks noGrp="1"/>
+          </p:cNvSpPr>
+          <p:nvPr>
+            <p:ph sz="quarter" idx="4"/>
+          </p:nvPr>
+        </p:nvSpPr>
+        <p:spPr/>
+        <p:txBody>
+          <a:bodyPr/>
+          <a:lstStyle/>
+          <a:p>
+            <a:endParaRPr lang="pt-BR" dirty="0"/>
+          </a:p>
+        </p:txBody>
+      </p:sp>
+    </p:spTree>
+    <p:extLst>
+      <p:ext uri="{BB962C8B-B14F-4D97-AF65-F5344CB8AC3E}">
+        <p14:creationId xmlns:p14="http://schemas.microsoft.com/office/powerpoint/2010/main" val="737118897"/>
+      </p:ext>
+    </p:extLst>
+  </p:cSld>
+  <p:clrMapOvr>
+    <a:masterClrMapping/>
+  </p:clrMapOvr>
+  <mc:AlternateContent xmlns:mc="http://schemas.openxmlformats.org/markup-compatibility/2006" xmlns:p14="http://schemas.microsoft.com/office/powerpoint/2010/main">
+    <mc:Choice Requires="p14">
+      <p:transition spd="med" p14:dur="700">
+        <p:fade/>
+      </p:transition>
+    </mc:Choice>
+    <mc:Fallback xmlns="">
+      <p:transition spd="med">
+        <p:fade/>
+      </p:transition>
+    </mc:Fallback>
+  </mc:AlternateContent>
+  <p:timing>
+    <p:tnLst>
+      <p:par>
+        <p:cTn id="1" dur="indefinite" restart="never" nodeType="tmRoot"/>
+      </p:par>
+    </p:tnLst>
+  </p:timing>
+</p:sld>
+</file>
+
+<file path=ppt/slides/slide15.xml><?xml version="1.0" encoding="utf-8"?>
+<p:sld xmlns:a="http://schemas.openxmlformats.org/drawingml/2006/main" xmlns:r="http://schemas.openxmlformats.org/officeDocument/2006/relationships" xmlns:p="http://schemas.openxmlformats.org/presentationml/2006/main">
+  <p:cSld>
+    <p:spTree>
+      <p:nvGrpSpPr>
+        <p:cNvPr id="1" name=""/>
+        <p:cNvGrpSpPr/>
+        <p:nvPr/>
+      </p:nvGrpSpPr>
+      <p:grpSpPr>
+        <a:xfrm>
+          <a:off x="0" y="0"/>
+          <a:ext cx="0" cy="0"/>
+          <a:chOff x="0" y="0"/>
+          <a:chExt cx="0" cy="0"/>
+        </a:xfrm>
+      </p:grpSpPr>
+      <p:sp>
+        <p:nvSpPr>
+          <p:cNvPr id="2" name="Título 1"/>
+          <p:cNvSpPr>
+            <a:spLocks noGrp="1"/>
+          </p:cNvSpPr>
+          <p:nvPr>
+            <p:ph type="title"/>
+          </p:nvPr>
+        </p:nvSpPr>
+        <p:spPr/>
+        <p:txBody>
+          <a:bodyPr/>
+          <a:lstStyle/>
+          <a:p>
+            <a:endParaRPr lang="pt-BR" dirty="0"/>
+          </a:p>
+        </p:txBody>
+      </p:sp>
+    </p:spTree>
+    <p:extLst>
+      <p:ext uri="{BB962C8B-B14F-4D97-AF65-F5344CB8AC3E}">
+        <p14:creationId xmlns:p14="http://schemas.microsoft.com/office/powerpoint/2010/main" val="3061729273"/>
+      </p:ext>
+    </p:extLst>
+  </p:cSld>
+  <p:clrMapOvr>
+    <a:masterClrMapping/>
+  </p:clrMapOvr>
+  <mc:AlternateContent xmlns:mc="http://schemas.openxmlformats.org/markup-compatibility/2006" xmlns:p14="http://schemas.microsoft.com/office/powerpoint/2010/main">
+    <mc:Choice Requires="p14">
+      <p:transition spd="med" p14:dur="700">
+        <p:fade/>
+      </p:transition>
+    </mc:Choice>
+    <mc:Fallback xmlns="">
+      <p:transition spd="med">
+        <p:fade/>
+      </p:transition>
+    </mc:Fallback>
+  </mc:AlternateContent>
+  <p:timing>
+    <p:tnLst>
+      <p:par>
+        <p:cTn id="1" dur="indefinite" restart="never" nodeType="tmRoot"/>
+      </p:par>
+    </p:tnLst>
+  </p:timing>
+</p:sld>
+</file>
+
+<file path=ppt/slides/slide16.xml><?xml version="1.0" encoding="utf-8"?>
+<p:sld xmlns:a="http://schemas.openxmlformats.org/drawingml/2006/main" xmlns:r="http://schemas.openxmlformats.org/officeDocument/2006/relationships" xmlns:p="http://schemas.openxmlformats.org/presentationml/2006/main">
+  <p:cSld>
+    <p:spTree>
+      <p:nvGrpSpPr>
+        <p:cNvPr id="1" name=""/>
+        <p:cNvGrpSpPr/>
+        <p:nvPr/>
+      </p:nvGrpSpPr>
+      <p:grpSpPr>
+        <a:xfrm>
+          <a:off x="0" y="0"/>
+          <a:ext cx="0" cy="0"/>
+          <a:chOff x="0" y="0"/>
+          <a:chExt cx="0" cy="0"/>
+        </a:xfrm>
+      </p:grpSpPr>
+      <p:sp>
+        <p:nvSpPr>
+          <p:cNvPr id="2" name="Título 1"/>
+          <p:cNvSpPr>
+            <a:spLocks noGrp="1"/>
+          </p:cNvSpPr>
+          <p:nvPr>
+            <p:ph type="title"/>
+          </p:nvPr>
+        </p:nvSpPr>
+        <p:spPr/>
+        <p:txBody>
+          <a:bodyPr/>
+          <a:lstStyle/>
+          <a:p>
+            <a:endParaRPr lang="pt-BR" dirty="0"/>
+          </a:p>
+        </p:txBody>
+      </p:sp>
+      <p:sp>
+        <p:nvSpPr>
+          <p:cNvPr id="3" name="Espaço Reservado para Conteúdo 2"/>
+          <p:cNvSpPr>
+            <a:spLocks noGrp="1"/>
+          </p:cNvSpPr>
+          <p:nvPr>
+            <p:ph idx="1"/>
+          </p:nvPr>
+        </p:nvSpPr>
+        <p:spPr/>
+        <p:txBody>
+          <a:bodyPr/>
+          <a:lstStyle/>
+          <a:p>
+            <a:endParaRPr lang="pt-BR" dirty="0"/>
+          </a:p>
+        </p:txBody>
+      </p:sp>
+      <p:sp>
+        <p:nvSpPr>
+          <p:cNvPr id="4" name="Espaço Reservado para Texto 3"/>
+          <p:cNvSpPr>
+            <a:spLocks noGrp="1"/>
+          </p:cNvSpPr>
+          <p:nvPr>
+            <p:ph type="body" sz="half" idx="2"/>
+          </p:nvPr>
+        </p:nvSpPr>
+        <p:spPr/>
+        <p:txBody>
+          <a:bodyPr/>
+          <a:lstStyle/>
+          <a:p>
+            <a:endParaRPr lang="pt-BR" dirty="0"/>
+          </a:p>
+        </p:txBody>
+      </p:sp>
+    </p:spTree>
+    <p:extLst>
+      <p:ext uri="{BB962C8B-B14F-4D97-AF65-F5344CB8AC3E}">
+        <p14:creationId xmlns:p14="http://schemas.microsoft.com/office/powerpoint/2010/main" val="332843759"/>
+      </p:ext>
+    </p:extLst>
+  </p:cSld>
+  <p:clrMapOvr>
+    <a:masterClrMapping/>
+  </p:clrMapOvr>
+  <mc:AlternateContent xmlns:mc="http://schemas.openxmlformats.org/markup-compatibility/2006" xmlns:p14="http://schemas.microsoft.com/office/powerpoint/2010/main">
+    <mc:Choice Requires="p14">
+      <p:transition spd="med" p14:dur="700">
+        <p:fade/>
+      </p:transition>
+    </mc:Choice>
+    <mc:Fallback xmlns="">
+      <p:transition spd="med">
+        <p:fade/>
+      </p:transition>
+    </mc:Fallback>
+  </mc:AlternateContent>
+  <p:timing>
+    <p:tnLst>
+      <p:par>
+        <p:cTn id="1" dur="indefinite" restart="never" nodeType="tmRoot"/>
+      </p:par>
+    </p:tnLst>
+  </p:timing>
+</p:sld>
+</file>
+
+<file path=ppt/slides/slide17.xml><?xml version="1.0" encoding="utf-8"?>
+<p:sld xmlns:a="http://schemas.openxmlformats.org/drawingml/2006/main" xmlns:r="http://schemas.openxmlformats.org/officeDocument/2006/relationships" xmlns:p="http://schemas.openxmlformats.org/presentationml/2006/main">
+  <p:cSld>
+    <p:spTree>
+      <p:nvGrpSpPr>
+        <p:cNvPr id="1" name=""/>
+        <p:cNvGrpSpPr/>
+        <p:nvPr/>
+      </p:nvGrpSpPr>
+      <p:grpSpPr>
+        <a:xfrm>
+          <a:off x="0" y="0"/>
+          <a:ext cx="0" cy="0"/>
+          <a:chOff x="0" y="0"/>
+          <a:chExt cx="0" cy="0"/>
+        </a:xfrm>
+      </p:grpSpPr>
+      <p:sp>
+        <p:nvSpPr>
+          <p:cNvPr id="2" name="Título 1"/>
+          <p:cNvSpPr>
+            <a:spLocks noGrp="1"/>
+          </p:cNvSpPr>
+          <p:nvPr>
+            <p:ph type="title"/>
+          </p:nvPr>
+        </p:nvSpPr>
+        <p:spPr/>
+        <p:txBody>
+          <a:bodyPr/>
+          <a:lstStyle/>
+          <a:p>
+            <a:endParaRPr lang="pt-BR" dirty="0"/>
+          </a:p>
+        </p:txBody>
+      </p:sp>
+      <p:sp>
+        <p:nvSpPr>
+          <p:cNvPr id="3" name="Espaço Reservado para Imagem 2"/>
+          <p:cNvSpPr>
+            <a:spLocks noGrp="1"/>
+          </p:cNvSpPr>
+          <p:nvPr>
+            <p:ph type="pic" idx="1"/>
+          </p:nvPr>
+        </p:nvSpPr>
+        <p:spPr/>
+      </p:sp>
+      <p:sp>
+        <p:nvSpPr>
+          <p:cNvPr id="4" name="Espaço Reservado para Texto 3"/>
+          <p:cNvSpPr>
+            <a:spLocks noGrp="1"/>
+          </p:cNvSpPr>
+          <p:nvPr>
+            <p:ph type="body" sz="half" idx="2"/>
+          </p:nvPr>
+        </p:nvSpPr>
+        <p:spPr/>
+        <p:txBody>
+          <a:bodyPr/>
+          <a:lstStyle/>
+          <a:p>
+            <a:endParaRPr lang="pt-BR" dirty="0"/>
+          </a:p>
+        </p:txBody>
+      </p:sp>
+    </p:spTree>
+    <p:extLst>
+      <p:ext uri="{BB962C8B-B14F-4D97-AF65-F5344CB8AC3E}">
+        <p14:creationId xmlns:p14="http://schemas.microsoft.com/office/powerpoint/2010/main" val="4129926194"/>
+      </p:ext>
+    </p:extLst>
+  </p:cSld>
+  <p:clrMapOvr>
+    <a:masterClrMapping/>
+  </p:clrMapOvr>
+  <mc:AlternateContent xmlns:mc="http://schemas.openxmlformats.org/markup-compatibility/2006" xmlns:p14="http://schemas.microsoft.com/office/powerpoint/2010/main">
+    <mc:Choice Requires="p14">
+      <p:transition spd="med" p14:dur="700">
+        <p:fade/>
+      </p:transition>
+    </mc:Choice>
+    <mc:Fallback xmlns="">
+      <p:transition spd="med">
+        <p:fade/>
+      </p:transition>
+    </mc:Fallback>
+  </mc:AlternateContent>
+  <p:timing>
+    <p:tnLst>
+      <p:par>
+        <p:cTn id="1" dur="indefinite" restart="never" nodeType="tmRoot"/>
+      </p:par>
+    </p:tnLst>
+  </p:timing>
+</p:sld>
+</file>
+
+<file path=ppt/slides/slide2.xml><?xml version="1.0" encoding="utf-8"?>
+<p:sld xmlns:a="http://schemas.openxmlformats.org/drawingml/2006/main" xmlns:r="http://schemas.openxmlformats.org/officeDocument/2006/relationships" xmlns:p="http://schemas.openxmlformats.org/presentationml/2006/main">
+  <p:cSld>
+    <p:spTree>
+      <p:nvGrpSpPr>
+        <p:cNvPr id="1" name=""/>
+        <p:cNvGrpSpPr/>
+        <p:nvPr/>
+      </p:nvGrpSpPr>
+      <p:grpSpPr>
+        <a:xfrm>
+          <a:off x="0" y="0"/>
+          <a:ext cx="0" cy="0"/>
+          <a:chOff x="0" y="0"/>
+          <a:chExt cx="0" cy="0"/>
+        </a:xfrm>
+      </p:grpSpPr>
+      <p:sp>
+        <p:nvSpPr>
+          <p:cNvPr id="2" name="Título 1"/>
+          <p:cNvSpPr>
+            <a:spLocks noGrp="1"/>
+          </p:cNvSpPr>
+          <p:nvPr>
+            <p:ph type="title"/>
+          </p:nvPr>
+        </p:nvSpPr>
+        <p:spPr/>
+        <p:txBody>
+          <a:bodyPr>
+            <a:normAutofit/>
+          </a:bodyPr>
+          <a:lstStyle/>
+          <a:p>
+            <a:r>
+              <a:rPr lang="pt-BR" sz="4000" dirty="0" smtClean="0">
+                <a:latin typeface="Century Gothic" panose="020B0502020202020204" pitchFamily="34" charset="0"/>
+                <a:ea typeface="Segoe UI" panose="020B0502040204020203" pitchFamily="34" charset="0"/>
+                <a:cs typeface="Segoe UI" panose="020B0502040204020203" pitchFamily="34" charset="0"/>
+              </a:rPr>
+              <a:t>Autores</a:t>
+            </a:r>
+            <a:endParaRPr lang="pt-BR" sz="4000" dirty="0">
+              <a:latin typeface="Century Gothic" panose="020B0502020202020204" pitchFamily="34" charset="0"/>
+              <a:ea typeface="Segoe UI" panose="020B0502040204020203" pitchFamily="34" charset="0"/>
+              <a:cs typeface="Segoe UI" panose="020B0502040204020203" pitchFamily="34" charset="0"/>
+            </a:endParaRPr>
+          </a:p>
+        </p:txBody>
+      </p:sp>
+      <p:sp>
+        <p:nvSpPr>
+          <p:cNvPr id="3" name="Espaço Reservado para Texto 2"/>
+          <p:cNvSpPr>
+            <a:spLocks noGrp="1"/>
+          </p:cNvSpPr>
+          <p:nvPr>
+            <p:ph type="body" sz="half" idx="2"/>
+          </p:nvPr>
+        </p:nvSpPr>
+        <p:spPr>
+          <a:xfrm>
+            <a:off x="1759040" y="5333098"/>
+            <a:ext cx="4095659" cy="839102"/>
+          </a:xfrm>
+        </p:spPr>
+        <p:txBody>
+          <a:bodyPr/>
+          <a:lstStyle/>
+          <a:p>
+            <a:r>
+              <a:rPr lang="pt-BR" dirty="0" smtClean="0">
+                <a:latin typeface="Segoe UI" panose="020B0502040204020203" pitchFamily="34" charset="0"/>
+                <a:ea typeface="Segoe UI" panose="020B0502040204020203" pitchFamily="34" charset="0"/>
+                <a:cs typeface="Segoe UI" panose="020B0502040204020203" pitchFamily="34" charset="0"/>
+              </a:rPr>
+              <a:t>David Allysson Pereira Moreira</a:t>
+            </a:r>
+          </a:p>
+          <a:p>
+            <a:r>
+              <a:rPr lang="pt-BR" dirty="0" smtClean="0">
+                <a:latin typeface="Segoe UI" panose="020B0502040204020203" pitchFamily="34" charset="0"/>
+                <a:ea typeface="Segoe UI" panose="020B0502040204020203" pitchFamily="34" charset="0"/>
+                <a:cs typeface="Segoe UI" panose="020B0502040204020203" pitchFamily="34" charset="0"/>
+              </a:rPr>
+              <a:t>github.com/davidallysson</a:t>
+            </a:r>
+          </a:p>
+          <a:p>
+            <a:r>
+              <a:rPr lang="pt-BR" dirty="0" smtClean="0">
+                <a:latin typeface="Segoe UI" panose="020B0502040204020203" pitchFamily="34" charset="0"/>
+                <a:ea typeface="Segoe UI" panose="020B0502040204020203" pitchFamily="34" charset="0"/>
+                <a:cs typeface="Segoe UI" panose="020B0502040204020203" pitchFamily="34" charset="0"/>
+              </a:rPr>
+              <a:t>davidmoreirainformatica@gmail.com</a:t>
+            </a:r>
+            <a:endParaRPr lang="pt-BR" dirty="0">
+              <a:latin typeface="Segoe UI" panose="020B0502040204020203" pitchFamily="34" charset="0"/>
+              <a:ea typeface="Segoe UI" panose="020B0502040204020203" pitchFamily="34" charset="0"/>
+              <a:cs typeface="Segoe UI" panose="020B0502040204020203" pitchFamily="34" charset="0"/>
+            </a:endParaRPr>
+          </a:p>
+        </p:txBody>
+      </p:sp>
+      <p:sp>
+        <p:nvSpPr>
+          <p:cNvPr id="4" name="Espaço Reservado para Texto 3"/>
+          <p:cNvSpPr>
+            <a:spLocks noGrp="1"/>
+          </p:cNvSpPr>
+          <p:nvPr>
+            <p:ph type="body" sz="half" idx="14"/>
+          </p:nvPr>
+        </p:nvSpPr>
+        <p:spPr>
+          <a:xfrm>
+            <a:off x="6781800" y="5333098"/>
+            <a:ext cx="4051406" cy="839102"/>
+          </a:xfrm>
+        </p:spPr>
+        <p:txBody>
+          <a:bodyPr>
+            <a:normAutofit/>
+          </a:bodyPr>
+          <a:lstStyle/>
+          <a:p>
+            <a:r>
+              <a:rPr lang="pt-BR" dirty="0" smtClean="0">
+                <a:latin typeface="Segoe UI" panose="020B0502040204020203" pitchFamily="34" charset="0"/>
+                <a:ea typeface="Segoe UI" panose="020B0502040204020203" pitchFamily="34" charset="0"/>
+                <a:cs typeface="Segoe UI" panose="020B0502040204020203" pitchFamily="34" charset="0"/>
+              </a:rPr>
+              <a:t>Breno Oliveira da Silva</a:t>
+            </a:r>
+          </a:p>
+          <a:p>
+            <a:r>
+              <a:rPr lang="pt-BR" dirty="0" smtClean="0">
+                <a:latin typeface="Segoe UI" panose="020B0502040204020203" pitchFamily="34" charset="0"/>
+                <a:ea typeface="Segoe UI" panose="020B0502040204020203" pitchFamily="34" charset="0"/>
+                <a:cs typeface="Segoe UI" panose="020B0502040204020203" pitchFamily="34" charset="0"/>
+              </a:rPr>
+              <a:t>github.com/breno-silva1</a:t>
+            </a:r>
+            <a:endParaRPr lang="pt-BR" dirty="0">
+              <a:latin typeface="Segoe UI" panose="020B0502040204020203" pitchFamily="34" charset="0"/>
+              <a:ea typeface="Segoe UI" panose="020B0502040204020203" pitchFamily="34" charset="0"/>
+              <a:cs typeface="Segoe UI" panose="020B0502040204020203" pitchFamily="34" charset="0"/>
+            </a:endParaRPr>
+          </a:p>
+          <a:p>
+            <a:r>
+              <a:rPr lang="pt-BR" dirty="0" smtClean="0">
+                <a:latin typeface="Segoe UI" panose="020B0502040204020203" pitchFamily="34" charset="0"/>
+                <a:ea typeface="Segoe UI" panose="020B0502040204020203" pitchFamily="34" charset="0"/>
+                <a:cs typeface="Segoe UI" panose="020B0502040204020203" pitchFamily="34" charset="0"/>
+              </a:rPr>
+              <a:t>brenosilva.ifrn@gmail.com</a:t>
+            </a:r>
+          </a:p>
+        </p:txBody>
+      </p:sp>
+      <p:pic>
+        <p:nvPicPr>
+          <p:cNvPr id="5" name="Espaço Reservado para Imagem 4"/>
+          <p:cNvPicPr>
+            <a:picLocks noGrp="1" noChangeAspect="1"/>
+          </p:cNvPicPr>
+          <p:nvPr>
+            <p:ph type="pic" idx="13"/>
+          </p:nvPr>
+        </p:nvPicPr>
+        <p:blipFill rotWithShape="1">
+          <a:blip r:embed="rId2" cstate="print">
+            <a:extLst>
+              <a:ext uri="{28A0092B-C50C-407E-A947-70E740481C1C}">
+                <a14:useLocalDpi xmlns:a14="http://schemas.microsoft.com/office/drawing/2010/main" val="0"/>
+              </a:ext>
+            </a:extLst>
+          </a:blip>
+          <a:srcRect t="105" b="105"/>
+          <a:stretch/>
+        </p:blipFill>
+        <p:spPr>
+          <a:xfrm>
+            <a:off x="6892470" y="1828801"/>
+            <a:ext cx="3436260" cy="3429000"/>
+          </a:xfrm>
+          <a:prstGeom prst="rect">
+            <a:avLst/>
+          </a:prstGeom>
+          <a:noFill/>
+          <a:ln>
+            <a:noFill/>
+          </a:ln>
+        </p:spPr>
+      </p:pic>
+      <p:pic>
+        <p:nvPicPr>
+          <p:cNvPr id="11" name="Espaço Reservado para Imagem 10"/>
+          <p:cNvPicPr>
+            <a:picLocks noGrp="1" noChangeAspect="1"/>
+          </p:cNvPicPr>
+          <p:nvPr>
+            <p:ph type="pic" idx="1"/>
+          </p:nvPr>
+        </p:nvPicPr>
+        <p:blipFill>
+          <a:blip r:embed="rId3">
+            <a:extLst>
+              <a:ext uri="{28A0092B-C50C-407E-A947-70E740481C1C}">
+                <a14:useLocalDpi xmlns:a14="http://schemas.microsoft.com/office/drawing/2010/main" val="0"/>
+              </a:ext>
+            </a:extLst>
+          </a:blip>
+          <a:stretch>
+            <a:fillRect/>
+          </a:stretch>
+        </p:blipFill>
+        <p:spPr>
+          <a:xfrm>
+            <a:off x="1759040" y="1828801"/>
+            <a:ext cx="3405389" cy="3405389"/>
+          </a:xfrm>
+          <a:effectLst>
+            <a:softEdge rad="0"/>
+          </a:effectLst>
+        </p:spPr>
+      </p:pic>
+      <p:sp>
+        <p:nvSpPr>
+          <p:cNvPr id="9" name="Triângulo isósceles 8"/>
+          <p:cNvSpPr/>
+          <p:nvPr/>
+        </p:nvSpPr>
+        <p:spPr>
+          <a:xfrm rot="5400000">
+            <a:off x="1657161" y="5439291"/>
+            <a:ext cx="96044" cy="107713"/>
+          </a:xfrm>
+          <a:prstGeom prst="triangle">
+            <a:avLst/>
+          </a:prstGeom>
+          <a:solidFill>
+            <a:srgbClr val="7244A9"/>
+          </a:solidFill>
+          <a:ln>
+            <a:noFill/>
+          </a:ln>
+        </p:spPr>
+        <p:style>
+          <a:lnRef idx="2">
+            <a:schemeClr val="accent1">
+              <a:shade val="50000"/>
+            </a:schemeClr>
+          </a:lnRef>
+          <a:fillRef idx="1">
+            <a:schemeClr val="accent1"/>
+          </a:fillRef>
+          <a:effectRef idx="0">
+            <a:schemeClr val="accent1"/>
+          </a:effectRef>
+          <a:fontRef idx="minor">
+            <a:schemeClr val="lt1"/>
+          </a:fontRef>
+        </p:style>
+        <p:txBody>
+          <a:bodyPr rtlCol="0" anchor="ctr"/>
+          <a:lstStyle/>
+          <a:p>
+            <a:pPr algn="ctr"/>
+            <a:endParaRPr lang="pt-BR" dirty="0"/>
+          </a:p>
+        </p:txBody>
+      </p:sp>
+      <p:sp>
+        <p:nvSpPr>
+          <p:cNvPr id="14" name="Triângulo isósceles 13"/>
+          <p:cNvSpPr/>
+          <p:nvPr/>
+        </p:nvSpPr>
+        <p:spPr>
+          <a:xfrm rot="5400000">
+            <a:off x="1657161" y="5698249"/>
+            <a:ext cx="96044" cy="107713"/>
+          </a:xfrm>
+          <a:prstGeom prst="triangle">
+            <a:avLst/>
+          </a:prstGeom>
+          <a:solidFill>
+            <a:srgbClr val="7244A9"/>
+          </a:solidFill>
+          <a:ln>
+            <a:noFill/>
+          </a:ln>
+        </p:spPr>
+        <p:style>
+          <a:lnRef idx="2">
+            <a:schemeClr val="accent1">
+              <a:shade val="50000"/>
+            </a:schemeClr>
+          </a:lnRef>
+          <a:fillRef idx="1">
+            <a:schemeClr val="accent1"/>
+          </a:fillRef>
+          <a:effectRef idx="0">
+            <a:schemeClr val="accent1"/>
+          </a:effectRef>
+          <a:fontRef idx="minor">
+            <a:schemeClr val="lt1"/>
+          </a:fontRef>
+        </p:style>
+        <p:txBody>
+          <a:bodyPr rtlCol="0" anchor="ctr"/>
+          <a:lstStyle/>
+          <a:p>
+            <a:pPr algn="ctr"/>
+            <a:endParaRPr lang="pt-BR" dirty="0"/>
+          </a:p>
+        </p:txBody>
+      </p:sp>
+      <p:sp>
+        <p:nvSpPr>
+          <p:cNvPr id="15" name="Triângulo isósceles 14"/>
+          <p:cNvSpPr/>
+          <p:nvPr/>
+        </p:nvSpPr>
+        <p:spPr>
+          <a:xfrm rot="5400000">
+            <a:off x="1657161" y="5957207"/>
+            <a:ext cx="96044" cy="107713"/>
+          </a:xfrm>
+          <a:prstGeom prst="triangle">
+            <a:avLst/>
+          </a:prstGeom>
+          <a:solidFill>
+            <a:srgbClr val="7244A9"/>
+          </a:solidFill>
+          <a:ln>
+            <a:noFill/>
+          </a:ln>
+        </p:spPr>
+        <p:style>
+          <a:lnRef idx="2">
+            <a:schemeClr val="accent1">
+              <a:shade val="50000"/>
+            </a:schemeClr>
+          </a:lnRef>
+          <a:fillRef idx="1">
+            <a:schemeClr val="accent1"/>
+          </a:fillRef>
+          <a:effectRef idx="0">
+            <a:schemeClr val="accent1"/>
+          </a:effectRef>
+          <a:fontRef idx="minor">
+            <a:schemeClr val="lt1"/>
+          </a:fontRef>
+        </p:style>
+        <p:txBody>
+          <a:bodyPr rtlCol="0" anchor="ctr"/>
+          <a:lstStyle/>
+          <a:p>
+            <a:pPr algn="ctr"/>
+            <a:endParaRPr lang="pt-BR" dirty="0"/>
+          </a:p>
+        </p:txBody>
+      </p:sp>
+      <p:sp>
+        <p:nvSpPr>
+          <p:cNvPr id="16" name="Triângulo isósceles 15"/>
+          <p:cNvSpPr/>
+          <p:nvPr/>
+        </p:nvSpPr>
+        <p:spPr>
+          <a:xfrm rot="5400000">
+            <a:off x="6679775" y="5439292"/>
+            <a:ext cx="96044" cy="107713"/>
+          </a:xfrm>
+          <a:prstGeom prst="triangle">
+            <a:avLst/>
+          </a:prstGeom>
+          <a:solidFill>
+            <a:srgbClr val="7244A9"/>
+          </a:solidFill>
+          <a:ln>
+            <a:noFill/>
+          </a:ln>
+        </p:spPr>
+        <p:style>
+          <a:lnRef idx="2">
+            <a:schemeClr val="accent1">
+              <a:shade val="50000"/>
+            </a:schemeClr>
+          </a:lnRef>
+          <a:fillRef idx="1">
+            <a:schemeClr val="accent1"/>
+          </a:fillRef>
+          <a:effectRef idx="0">
+            <a:schemeClr val="accent1"/>
+          </a:effectRef>
+          <a:fontRef idx="minor">
+            <a:schemeClr val="lt1"/>
+          </a:fontRef>
+        </p:style>
+        <p:txBody>
+          <a:bodyPr rtlCol="0" anchor="ctr"/>
+          <a:lstStyle/>
+          <a:p>
+            <a:pPr algn="ctr"/>
+            <a:endParaRPr lang="pt-BR" dirty="0"/>
+          </a:p>
+        </p:txBody>
+      </p:sp>
+      <p:sp>
+        <p:nvSpPr>
+          <p:cNvPr id="17" name="Triângulo isósceles 16"/>
+          <p:cNvSpPr/>
+          <p:nvPr/>
+        </p:nvSpPr>
+        <p:spPr>
+          <a:xfrm rot="5400000">
+            <a:off x="6679775" y="5698250"/>
+            <a:ext cx="96044" cy="107713"/>
+          </a:xfrm>
+          <a:prstGeom prst="triangle">
+            <a:avLst/>
+          </a:prstGeom>
+          <a:solidFill>
+            <a:srgbClr val="7244A9"/>
+          </a:solidFill>
+          <a:ln>
+            <a:noFill/>
+          </a:ln>
+        </p:spPr>
+        <p:style>
+          <a:lnRef idx="2">
+            <a:schemeClr val="accent1">
+              <a:shade val="50000"/>
+            </a:schemeClr>
+          </a:lnRef>
+          <a:fillRef idx="1">
+            <a:schemeClr val="accent1"/>
+          </a:fillRef>
+          <a:effectRef idx="0">
+            <a:schemeClr val="accent1"/>
+          </a:effectRef>
+          <a:fontRef idx="minor">
+            <a:schemeClr val="lt1"/>
+          </a:fontRef>
+        </p:style>
+        <p:txBody>
+          <a:bodyPr rtlCol="0" anchor="ctr"/>
+          <a:lstStyle/>
+          <a:p>
+            <a:pPr algn="ctr"/>
+            <a:endParaRPr lang="pt-BR" dirty="0"/>
+          </a:p>
+        </p:txBody>
+      </p:sp>
+      <p:sp>
+        <p:nvSpPr>
+          <p:cNvPr id="18" name="Triângulo isósceles 17"/>
+          <p:cNvSpPr/>
+          <p:nvPr/>
+        </p:nvSpPr>
+        <p:spPr>
+          <a:xfrm rot="5400000">
+            <a:off x="6679775" y="5957208"/>
+            <a:ext cx="96044" cy="107713"/>
+          </a:xfrm>
+          <a:prstGeom prst="triangle">
+            <a:avLst/>
+          </a:prstGeom>
+          <a:solidFill>
+            <a:srgbClr val="7244A9"/>
+          </a:solidFill>
+          <a:ln>
+            <a:noFill/>
+          </a:ln>
+        </p:spPr>
+        <p:style>
+          <a:lnRef idx="2">
+            <a:schemeClr val="accent1">
+              <a:shade val="50000"/>
+            </a:schemeClr>
+          </a:lnRef>
+          <a:fillRef idx="1">
+            <a:schemeClr val="accent1"/>
+          </a:fillRef>
+          <a:effectRef idx="0">
+            <a:schemeClr val="accent1"/>
+          </a:effectRef>
+          <a:fontRef idx="minor">
+            <a:schemeClr val="lt1"/>
+          </a:fontRef>
+        </p:style>
+        <p:txBody>
+          <a:bodyPr rtlCol="0" anchor="ctr"/>
+          <a:lstStyle/>
+          <a:p>
+            <a:pPr algn="ctr"/>
+            <a:endParaRPr lang="pt-BR" dirty="0"/>
+          </a:p>
+        </p:txBody>
+      </p:sp>
+    </p:spTree>
+    <p:extLst>
+      <p:ext uri="{BB962C8B-B14F-4D97-AF65-F5344CB8AC3E}">
+        <p14:creationId xmlns:p14="http://schemas.microsoft.com/office/powerpoint/2010/main" val="188841400"/>
+      </p:ext>
+    </p:extLst>
+  </p:cSld>
+  <p:clrMapOvr>
+    <a:masterClrMapping/>
+  </p:clrMapOvr>
+  <mc:AlternateContent xmlns:mc="http://schemas.openxmlformats.org/markup-compatibility/2006" xmlns:p14="http://schemas.microsoft.com/office/powerpoint/2010/main">
+    <mc:Choice Requires="p14">
+      <p:transition spd="med" p14:dur="700">
+        <p:fade/>
+      </p:transition>
+    </mc:Choice>
+    <mc:Fallback xmlns="">
+      <p:transition spd="med">
+        <p:fade/>
+      </p:transition>
+    </mc:Fallback>
+  </mc:AlternateContent>
+  <p:timing>
+    <p:tnLst>
+      <p:par>
+        <p:cTn id="1" dur="indefinite" restart="never" nodeType="tmRoot"/>
+      </p:par>
+    </p:tnLst>
+  </p:timing>
+</p:sld>
+</file>
+
+<file path=ppt/slides/slide3.xml><?xml version="1.0" encoding="utf-8"?>
+<p:sld xmlns:a="http://schemas.openxmlformats.org/drawingml/2006/main" xmlns:r="http://schemas.openxmlformats.org/officeDocument/2006/relationships" xmlns:p="http://schemas.openxmlformats.org/presentationml/2006/main">
+  <p:cSld>
+    <p:spTree>
+      <p:nvGrpSpPr>
+        <p:cNvPr id="1" name=""/>
+        <p:cNvGrpSpPr/>
+        <p:nvPr/>
+      </p:nvGrpSpPr>
+      <p:grpSpPr>
+        <a:xfrm>
+          <a:off x="0" y="0"/>
+          <a:ext cx="0" cy="0"/>
+          <a:chOff x="0" y="0"/>
+          <a:chExt cx="0" cy="0"/>
+        </a:xfrm>
+      </p:grpSpPr>
+      <p:sp>
+        <p:nvSpPr>
+          <p:cNvPr id="2" name="Título 1"/>
+          <p:cNvSpPr>
+            <a:spLocks noGrp="1"/>
+          </p:cNvSpPr>
+          <p:nvPr>
+            <p:ph type="title"/>
+          </p:nvPr>
+        </p:nvSpPr>
+        <p:spPr/>
+        <p:txBody>
+          <a:bodyPr>
+            <a:normAutofit/>
+          </a:bodyPr>
+          <a:lstStyle/>
+          <a:p>
+            <a:r>
+              <a:rPr lang="pt-BR" sz="4000" dirty="0" smtClean="0">
+                <a:latin typeface="Century Gothic" panose="020B0502020202020204" pitchFamily="34" charset="0"/>
+                <a:ea typeface="Segoe UI" panose="020B0502040204020203" pitchFamily="34" charset="0"/>
+                <a:cs typeface="Segoe UI" panose="020B0502040204020203" pitchFamily="34" charset="0"/>
+              </a:rPr>
+              <a:t>O que são sites responsivos?</a:t>
+            </a:r>
+            <a:endParaRPr lang="pt-BR" sz="4000" dirty="0">
+              <a:latin typeface="Century Gothic" panose="020B0502020202020204" pitchFamily="34" charset="0"/>
+              <a:ea typeface="Segoe UI" panose="020B0502040204020203" pitchFamily="34" charset="0"/>
+              <a:cs typeface="Segoe UI" panose="020B0502040204020203" pitchFamily="34" charset="0"/>
+            </a:endParaRPr>
+          </a:p>
+        </p:txBody>
+      </p:sp>
+      <p:sp>
+        <p:nvSpPr>
+          <p:cNvPr id="3" name="Espaço Reservado para Conteúdo 2"/>
+          <p:cNvSpPr>
+            <a:spLocks noGrp="1"/>
+          </p:cNvSpPr>
+          <p:nvPr>
+            <p:ph sz="half" idx="1"/>
+          </p:nvPr>
+        </p:nvSpPr>
+        <p:spPr>
+          <a:xfrm>
+            <a:off x="1295400" y="1828800"/>
+            <a:ext cx="5889171" cy="4343400"/>
+          </a:xfrm>
+        </p:spPr>
+        <p:txBody>
+          <a:bodyPr>
+            <a:normAutofit/>
+          </a:bodyPr>
+          <a:lstStyle/>
+          <a:p>
+            <a:pPr algn="just">
+              <a:lnSpc>
+                <a:spcPct val="150000"/>
+              </a:lnSpc>
+            </a:pPr>
+            <a:r>
+              <a:rPr lang="pt-BR" dirty="0" smtClean="0">
+                <a:latin typeface="Segoe UI" panose="020B0502040204020203" pitchFamily="34" charset="0"/>
+                <a:ea typeface="Segoe UI" panose="020B0502040204020203" pitchFamily="34" charset="0"/>
+                <a:cs typeface="Segoe UI" panose="020B0502040204020203" pitchFamily="34" charset="0"/>
+              </a:rPr>
+              <a:t>Media Queries</a:t>
+            </a:r>
+          </a:p>
+          <a:p>
+            <a:pPr algn="just">
+              <a:lnSpc>
+                <a:spcPct val="150000"/>
+              </a:lnSpc>
+            </a:pPr>
+            <a:r>
+              <a:rPr lang="pt-BR" dirty="0" smtClean="0">
+                <a:latin typeface="Segoe UI" panose="020B0502040204020203" pitchFamily="34" charset="0"/>
+                <a:ea typeface="Segoe UI" panose="020B0502040204020203" pitchFamily="34" charset="0"/>
+                <a:cs typeface="Segoe UI" panose="020B0502040204020203" pitchFamily="34" charset="0"/>
+              </a:rPr>
+              <a:t>Unidades de Medida</a:t>
+            </a:r>
+            <a:endParaRPr lang="pt-BR" dirty="0">
+              <a:latin typeface="Segoe UI" panose="020B0502040204020203" pitchFamily="34" charset="0"/>
+              <a:ea typeface="Segoe UI" panose="020B0502040204020203" pitchFamily="34" charset="0"/>
+              <a:cs typeface="Segoe UI" panose="020B0502040204020203" pitchFamily="34" charset="0"/>
+            </a:endParaRPr>
+          </a:p>
+        </p:txBody>
+      </p:sp>
+      <p:pic>
+        <p:nvPicPr>
+          <p:cNvPr id="1032" name="Picture 8" descr="http://www.ooweboo.co.za/wp-content/uploads/2016/02/Responsive-Web-Design-And-Mobile-Site-Development.png"/>
+          <p:cNvPicPr>
+            <a:picLocks noChangeAspect="1" noChangeArrowheads="1"/>
+          </p:cNvPicPr>
+          <p:nvPr/>
+        </p:nvPicPr>
+        <p:blipFill>
+          <a:blip r:embed="rId2">
+            <a:extLst>
+              <a:ext uri="{28A0092B-C50C-407E-A947-70E740481C1C}">
+                <a14:useLocalDpi xmlns:a14="http://schemas.microsoft.com/office/drawing/2010/main" val="0"/>
+              </a:ext>
+            </a:extLst>
+          </a:blip>
+          <a:srcRect/>
+          <a:stretch>
+            <a:fillRect/>
+          </a:stretch>
+        </p:blipFill>
+        <p:spPr bwMode="auto">
+          <a:xfrm>
+            <a:off x="3914775" y="2116665"/>
+            <a:ext cx="7769225" cy="4055535"/>
+          </a:xfrm>
+          <a:prstGeom prst="rect">
+            <a:avLst/>
+          </a:prstGeom>
+          <a:noFill/>
+          <a:extLst>
+            <a:ext uri="{909E8E84-426E-40DD-AFC4-6F175D3DCCD1}">
+              <a14:hiddenFill xmlns:a14="http://schemas.microsoft.com/office/drawing/2010/main">
+                <a:solidFill>
+                  <a:srgbClr val="FFFFFF"/>
+                </a:solidFill>
+              </a14:hiddenFill>
+            </a:ext>
+          </a:extLst>
+        </p:spPr>
+      </p:pic>
+      <p:sp>
+        <p:nvSpPr>
+          <p:cNvPr id="5" name="Triângulo isósceles 4"/>
+          <p:cNvSpPr/>
+          <p:nvPr/>
+        </p:nvSpPr>
+        <p:spPr>
+          <a:xfrm rot="5400000">
+            <a:off x="1341203" y="2079862"/>
+            <a:ext cx="213772" cy="197430"/>
+          </a:xfrm>
+          <a:prstGeom prst="triangle">
+            <a:avLst/>
+          </a:prstGeom>
+          <a:solidFill>
+            <a:srgbClr val="7244A9"/>
+          </a:solidFill>
+          <a:ln>
+            <a:noFill/>
+          </a:ln>
+        </p:spPr>
+        <p:style>
+          <a:lnRef idx="2">
+            <a:schemeClr val="accent1">
+              <a:shade val="50000"/>
+            </a:schemeClr>
+          </a:lnRef>
+          <a:fillRef idx="1">
+            <a:schemeClr val="accent1"/>
+          </a:fillRef>
+          <a:effectRef idx="0">
+            <a:schemeClr val="accent1"/>
+          </a:effectRef>
+          <a:fontRef idx="minor">
+            <a:schemeClr val="lt1"/>
+          </a:fontRef>
+        </p:style>
+        <p:txBody>
+          <a:bodyPr rtlCol="0" anchor="ctr"/>
+          <a:lstStyle/>
+          <a:p>
+            <a:pPr algn="ctr"/>
+            <a:endParaRPr lang="pt-BR" dirty="0"/>
+          </a:p>
+        </p:txBody>
+      </p:sp>
+      <p:sp>
+        <p:nvSpPr>
+          <p:cNvPr id="6" name="Triângulo isósceles 5"/>
+          <p:cNvSpPr/>
+          <p:nvPr/>
+        </p:nvSpPr>
+        <p:spPr>
+          <a:xfrm rot="5400000">
+            <a:off x="1341203" y="2859569"/>
+            <a:ext cx="213772" cy="197430"/>
+          </a:xfrm>
+          <a:prstGeom prst="triangle">
+            <a:avLst/>
+          </a:prstGeom>
+          <a:solidFill>
+            <a:srgbClr val="7244A9"/>
+          </a:solidFill>
+          <a:ln>
+            <a:noFill/>
+          </a:ln>
+        </p:spPr>
+        <p:style>
+          <a:lnRef idx="2">
+            <a:schemeClr val="accent1">
+              <a:shade val="50000"/>
+            </a:schemeClr>
+          </a:lnRef>
+          <a:fillRef idx="1">
+            <a:schemeClr val="accent1"/>
+          </a:fillRef>
+          <a:effectRef idx="0">
+            <a:schemeClr val="accent1"/>
+          </a:effectRef>
+          <a:fontRef idx="minor">
+            <a:schemeClr val="lt1"/>
+          </a:fontRef>
+        </p:style>
+        <p:txBody>
+          <a:bodyPr rtlCol="0" anchor="ctr"/>
+          <a:lstStyle/>
+          <a:p>
+            <a:pPr algn="ctr"/>
+            <a:endParaRPr lang="pt-BR" dirty="0"/>
+          </a:p>
+        </p:txBody>
+      </p:sp>
+    </p:spTree>
+    <p:extLst>
+      <p:ext uri="{BB962C8B-B14F-4D97-AF65-F5344CB8AC3E}">
+        <p14:creationId xmlns:p14="http://schemas.microsoft.com/office/powerpoint/2010/main" val="1051951380"/>
+      </p:ext>
+    </p:extLst>
+  </p:cSld>
+  <p:clrMapOvr>
+    <a:masterClrMapping/>
+  </p:clrMapOvr>
+  <mc:AlternateContent xmlns:mc="http://schemas.openxmlformats.org/markup-compatibility/2006" xmlns:p14="http://schemas.microsoft.com/office/powerpoint/2010/main">
+    <mc:Choice Requires="p14">
+      <p:transition spd="med" p14:dur="700">
+        <p:fade/>
+      </p:transition>
+    </mc:Choice>
+    <mc:Fallback xmlns="">
+      <p:transition spd="med">
+        <p:fade/>
+      </p:transition>
+    </mc:Fallback>
+  </mc:AlternateContent>
+  <p:timing>
+    <p:tnLst>
+      <p:par>
+        <p:cTn id="1" dur="indefinite" restart="never" nodeType="tmRoot"/>
+      </p:par>
+    </p:tnLst>
+  </p:timing>
+</p:sld>
+</file>
+
+<file path=ppt/slides/slide4.xml><?xml version="1.0" encoding="utf-8"?>
+<p:sld xmlns:a="http://schemas.openxmlformats.org/drawingml/2006/main" xmlns:r="http://schemas.openxmlformats.org/officeDocument/2006/relationships" xmlns:p="http://schemas.openxmlformats.org/presentationml/2006/main">
+  <p:cSld>
+    <p:spTree>
+      <p:nvGrpSpPr>
+        <p:cNvPr id="1" name=""/>
+        <p:cNvGrpSpPr/>
+        <p:nvPr/>
+      </p:nvGrpSpPr>
+      <p:grpSpPr>
+        <a:xfrm>
+          <a:off x="0" y="0"/>
+          <a:ext cx="0" cy="0"/>
+          <a:chOff x="0" y="0"/>
+          <a:chExt cx="0" cy="0"/>
+        </a:xfrm>
+      </p:grpSpPr>
+      <p:sp>
+        <p:nvSpPr>
+          <p:cNvPr id="2" name="Título 1"/>
+          <p:cNvSpPr>
+            <a:spLocks noGrp="1"/>
+          </p:cNvSpPr>
+          <p:nvPr>
+            <p:ph type="title"/>
+          </p:nvPr>
+        </p:nvSpPr>
+        <p:spPr/>
+        <p:txBody>
+          <a:bodyPr>
+            <a:normAutofit/>
+          </a:bodyPr>
+          <a:lstStyle/>
+          <a:p>
+            <a:r>
+              <a:rPr lang="pt-BR" sz="4000" dirty="0" smtClean="0">
+                <a:latin typeface="Century Gothic" panose="020B0502020202020204" pitchFamily="34" charset="0"/>
+                <a:ea typeface="Segoe UI" panose="020B0502040204020203" pitchFamily="34" charset="0"/>
+                <a:cs typeface="Segoe UI" panose="020B0502040204020203" pitchFamily="34" charset="0"/>
+              </a:rPr>
+              <a:t>Afinal, o que é Bootstrap?</a:t>
+            </a:r>
+            <a:endParaRPr lang="pt-BR" sz="4000" dirty="0">
+              <a:latin typeface="Century Gothic" panose="020B0502020202020204" pitchFamily="34" charset="0"/>
+              <a:ea typeface="Segoe UI" panose="020B0502040204020203" pitchFamily="34" charset="0"/>
+              <a:cs typeface="Segoe UI" panose="020B0502040204020203" pitchFamily="34" charset="0"/>
+            </a:endParaRPr>
+          </a:p>
+        </p:txBody>
+      </p:sp>
+      <p:sp>
+        <p:nvSpPr>
+          <p:cNvPr id="3" name="Espaço Reservado para Conteúdo 2"/>
+          <p:cNvSpPr>
+            <a:spLocks noGrp="1"/>
+          </p:cNvSpPr>
+          <p:nvPr>
+            <p:ph sz="half" idx="1"/>
+          </p:nvPr>
+        </p:nvSpPr>
+        <p:spPr>
+          <a:xfrm>
+            <a:off x="1295400" y="1828800"/>
+            <a:ext cx="5889171" cy="4343400"/>
+          </a:xfrm>
+        </p:spPr>
+        <p:txBody>
+          <a:bodyPr>
+            <a:normAutofit lnSpcReduction="10000"/>
+          </a:bodyPr>
+          <a:lstStyle/>
+          <a:p>
+            <a:pPr algn="just">
+              <a:lnSpc>
+                <a:spcPct val="150000"/>
+              </a:lnSpc>
+            </a:pPr>
+            <a:r>
+              <a:rPr lang="pt-BR" dirty="0" smtClean="0">
+                <a:latin typeface="Segoe UI" panose="020B0502040204020203" pitchFamily="34" charset="0"/>
+                <a:ea typeface="Segoe UI" panose="020B0502040204020203" pitchFamily="34" charset="0"/>
+                <a:cs typeface="Segoe UI" panose="020B0502040204020203" pitchFamily="34" charset="0"/>
+              </a:rPr>
+              <a:t>Framework CSS (Front-end)</a:t>
+            </a:r>
+          </a:p>
+          <a:p>
+            <a:pPr lvl="1" algn="just">
+              <a:lnSpc>
+                <a:spcPct val="150000"/>
+              </a:lnSpc>
+            </a:pPr>
+            <a:r>
+              <a:rPr lang="pt-BR" dirty="0" smtClean="0">
+                <a:latin typeface="Segoe UI" panose="020B0502040204020203" pitchFamily="34" charset="0"/>
+                <a:ea typeface="Segoe UI" panose="020B0502040204020203" pitchFamily="34" charset="0"/>
+                <a:cs typeface="Segoe UI" panose="020B0502040204020203" pitchFamily="34" charset="0"/>
+              </a:rPr>
+              <a:t>Ferramenta de Resolução de Problemas Comuns ou Recorrentes</a:t>
+            </a:r>
+          </a:p>
+          <a:p>
+            <a:pPr algn="just">
+              <a:lnSpc>
+                <a:spcPct val="150000"/>
+              </a:lnSpc>
+            </a:pPr>
+            <a:r>
+              <a:rPr lang="pt-BR" dirty="0">
+                <a:latin typeface="Segoe UI" panose="020B0502040204020203" pitchFamily="34" charset="0"/>
+                <a:ea typeface="Segoe UI" panose="020B0502040204020203" pitchFamily="34" charset="0"/>
+                <a:cs typeface="Segoe UI" panose="020B0502040204020203" pitchFamily="34" charset="0"/>
+              </a:rPr>
+              <a:t>Open-Source (</a:t>
+            </a:r>
+            <a:r>
+              <a:rPr lang="pt-BR" dirty="0">
+                <a:latin typeface="Segoe UI" panose="020B0502040204020203" pitchFamily="34" charset="0"/>
+                <a:ea typeface="Segoe UI" panose="020B0502040204020203" pitchFamily="34" charset="0"/>
+                <a:cs typeface="Segoe UI" panose="020B0502040204020203" pitchFamily="34" charset="0"/>
+                <a:hlinkClick r:id="rId2"/>
+              </a:rPr>
+              <a:t>https://github.com/twbs/bootstrap</a:t>
+            </a:r>
+            <a:r>
+              <a:rPr lang="pt-BR" dirty="0">
+                <a:latin typeface="Segoe UI" panose="020B0502040204020203" pitchFamily="34" charset="0"/>
+                <a:ea typeface="Segoe UI" panose="020B0502040204020203" pitchFamily="34" charset="0"/>
+                <a:cs typeface="Segoe UI" panose="020B0502040204020203" pitchFamily="34" charset="0"/>
+              </a:rPr>
+              <a:t>) </a:t>
+            </a:r>
+          </a:p>
+          <a:p>
+            <a:pPr algn="just">
+              <a:lnSpc>
+                <a:spcPct val="150000"/>
+              </a:lnSpc>
+            </a:pPr>
+            <a:r>
+              <a:rPr lang="pt-BR" dirty="0" smtClean="0">
+                <a:latin typeface="Segoe UI" panose="020B0502040204020203" pitchFamily="34" charset="0"/>
+                <a:ea typeface="Segoe UI" panose="020B0502040204020203" pitchFamily="34" charset="0"/>
+                <a:cs typeface="Segoe UI" panose="020B0502040204020203" pitchFamily="34" charset="0"/>
+              </a:rPr>
+              <a:t>Globo Bootstrap</a:t>
+            </a:r>
+          </a:p>
+          <a:p>
+            <a:pPr algn="just">
+              <a:lnSpc>
+                <a:spcPct val="150000"/>
+              </a:lnSpc>
+            </a:pPr>
+            <a:r>
+              <a:rPr lang="pt-BR" dirty="0" smtClean="0">
+                <a:latin typeface="Segoe UI" panose="020B0502040204020203" pitchFamily="34" charset="0"/>
+                <a:ea typeface="Segoe UI" panose="020B0502040204020203" pitchFamily="34" charset="0"/>
+                <a:cs typeface="Segoe UI" panose="020B0502040204020203" pitchFamily="34" charset="0"/>
+              </a:rPr>
+              <a:t>Versão 4</a:t>
+            </a:r>
+            <a:endParaRPr lang="pt-BR" dirty="0">
+              <a:latin typeface="Segoe UI" panose="020B0502040204020203" pitchFamily="34" charset="0"/>
+              <a:ea typeface="Segoe UI" panose="020B0502040204020203" pitchFamily="34" charset="0"/>
+              <a:cs typeface="Segoe UI" panose="020B0502040204020203" pitchFamily="34" charset="0"/>
+            </a:endParaRPr>
+          </a:p>
+        </p:txBody>
+      </p:sp>
+      <p:pic>
+        <p:nvPicPr>
+          <p:cNvPr id="1026" name="Picture 2" descr="https://v4-alpha.getbootstrap.com/assets/brand/bootstrap-social-logo.png"/>
+          <p:cNvPicPr>
+            <a:picLocks noChangeAspect="1" noChangeArrowheads="1"/>
+          </p:cNvPicPr>
+          <p:nvPr/>
+        </p:nvPicPr>
+        <p:blipFill>
+          <a:blip r:embed="rId3">
+            <a:extLst>
+              <a:ext uri="{28A0092B-C50C-407E-A947-70E740481C1C}">
+                <a14:useLocalDpi xmlns:a14="http://schemas.microsoft.com/office/drawing/2010/main" val="0"/>
+              </a:ext>
+            </a:extLst>
+          </a:blip>
+          <a:srcRect/>
+          <a:stretch>
+            <a:fillRect/>
+          </a:stretch>
+        </p:blipFill>
+        <p:spPr bwMode="auto">
+          <a:xfrm>
+            <a:off x="7460575" y="1828800"/>
+            <a:ext cx="4343400" cy="4343400"/>
+          </a:xfrm>
+          <a:prstGeom prst="rect">
+            <a:avLst/>
+          </a:prstGeom>
+          <a:noFill/>
+          <a:extLst>
+            <a:ext uri="{909E8E84-426E-40DD-AFC4-6F175D3DCCD1}">
+              <a14:hiddenFill xmlns:a14="http://schemas.microsoft.com/office/drawing/2010/main">
+                <a:solidFill>
+                  <a:srgbClr val="FFFFFF"/>
+                </a:solidFill>
+              </a14:hiddenFill>
+            </a:ext>
+          </a:extLst>
+        </p:spPr>
+      </p:pic>
+      <p:sp>
+        <p:nvSpPr>
+          <p:cNvPr id="5" name="Triângulo isósceles 4"/>
+          <p:cNvSpPr/>
+          <p:nvPr/>
+        </p:nvSpPr>
+        <p:spPr>
+          <a:xfrm rot="5400000">
+            <a:off x="1341203" y="2057637"/>
+            <a:ext cx="213772" cy="197430"/>
+          </a:xfrm>
+          <a:prstGeom prst="triangle">
+            <a:avLst/>
+          </a:prstGeom>
+          <a:solidFill>
+            <a:srgbClr val="7244A9"/>
+          </a:solidFill>
+          <a:ln>
+            <a:noFill/>
+          </a:ln>
+        </p:spPr>
+        <p:style>
+          <a:lnRef idx="2">
+            <a:schemeClr val="accent1">
+              <a:shade val="50000"/>
+            </a:schemeClr>
+          </a:lnRef>
+          <a:fillRef idx="1">
+            <a:schemeClr val="accent1"/>
+          </a:fillRef>
+          <a:effectRef idx="0">
+            <a:schemeClr val="accent1"/>
+          </a:effectRef>
+          <a:fontRef idx="minor">
+            <a:schemeClr val="lt1"/>
+          </a:fontRef>
+        </p:style>
+        <p:txBody>
+          <a:bodyPr rtlCol="0" anchor="ctr"/>
+          <a:lstStyle/>
+          <a:p>
+            <a:pPr algn="ctr"/>
+            <a:endParaRPr lang="pt-BR" dirty="0"/>
+          </a:p>
+        </p:txBody>
+      </p:sp>
+      <p:sp>
+        <p:nvSpPr>
+          <p:cNvPr id="6" name="Triângulo isósceles 5"/>
+          <p:cNvSpPr/>
+          <p:nvPr/>
+        </p:nvSpPr>
+        <p:spPr>
+          <a:xfrm rot="5400000">
+            <a:off x="1341203" y="3775849"/>
+            <a:ext cx="213772" cy="197430"/>
+          </a:xfrm>
+          <a:prstGeom prst="triangle">
+            <a:avLst/>
+          </a:prstGeom>
+          <a:solidFill>
+            <a:srgbClr val="7244A9"/>
+          </a:solidFill>
+          <a:ln>
+            <a:noFill/>
+          </a:ln>
+        </p:spPr>
+        <p:style>
+          <a:lnRef idx="2">
+            <a:schemeClr val="accent1">
+              <a:shade val="50000"/>
+            </a:schemeClr>
+          </a:lnRef>
+          <a:fillRef idx="1">
+            <a:schemeClr val="accent1"/>
+          </a:fillRef>
+          <a:effectRef idx="0">
+            <a:schemeClr val="accent1"/>
+          </a:effectRef>
+          <a:fontRef idx="minor">
+            <a:schemeClr val="lt1"/>
+          </a:fontRef>
+        </p:style>
+        <p:txBody>
+          <a:bodyPr rtlCol="0" anchor="ctr"/>
+          <a:lstStyle/>
+          <a:p>
+            <a:pPr algn="ctr"/>
+            <a:endParaRPr lang="pt-BR" dirty="0"/>
+          </a:p>
+        </p:txBody>
+      </p:sp>
+      <p:sp>
+        <p:nvSpPr>
+          <p:cNvPr id="7" name="Triângulo isósceles 6"/>
+          <p:cNvSpPr/>
+          <p:nvPr/>
+        </p:nvSpPr>
+        <p:spPr>
+          <a:xfrm rot="5400000">
+            <a:off x="1341203" y="5040036"/>
+            <a:ext cx="213772" cy="197430"/>
+          </a:xfrm>
+          <a:prstGeom prst="triangle">
+            <a:avLst/>
+          </a:prstGeom>
+          <a:solidFill>
+            <a:srgbClr val="7244A9"/>
+          </a:solidFill>
+          <a:ln>
+            <a:noFill/>
+          </a:ln>
+        </p:spPr>
+        <p:style>
+          <a:lnRef idx="2">
+            <a:schemeClr val="accent1">
+              <a:shade val="50000"/>
+            </a:schemeClr>
+          </a:lnRef>
+          <a:fillRef idx="1">
+            <a:schemeClr val="accent1"/>
+          </a:fillRef>
+          <a:effectRef idx="0">
+            <a:schemeClr val="accent1"/>
+          </a:effectRef>
+          <a:fontRef idx="minor">
+            <a:schemeClr val="lt1"/>
+          </a:fontRef>
+        </p:style>
+        <p:txBody>
+          <a:bodyPr rtlCol="0" anchor="ctr"/>
+          <a:lstStyle/>
+          <a:p>
+            <a:pPr algn="ctr"/>
+            <a:endParaRPr lang="pt-BR" dirty="0"/>
+          </a:p>
+        </p:txBody>
+      </p:sp>
+      <p:sp>
+        <p:nvSpPr>
+          <p:cNvPr id="8" name="Triângulo isósceles 7"/>
+          <p:cNvSpPr/>
+          <p:nvPr/>
+        </p:nvSpPr>
+        <p:spPr>
+          <a:xfrm rot="5400000">
+            <a:off x="1335142" y="5769704"/>
+            <a:ext cx="213772" cy="197430"/>
+          </a:xfrm>
+          <a:prstGeom prst="triangle">
+            <a:avLst/>
+          </a:prstGeom>
+          <a:solidFill>
+            <a:srgbClr val="7244A9"/>
+          </a:solidFill>
+          <a:ln>
+            <a:noFill/>
+          </a:ln>
+        </p:spPr>
+        <p:style>
+          <a:lnRef idx="2">
+            <a:schemeClr val="accent1">
+              <a:shade val="50000"/>
+            </a:schemeClr>
+          </a:lnRef>
+          <a:fillRef idx="1">
+            <a:schemeClr val="accent1"/>
+          </a:fillRef>
+          <a:effectRef idx="0">
+            <a:schemeClr val="accent1"/>
+          </a:effectRef>
+          <a:fontRef idx="minor">
+            <a:schemeClr val="lt1"/>
+          </a:fontRef>
+        </p:style>
+        <p:txBody>
+          <a:bodyPr rtlCol="0" anchor="ctr"/>
+          <a:lstStyle/>
+          <a:p>
+            <a:pPr algn="ctr"/>
+            <a:endParaRPr lang="pt-BR" dirty="0"/>
+          </a:p>
+        </p:txBody>
+      </p:sp>
+    </p:spTree>
+    <p:extLst>
+      <p:ext uri="{BB962C8B-B14F-4D97-AF65-F5344CB8AC3E}">
+        <p14:creationId xmlns:p14="http://schemas.microsoft.com/office/powerpoint/2010/main" val="1265147456"/>
+      </p:ext>
+    </p:extLst>
+  </p:cSld>
+  <p:clrMapOvr>
+    <a:masterClrMapping/>
+  </p:clrMapOvr>
+  <mc:AlternateContent xmlns:mc="http://schemas.openxmlformats.org/markup-compatibility/2006" xmlns:p14="http://schemas.microsoft.com/office/powerpoint/2010/main">
+    <mc:Choice Requires="p14">
+      <p:transition spd="med" p14:dur="700">
+        <p:fade/>
+      </p:transition>
+    </mc:Choice>
+    <mc:Fallback xmlns="">
+      <p:transition spd="med">
+        <p:fade/>
+      </p:transition>
+    </mc:Fallback>
+  </mc:AlternateContent>
+  <p:timing>
+    <p:tnLst>
+      <p:par>
+        <p:cTn id="1" dur="indefinite" restart="never" nodeType="tmRoot"/>
+      </p:par>
+    </p:tnLst>
+  </p:timing>
+</p:sld>
+</file>
+
+<file path=ppt/slides/slide5.xml><?xml version="1.0" encoding="utf-8"?>
+<p:sld xmlns:a="http://schemas.openxmlformats.org/drawingml/2006/main" xmlns:r="http://schemas.openxmlformats.org/officeDocument/2006/relationships" xmlns:p="http://schemas.openxmlformats.org/presentationml/2006/main">
+  <p:cSld>
+    <p:spTree>
+      <p:nvGrpSpPr>
+        <p:cNvPr id="1" name=""/>
+        <p:cNvGrpSpPr/>
+        <p:nvPr/>
+      </p:nvGrpSpPr>
+      <p:grpSpPr>
+        <a:xfrm>
+          <a:off x="0" y="0"/>
+          <a:ext cx="0" cy="0"/>
+          <a:chOff x="0" y="0"/>
+          <a:chExt cx="0" cy="0"/>
+        </a:xfrm>
+      </p:grpSpPr>
+      <p:sp>
+        <p:nvSpPr>
+          <p:cNvPr id="2" name="Título 1"/>
+          <p:cNvSpPr>
+            <a:spLocks noGrp="1"/>
+          </p:cNvSpPr>
+          <p:nvPr>
+            <p:ph type="title"/>
+          </p:nvPr>
+        </p:nvSpPr>
+        <p:spPr/>
+        <p:txBody>
+          <a:bodyPr>
+            <a:normAutofit/>
+          </a:bodyPr>
+          <a:lstStyle/>
+          <a:p>
+            <a:r>
+              <a:rPr lang="pt-BR" sz="4000" dirty="0" smtClean="0">
+                <a:latin typeface="Century Gothic" panose="020B0502020202020204" pitchFamily="34" charset="0"/>
+                <a:ea typeface="Segoe UI" panose="020B0502040204020203" pitchFamily="34" charset="0"/>
+                <a:cs typeface="Segoe UI" panose="020B0502040204020203" pitchFamily="34" charset="0"/>
+              </a:rPr>
+              <a:t>Outros Frameworks</a:t>
+            </a:r>
+            <a:endParaRPr lang="pt-BR" sz="4000" dirty="0">
+              <a:latin typeface="Century Gothic" panose="020B0502020202020204" pitchFamily="34" charset="0"/>
+              <a:ea typeface="Segoe UI" panose="020B0502040204020203" pitchFamily="34" charset="0"/>
+              <a:cs typeface="Segoe UI" panose="020B0502040204020203" pitchFamily="34" charset="0"/>
+            </a:endParaRPr>
+          </a:p>
+        </p:txBody>
+      </p:sp>
+      <p:pic>
+        <p:nvPicPr>
+          <p:cNvPr id="2050" name="Picture 2" descr="https://dab1nmslvvntp.cloudfront.net/wp-content/uploads/2016/04/1461315888semantic.png"/>
+          <p:cNvPicPr>
+            <a:picLocks noChangeAspect="1" noChangeArrowheads="1"/>
+          </p:cNvPicPr>
+          <p:nvPr/>
+        </p:nvPicPr>
+        <p:blipFill>
+          <a:blip r:embed="rId2">
+            <a:extLst>
+              <a:ext uri="{28A0092B-C50C-407E-A947-70E740481C1C}">
+                <a14:useLocalDpi xmlns:a14="http://schemas.microsoft.com/office/drawing/2010/main" val="0"/>
+              </a:ext>
+            </a:extLst>
+          </a:blip>
+          <a:srcRect/>
+          <a:stretch>
+            <a:fillRect/>
+          </a:stretch>
+        </p:blipFill>
+        <p:spPr bwMode="auto">
+          <a:xfrm>
+            <a:off x="1295400" y="1871662"/>
+            <a:ext cx="2371725" cy="2238376"/>
+          </a:xfrm>
+          <a:prstGeom prst="rect">
+            <a:avLst/>
+          </a:prstGeom>
+          <a:noFill/>
+          <a:extLst>
+            <a:ext uri="{909E8E84-426E-40DD-AFC4-6F175D3DCCD1}">
+              <a14:hiddenFill xmlns:a14="http://schemas.microsoft.com/office/drawing/2010/main">
+                <a:solidFill>
+                  <a:srgbClr val="FFFFFF"/>
+                </a:solidFill>
+              </a14:hiddenFill>
+            </a:ext>
+          </a:extLst>
+        </p:spPr>
+      </p:pic>
+      <p:pic>
+        <p:nvPicPr>
+          <p:cNvPr id="2052" name="Picture 4" descr="https://stephenhaunts.files.wordpress.com/2014/07/foundationcss.jpg?w=750"/>
+          <p:cNvPicPr>
+            <a:picLocks noChangeAspect="1" noChangeArrowheads="1"/>
+          </p:cNvPicPr>
+          <p:nvPr/>
+        </p:nvPicPr>
+        <p:blipFill>
+          <a:blip r:embed="rId3">
+            <a:extLst>
+              <a:ext uri="{28A0092B-C50C-407E-A947-70E740481C1C}">
+                <a14:useLocalDpi xmlns:a14="http://schemas.microsoft.com/office/drawing/2010/main" val="0"/>
+              </a:ext>
+            </a:extLst>
+          </a:blip>
+          <a:srcRect/>
+          <a:stretch>
+            <a:fillRect/>
+          </a:stretch>
+        </p:blipFill>
+        <p:spPr bwMode="auto">
+          <a:xfrm>
+            <a:off x="7172325" y="1871662"/>
+            <a:ext cx="3724275" cy="1552576"/>
+          </a:xfrm>
+          <a:prstGeom prst="rect">
+            <a:avLst/>
+          </a:prstGeom>
+          <a:noFill/>
+          <a:extLst>
+            <a:ext uri="{909E8E84-426E-40DD-AFC4-6F175D3DCCD1}">
+              <a14:hiddenFill xmlns:a14="http://schemas.microsoft.com/office/drawing/2010/main">
+                <a:solidFill>
+                  <a:srgbClr val="FFFFFF"/>
+                </a:solidFill>
+              </a14:hiddenFill>
+            </a:ext>
+          </a:extLst>
+        </p:spPr>
+      </p:pic>
+      <p:pic>
+        <p:nvPicPr>
+          <p:cNvPr id="2054" name="Picture 6" descr="https://www.ciawebsites.com.br/wp-content/uploads/2017/06/materialize-1.jpg"/>
+          <p:cNvPicPr>
+            <a:picLocks noChangeAspect="1" noChangeArrowheads="1"/>
+          </p:cNvPicPr>
+          <p:nvPr/>
+        </p:nvPicPr>
+        <p:blipFill rotWithShape="1">
+          <a:blip r:embed="rId4">
+            <a:extLst>
+              <a:ext uri="{28A0092B-C50C-407E-A947-70E740481C1C}">
+                <a14:useLocalDpi xmlns:a14="http://schemas.microsoft.com/office/drawing/2010/main" val="0"/>
+              </a:ext>
+            </a:extLst>
+          </a:blip>
+          <a:srcRect l="31177" r="32704"/>
+          <a:stretch/>
+        </p:blipFill>
+        <p:spPr bwMode="auto">
+          <a:xfrm>
+            <a:off x="3918856" y="1871662"/>
+            <a:ext cx="2917371" cy="2676525"/>
+          </a:xfrm>
+          <a:prstGeom prst="rect">
+            <a:avLst/>
+          </a:prstGeom>
+          <a:noFill/>
+          <a:extLst>
+            <a:ext uri="{909E8E84-426E-40DD-AFC4-6F175D3DCCD1}">
+              <a14:hiddenFill xmlns:a14="http://schemas.microsoft.com/office/drawing/2010/main">
+                <a:solidFill>
+                  <a:srgbClr val="FFFFFF"/>
+                </a:solidFill>
+              </a14:hiddenFill>
+            </a:ext>
+          </a:extLst>
+        </p:spPr>
+      </p:pic>
+      <p:pic>
+        <p:nvPicPr>
+          <p:cNvPr id="2056" name="Picture 8" descr="https://purecss.io/img/logo_pure@2x.png"/>
+          <p:cNvPicPr>
+            <a:picLocks noChangeAspect="1" noChangeArrowheads="1"/>
+          </p:cNvPicPr>
+          <p:nvPr/>
+        </p:nvPicPr>
+        <p:blipFill>
+          <a:blip r:embed="rId5">
+            <a:extLst>
+              <a:ext uri="{28A0092B-C50C-407E-A947-70E740481C1C}">
+                <a14:useLocalDpi xmlns:a14="http://schemas.microsoft.com/office/drawing/2010/main" val="0"/>
+              </a:ext>
+            </a:extLst>
+          </a:blip>
+          <a:srcRect/>
+          <a:stretch>
+            <a:fillRect/>
+          </a:stretch>
+        </p:blipFill>
+        <p:spPr bwMode="auto">
+          <a:xfrm>
+            <a:off x="1295400" y="4828524"/>
+            <a:ext cx="7981950" cy="1381126"/>
+          </a:xfrm>
+          <a:prstGeom prst="rect">
+            <a:avLst/>
+          </a:prstGeom>
+          <a:noFill/>
+          <a:extLst>
+            <a:ext uri="{909E8E84-426E-40DD-AFC4-6F175D3DCCD1}">
+              <a14:hiddenFill xmlns:a14="http://schemas.microsoft.com/office/drawing/2010/main">
+                <a:solidFill>
+                  <a:srgbClr val="FFFFFF"/>
+                </a:solidFill>
+              </a14:hiddenFill>
+            </a:ext>
+          </a:extLst>
+        </p:spPr>
+      </p:pic>
+      <p:sp>
+        <p:nvSpPr>
+          <p:cNvPr id="7" name="Espaço Reservado para Conteúdo 2"/>
+          <p:cNvSpPr txBox="1">
+            <a:spLocks/>
+          </p:cNvSpPr>
+          <p:nvPr/>
+        </p:nvSpPr>
+        <p:spPr>
+          <a:xfrm>
+            <a:off x="7172325" y="4003916"/>
+            <a:ext cx="3724275" cy="544271"/>
+          </a:xfrm>
+          <a:prstGeom prst="rect">
+            <a:avLst/>
+          </a:prstGeom>
+        </p:spPr>
+        <p:txBody>
+          <a:bodyPr>
+            <a:normAutofit/>
+          </a:bodyPr>
+          <a:lstStyle>
+            <a:lvl1pPr marL="274320" indent="-274320" algn="l" defTabSz="914400" rtl="0" eaLnBrk="1" latinLnBrk="0" hangingPunct="1">
+              <a:lnSpc>
+                <a:spcPct val="90000"/>
+              </a:lnSpc>
+              <a:spcBef>
+                <a:spcPts val="1800"/>
+              </a:spcBef>
+              <a:buFont typeface="Arial" panose="020B0604020202020204" pitchFamily="34" charset="0"/>
+              <a:buChar char="•"/>
+              <a:defRPr sz="2400" kern="1200">
+                <a:solidFill>
+                  <a:schemeClr val="tx1"/>
+                </a:solidFill>
+                <a:latin typeface="+mn-lt"/>
+                <a:ea typeface="+mn-ea"/>
+                <a:cs typeface="+mn-cs"/>
+              </a:defRPr>
+            </a:lvl1pPr>
+            <a:lvl2pPr marL="548640" indent="-228600" algn="l" defTabSz="914400" rtl="0" eaLnBrk="1" latinLnBrk="0" hangingPunct="1">
+              <a:lnSpc>
+                <a:spcPct val="90000"/>
+              </a:lnSpc>
+              <a:spcBef>
+                <a:spcPts val="1000"/>
+              </a:spcBef>
+              <a:buFont typeface="Arial" panose="020B0604020202020204" pitchFamily="34" charset="0"/>
+              <a:buChar char="•"/>
+              <a:defRPr sz="2000" kern="1200">
+                <a:solidFill>
+                  <a:schemeClr val="tx1"/>
+                </a:solidFill>
+                <a:latin typeface="+mn-lt"/>
+                <a:ea typeface="+mn-ea"/>
+                <a:cs typeface="+mn-cs"/>
+              </a:defRPr>
+            </a:lvl2pPr>
+            <a:lvl3pPr marL="822960" indent="-228600" algn="l" defTabSz="914400" rtl="0" eaLnBrk="1" latinLnBrk="0" hangingPunct="1">
+              <a:lnSpc>
+                <a:spcPct val="90000"/>
+              </a:lnSpc>
+              <a:spcBef>
+                <a:spcPts val="800"/>
+              </a:spcBef>
+              <a:buFont typeface="Arial" panose="020B0604020202020204" pitchFamily="34" charset="0"/>
+              <a:buChar char="•"/>
+              <a:defRPr sz="1800" kern="1200">
+                <a:solidFill>
+                  <a:schemeClr val="tx1"/>
+                </a:solidFill>
+                <a:latin typeface="+mn-lt"/>
+                <a:ea typeface="+mn-ea"/>
+                <a:cs typeface="+mn-cs"/>
+              </a:defRPr>
+            </a:lvl3pPr>
+            <a:lvl4pPr marL="1097280" indent="-228600" algn="l" defTabSz="914400" rtl="0" eaLnBrk="1" latinLnBrk="0" hangingPunct="1">
+              <a:lnSpc>
+                <a:spcPct val="90000"/>
+              </a:lnSpc>
+              <a:spcBef>
+                <a:spcPts val="800"/>
+              </a:spcBef>
+              <a:buFont typeface="Arial" panose="020B0604020202020204" pitchFamily="34" charset="0"/>
+              <a:buChar char="•"/>
+              <a:defRPr sz="1600" kern="1200">
+                <a:solidFill>
+                  <a:schemeClr val="tx1"/>
+                </a:solidFill>
+                <a:latin typeface="+mn-lt"/>
+                <a:ea typeface="+mn-ea"/>
+                <a:cs typeface="+mn-cs"/>
+              </a:defRPr>
+            </a:lvl4pPr>
+            <a:lvl5pPr marL="1325880" indent="-228600" algn="l" defTabSz="914400" rtl="0" eaLnBrk="1" latinLnBrk="0" hangingPunct="1">
+              <a:lnSpc>
+                <a:spcPct val="90000"/>
+              </a:lnSpc>
+              <a:spcBef>
+                <a:spcPts val="800"/>
+              </a:spcBef>
+              <a:buFont typeface="Arial" panose="020B0604020202020204" pitchFamily="34" charset="0"/>
+              <a:buChar char="•"/>
+              <a:defRPr sz="1600" kern="1200">
+                <a:solidFill>
+                  <a:schemeClr val="tx1"/>
+                </a:solidFill>
+                <a:latin typeface="+mn-lt"/>
+                <a:ea typeface="+mn-ea"/>
+                <a:cs typeface="+mn-cs"/>
+              </a:defRPr>
+            </a:lvl5pPr>
+            <a:lvl6pPr marL="1554480" indent="-228600" algn="l" defTabSz="914400" rtl="0" eaLnBrk="1" latinLnBrk="0" hangingPunct="1">
+              <a:lnSpc>
+                <a:spcPct val="90000"/>
+              </a:lnSpc>
+              <a:spcBef>
+                <a:spcPts val="800"/>
+              </a:spcBef>
+              <a:buFont typeface="Arial" panose="020B0604020202020204" pitchFamily="34" charset="0"/>
+              <a:buChar char="•"/>
+              <a:defRPr sz="1600" kern="1200">
+                <a:solidFill>
+                  <a:schemeClr val="tx1"/>
+                </a:solidFill>
+                <a:latin typeface="+mn-lt"/>
+                <a:ea typeface="+mn-ea"/>
+                <a:cs typeface="+mn-cs"/>
+              </a:defRPr>
+            </a:lvl6pPr>
+            <a:lvl7pPr marL="1783080" indent="-228600" algn="l" defTabSz="914400" rtl="0" eaLnBrk="1" latinLnBrk="0" hangingPunct="1">
+              <a:lnSpc>
+                <a:spcPct val="90000"/>
+              </a:lnSpc>
+              <a:spcBef>
+                <a:spcPts val="800"/>
+              </a:spcBef>
+              <a:buFont typeface="Arial" panose="020B0604020202020204" pitchFamily="34" charset="0"/>
+              <a:buChar char="•"/>
+              <a:defRPr sz="1600" kern="1200">
+                <a:solidFill>
+                  <a:schemeClr val="tx1"/>
+                </a:solidFill>
+                <a:latin typeface="+mn-lt"/>
+                <a:ea typeface="+mn-ea"/>
+                <a:cs typeface="+mn-cs"/>
+              </a:defRPr>
+            </a:lvl7pPr>
+            <a:lvl8pPr marL="2011680" indent="-228600" algn="l" defTabSz="914400" rtl="0" eaLnBrk="1" latinLnBrk="0" hangingPunct="1">
+              <a:lnSpc>
+                <a:spcPct val="90000"/>
+              </a:lnSpc>
+              <a:spcBef>
+                <a:spcPts val="800"/>
+              </a:spcBef>
+              <a:buFont typeface="Arial" panose="020B0604020202020204" pitchFamily="34" charset="0"/>
+              <a:buChar char="•"/>
+              <a:defRPr sz="1600" kern="1200">
+                <a:solidFill>
+                  <a:schemeClr val="tx1"/>
+                </a:solidFill>
+                <a:latin typeface="+mn-lt"/>
+                <a:ea typeface="+mn-ea"/>
+                <a:cs typeface="+mn-cs"/>
+              </a:defRPr>
+            </a:lvl8pPr>
+            <a:lvl9pPr marL="2240280" indent="-228600" algn="l" defTabSz="914400" rtl="0" eaLnBrk="1" latinLnBrk="0" hangingPunct="1">
+              <a:lnSpc>
+                <a:spcPct val="90000"/>
+              </a:lnSpc>
+              <a:spcBef>
+                <a:spcPts val="800"/>
+              </a:spcBef>
+              <a:buFont typeface="Arial" panose="020B0604020202020204" pitchFamily="34" charset="0"/>
+              <a:buChar char="•"/>
+              <a:defRPr sz="1600" kern="1200">
+                <a:solidFill>
+                  <a:schemeClr val="tx1"/>
+                </a:solidFill>
+                <a:latin typeface="+mn-lt"/>
+                <a:ea typeface="+mn-ea"/>
+                <a:cs typeface="+mn-cs"/>
+              </a:defRPr>
+            </a:lvl9pPr>
+          </a:lstStyle>
+          <a:p>
+            <a:pPr marL="0" indent="0">
+              <a:lnSpc>
+                <a:spcPct val="110000"/>
+              </a:lnSpc>
+              <a:buClr>
+                <a:srgbClr val="595959"/>
+              </a:buClr>
+              <a:buNone/>
+            </a:pPr>
+            <a:r>
+              <a:rPr lang="pt-BR" dirty="0" smtClean="0">
+                <a:solidFill>
+                  <a:srgbClr val="595959"/>
+                </a:solidFill>
+                <a:latin typeface="Segoe UI" panose="020B0502040204020203" pitchFamily="34" charset="0"/>
+                <a:ea typeface="Segoe UI" panose="020B0502040204020203" pitchFamily="34" charset="0"/>
+                <a:cs typeface="Segoe UI" panose="020B0502040204020203" pitchFamily="34" charset="0"/>
+              </a:rPr>
+              <a:t>E muito mais...</a:t>
+            </a:r>
+            <a:endParaRPr lang="pt-BR" dirty="0">
+              <a:solidFill>
+                <a:srgbClr val="595959"/>
+              </a:solidFill>
+              <a:latin typeface="Segoe UI" panose="020B0502040204020203" pitchFamily="34" charset="0"/>
+              <a:ea typeface="Segoe UI" panose="020B0502040204020203" pitchFamily="34" charset="0"/>
+              <a:cs typeface="Segoe UI" panose="020B0502040204020203" pitchFamily="34" charset="0"/>
+            </a:endParaRPr>
+          </a:p>
+        </p:txBody>
+      </p:sp>
+    </p:spTree>
+    <p:extLst>
+      <p:ext uri="{BB962C8B-B14F-4D97-AF65-F5344CB8AC3E}">
+        <p14:creationId xmlns:p14="http://schemas.microsoft.com/office/powerpoint/2010/main" val="2149435294"/>
+      </p:ext>
+    </p:extLst>
+  </p:cSld>
+  <p:clrMapOvr>
+    <a:masterClrMapping/>
+  </p:clrMapOvr>
+  <mc:AlternateContent xmlns:mc="http://schemas.openxmlformats.org/markup-compatibility/2006" xmlns:p14="http://schemas.microsoft.com/office/powerpoint/2010/main">
+    <mc:Choice Requires="p14">
+      <p:transition spd="med" p14:dur="700">
+        <p:fade/>
+      </p:transition>
+    </mc:Choice>
+    <mc:Fallback xmlns="">
+      <p:transition spd="med">
+        <p:fade/>
+      </p:transition>
+    </mc:Fallback>
+  </mc:AlternateContent>
+  <p:timing>
+    <p:tnLst>
+      <p:par>
+        <p:cTn id="1" dur="indefinite" restart="never" nodeType="tmRoot"/>
+      </p:par>
+    </p:tnLst>
+  </p:timing>
+</p:sld>
+</file>
+
+<file path=ppt/slides/slide6.xml><?xml version="1.0" encoding="utf-8"?>
+<p:sld xmlns:a="http://schemas.openxmlformats.org/drawingml/2006/main" xmlns:r="http://schemas.openxmlformats.org/officeDocument/2006/relationships" xmlns:p="http://schemas.openxmlformats.org/presentationml/2006/main">
+  <p:cSld>
+    <p:spTree>
+      <p:nvGrpSpPr>
+        <p:cNvPr id="1" name=""/>
+        <p:cNvGrpSpPr/>
+        <p:nvPr/>
+      </p:nvGrpSpPr>
+      <p:grpSpPr>
+        <a:xfrm>
+          <a:off x="0" y="0"/>
+          <a:ext cx="0" cy="0"/>
+          <a:chOff x="0" y="0"/>
+          <a:chExt cx="0" cy="0"/>
+        </a:xfrm>
+      </p:grpSpPr>
+      <p:pic>
+        <p:nvPicPr>
+          <p:cNvPr id="2" name="Imagem 1"/>
+          <p:cNvPicPr>
+            <a:picLocks noChangeAspect="1"/>
+          </p:cNvPicPr>
+          <p:nvPr/>
+        </p:nvPicPr>
+        <p:blipFill rotWithShape="1">
+          <a:blip r:embed="rId2" cstate="print">
+            <a:extLst>
+              <a:ext uri="{28A0092B-C50C-407E-A947-70E740481C1C}">
+                <a14:useLocalDpi xmlns:a14="http://schemas.microsoft.com/office/drawing/2010/main" val="0"/>
+              </a:ext>
+            </a:extLst>
+          </a:blip>
+          <a:srcRect l="17783" t="5400" r="17423" b="4751"/>
+          <a:stretch/>
+        </p:blipFill>
+        <p:spPr>
+          <a:xfrm>
+            <a:off x="7217228" y="0"/>
+            <a:ext cx="4974772" cy="6898346"/>
+          </a:xfrm>
+          <a:prstGeom prst="rect">
+            <a:avLst/>
+          </a:prstGeom>
+        </p:spPr>
+      </p:pic>
+      <p:sp>
+        <p:nvSpPr>
+          <p:cNvPr id="3" name="Título 1"/>
+          <p:cNvSpPr txBox="1">
+            <a:spLocks/>
+          </p:cNvSpPr>
+          <p:nvPr/>
+        </p:nvSpPr>
+        <p:spPr>
+          <a:xfrm>
+            <a:off x="1295401" y="1873584"/>
+            <a:ext cx="5120640" cy="2560320"/>
+          </a:xfrm>
+          <a:prstGeom prst="rect">
+            <a:avLst/>
+          </a:prstGeom>
+        </p:spPr>
+        <p:txBody>
+          <a:bodyPr>
+            <a:normAutofit/>
+          </a:bodyPr>
+          <a:lstStyle>
+            <a:lvl1pPr algn="l" defTabSz="914400" rtl="0" eaLnBrk="1" latinLnBrk="0" hangingPunct="1">
+              <a:lnSpc>
+                <a:spcPct val="90000"/>
+              </a:lnSpc>
+              <a:spcBef>
+                <a:spcPct val="0"/>
+              </a:spcBef>
+              <a:buNone/>
+              <a:defRPr sz="3200" kern="1200">
+                <a:solidFill>
+                  <a:schemeClr val="bg1"/>
+                </a:solidFill>
+                <a:latin typeface="+mj-lt"/>
+                <a:ea typeface="+mj-ea"/>
+                <a:cs typeface="+mj-cs"/>
+              </a:defRPr>
+            </a:lvl1pPr>
+          </a:lstStyle>
+          <a:p>
+            <a:pPr>
+              <a:lnSpc>
+                <a:spcPct val="150000"/>
+              </a:lnSpc>
+              <a:spcBef>
+                <a:spcPts val="0"/>
+              </a:spcBef>
+            </a:pPr>
+            <a:r>
+              <a:rPr lang="pt-BR" sz="4000" dirty="0" smtClean="0">
+                <a:solidFill>
+                  <a:srgbClr val="595959"/>
+                </a:solidFill>
+                <a:latin typeface="Century Gothic" panose="020B0502020202020204" pitchFamily="34" charset="0"/>
+                <a:ea typeface="Segoe UI" panose="020B0502040204020203" pitchFamily="34" charset="0"/>
+                <a:cs typeface="Segoe UI" panose="020B0502040204020203" pitchFamily="34" charset="0"/>
+              </a:rPr>
+              <a:t>Personal Page:</a:t>
+            </a:r>
+          </a:p>
+          <a:p>
+            <a:pPr>
+              <a:lnSpc>
+                <a:spcPct val="150000"/>
+              </a:lnSpc>
+              <a:spcBef>
+                <a:spcPts val="0"/>
+              </a:spcBef>
+            </a:pPr>
+            <a:r>
+              <a:rPr lang="pt-BR" sz="4000" dirty="0" smtClean="0">
+                <a:solidFill>
+                  <a:srgbClr val="595959"/>
+                </a:solidFill>
+                <a:latin typeface="Segoe UI" panose="020B0502040204020203" pitchFamily="34" charset="0"/>
+                <a:ea typeface="Segoe UI" panose="020B0502040204020203" pitchFamily="34" charset="0"/>
+                <a:cs typeface="Segoe UI" panose="020B0502040204020203" pitchFamily="34" charset="0"/>
+              </a:rPr>
+              <a:t>Curriculum </a:t>
+            </a:r>
+            <a:r>
+              <a:rPr lang="pt-BR" sz="4000" dirty="0" smtClean="0">
+                <a:solidFill>
+                  <a:srgbClr val="595959"/>
+                </a:solidFill>
+                <a:latin typeface="Segoe UI" panose="020B0502040204020203" pitchFamily="34" charset="0"/>
+                <a:ea typeface="Segoe UI" panose="020B0502040204020203" pitchFamily="34" charset="0"/>
+                <a:cs typeface="Segoe UI" panose="020B0502040204020203" pitchFamily="34" charset="0"/>
+              </a:rPr>
+              <a:t>Online</a:t>
+            </a:r>
+            <a:endParaRPr lang="pt-BR" sz="4000" dirty="0">
+              <a:solidFill>
+                <a:srgbClr val="595959"/>
+              </a:solidFill>
+              <a:latin typeface="Segoe UI" panose="020B0502040204020203" pitchFamily="34" charset="0"/>
+              <a:ea typeface="Segoe UI" panose="020B0502040204020203" pitchFamily="34" charset="0"/>
+              <a:cs typeface="Segoe UI" panose="020B0502040204020203" pitchFamily="34" charset="0"/>
+            </a:endParaRPr>
+          </a:p>
+        </p:txBody>
+      </p:sp>
+    </p:spTree>
+    <p:extLst>
+      <p:ext uri="{BB962C8B-B14F-4D97-AF65-F5344CB8AC3E}">
+        <p14:creationId xmlns:p14="http://schemas.microsoft.com/office/powerpoint/2010/main" val="3540979623"/>
+      </p:ext>
+    </p:extLst>
+  </p:cSld>
+  <p:clrMapOvr>
+    <a:masterClrMapping/>
+  </p:clrMapOvr>
+  <mc:AlternateContent xmlns:mc="http://schemas.openxmlformats.org/markup-compatibility/2006" xmlns:p14="http://schemas.microsoft.com/office/powerpoint/2010/main">
+    <mc:Choice Requires="p14">
+      <p:transition spd="med" p14:dur="700">
+        <p:fade/>
+      </p:transition>
+    </mc:Choice>
+    <mc:Fallback xmlns="">
+      <p:transition spd="med">
+        <p:fade/>
+      </p:transition>
+    </mc:Fallback>
+  </mc:AlternateContent>
+  <p:timing>
+    <p:tnLst>
+      <p:par>
+        <p:cTn id="1" dur="indefinite" restart="never" nodeType="tmRoot"/>
+      </p:par>
+    </p:tnLst>
+  </p:timing>
+</p:sld>
+</file>
+
+<file path=ppt/slides/slide7.xml><?xml version="1.0" encoding="utf-8"?>
+<p:sld xmlns:a="http://schemas.openxmlformats.org/drawingml/2006/main" xmlns:r="http://schemas.openxmlformats.org/officeDocument/2006/relationships" xmlns:p="http://schemas.openxmlformats.org/presentationml/2006/main">
+  <p:cSld>
+    <p:spTree>
+      <p:nvGrpSpPr>
+        <p:cNvPr id="1" name=""/>
+        <p:cNvGrpSpPr/>
+        <p:nvPr/>
+      </p:nvGrpSpPr>
+      <p:grpSpPr>
+        <a:xfrm>
+          <a:off x="0" y="0"/>
+          <a:ext cx="0" cy="0"/>
+          <a:chOff x="0" y="0"/>
+          <a:chExt cx="0" cy="0"/>
+        </a:xfrm>
+      </p:grpSpPr>
+      <p:sp>
+        <p:nvSpPr>
+          <p:cNvPr id="7" name="Retângulo 6"/>
+          <p:cNvSpPr/>
+          <p:nvPr/>
+        </p:nvSpPr>
+        <p:spPr>
+          <a:xfrm>
+            <a:off x="2336800" y="1752600"/>
+            <a:ext cx="1308100" cy="5016500"/>
+          </a:xfrm>
+          <a:prstGeom prst="rect">
+            <a:avLst/>
+          </a:prstGeom>
+          <a:solidFill>
+            <a:srgbClr val="E1DAE2"/>
+          </a:solidFill>
+          <a:ln>
+            <a:solidFill>
+              <a:schemeClr val="tx1"/>
+            </a:solidFill>
+          </a:ln>
+        </p:spPr>
+        <p:style>
+          <a:lnRef idx="2">
+            <a:schemeClr val="accent1">
+              <a:shade val="50000"/>
+            </a:schemeClr>
+          </a:lnRef>
+          <a:fillRef idx="1">
+            <a:schemeClr val="accent1"/>
+          </a:fillRef>
+          <a:effectRef idx="0">
+            <a:schemeClr val="accent1"/>
+          </a:effectRef>
+          <a:fontRef idx="minor">
+            <a:schemeClr val="lt1"/>
+          </a:fontRef>
+        </p:style>
+        <p:txBody>
+          <a:bodyPr rtlCol="0" anchor="ctr"/>
+          <a:lstStyle/>
+          <a:p>
+            <a:pPr algn="ctr"/>
+            <a:endParaRPr lang="pt-BR" dirty="0"/>
+          </a:p>
+        </p:txBody>
+      </p:sp>
+      <p:sp>
+        <p:nvSpPr>
+          <p:cNvPr id="9" name="Retângulo 8"/>
+          <p:cNvSpPr/>
+          <p:nvPr/>
+        </p:nvSpPr>
+        <p:spPr>
+          <a:xfrm>
+            <a:off x="4292600" y="1752600"/>
+            <a:ext cx="2781300" cy="5016500"/>
+          </a:xfrm>
+          <a:prstGeom prst="rect">
+            <a:avLst/>
+          </a:prstGeom>
+          <a:solidFill>
+            <a:srgbClr val="E1DAE2"/>
+          </a:solidFill>
+          <a:ln>
+            <a:solidFill>
+              <a:schemeClr val="tx1"/>
+            </a:solidFill>
+          </a:ln>
+        </p:spPr>
+        <p:style>
+          <a:lnRef idx="2">
+            <a:schemeClr val="accent1">
+              <a:shade val="50000"/>
+            </a:schemeClr>
+          </a:lnRef>
+          <a:fillRef idx="1">
+            <a:schemeClr val="accent1"/>
+          </a:fillRef>
+          <a:effectRef idx="0">
+            <a:schemeClr val="accent1"/>
+          </a:effectRef>
+          <a:fontRef idx="minor">
+            <a:schemeClr val="lt1"/>
+          </a:fontRef>
+        </p:style>
+        <p:txBody>
+          <a:bodyPr rtlCol="0" anchor="ctr"/>
+          <a:lstStyle/>
+          <a:p>
+            <a:pPr algn="ctr"/>
+            <a:endParaRPr lang="pt-BR" dirty="0"/>
+          </a:p>
+        </p:txBody>
+      </p:sp>
+      <p:sp>
+        <p:nvSpPr>
+          <p:cNvPr id="6" name="Retângulo 5"/>
+          <p:cNvSpPr/>
+          <p:nvPr/>
+        </p:nvSpPr>
+        <p:spPr>
+          <a:xfrm>
+            <a:off x="2336800" y="101600"/>
+            <a:ext cx="4737100" cy="1651000"/>
+          </a:xfrm>
+          <a:prstGeom prst="rect">
+            <a:avLst/>
+          </a:prstGeom>
+          <a:solidFill>
+            <a:srgbClr val="E1DAE2"/>
+          </a:solidFill>
+          <a:ln>
+            <a:solidFill>
+              <a:schemeClr val="tx1"/>
+            </a:solidFill>
+          </a:ln>
+        </p:spPr>
+        <p:style>
+          <a:lnRef idx="2">
+            <a:schemeClr val="accent1">
+              <a:shade val="50000"/>
+            </a:schemeClr>
+          </a:lnRef>
+          <a:fillRef idx="1">
+            <a:schemeClr val="accent1"/>
+          </a:fillRef>
+          <a:effectRef idx="0">
+            <a:schemeClr val="accent1"/>
+          </a:effectRef>
+          <a:fontRef idx="minor">
+            <a:schemeClr val="lt1"/>
+          </a:fontRef>
+        </p:style>
+        <p:txBody>
+          <a:bodyPr rtlCol="0" anchor="ctr"/>
+          <a:lstStyle/>
+          <a:p>
+            <a:pPr algn="ctr"/>
+            <a:endParaRPr lang="pt-BR" dirty="0"/>
+          </a:p>
+        </p:txBody>
+      </p:sp>
+      <p:pic>
+        <p:nvPicPr>
+          <p:cNvPr id="2" name="Imagem 1"/>
+          <p:cNvPicPr>
+            <a:picLocks noChangeAspect="1"/>
+          </p:cNvPicPr>
+          <p:nvPr/>
+        </p:nvPicPr>
+        <p:blipFill rotWithShape="1">
+          <a:blip r:embed="rId2" cstate="print">
+            <a:extLst>
+              <a:ext uri="{28A0092B-C50C-407E-A947-70E740481C1C}">
+                <a14:useLocalDpi xmlns:a14="http://schemas.microsoft.com/office/drawing/2010/main" val="0"/>
+              </a:ext>
+            </a:extLst>
+          </a:blip>
+          <a:srcRect l="17783" t="5400" r="17423" b="4751"/>
+          <a:stretch/>
+        </p:blipFill>
+        <p:spPr>
+          <a:xfrm>
+            <a:off x="7217228" y="0"/>
+            <a:ext cx="4974772" cy="6898346"/>
+          </a:xfrm>
+          <a:prstGeom prst="rect">
+            <a:avLst/>
+          </a:prstGeom>
+        </p:spPr>
+      </p:pic>
+      <p:sp>
+        <p:nvSpPr>
+          <p:cNvPr id="5" name="Retângulo 4"/>
+          <p:cNvSpPr/>
+          <p:nvPr/>
+        </p:nvSpPr>
+        <p:spPr>
+          <a:xfrm>
+            <a:off x="2336800" y="101600"/>
+            <a:ext cx="4737100" cy="6667500"/>
+          </a:xfrm>
+          <a:prstGeom prst="rect">
+            <a:avLst/>
+          </a:prstGeom>
+          <a:noFill/>
+          <a:ln w="28575">
+            <a:solidFill>
+              <a:schemeClr val="tx1"/>
+            </a:solidFill>
+          </a:ln>
+        </p:spPr>
+        <p:style>
+          <a:lnRef idx="2">
+            <a:schemeClr val="accent1">
+              <a:shade val="50000"/>
+            </a:schemeClr>
+          </a:lnRef>
+          <a:fillRef idx="1">
+            <a:schemeClr val="accent1"/>
+          </a:fillRef>
+          <a:effectRef idx="0">
+            <a:schemeClr val="accent1"/>
+          </a:effectRef>
+          <a:fontRef idx="minor">
+            <a:schemeClr val="lt1"/>
+          </a:fontRef>
+        </p:style>
+        <p:txBody>
+          <a:bodyPr rtlCol="0" anchor="ctr"/>
+          <a:lstStyle/>
+          <a:p>
+            <a:pPr algn="ctr"/>
+            <a:endParaRPr lang="pt-BR" dirty="0"/>
+          </a:p>
+        </p:txBody>
+      </p:sp>
+      <p:sp>
+        <p:nvSpPr>
+          <p:cNvPr id="8" name="Retângulo 7"/>
+          <p:cNvSpPr/>
+          <p:nvPr/>
+        </p:nvSpPr>
+        <p:spPr>
+          <a:xfrm>
+            <a:off x="3644900" y="1752600"/>
+            <a:ext cx="647700" cy="5016500"/>
+          </a:xfrm>
+          <a:prstGeom prst="rect">
+            <a:avLst/>
+          </a:prstGeom>
+          <a:noFill/>
+          <a:ln>
+            <a:solidFill>
+              <a:schemeClr val="tx1"/>
+            </a:solidFill>
+          </a:ln>
+        </p:spPr>
+        <p:style>
+          <a:lnRef idx="2">
+            <a:schemeClr val="accent1">
+              <a:shade val="50000"/>
+            </a:schemeClr>
+          </a:lnRef>
+          <a:fillRef idx="1">
+            <a:schemeClr val="accent1"/>
+          </a:fillRef>
+          <a:effectRef idx="0">
+            <a:schemeClr val="accent1"/>
+          </a:effectRef>
+          <a:fontRef idx="minor">
+            <a:schemeClr val="lt1"/>
+          </a:fontRef>
+        </p:style>
+        <p:txBody>
+          <a:bodyPr rtlCol="0" anchor="ctr"/>
+          <a:lstStyle/>
+          <a:p>
+            <a:pPr algn="ctr"/>
+            <a:endParaRPr lang="pt-BR" dirty="0"/>
+          </a:p>
+        </p:txBody>
+      </p:sp>
+      <p:sp>
+        <p:nvSpPr>
+          <p:cNvPr id="10" name="Retângulo 9"/>
+          <p:cNvSpPr/>
+          <p:nvPr/>
+        </p:nvSpPr>
+        <p:spPr>
+          <a:xfrm>
+            <a:off x="2336800" y="101600"/>
+            <a:ext cx="1308100" cy="1651000"/>
+          </a:xfrm>
+          <a:prstGeom prst="rect">
+            <a:avLst/>
+          </a:prstGeom>
+          <a:solidFill>
+            <a:srgbClr val="EAE5EB"/>
+          </a:solidFill>
+          <a:ln>
+            <a:solidFill>
+              <a:schemeClr val="tx1"/>
+            </a:solidFill>
+          </a:ln>
+        </p:spPr>
+        <p:style>
+          <a:lnRef idx="2">
+            <a:schemeClr val="accent1">
+              <a:shade val="50000"/>
+            </a:schemeClr>
+          </a:lnRef>
+          <a:fillRef idx="1">
+            <a:schemeClr val="accent1"/>
+          </a:fillRef>
+          <a:effectRef idx="0">
+            <a:schemeClr val="accent1"/>
+          </a:effectRef>
+          <a:fontRef idx="minor">
+            <a:schemeClr val="lt1"/>
+          </a:fontRef>
+        </p:style>
+        <p:txBody>
+          <a:bodyPr rtlCol="0" anchor="ctr"/>
+          <a:lstStyle/>
+          <a:p>
+            <a:pPr algn="ctr"/>
+            <a:endParaRPr lang="pt-BR" dirty="0"/>
+          </a:p>
+        </p:txBody>
+      </p:sp>
+      <p:sp>
+        <p:nvSpPr>
+          <p:cNvPr id="11" name="Retângulo 10"/>
+          <p:cNvSpPr/>
+          <p:nvPr/>
+        </p:nvSpPr>
+        <p:spPr>
+          <a:xfrm>
+            <a:off x="2336800" y="1752600"/>
+            <a:ext cx="1308100" cy="482600"/>
+          </a:xfrm>
+          <a:prstGeom prst="rect">
+            <a:avLst/>
+          </a:prstGeom>
+          <a:noFill/>
+          <a:ln>
+            <a:solidFill>
+              <a:schemeClr val="tx1"/>
+            </a:solidFill>
+          </a:ln>
+        </p:spPr>
+        <p:style>
+          <a:lnRef idx="2">
+            <a:schemeClr val="accent1">
+              <a:shade val="50000"/>
+            </a:schemeClr>
+          </a:lnRef>
+          <a:fillRef idx="1">
+            <a:schemeClr val="accent1"/>
+          </a:fillRef>
+          <a:effectRef idx="0">
+            <a:schemeClr val="accent1"/>
+          </a:effectRef>
+          <a:fontRef idx="minor">
+            <a:schemeClr val="lt1"/>
+          </a:fontRef>
+        </p:style>
+        <p:txBody>
+          <a:bodyPr rtlCol="0" anchor="ctr"/>
+          <a:lstStyle/>
+          <a:p>
+            <a:pPr algn="ctr"/>
+            <a:endParaRPr lang="pt-BR" dirty="0"/>
+          </a:p>
+        </p:txBody>
+      </p:sp>
+      <p:sp>
+        <p:nvSpPr>
+          <p:cNvPr id="13" name="Retângulo 12"/>
+          <p:cNvSpPr/>
+          <p:nvPr/>
+        </p:nvSpPr>
+        <p:spPr>
+          <a:xfrm>
+            <a:off x="2472871" y="2437130"/>
+            <a:ext cx="1099003" cy="45719"/>
+          </a:xfrm>
+          <a:prstGeom prst="rect">
+            <a:avLst/>
+          </a:prstGeom>
+          <a:solidFill>
+            <a:srgbClr val="AF9CB2"/>
+          </a:solidFill>
+          <a:ln>
+            <a:noFill/>
+          </a:ln>
+        </p:spPr>
+        <p:style>
+          <a:lnRef idx="2">
+            <a:schemeClr val="dk1">
+              <a:shade val="50000"/>
+            </a:schemeClr>
+          </a:lnRef>
+          <a:fillRef idx="1">
+            <a:schemeClr val="dk1"/>
+          </a:fillRef>
+          <a:effectRef idx="0">
+            <a:schemeClr val="dk1"/>
+          </a:effectRef>
+          <a:fontRef idx="minor">
+            <a:schemeClr val="lt1"/>
+          </a:fontRef>
+        </p:style>
+        <p:txBody>
+          <a:bodyPr rtlCol="0" anchor="ctr"/>
+          <a:lstStyle/>
+          <a:p>
+            <a:pPr algn="ctr"/>
+            <a:endParaRPr lang="pt-BR" dirty="0">
+              <a:solidFill>
+                <a:srgbClr val="AF9CB2"/>
+              </a:solidFill>
+            </a:endParaRPr>
+          </a:p>
+        </p:txBody>
+      </p:sp>
+      <p:sp>
+        <p:nvSpPr>
+          <p:cNvPr id="14" name="Retângulo 13"/>
+          <p:cNvSpPr/>
+          <p:nvPr/>
+        </p:nvSpPr>
+        <p:spPr>
+          <a:xfrm>
+            <a:off x="2472871" y="2703830"/>
+            <a:ext cx="1099003" cy="45719"/>
+          </a:xfrm>
+          <a:prstGeom prst="rect">
+            <a:avLst/>
+          </a:prstGeom>
+          <a:solidFill>
+            <a:srgbClr val="AF9CB2"/>
+          </a:solidFill>
+          <a:ln>
+            <a:noFill/>
+          </a:ln>
+        </p:spPr>
+        <p:style>
+          <a:lnRef idx="2">
+            <a:schemeClr val="dk1">
+              <a:shade val="50000"/>
+            </a:schemeClr>
+          </a:lnRef>
+          <a:fillRef idx="1">
+            <a:schemeClr val="dk1"/>
+          </a:fillRef>
+          <a:effectRef idx="0">
+            <a:schemeClr val="dk1"/>
+          </a:effectRef>
+          <a:fontRef idx="minor">
+            <a:schemeClr val="lt1"/>
+          </a:fontRef>
+        </p:style>
+        <p:txBody>
+          <a:bodyPr rtlCol="0" anchor="ctr"/>
+          <a:lstStyle/>
+          <a:p>
+            <a:pPr algn="ctr"/>
+            <a:endParaRPr lang="pt-BR" dirty="0">
+              <a:solidFill>
+                <a:srgbClr val="AF9CB2"/>
+              </a:solidFill>
+            </a:endParaRPr>
+          </a:p>
+        </p:txBody>
+      </p:sp>
+      <p:sp>
+        <p:nvSpPr>
+          <p:cNvPr id="15" name="Retângulo 14"/>
+          <p:cNvSpPr/>
+          <p:nvPr/>
+        </p:nvSpPr>
+        <p:spPr>
+          <a:xfrm>
+            <a:off x="2472870" y="2947670"/>
+            <a:ext cx="1099003" cy="45719"/>
+          </a:xfrm>
+          <a:prstGeom prst="rect">
+            <a:avLst/>
+          </a:prstGeom>
+          <a:solidFill>
+            <a:srgbClr val="AF9CB2"/>
+          </a:solidFill>
+          <a:ln>
+            <a:noFill/>
+          </a:ln>
+        </p:spPr>
+        <p:style>
+          <a:lnRef idx="2">
+            <a:schemeClr val="dk1">
+              <a:shade val="50000"/>
+            </a:schemeClr>
+          </a:lnRef>
+          <a:fillRef idx="1">
+            <a:schemeClr val="dk1"/>
+          </a:fillRef>
+          <a:effectRef idx="0">
+            <a:schemeClr val="dk1"/>
+          </a:effectRef>
+          <a:fontRef idx="minor">
+            <a:schemeClr val="lt1"/>
+          </a:fontRef>
+        </p:style>
+        <p:txBody>
+          <a:bodyPr rtlCol="0" anchor="ctr"/>
+          <a:lstStyle/>
+          <a:p>
+            <a:pPr algn="ctr"/>
+            <a:endParaRPr lang="pt-BR" dirty="0">
+              <a:solidFill>
+                <a:srgbClr val="AF9CB2"/>
+              </a:solidFill>
+            </a:endParaRPr>
+          </a:p>
+        </p:txBody>
+      </p:sp>
+      <p:sp>
+        <p:nvSpPr>
+          <p:cNvPr id="16" name="Retângulo 15"/>
+          <p:cNvSpPr/>
+          <p:nvPr/>
+        </p:nvSpPr>
+        <p:spPr>
+          <a:xfrm>
+            <a:off x="2472869" y="3210560"/>
+            <a:ext cx="1099003" cy="45719"/>
+          </a:xfrm>
+          <a:prstGeom prst="rect">
+            <a:avLst/>
+          </a:prstGeom>
+          <a:solidFill>
+            <a:srgbClr val="AF9CB2"/>
+          </a:solidFill>
+          <a:ln>
+            <a:noFill/>
+          </a:ln>
+        </p:spPr>
+        <p:style>
+          <a:lnRef idx="2">
+            <a:schemeClr val="dk1">
+              <a:shade val="50000"/>
+            </a:schemeClr>
+          </a:lnRef>
+          <a:fillRef idx="1">
+            <a:schemeClr val="dk1"/>
+          </a:fillRef>
+          <a:effectRef idx="0">
+            <a:schemeClr val="dk1"/>
+          </a:effectRef>
+          <a:fontRef idx="minor">
+            <a:schemeClr val="lt1"/>
+          </a:fontRef>
+        </p:style>
+        <p:txBody>
+          <a:bodyPr rtlCol="0" anchor="ctr"/>
+          <a:lstStyle/>
+          <a:p>
+            <a:pPr algn="ctr"/>
+            <a:endParaRPr lang="pt-BR" dirty="0">
+              <a:solidFill>
+                <a:srgbClr val="AF9CB2"/>
+              </a:solidFill>
+            </a:endParaRPr>
+          </a:p>
+        </p:txBody>
+      </p:sp>
+      <p:sp>
+        <p:nvSpPr>
+          <p:cNvPr id="17" name="Retângulo 16"/>
+          <p:cNvSpPr/>
+          <p:nvPr/>
+        </p:nvSpPr>
+        <p:spPr>
+          <a:xfrm>
+            <a:off x="2472868" y="3473450"/>
+            <a:ext cx="1099003" cy="45719"/>
+          </a:xfrm>
+          <a:prstGeom prst="rect">
+            <a:avLst/>
+          </a:prstGeom>
+          <a:solidFill>
+            <a:srgbClr val="AF9CB2"/>
+          </a:solidFill>
+          <a:ln>
+            <a:noFill/>
+          </a:ln>
+        </p:spPr>
+        <p:style>
+          <a:lnRef idx="2">
+            <a:schemeClr val="dk1">
+              <a:shade val="50000"/>
+            </a:schemeClr>
+          </a:lnRef>
+          <a:fillRef idx="1">
+            <a:schemeClr val="dk1"/>
+          </a:fillRef>
+          <a:effectRef idx="0">
+            <a:schemeClr val="dk1"/>
+          </a:effectRef>
+          <a:fontRef idx="minor">
+            <a:schemeClr val="lt1"/>
+          </a:fontRef>
+        </p:style>
+        <p:txBody>
+          <a:bodyPr rtlCol="0" anchor="ctr"/>
+          <a:lstStyle/>
+          <a:p>
+            <a:pPr algn="ctr"/>
+            <a:endParaRPr lang="pt-BR" dirty="0">
+              <a:solidFill>
+                <a:srgbClr val="AF9CB2"/>
+              </a:solidFill>
+            </a:endParaRPr>
+          </a:p>
+        </p:txBody>
+      </p:sp>
+      <p:sp>
+        <p:nvSpPr>
+          <p:cNvPr id="18" name="Retângulo 17"/>
+          <p:cNvSpPr/>
+          <p:nvPr/>
+        </p:nvSpPr>
+        <p:spPr>
+          <a:xfrm>
+            <a:off x="2472867" y="3733165"/>
+            <a:ext cx="1099003" cy="45719"/>
+          </a:xfrm>
+          <a:prstGeom prst="rect">
+            <a:avLst/>
+          </a:prstGeom>
+          <a:solidFill>
+            <a:srgbClr val="AF9CB2"/>
+          </a:solidFill>
+          <a:ln>
+            <a:noFill/>
+          </a:ln>
+        </p:spPr>
+        <p:style>
+          <a:lnRef idx="2">
+            <a:schemeClr val="dk1">
+              <a:shade val="50000"/>
+            </a:schemeClr>
+          </a:lnRef>
+          <a:fillRef idx="1">
+            <a:schemeClr val="dk1"/>
+          </a:fillRef>
+          <a:effectRef idx="0">
+            <a:schemeClr val="dk1"/>
+          </a:effectRef>
+          <a:fontRef idx="minor">
+            <a:schemeClr val="lt1"/>
+          </a:fontRef>
+        </p:style>
+        <p:txBody>
+          <a:bodyPr rtlCol="0" anchor="ctr"/>
+          <a:lstStyle/>
+          <a:p>
+            <a:pPr algn="ctr"/>
+            <a:endParaRPr lang="pt-BR" dirty="0">
+              <a:solidFill>
+                <a:srgbClr val="AF9CB2"/>
+              </a:solidFill>
+            </a:endParaRPr>
+          </a:p>
+        </p:txBody>
+      </p:sp>
+      <p:sp>
+        <p:nvSpPr>
+          <p:cNvPr id="19" name="Retângulo 18"/>
+          <p:cNvSpPr/>
+          <p:nvPr/>
+        </p:nvSpPr>
+        <p:spPr>
+          <a:xfrm>
+            <a:off x="2472866" y="3986530"/>
+            <a:ext cx="1099003" cy="45719"/>
+          </a:xfrm>
+          <a:prstGeom prst="rect">
+            <a:avLst/>
+          </a:prstGeom>
+          <a:solidFill>
+            <a:srgbClr val="AF9CB2"/>
+          </a:solidFill>
+          <a:ln>
+            <a:noFill/>
+          </a:ln>
+        </p:spPr>
+        <p:style>
+          <a:lnRef idx="2">
+            <a:schemeClr val="dk1">
+              <a:shade val="50000"/>
+            </a:schemeClr>
+          </a:lnRef>
+          <a:fillRef idx="1">
+            <a:schemeClr val="dk1"/>
+          </a:fillRef>
+          <a:effectRef idx="0">
+            <a:schemeClr val="dk1"/>
+          </a:effectRef>
+          <a:fontRef idx="minor">
+            <a:schemeClr val="lt1"/>
+          </a:fontRef>
+        </p:style>
+        <p:txBody>
+          <a:bodyPr rtlCol="0" anchor="ctr"/>
+          <a:lstStyle/>
+          <a:p>
+            <a:pPr algn="ctr"/>
+            <a:endParaRPr lang="pt-BR" dirty="0">
+              <a:solidFill>
+                <a:srgbClr val="AF9CB2"/>
+              </a:solidFill>
+            </a:endParaRPr>
+          </a:p>
+        </p:txBody>
+      </p:sp>
+      <p:sp>
+        <p:nvSpPr>
+          <p:cNvPr id="20" name="Retângulo 19"/>
+          <p:cNvSpPr/>
+          <p:nvPr/>
+        </p:nvSpPr>
+        <p:spPr>
+          <a:xfrm>
+            <a:off x="2336800" y="4232910"/>
+            <a:ext cx="1308100" cy="469900"/>
+          </a:xfrm>
+          <a:prstGeom prst="rect">
+            <a:avLst/>
+          </a:prstGeom>
+          <a:noFill/>
+          <a:ln>
+            <a:solidFill>
+              <a:schemeClr val="tx1"/>
+            </a:solidFill>
+          </a:ln>
+        </p:spPr>
+        <p:style>
+          <a:lnRef idx="2">
+            <a:schemeClr val="accent1">
+              <a:shade val="50000"/>
+            </a:schemeClr>
+          </a:lnRef>
+          <a:fillRef idx="1">
+            <a:schemeClr val="accent1"/>
+          </a:fillRef>
+          <a:effectRef idx="0">
+            <a:schemeClr val="accent1"/>
+          </a:effectRef>
+          <a:fontRef idx="minor">
+            <a:schemeClr val="lt1"/>
+          </a:fontRef>
+        </p:style>
+        <p:txBody>
+          <a:bodyPr rtlCol="0" anchor="ctr"/>
+          <a:lstStyle/>
+          <a:p>
+            <a:pPr algn="ctr"/>
+            <a:endParaRPr lang="pt-BR" dirty="0">
+              <a:solidFill>
+                <a:srgbClr val="AF9CB2"/>
+              </a:solidFill>
+            </a:endParaRPr>
+          </a:p>
+        </p:txBody>
+      </p:sp>
+      <p:sp>
+        <p:nvSpPr>
+          <p:cNvPr id="21" name="Retângulo 20"/>
+          <p:cNvSpPr/>
+          <p:nvPr/>
+        </p:nvSpPr>
+        <p:spPr>
+          <a:xfrm>
+            <a:off x="2472866" y="5046964"/>
+            <a:ext cx="1099003" cy="45719"/>
+          </a:xfrm>
+          <a:prstGeom prst="rect">
+            <a:avLst/>
+          </a:prstGeom>
+          <a:solidFill>
+            <a:srgbClr val="AF9CB2"/>
+          </a:solidFill>
+          <a:ln>
+            <a:noFill/>
+          </a:ln>
+        </p:spPr>
+        <p:style>
+          <a:lnRef idx="2">
+            <a:schemeClr val="dk1">
+              <a:shade val="50000"/>
+            </a:schemeClr>
+          </a:lnRef>
+          <a:fillRef idx="1">
+            <a:schemeClr val="dk1"/>
+          </a:fillRef>
+          <a:effectRef idx="0">
+            <a:schemeClr val="dk1"/>
+          </a:effectRef>
+          <a:fontRef idx="minor">
+            <a:schemeClr val="lt1"/>
+          </a:fontRef>
+        </p:style>
+        <p:txBody>
+          <a:bodyPr rtlCol="0" anchor="ctr"/>
+          <a:lstStyle/>
+          <a:p>
+            <a:pPr algn="ctr"/>
+            <a:endParaRPr lang="pt-BR" dirty="0">
+              <a:solidFill>
+                <a:srgbClr val="AF9CB2"/>
+              </a:solidFill>
+            </a:endParaRPr>
+          </a:p>
+        </p:txBody>
+      </p:sp>
+      <p:sp>
+        <p:nvSpPr>
+          <p:cNvPr id="22" name="Retângulo 21"/>
+          <p:cNvSpPr/>
+          <p:nvPr/>
+        </p:nvSpPr>
+        <p:spPr>
+          <a:xfrm>
+            <a:off x="2474454" y="5298423"/>
+            <a:ext cx="1099003" cy="45719"/>
+          </a:xfrm>
+          <a:prstGeom prst="rect">
+            <a:avLst/>
+          </a:prstGeom>
+          <a:solidFill>
+            <a:srgbClr val="AF9CB2"/>
+          </a:solidFill>
+          <a:ln>
+            <a:noFill/>
+          </a:ln>
+        </p:spPr>
+        <p:style>
+          <a:lnRef idx="2">
+            <a:schemeClr val="dk1">
+              <a:shade val="50000"/>
+            </a:schemeClr>
+          </a:lnRef>
+          <a:fillRef idx="1">
+            <a:schemeClr val="dk1"/>
+          </a:fillRef>
+          <a:effectRef idx="0">
+            <a:schemeClr val="dk1"/>
+          </a:effectRef>
+          <a:fontRef idx="minor">
+            <a:schemeClr val="lt1"/>
+          </a:fontRef>
+        </p:style>
+        <p:txBody>
+          <a:bodyPr rtlCol="0" anchor="ctr"/>
+          <a:lstStyle/>
+          <a:p>
+            <a:pPr algn="ctr"/>
+            <a:endParaRPr lang="pt-BR" dirty="0">
+              <a:solidFill>
+                <a:srgbClr val="AF9CB2"/>
+              </a:solidFill>
+            </a:endParaRPr>
+          </a:p>
+        </p:txBody>
+      </p:sp>
+      <p:sp>
+        <p:nvSpPr>
+          <p:cNvPr id="23" name="Retângulo 22"/>
+          <p:cNvSpPr/>
+          <p:nvPr/>
+        </p:nvSpPr>
+        <p:spPr>
+          <a:xfrm>
+            <a:off x="2476042" y="5559407"/>
+            <a:ext cx="1099003" cy="45719"/>
+          </a:xfrm>
+          <a:prstGeom prst="rect">
+            <a:avLst/>
+          </a:prstGeom>
+          <a:solidFill>
+            <a:srgbClr val="AF9CB2"/>
+          </a:solidFill>
+          <a:ln>
+            <a:noFill/>
+          </a:ln>
+        </p:spPr>
+        <p:style>
+          <a:lnRef idx="2">
+            <a:schemeClr val="dk1">
+              <a:shade val="50000"/>
+            </a:schemeClr>
+          </a:lnRef>
+          <a:fillRef idx="1">
+            <a:schemeClr val="dk1"/>
+          </a:fillRef>
+          <a:effectRef idx="0">
+            <a:schemeClr val="dk1"/>
+          </a:effectRef>
+          <a:fontRef idx="minor">
+            <a:schemeClr val="lt1"/>
+          </a:fontRef>
+        </p:style>
+        <p:txBody>
+          <a:bodyPr rtlCol="0" anchor="ctr"/>
+          <a:lstStyle/>
+          <a:p>
+            <a:pPr algn="ctr"/>
+            <a:endParaRPr lang="pt-BR" dirty="0">
+              <a:solidFill>
+                <a:srgbClr val="AF9CB2"/>
+              </a:solidFill>
+            </a:endParaRPr>
+          </a:p>
+        </p:txBody>
+      </p:sp>
+      <p:sp>
+        <p:nvSpPr>
+          <p:cNvPr id="24" name="Retângulo 23"/>
+          <p:cNvSpPr/>
+          <p:nvPr/>
+        </p:nvSpPr>
+        <p:spPr>
+          <a:xfrm>
+            <a:off x="2336800" y="5910578"/>
+            <a:ext cx="1308100" cy="248921"/>
+          </a:xfrm>
+          <a:prstGeom prst="rect">
+            <a:avLst/>
+          </a:prstGeom>
+          <a:noFill/>
+          <a:ln>
+            <a:solidFill>
+              <a:schemeClr val="tx1"/>
+            </a:solidFill>
+          </a:ln>
+        </p:spPr>
+        <p:style>
+          <a:lnRef idx="2">
+            <a:schemeClr val="accent1">
+              <a:shade val="50000"/>
+            </a:schemeClr>
+          </a:lnRef>
+          <a:fillRef idx="1">
+            <a:schemeClr val="accent1"/>
+          </a:fillRef>
+          <a:effectRef idx="0">
+            <a:schemeClr val="accent1"/>
+          </a:effectRef>
+          <a:fontRef idx="minor">
+            <a:schemeClr val="lt1"/>
+          </a:fontRef>
+        </p:style>
+        <p:txBody>
+          <a:bodyPr rtlCol="0" anchor="ctr"/>
+          <a:lstStyle/>
+          <a:p>
+            <a:pPr algn="ctr"/>
+            <a:endParaRPr lang="pt-BR" dirty="0"/>
+          </a:p>
+        </p:txBody>
+      </p:sp>
+      <p:sp>
+        <p:nvSpPr>
+          <p:cNvPr id="25" name="Retângulo 24"/>
+          <p:cNvSpPr/>
+          <p:nvPr/>
+        </p:nvSpPr>
+        <p:spPr>
+          <a:xfrm>
+            <a:off x="3644900" y="1752600"/>
+            <a:ext cx="647700" cy="482600"/>
+          </a:xfrm>
+          <a:prstGeom prst="rect">
+            <a:avLst/>
+          </a:prstGeom>
+          <a:noFill/>
+          <a:ln>
+            <a:solidFill>
+              <a:schemeClr val="tx1"/>
+            </a:solidFill>
+          </a:ln>
+        </p:spPr>
+        <p:style>
+          <a:lnRef idx="2">
+            <a:schemeClr val="accent1">
+              <a:shade val="50000"/>
+            </a:schemeClr>
+          </a:lnRef>
+          <a:fillRef idx="1">
+            <a:schemeClr val="accent1"/>
+          </a:fillRef>
+          <a:effectRef idx="0">
+            <a:schemeClr val="accent1"/>
+          </a:effectRef>
+          <a:fontRef idx="minor">
+            <a:schemeClr val="lt1"/>
+          </a:fontRef>
+        </p:style>
+        <p:txBody>
+          <a:bodyPr rtlCol="0" anchor="ctr"/>
+          <a:lstStyle/>
+          <a:p>
+            <a:pPr algn="ctr"/>
+            <a:endParaRPr lang="pt-BR" dirty="0"/>
+          </a:p>
+        </p:txBody>
+      </p:sp>
+      <p:sp>
+        <p:nvSpPr>
+          <p:cNvPr id="26" name="Retângulo 25"/>
+          <p:cNvSpPr/>
+          <p:nvPr/>
+        </p:nvSpPr>
+        <p:spPr>
+          <a:xfrm>
+            <a:off x="3644900" y="3622039"/>
+            <a:ext cx="647700" cy="387350"/>
+          </a:xfrm>
+          <a:prstGeom prst="rect">
+            <a:avLst/>
+          </a:prstGeom>
+          <a:noFill/>
+          <a:ln>
+            <a:solidFill>
+              <a:schemeClr val="tx1"/>
+            </a:solidFill>
+          </a:ln>
+        </p:spPr>
+        <p:style>
+          <a:lnRef idx="2">
+            <a:schemeClr val="accent1">
+              <a:shade val="50000"/>
+            </a:schemeClr>
+          </a:lnRef>
+          <a:fillRef idx="1">
+            <a:schemeClr val="accent1"/>
+          </a:fillRef>
+          <a:effectRef idx="0">
+            <a:schemeClr val="accent1"/>
+          </a:effectRef>
+          <a:fontRef idx="minor">
+            <a:schemeClr val="lt1"/>
+          </a:fontRef>
+        </p:style>
+        <p:txBody>
+          <a:bodyPr rtlCol="0" anchor="ctr"/>
+          <a:lstStyle/>
+          <a:p>
+            <a:pPr algn="ctr"/>
+            <a:endParaRPr lang="pt-BR" dirty="0"/>
+          </a:p>
+        </p:txBody>
+      </p:sp>
+      <p:sp>
+        <p:nvSpPr>
+          <p:cNvPr id="27" name="Retângulo 26"/>
+          <p:cNvSpPr/>
+          <p:nvPr/>
+        </p:nvSpPr>
+        <p:spPr>
+          <a:xfrm>
+            <a:off x="3644900" y="5523228"/>
+            <a:ext cx="647700" cy="387350"/>
+          </a:xfrm>
+          <a:prstGeom prst="rect">
+            <a:avLst/>
+          </a:prstGeom>
+          <a:noFill/>
+          <a:ln>
+            <a:solidFill>
+              <a:schemeClr val="tx1"/>
+            </a:solidFill>
+          </a:ln>
+        </p:spPr>
+        <p:style>
+          <a:lnRef idx="2">
+            <a:schemeClr val="accent1">
+              <a:shade val="50000"/>
+            </a:schemeClr>
+          </a:lnRef>
+          <a:fillRef idx="1">
+            <a:schemeClr val="accent1"/>
+          </a:fillRef>
+          <a:effectRef idx="0">
+            <a:schemeClr val="accent1"/>
+          </a:effectRef>
+          <a:fontRef idx="minor">
+            <a:schemeClr val="lt1"/>
+          </a:fontRef>
+        </p:style>
+        <p:txBody>
+          <a:bodyPr rtlCol="0" anchor="ctr"/>
+          <a:lstStyle/>
+          <a:p>
+            <a:pPr algn="ctr"/>
+            <a:endParaRPr lang="pt-BR" dirty="0"/>
+          </a:p>
+        </p:txBody>
+      </p:sp>
+      <p:sp>
+        <p:nvSpPr>
+          <p:cNvPr id="28" name="Elipse 27"/>
+          <p:cNvSpPr/>
+          <p:nvPr/>
+        </p:nvSpPr>
+        <p:spPr>
+          <a:xfrm>
+            <a:off x="2460166" y="319264"/>
+            <a:ext cx="1075196" cy="1075196"/>
+          </a:xfrm>
+          <a:prstGeom prst="ellipse">
+            <a:avLst/>
+          </a:prstGeom>
+          <a:solidFill>
+            <a:srgbClr val="E1DAE2"/>
+          </a:solidFill>
+          <a:ln>
+            <a:solidFill>
+              <a:schemeClr val="tx1"/>
+            </a:solidFill>
+          </a:ln>
+        </p:spPr>
+        <p:style>
+          <a:lnRef idx="2">
+            <a:schemeClr val="accent1">
+              <a:shade val="50000"/>
+            </a:schemeClr>
+          </a:lnRef>
+          <a:fillRef idx="1">
+            <a:schemeClr val="accent1"/>
+          </a:fillRef>
+          <a:effectRef idx="0">
+            <a:schemeClr val="accent1"/>
+          </a:effectRef>
+          <a:fontRef idx="minor">
+            <a:schemeClr val="lt1"/>
+          </a:fontRef>
+        </p:style>
+        <p:txBody>
+          <a:bodyPr rtlCol="0" anchor="ctr"/>
+          <a:lstStyle/>
+          <a:p>
+            <a:pPr algn="ctr"/>
+            <a:endParaRPr lang="pt-BR" dirty="0"/>
+          </a:p>
+        </p:txBody>
+      </p:sp>
+      <p:cxnSp>
+        <p:nvCxnSpPr>
+          <p:cNvPr id="30" name="Conector reto 29"/>
+          <p:cNvCxnSpPr/>
+          <p:nvPr/>
+        </p:nvCxnSpPr>
+        <p:spPr>
+          <a:xfrm>
+            <a:off x="3683000" y="768350"/>
+            <a:ext cx="3162300" cy="0"/>
+          </a:xfrm>
+          <a:prstGeom prst="line">
+            <a:avLst/>
+          </a:prstGeom>
+          <a:ln/>
+        </p:spPr>
+        <p:style>
+          <a:lnRef idx="1">
+            <a:schemeClr val="dk1"/>
+          </a:lnRef>
+          <a:fillRef idx="0">
+            <a:schemeClr val="dk1"/>
+          </a:fillRef>
+          <a:effectRef idx="0">
+            <a:schemeClr val="dk1"/>
+          </a:effectRef>
+          <a:fontRef idx="minor">
+            <a:schemeClr val="tx1"/>
+          </a:fontRef>
+        </p:style>
+      </p:cxnSp>
+      <p:sp>
+        <p:nvSpPr>
+          <p:cNvPr id="31" name="CaixaDeTexto 30"/>
+          <p:cNvSpPr txBox="1"/>
+          <p:nvPr/>
+        </p:nvSpPr>
+        <p:spPr>
+          <a:xfrm>
+            <a:off x="3658728" y="319264"/>
+            <a:ext cx="3084972" cy="1154162"/>
+          </a:xfrm>
+          <a:prstGeom prst="rect">
+            <a:avLst/>
+          </a:prstGeom>
+          <a:noFill/>
+        </p:spPr>
+        <p:txBody>
+          <a:bodyPr wrap="square" rtlCol="0">
+            <a:spAutoFit/>
+          </a:bodyPr>
+          <a:lstStyle/>
+          <a:p>
+            <a:r>
+              <a:rPr lang="pt-BR" sz="1400" b="1" dirty="0" smtClean="0">
+                <a:solidFill>
+                  <a:srgbClr val="8F7593"/>
+                </a:solidFill>
+                <a:latin typeface="Segoe UI" panose="020B0502040204020203" pitchFamily="34" charset="0"/>
+                <a:ea typeface="Segoe UI" panose="020B0502040204020203" pitchFamily="34" charset="0"/>
+                <a:cs typeface="Segoe UI" panose="020B0502040204020203" pitchFamily="34" charset="0"/>
+              </a:rPr>
+              <a:t>&lt;h1&gt;Title&lt;/h1&gt;</a:t>
+            </a:r>
+          </a:p>
+          <a:p>
+            <a:r>
+              <a:rPr lang="pt-BR" sz="1100" dirty="0" smtClean="0">
+                <a:solidFill>
+                  <a:srgbClr val="AF9CB2"/>
+                </a:solidFill>
+                <a:latin typeface="Segoe UI" panose="020B0502040204020203" pitchFamily="34" charset="0"/>
+                <a:ea typeface="Segoe UI" panose="020B0502040204020203" pitchFamily="34" charset="0"/>
+                <a:cs typeface="Segoe UI" panose="020B0502040204020203" pitchFamily="34" charset="0"/>
+              </a:rPr>
+              <a:t>&lt;h3&gt;Title&lt;/h3&gt;</a:t>
+            </a:r>
+          </a:p>
+          <a:p>
+            <a:endParaRPr lang="pt-BR" sz="1100" dirty="0">
+              <a:solidFill>
+                <a:srgbClr val="AF9CB2"/>
+              </a:solidFill>
+              <a:latin typeface="Segoe UI" panose="020B0502040204020203" pitchFamily="34" charset="0"/>
+              <a:ea typeface="Segoe UI" panose="020B0502040204020203" pitchFamily="34" charset="0"/>
+              <a:cs typeface="Segoe UI" panose="020B0502040204020203" pitchFamily="34" charset="0"/>
+            </a:endParaRPr>
+          </a:p>
+          <a:p>
+            <a:r>
+              <a:rPr lang="pt-BR" sz="1100" b="1" dirty="0">
+                <a:solidFill>
+                  <a:srgbClr val="8F7593"/>
+                </a:solidFill>
+                <a:latin typeface="Segoe UI" panose="020B0502040204020203" pitchFamily="34" charset="0"/>
+                <a:ea typeface="Segoe UI" panose="020B0502040204020203" pitchFamily="34" charset="0"/>
+                <a:cs typeface="Segoe UI" panose="020B0502040204020203" pitchFamily="34" charset="0"/>
+              </a:rPr>
+              <a:t>&lt;h3&gt;Title&lt;/h3</a:t>
+            </a:r>
+            <a:r>
+              <a:rPr lang="pt-BR" sz="1100" b="1" dirty="0" smtClean="0">
+                <a:solidFill>
+                  <a:srgbClr val="8F7593"/>
+                </a:solidFill>
+                <a:latin typeface="Segoe UI" panose="020B0502040204020203" pitchFamily="34" charset="0"/>
+                <a:ea typeface="Segoe UI" panose="020B0502040204020203" pitchFamily="34" charset="0"/>
+                <a:cs typeface="Segoe UI" panose="020B0502040204020203" pitchFamily="34" charset="0"/>
+              </a:rPr>
+              <a:t>&gt;</a:t>
+            </a:r>
+          </a:p>
+          <a:p>
+            <a:r>
+              <a:rPr lang="pt-BR" sz="1100" dirty="0" smtClean="0">
+                <a:solidFill>
+                  <a:srgbClr val="AF9CB2"/>
+                </a:solidFill>
+                <a:latin typeface="Segoe UI" panose="020B0502040204020203" pitchFamily="34" charset="0"/>
+                <a:ea typeface="Segoe UI" panose="020B0502040204020203" pitchFamily="34" charset="0"/>
+                <a:cs typeface="Segoe UI" panose="020B0502040204020203" pitchFamily="34" charset="0"/>
+              </a:rPr>
+              <a:t>&lt;p&gt;</a:t>
+            </a:r>
+            <a:r>
+              <a:rPr lang="pt-BR" sz="1100" dirty="0">
+                <a:solidFill>
+                  <a:srgbClr val="AF9CB2"/>
+                </a:solidFill>
+                <a:latin typeface="Segoe UI" panose="020B0502040204020203" pitchFamily="34" charset="0"/>
+                <a:ea typeface="Segoe UI" panose="020B0502040204020203" pitchFamily="34" charset="0"/>
+                <a:cs typeface="Segoe UI" panose="020B0502040204020203" pitchFamily="34" charset="0"/>
+              </a:rPr>
+              <a:t>Lorem ipsum dolor sit amet, consectetur adipisicing elit, sed do eiusmod </a:t>
+            </a:r>
+            <a:r>
+              <a:rPr lang="pt-BR" sz="1100" dirty="0" smtClean="0">
+                <a:solidFill>
+                  <a:srgbClr val="AF9CB2"/>
+                </a:solidFill>
+                <a:latin typeface="Segoe UI" panose="020B0502040204020203" pitchFamily="34" charset="0"/>
+                <a:ea typeface="Segoe UI" panose="020B0502040204020203" pitchFamily="34" charset="0"/>
+                <a:cs typeface="Segoe UI" panose="020B0502040204020203" pitchFamily="34" charset="0"/>
+              </a:rPr>
+              <a:t>tempor...&lt;/p&gt;</a:t>
+            </a:r>
+            <a:endParaRPr lang="pt-BR" sz="1100" dirty="0">
+              <a:solidFill>
+                <a:srgbClr val="AF9CB2"/>
+              </a:solidFill>
+              <a:latin typeface="Segoe UI" panose="020B0502040204020203" pitchFamily="34" charset="0"/>
+              <a:ea typeface="Segoe UI" panose="020B0502040204020203" pitchFamily="34" charset="0"/>
+              <a:cs typeface="Segoe UI" panose="020B0502040204020203" pitchFamily="34" charset="0"/>
+            </a:endParaRPr>
+          </a:p>
+        </p:txBody>
+      </p:sp>
+      <p:sp>
+        <p:nvSpPr>
+          <p:cNvPr id="32" name="Retângulo 31"/>
+          <p:cNvSpPr/>
+          <p:nvPr/>
+        </p:nvSpPr>
+        <p:spPr>
+          <a:xfrm>
+            <a:off x="2336800" y="1752600"/>
+            <a:ext cx="4737100" cy="45719"/>
+          </a:xfrm>
+          <a:prstGeom prst="rect">
+            <a:avLst/>
+          </a:prstGeom>
+          <a:ln>
+            <a:noFill/>
+          </a:ln>
+        </p:spPr>
+        <p:style>
+          <a:lnRef idx="2">
+            <a:schemeClr val="dk1">
+              <a:shade val="50000"/>
+            </a:schemeClr>
+          </a:lnRef>
+          <a:fillRef idx="1">
+            <a:schemeClr val="dk1"/>
+          </a:fillRef>
+          <a:effectRef idx="0">
+            <a:schemeClr val="dk1"/>
+          </a:effectRef>
+          <a:fontRef idx="minor">
+            <a:schemeClr val="lt1"/>
+          </a:fontRef>
+        </p:style>
+        <p:txBody>
+          <a:bodyPr rtlCol="0" anchor="ctr"/>
+          <a:lstStyle/>
+          <a:p>
+            <a:pPr algn="ctr"/>
+            <a:endParaRPr lang="pt-BR" dirty="0"/>
+          </a:p>
+        </p:txBody>
+      </p:sp>
+      <p:sp>
+        <p:nvSpPr>
+          <p:cNvPr id="33" name="CaixaDeTexto 32"/>
+          <p:cNvSpPr txBox="1"/>
+          <p:nvPr/>
+        </p:nvSpPr>
+        <p:spPr>
+          <a:xfrm>
+            <a:off x="2351424" y="2241708"/>
+            <a:ext cx="1293475" cy="246221"/>
+          </a:xfrm>
+          <a:prstGeom prst="rect">
+            <a:avLst/>
+          </a:prstGeom>
+          <a:noFill/>
+        </p:spPr>
+        <p:txBody>
+          <a:bodyPr wrap="square" rtlCol="0">
+            <a:spAutoFit/>
+          </a:bodyPr>
+          <a:lstStyle/>
+          <a:p>
+            <a:r>
+              <a:rPr lang="pt-BR" sz="1000" dirty="0" smtClean="0">
+                <a:solidFill>
+                  <a:srgbClr val="AF9CB2"/>
+                </a:solidFill>
+                <a:latin typeface="Segoe UI" panose="020B0502040204020203" pitchFamily="34" charset="0"/>
+                <a:ea typeface="Segoe UI" panose="020B0502040204020203" pitchFamily="34" charset="0"/>
+                <a:cs typeface="Segoe UI" panose="020B0502040204020203" pitchFamily="34" charset="0"/>
+              </a:rPr>
+              <a:t>&lt;label&gt;   </a:t>
+            </a:r>
+            <a:r>
+              <a:rPr lang="pt-BR" sz="800" dirty="0" smtClean="0">
+                <a:solidFill>
+                  <a:srgbClr val="AF9CB2"/>
+                </a:solidFill>
+                <a:latin typeface="Segoe UI" panose="020B0502040204020203" pitchFamily="34" charset="0"/>
+                <a:ea typeface="Segoe UI" panose="020B0502040204020203" pitchFamily="34" charset="0"/>
+                <a:cs typeface="Segoe UI" panose="020B0502040204020203" pitchFamily="34" charset="0"/>
+              </a:rPr>
+              <a:t>.</a:t>
+            </a:r>
+            <a:r>
+              <a:rPr lang="pt-BR" sz="800" i="1" dirty="0" smtClean="0">
+                <a:solidFill>
+                  <a:srgbClr val="AF9CB2"/>
+                </a:solidFill>
+                <a:latin typeface="Segoe UI" panose="020B0502040204020203" pitchFamily="34" charset="0"/>
+                <a:ea typeface="Segoe UI" panose="020B0502040204020203" pitchFamily="34" charset="0"/>
+                <a:cs typeface="Segoe UI" panose="020B0502040204020203" pitchFamily="34" charset="0"/>
+              </a:rPr>
+              <a:t>progressbar</a:t>
+            </a:r>
+            <a:endParaRPr lang="pt-BR" sz="600" i="1" dirty="0">
+              <a:solidFill>
+                <a:srgbClr val="AF9CB2"/>
+              </a:solidFill>
+              <a:latin typeface="Segoe UI" panose="020B0502040204020203" pitchFamily="34" charset="0"/>
+              <a:ea typeface="Segoe UI" panose="020B0502040204020203" pitchFamily="34" charset="0"/>
+              <a:cs typeface="Segoe UI" panose="020B0502040204020203" pitchFamily="34" charset="0"/>
+            </a:endParaRPr>
+          </a:p>
+        </p:txBody>
+      </p:sp>
+      <p:sp>
+        <p:nvSpPr>
+          <p:cNvPr id="34" name="CaixaDeTexto 33"/>
+          <p:cNvSpPr txBox="1"/>
+          <p:nvPr/>
+        </p:nvSpPr>
+        <p:spPr>
+          <a:xfrm>
+            <a:off x="2351425" y="2486583"/>
+            <a:ext cx="957722" cy="246221"/>
+          </a:xfrm>
+          <a:prstGeom prst="rect">
+            <a:avLst/>
+          </a:prstGeom>
+          <a:noFill/>
+        </p:spPr>
+        <p:txBody>
+          <a:bodyPr wrap="square" rtlCol="0">
+            <a:spAutoFit/>
+          </a:bodyPr>
+          <a:lstStyle/>
+          <a:p>
+            <a:r>
+              <a:rPr lang="pt-BR" sz="1000" dirty="0" smtClean="0">
+                <a:solidFill>
+                  <a:srgbClr val="AF9CB2"/>
+                </a:solidFill>
+                <a:latin typeface="Segoe UI" panose="020B0502040204020203" pitchFamily="34" charset="0"/>
+                <a:ea typeface="Segoe UI" panose="020B0502040204020203" pitchFamily="34" charset="0"/>
+                <a:cs typeface="Segoe UI" panose="020B0502040204020203" pitchFamily="34" charset="0"/>
+              </a:rPr>
+              <a:t>&lt;label&gt;</a:t>
+            </a:r>
+            <a:endParaRPr lang="pt-BR" sz="800" dirty="0">
+              <a:solidFill>
+                <a:srgbClr val="AF9CB2"/>
+              </a:solidFill>
+              <a:latin typeface="Segoe UI" panose="020B0502040204020203" pitchFamily="34" charset="0"/>
+              <a:ea typeface="Segoe UI" panose="020B0502040204020203" pitchFamily="34" charset="0"/>
+              <a:cs typeface="Segoe UI" panose="020B0502040204020203" pitchFamily="34" charset="0"/>
+            </a:endParaRPr>
+          </a:p>
+        </p:txBody>
+      </p:sp>
+      <p:sp>
+        <p:nvSpPr>
+          <p:cNvPr id="35" name="CaixaDeTexto 34"/>
+          <p:cNvSpPr txBox="1"/>
+          <p:nvPr/>
+        </p:nvSpPr>
+        <p:spPr>
+          <a:xfrm>
+            <a:off x="2351425" y="2745261"/>
+            <a:ext cx="957722" cy="246221"/>
+          </a:xfrm>
+          <a:prstGeom prst="rect">
+            <a:avLst/>
+          </a:prstGeom>
+          <a:noFill/>
+        </p:spPr>
+        <p:txBody>
+          <a:bodyPr wrap="square" rtlCol="0">
+            <a:spAutoFit/>
+          </a:bodyPr>
+          <a:lstStyle/>
+          <a:p>
+            <a:r>
+              <a:rPr lang="pt-BR" sz="1000" dirty="0" smtClean="0">
+                <a:solidFill>
+                  <a:srgbClr val="AF9CB2"/>
+                </a:solidFill>
+                <a:latin typeface="Segoe UI" panose="020B0502040204020203" pitchFamily="34" charset="0"/>
+                <a:ea typeface="Segoe UI" panose="020B0502040204020203" pitchFamily="34" charset="0"/>
+                <a:cs typeface="Segoe UI" panose="020B0502040204020203" pitchFamily="34" charset="0"/>
+              </a:rPr>
+              <a:t>&lt;label&gt;</a:t>
+            </a:r>
+            <a:endParaRPr lang="pt-BR" sz="800" dirty="0">
+              <a:solidFill>
+                <a:srgbClr val="AF9CB2"/>
+              </a:solidFill>
+              <a:latin typeface="Segoe UI" panose="020B0502040204020203" pitchFamily="34" charset="0"/>
+              <a:ea typeface="Segoe UI" panose="020B0502040204020203" pitchFamily="34" charset="0"/>
+              <a:cs typeface="Segoe UI" panose="020B0502040204020203" pitchFamily="34" charset="0"/>
+            </a:endParaRPr>
+          </a:p>
+        </p:txBody>
+      </p:sp>
+      <p:sp>
+        <p:nvSpPr>
+          <p:cNvPr id="37" name="CaixaDeTexto 36"/>
+          <p:cNvSpPr txBox="1"/>
+          <p:nvPr/>
+        </p:nvSpPr>
+        <p:spPr>
+          <a:xfrm>
+            <a:off x="2336800" y="3005298"/>
+            <a:ext cx="957722" cy="246221"/>
+          </a:xfrm>
+          <a:prstGeom prst="rect">
+            <a:avLst/>
+          </a:prstGeom>
+          <a:noFill/>
+        </p:spPr>
+        <p:txBody>
+          <a:bodyPr wrap="square" rtlCol="0">
+            <a:spAutoFit/>
+          </a:bodyPr>
+          <a:lstStyle/>
+          <a:p>
+            <a:r>
+              <a:rPr lang="pt-BR" sz="1000" dirty="0" smtClean="0">
+                <a:solidFill>
+                  <a:srgbClr val="AF9CB2"/>
+                </a:solidFill>
+                <a:latin typeface="Segoe UI" panose="020B0502040204020203" pitchFamily="34" charset="0"/>
+                <a:ea typeface="Segoe UI" panose="020B0502040204020203" pitchFamily="34" charset="0"/>
+                <a:cs typeface="Segoe UI" panose="020B0502040204020203" pitchFamily="34" charset="0"/>
+              </a:rPr>
+              <a:t>&lt;label&gt;</a:t>
+            </a:r>
+            <a:endParaRPr lang="pt-BR" sz="800" dirty="0">
+              <a:solidFill>
+                <a:srgbClr val="AF9CB2"/>
+              </a:solidFill>
+              <a:latin typeface="Segoe UI" panose="020B0502040204020203" pitchFamily="34" charset="0"/>
+              <a:ea typeface="Segoe UI" panose="020B0502040204020203" pitchFamily="34" charset="0"/>
+              <a:cs typeface="Segoe UI" panose="020B0502040204020203" pitchFamily="34" charset="0"/>
+            </a:endParaRPr>
+          </a:p>
+        </p:txBody>
+      </p:sp>
+      <p:sp>
+        <p:nvSpPr>
+          <p:cNvPr id="38" name="CaixaDeTexto 37"/>
+          <p:cNvSpPr txBox="1"/>
+          <p:nvPr/>
+        </p:nvSpPr>
+        <p:spPr>
+          <a:xfrm>
+            <a:off x="2338266" y="3263428"/>
+            <a:ext cx="957722" cy="246221"/>
+          </a:xfrm>
+          <a:prstGeom prst="rect">
+            <a:avLst/>
+          </a:prstGeom>
+          <a:noFill/>
+        </p:spPr>
+        <p:txBody>
+          <a:bodyPr wrap="square" rtlCol="0">
+            <a:spAutoFit/>
+          </a:bodyPr>
+          <a:lstStyle/>
+          <a:p>
+            <a:r>
+              <a:rPr lang="pt-BR" sz="1000" dirty="0" smtClean="0">
+                <a:solidFill>
+                  <a:srgbClr val="AF9CB2"/>
+                </a:solidFill>
+                <a:latin typeface="Segoe UI" panose="020B0502040204020203" pitchFamily="34" charset="0"/>
+                <a:ea typeface="Segoe UI" panose="020B0502040204020203" pitchFamily="34" charset="0"/>
+                <a:cs typeface="Segoe UI" panose="020B0502040204020203" pitchFamily="34" charset="0"/>
+              </a:rPr>
+              <a:t>&lt;label&gt;</a:t>
+            </a:r>
+            <a:endParaRPr lang="pt-BR" sz="800" dirty="0">
+              <a:solidFill>
+                <a:srgbClr val="AF9CB2"/>
+              </a:solidFill>
+              <a:latin typeface="Segoe UI" panose="020B0502040204020203" pitchFamily="34" charset="0"/>
+              <a:ea typeface="Segoe UI" panose="020B0502040204020203" pitchFamily="34" charset="0"/>
+              <a:cs typeface="Segoe UI" panose="020B0502040204020203" pitchFamily="34" charset="0"/>
+            </a:endParaRPr>
+          </a:p>
+        </p:txBody>
+      </p:sp>
+      <p:sp>
+        <p:nvSpPr>
+          <p:cNvPr id="39" name="CaixaDeTexto 38"/>
+          <p:cNvSpPr txBox="1"/>
+          <p:nvPr/>
+        </p:nvSpPr>
+        <p:spPr>
+          <a:xfrm>
+            <a:off x="2336800" y="3526233"/>
+            <a:ext cx="957722" cy="246221"/>
+          </a:xfrm>
+          <a:prstGeom prst="rect">
+            <a:avLst/>
+          </a:prstGeom>
+          <a:noFill/>
+        </p:spPr>
+        <p:txBody>
+          <a:bodyPr wrap="square" rtlCol="0">
+            <a:spAutoFit/>
+          </a:bodyPr>
+          <a:lstStyle/>
+          <a:p>
+            <a:r>
+              <a:rPr lang="pt-BR" sz="1000" dirty="0" smtClean="0">
+                <a:solidFill>
+                  <a:srgbClr val="AF9CB2"/>
+                </a:solidFill>
+                <a:latin typeface="Segoe UI" panose="020B0502040204020203" pitchFamily="34" charset="0"/>
+                <a:ea typeface="Segoe UI" panose="020B0502040204020203" pitchFamily="34" charset="0"/>
+                <a:cs typeface="Segoe UI" panose="020B0502040204020203" pitchFamily="34" charset="0"/>
+              </a:rPr>
+              <a:t>&lt;label&gt;</a:t>
+            </a:r>
+            <a:endParaRPr lang="pt-BR" sz="800" dirty="0">
+              <a:solidFill>
+                <a:srgbClr val="AF9CB2"/>
+              </a:solidFill>
+              <a:latin typeface="Segoe UI" panose="020B0502040204020203" pitchFamily="34" charset="0"/>
+              <a:ea typeface="Segoe UI" panose="020B0502040204020203" pitchFamily="34" charset="0"/>
+              <a:cs typeface="Segoe UI" panose="020B0502040204020203" pitchFamily="34" charset="0"/>
+            </a:endParaRPr>
+          </a:p>
+        </p:txBody>
+      </p:sp>
+      <p:sp>
+        <p:nvSpPr>
+          <p:cNvPr id="40" name="CaixaDeTexto 39"/>
+          <p:cNvSpPr txBox="1"/>
+          <p:nvPr/>
+        </p:nvSpPr>
+        <p:spPr>
+          <a:xfrm>
+            <a:off x="2335334" y="3789038"/>
+            <a:ext cx="957722" cy="246221"/>
+          </a:xfrm>
+          <a:prstGeom prst="rect">
+            <a:avLst/>
+          </a:prstGeom>
+          <a:noFill/>
+        </p:spPr>
+        <p:txBody>
+          <a:bodyPr wrap="square" rtlCol="0">
+            <a:spAutoFit/>
+          </a:bodyPr>
+          <a:lstStyle/>
+          <a:p>
+            <a:r>
+              <a:rPr lang="pt-BR" sz="1000" dirty="0" smtClean="0">
+                <a:solidFill>
+                  <a:srgbClr val="AF9CB2"/>
+                </a:solidFill>
+                <a:latin typeface="Segoe UI" panose="020B0502040204020203" pitchFamily="34" charset="0"/>
+                <a:ea typeface="Segoe UI" panose="020B0502040204020203" pitchFamily="34" charset="0"/>
+                <a:cs typeface="Segoe UI" panose="020B0502040204020203" pitchFamily="34" charset="0"/>
+              </a:rPr>
+              <a:t>&lt;label&gt;</a:t>
+            </a:r>
+            <a:endParaRPr lang="pt-BR" sz="800" dirty="0">
+              <a:solidFill>
+                <a:srgbClr val="AF9CB2"/>
+              </a:solidFill>
+              <a:latin typeface="Segoe UI" panose="020B0502040204020203" pitchFamily="34" charset="0"/>
+              <a:ea typeface="Segoe UI" panose="020B0502040204020203" pitchFamily="34" charset="0"/>
+              <a:cs typeface="Segoe UI" panose="020B0502040204020203" pitchFamily="34" charset="0"/>
+            </a:endParaRPr>
+          </a:p>
+        </p:txBody>
+      </p:sp>
+      <p:sp>
+        <p:nvSpPr>
+          <p:cNvPr id="42" name="CaixaDeTexto 41"/>
+          <p:cNvSpPr txBox="1"/>
+          <p:nvPr/>
+        </p:nvSpPr>
+        <p:spPr>
+          <a:xfrm>
+            <a:off x="2351520" y="4815357"/>
+            <a:ext cx="957722" cy="246221"/>
+          </a:xfrm>
+          <a:prstGeom prst="rect">
+            <a:avLst/>
+          </a:prstGeom>
+          <a:noFill/>
+        </p:spPr>
+        <p:txBody>
+          <a:bodyPr wrap="square" rtlCol="0">
+            <a:spAutoFit/>
+          </a:bodyPr>
+          <a:lstStyle/>
+          <a:p>
+            <a:r>
+              <a:rPr lang="pt-BR" sz="1000" dirty="0" smtClean="0">
+                <a:solidFill>
+                  <a:srgbClr val="AF9CB2"/>
+                </a:solidFill>
+                <a:latin typeface="Segoe UI" panose="020B0502040204020203" pitchFamily="34" charset="0"/>
+                <a:ea typeface="Segoe UI" panose="020B0502040204020203" pitchFamily="34" charset="0"/>
+                <a:cs typeface="Segoe UI" panose="020B0502040204020203" pitchFamily="34" charset="0"/>
+              </a:rPr>
+              <a:t>&lt;label&gt;</a:t>
+            </a:r>
+            <a:endParaRPr lang="pt-BR" sz="800" dirty="0">
+              <a:solidFill>
+                <a:srgbClr val="AF9CB2"/>
+              </a:solidFill>
+              <a:latin typeface="Segoe UI" panose="020B0502040204020203" pitchFamily="34" charset="0"/>
+              <a:ea typeface="Segoe UI" panose="020B0502040204020203" pitchFamily="34" charset="0"/>
+              <a:cs typeface="Segoe UI" panose="020B0502040204020203" pitchFamily="34" charset="0"/>
+            </a:endParaRPr>
+          </a:p>
+        </p:txBody>
+      </p:sp>
+      <p:sp>
+        <p:nvSpPr>
+          <p:cNvPr id="43" name="CaixaDeTexto 42"/>
+          <p:cNvSpPr txBox="1"/>
+          <p:nvPr/>
+        </p:nvSpPr>
+        <p:spPr>
+          <a:xfrm>
+            <a:off x="2350054" y="5078162"/>
+            <a:ext cx="957722" cy="246221"/>
+          </a:xfrm>
+          <a:prstGeom prst="rect">
+            <a:avLst/>
+          </a:prstGeom>
+          <a:noFill/>
+        </p:spPr>
+        <p:txBody>
+          <a:bodyPr wrap="square" rtlCol="0">
+            <a:spAutoFit/>
+          </a:bodyPr>
+          <a:lstStyle/>
+          <a:p>
+            <a:r>
+              <a:rPr lang="pt-BR" sz="1000" dirty="0" smtClean="0">
+                <a:solidFill>
+                  <a:srgbClr val="AF9CB2"/>
+                </a:solidFill>
+                <a:latin typeface="Segoe UI" panose="020B0502040204020203" pitchFamily="34" charset="0"/>
+                <a:ea typeface="Segoe UI" panose="020B0502040204020203" pitchFamily="34" charset="0"/>
+                <a:cs typeface="Segoe UI" panose="020B0502040204020203" pitchFamily="34" charset="0"/>
+              </a:rPr>
+              <a:t>&lt;label&gt;</a:t>
+            </a:r>
+            <a:endParaRPr lang="pt-BR" sz="800" dirty="0">
+              <a:solidFill>
+                <a:srgbClr val="AF9CB2"/>
+              </a:solidFill>
+              <a:latin typeface="Segoe UI" panose="020B0502040204020203" pitchFamily="34" charset="0"/>
+              <a:ea typeface="Segoe UI" panose="020B0502040204020203" pitchFamily="34" charset="0"/>
+              <a:cs typeface="Segoe UI" panose="020B0502040204020203" pitchFamily="34" charset="0"/>
+            </a:endParaRPr>
+          </a:p>
+        </p:txBody>
+      </p:sp>
+      <p:sp>
+        <p:nvSpPr>
+          <p:cNvPr id="44" name="CaixaDeTexto 43"/>
+          <p:cNvSpPr txBox="1"/>
+          <p:nvPr/>
+        </p:nvSpPr>
+        <p:spPr>
+          <a:xfrm>
+            <a:off x="2348588" y="5340967"/>
+            <a:ext cx="957722" cy="246221"/>
+          </a:xfrm>
+          <a:prstGeom prst="rect">
+            <a:avLst/>
+          </a:prstGeom>
+          <a:noFill/>
+        </p:spPr>
+        <p:txBody>
+          <a:bodyPr wrap="square" rtlCol="0">
+            <a:spAutoFit/>
+          </a:bodyPr>
+          <a:lstStyle/>
+          <a:p>
+            <a:r>
+              <a:rPr lang="pt-BR" sz="1000" dirty="0" smtClean="0">
+                <a:solidFill>
+                  <a:srgbClr val="AF9CB2"/>
+                </a:solidFill>
+                <a:latin typeface="Segoe UI" panose="020B0502040204020203" pitchFamily="34" charset="0"/>
+                <a:ea typeface="Segoe UI" panose="020B0502040204020203" pitchFamily="34" charset="0"/>
+                <a:cs typeface="Segoe UI" panose="020B0502040204020203" pitchFamily="34" charset="0"/>
+              </a:rPr>
+              <a:t>&lt;label&gt;</a:t>
+            </a:r>
+            <a:endParaRPr lang="pt-BR" sz="800" dirty="0">
+              <a:solidFill>
+                <a:srgbClr val="AF9CB2"/>
+              </a:solidFill>
+              <a:latin typeface="Segoe UI" panose="020B0502040204020203" pitchFamily="34" charset="0"/>
+              <a:ea typeface="Segoe UI" panose="020B0502040204020203" pitchFamily="34" charset="0"/>
+              <a:cs typeface="Segoe UI" panose="020B0502040204020203" pitchFamily="34" charset="0"/>
+            </a:endParaRPr>
+          </a:p>
+        </p:txBody>
+      </p:sp>
+      <p:sp>
+        <p:nvSpPr>
+          <p:cNvPr id="45" name="CaixaDeTexto 44"/>
+          <p:cNvSpPr txBox="1"/>
+          <p:nvPr/>
+        </p:nvSpPr>
+        <p:spPr>
+          <a:xfrm>
+            <a:off x="3658059" y="2437130"/>
+            <a:ext cx="650871" cy="954107"/>
+          </a:xfrm>
+          <a:prstGeom prst="rect">
+            <a:avLst/>
+          </a:prstGeom>
+          <a:noFill/>
+        </p:spPr>
+        <p:txBody>
+          <a:bodyPr wrap="square" rtlCol="0">
+            <a:spAutoFit/>
+          </a:bodyPr>
+          <a:lstStyle/>
+          <a:p>
+            <a:pPr algn="ctr"/>
+            <a:r>
+              <a:rPr lang="pt-BR" sz="1000" dirty="0" smtClean="0">
+                <a:solidFill>
+                  <a:srgbClr val="AF9CB2"/>
+                </a:solidFill>
+                <a:latin typeface="Segoe UI" panose="020B0502040204020203" pitchFamily="34" charset="0"/>
+                <a:ea typeface="Segoe UI" panose="020B0502040204020203" pitchFamily="34" charset="0"/>
+                <a:cs typeface="Segoe UI" panose="020B0502040204020203" pitchFamily="34" charset="0"/>
+              </a:rPr>
+              <a:t>&lt;label&gt;</a:t>
+            </a:r>
+          </a:p>
+          <a:p>
+            <a:pPr algn="ctr"/>
+            <a:endParaRPr lang="pt-BR" sz="1000" dirty="0">
+              <a:solidFill>
+                <a:srgbClr val="AF9CB2"/>
+              </a:solidFill>
+              <a:latin typeface="Segoe UI" panose="020B0502040204020203" pitchFamily="34" charset="0"/>
+              <a:ea typeface="Segoe UI" panose="020B0502040204020203" pitchFamily="34" charset="0"/>
+              <a:cs typeface="Segoe UI" panose="020B0502040204020203" pitchFamily="34" charset="0"/>
+            </a:endParaRPr>
+          </a:p>
+          <a:p>
+            <a:pPr lvl="0" algn="ctr"/>
+            <a:r>
+              <a:rPr lang="pt-BR" sz="1000" dirty="0">
+                <a:solidFill>
+                  <a:srgbClr val="AF9CB2"/>
+                </a:solidFill>
+                <a:latin typeface="Segoe UI" panose="020B0502040204020203" pitchFamily="34" charset="0"/>
+                <a:ea typeface="Segoe UI" panose="020B0502040204020203" pitchFamily="34" charset="0"/>
+                <a:cs typeface="Segoe UI" panose="020B0502040204020203" pitchFamily="34" charset="0"/>
+              </a:rPr>
+              <a:t>&lt;label&gt;</a:t>
+            </a:r>
+            <a:endParaRPr lang="pt-BR" sz="800" dirty="0">
+              <a:solidFill>
+                <a:srgbClr val="AF9CB2"/>
+              </a:solidFill>
+              <a:latin typeface="Segoe UI" panose="020B0502040204020203" pitchFamily="34" charset="0"/>
+              <a:ea typeface="Segoe UI" panose="020B0502040204020203" pitchFamily="34" charset="0"/>
+              <a:cs typeface="Segoe UI" panose="020B0502040204020203" pitchFamily="34" charset="0"/>
+            </a:endParaRPr>
+          </a:p>
+          <a:p>
+            <a:pPr algn="ctr"/>
+            <a:endParaRPr lang="pt-BR" sz="800" dirty="0" smtClean="0">
+              <a:solidFill>
+                <a:srgbClr val="AF9CB2"/>
+              </a:solidFill>
+              <a:latin typeface="Segoe UI" panose="020B0502040204020203" pitchFamily="34" charset="0"/>
+              <a:ea typeface="Segoe UI" panose="020B0502040204020203" pitchFamily="34" charset="0"/>
+              <a:cs typeface="Segoe UI" panose="020B0502040204020203" pitchFamily="34" charset="0"/>
+            </a:endParaRPr>
+          </a:p>
+          <a:p>
+            <a:pPr algn="ctr"/>
+            <a:endParaRPr lang="pt-BR" sz="800" dirty="0" smtClean="0">
+              <a:solidFill>
+                <a:srgbClr val="AF9CB2"/>
+              </a:solidFill>
+              <a:latin typeface="Segoe UI" panose="020B0502040204020203" pitchFamily="34" charset="0"/>
+              <a:ea typeface="Segoe UI" panose="020B0502040204020203" pitchFamily="34" charset="0"/>
+              <a:cs typeface="Segoe UI" panose="020B0502040204020203" pitchFamily="34" charset="0"/>
+            </a:endParaRPr>
+          </a:p>
+          <a:p>
+            <a:pPr lvl="0" algn="ctr"/>
+            <a:r>
+              <a:rPr lang="pt-BR" sz="1000" dirty="0">
+                <a:solidFill>
+                  <a:srgbClr val="AF9CB2"/>
+                </a:solidFill>
+                <a:latin typeface="Segoe UI" panose="020B0502040204020203" pitchFamily="34" charset="0"/>
+                <a:ea typeface="Segoe UI" panose="020B0502040204020203" pitchFamily="34" charset="0"/>
+                <a:cs typeface="Segoe UI" panose="020B0502040204020203" pitchFamily="34" charset="0"/>
+              </a:rPr>
+              <a:t>&lt;label</a:t>
+            </a:r>
+            <a:r>
+              <a:rPr lang="pt-BR" sz="1000" dirty="0" smtClean="0">
+                <a:solidFill>
+                  <a:srgbClr val="AF9CB2"/>
+                </a:solidFill>
+                <a:latin typeface="Segoe UI" panose="020B0502040204020203" pitchFamily="34" charset="0"/>
+                <a:ea typeface="Segoe UI" panose="020B0502040204020203" pitchFamily="34" charset="0"/>
+                <a:cs typeface="Segoe UI" panose="020B0502040204020203" pitchFamily="34" charset="0"/>
+              </a:rPr>
+              <a:t>&gt;</a:t>
+            </a:r>
+            <a:endParaRPr lang="pt-BR" sz="800" dirty="0">
+              <a:solidFill>
+                <a:srgbClr val="AF9CB2"/>
+              </a:solidFill>
+              <a:latin typeface="Segoe UI" panose="020B0502040204020203" pitchFamily="34" charset="0"/>
+              <a:ea typeface="Segoe UI" panose="020B0502040204020203" pitchFamily="34" charset="0"/>
+              <a:cs typeface="Segoe UI" panose="020B0502040204020203" pitchFamily="34" charset="0"/>
+            </a:endParaRPr>
+          </a:p>
+        </p:txBody>
+      </p:sp>
+      <p:sp>
+        <p:nvSpPr>
+          <p:cNvPr id="47" name="CaixaDeTexto 46"/>
+          <p:cNvSpPr txBox="1"/>
+          <p:nvPr/>
+        </p:nvSpPr>
+        <p:spPr>
+          <a:xfrm>
+            <a:off x="3658059" y="4211655"/>
+            <a:ext cx="650871" cy="954107"/>
+          </a:xfrm>
+          <a:prstGeom prst="rect">
+            <a:avLst/>
+          </a:prstGeom>
+          <a:noFill/>
+        </p:spPr>
+        <p:txBody>
+          <a:bodyPr wrap="square" rtlCol="0">
+            <a:spAutoFit/>
+          </a:bodyPr>
+          <a:lstStyle/>
+          <a:p>
+            <a:pPr algn="ctr"/>
+            <a:r>
+              <a:rPr lang="pt-BR" sz="1000" dirty="0" smtClean="0">
+                <a:solidFill>
+                  <a:srgbClr val="AF9CB2"/>
+                </a:solidFill>
+                <a:latin typeface="Segoe UI" panose="020B0502040204020203" pitchFamily="34" charset="0"/>
+                <a:ea typeface="Segoe UI" panose="020B0502040204020203" pitchFamily="34" charset="0"/>
+                <a:cs typeface="Segoe UI" panose="020B0502040204020203" pitchFamily="34" charset="0"/>
+              </a:rPr>
+              <a:t>&lt;label&gt;</a:t>
+            </a:r>
+          </a:p>
+          <a:p>
+            <a:pPr algn="ctr"/>
+            <a:endParaRPr lang="pt-BR" sz="1000" dirty="0">
+              <a:solidFill>
+                <a:srgbClr val="AF9CB2"/>
+              </a:solidFill>
+              <a:latin typeface="Segoe UI" panose="020B0502040204020203" pitchFamily="34" charset="0"/>
+              <a:ea typeface="Segoe UI" panose="020B0502040204020203" pitchFamily="34" charset="0"/>
+              <a:cs typeface="Segoe UI" panose="020B0502040204020203" pitchFamily="34" charset="0"/>
+            </a:endParaRPr>
+          </a:p>
+          <a:p>
+            <a:pPr lvl="0" algn="ctr"/>
+            <a:r>
+              <a:rPr lang="pt-BR" sz="1000" dirty="0">
+                <a:solidFill>
+                  <a:srgbClr val="AF9CB2"/>
+                </a:solidFill>
+                <a:latin typeface="Segoe UI" panose="020B0502040204020203" pitchFamily="34" charset="0"/>
+                <a:ea typeface="Segoe UI" panose="020B0502040204020203" pitchFamily="34" charset="0"/>
+                <a:cs typeface="Segoe UI" panose="020B0502040204020203" pitchFamily="34" charset="0"/>
+              </a:rPr>
+              <a:t>&lt;label&gt;</a:t>
+            </a:r>
+            <a:endParaRPr lang="pt-BR" sz="800" dirty="0">
+              <a:solidFill>
+                <a:srgbClr val="AF9CB2"/>
+              </a:solidFill>
+              <a:latin typeface="Segoe UI" panose="020B0502040204020203" pitchFamily="34" charset="0"/>
+              <a:ea typeface="Segoe UI" panose="020B0502040204020203" pitchFamily="34" charset="0"/>
+              <a:cs typeface="Segoe UI" panose="020B0502040204020203" pitchFamily="34" charset="0"/>
+            </a:endParaRPr>
+          </a:p>
+          <a:p>
+            <a:pPr algn="ctr"/>
+            <a:endParaRPr lang="pt-BR" sz="800" dirty="0" smtClean="0">
+              <a:solidFill>
+                <a:srgbClr val="AF9CB2"/>
+              </a:solidFill>
+              <a:latin typeface="Segoe UI" panose="020B0502040204020203" pitchFamily="34" charset="0"/>
+              <a:ea typeface="Segoe UI" panose="020B0502040204020203" pitchFamily="34" charset="0"/>
+              <a:cs typeface="Segoe UI" panose="020B0502040204020203" pitchFamily="34" charset="0"/>
+            </a:endParaRPr>
+          </a:p>
+          <a:p>
+            <a:pPr algn="ctr"/>
+            <a:endParaRPr lang="pt-BR" sz="800" dirty="0" smtClean="0">
+              <a:solidFill>
+                <a:srgbClr val="AF9CB2"/>
+              </a:solidFill>
+              <a:latin typeface="Segoe UI" panose="020B0502040204020203" pitchFamily="34" charset="0"/>
+              <a:ea typeface="Segoe UI" panose="020B0502040204020203" pitchFamily="34" charset="0"/>
+              <a:cs typeface="Segoe UI" panose="020B0502040204020203" pitchFamily="34" charset="0"/>
+            </a:endParaRPr>
+          </a:p>
+          <a:p>
+            <a:pPr lvl="0" algn="ctr"/>
+            <a:r>
+              <a:rPr lang="pt-BR" sz="1000" dirty="0">
+                <a:solidFill>
+                  <a:srgbClr val="AF9CB2"/>
+                </a:solidFill>
+                <a:latin typeface="Segoe UI" panose="020B0502040204020203" pitchFamily="34" charset="0"/>
+                <a:ea typeface="Segoe UI" panose="020B0502040204020203" pitchFamily="34" charset="0"/>
+                <a:cs typeface="Segoe UI" panose="020B0502040204020203" pitchFamily="34" charset="0"/>
+              </a:rPr>
+              <a:t>&lt;label</a:t>
+            </a:r>
+            <a:r>
+              <a:rPr lang="pt-BR" sz="1000" dirty="0" smtClean="0">
+                <a:solidFill>
+                  <a:srgbClr val="AF9CB2"/>
+                </a:solidFill>
+                <a:latin typeface="Segoe UI" panose="020B0502040204020203" pitchFamily="34" charset="0"/>
+                <a:ea typeface="Segoe UI" panose="020B0502040204020203" pitchFamily="34" charset="0"/>
+                <a:cs typeface="Segoe UI" panose="020B0502040204020203" pitchFamily="34" charset="0"/>
+              </a:rPr>
+              <a:t>&gt;</a:t>
+            </a:r>
+            <a:endParaRPr lang="pt-BR" sz="800" dirty="0">
+              <a:solidFill>
+                <a:srgbClr val="AF9CB2"/>
+              </a:solidFill>
+              <a:latin typeface="Segoe UI" panose="020B0502040204020203" pitchFamily="34" charset="0"/>
+              <a:ea typeface="Segoe UI" panose="020B0502040204020203" pitchFamily="34" charset="0"/>
+              <a:cs typeface="Segoe UI" panose="020B0502040204020203" pitchFamily="34" charset="0"/>
+            </a:endParaRPr>
+          </a:p>
+        </p:txBody>
+      </p:sp>
+      <p:sp>
+        <p:nvSpPr>
+          <p:cNvPr id="48" name="CaixaDeTexto 47"/>
+          <p:cNvSpPr txBox="1"/>
+          <p:nvPr/>
+        </p:nvSpPr>
+        <p:spPr>
+          <a:xfrm>
+            <a:off x="4362454" y="1922512"/>
+            <a:ext cx="2609845" cy="4832092"/>
+          </a:xfrm>
+          <a:prstGeom prst="rect">
+            <a:avLst/>
+          </a:prstGeom>
+          <a:noFill/>
+        </p:spPr>
+        <p:txBody>
+          <a:bodyPr wrap="square" rtlCol="0">
+            <a:spAutoFit/>
+          </a:bodyPr>
+          <a:lstStyle/>
+          <a:p>
+            <a:r>
+              <a:rPr lang="pt-BR" sz="800" b="1" dirty="0" smtClean="0">
+                <a:solidFill>
+                  <a:srgbClr val="8F7593"/>
+                </a:solidFill>
+                <a:latin typeface="Segoe UI" panose="020B0502040204020203" pitchFamily="34" charset="0"/>
+                <a:ea typeface="Segoe UI" panose="020B0502040204020203" pitchFamily="34" charset="0"/>
+                <a:cs typeface="Segoe UI" panose="020B0502040204020203" pitchFamily="34" charset="0"/>
+              </a:rPr>
+              <a:t>&lt;h5&gt; Title &lt;/h5&gt;</a:t>
+            </a:r>
+          </a:p>
+          <a:p>
+            <a:endParaRPr lang="pt-BR" sz="800" b="1" dirty="0" smtClean="0">
+              <a:solidFill>
+                <a:srgbClr val="8F7593"/>
+              </a:solidFill>
+              <a:latin typeface="Segoe UI" panose="020B0502040204020203" pitchFamily="34" charset="0"/>
+              <a:ea typeface="Segoe UI" panose="020B0502040204020203" pitchFamily="34" charset="0"/>
+              <a:cs typeface="Segoe UI" panose="020B0502040204020203" pitchFamily="34" charset="0"/>
+            </a:endParaRPr>
+          </a:p>
+          <a:p>
+            <a:r>
+              <a:rPr lang="pt-BR" sz="800" b="1" dirty="0" smtClean="0">
+                <a:solidFill>
+                  <a:srgbClr val="8F7593"/>
+                </a:solidFill>
+                <a:latin typeface="Segoe UI" panose="020B0502040204020203" pitchFamily="34" charset="0"/>
+                <a:ea typeface="Segoe UI" panose="020B0502040204020203" pitchFamily="34" charset="0"/>
+                <a:cs typeface="Segoe UI" panose="020B0502040204020203" pitchFamily="34" charset="0"/>
+              </a:rPr>
+              <a:t>&lt;h5&gt;Title&lt;h5&gt;</a:t>
+            </a:r>
+          </a:p>
+          <a:p>
+            <a:r>
+              <a:rPr lang="pt-BR" sz="800" b="1" dirty="0" smtClean="0">
+                <a:solidFill>
+                  <a:srgbClr val="8F7593"/>
+                </a:solidFill>
+                <a:latin typeface="Segoe UI" panose="020B0502040204020203" pitchFamily="34" charset="0"/>
+                <a:ea typeface="Segoe UI" panose="020B0502040204020203" pitchFamily="34" charset="0"/>
+                <a:cs typeface="Segoe UI" panose="020B0502040204020203" pitchFamily="34" charset="0"/>
+              </a:rPr>
+              <a:t>&lt;h5&gt;Title&lt;h5&gt;</a:t>
+            </a:r>
+            <a:endParaRPr lang="pt-BR" sz="800" b="1" dirty="0">
+              <a:solidFill>
+                <a:srgbClr val="8F7593"/>
+              </a:solidFill>
+              <a:latin typeface="Segoe UI" panose="020B0502040204020203" pitchFamily="34" charset="0"/>
+              <a:ea typeface="Segoe UI" panose="020B0502040204020203" pitchFamily="34" charset="0"/>
+              <a:cs typeface="Segoe UI" panose="020B0502040204020203" pitchFamily="34" charset="0"/>
+            </a:endParaRPr>
+          </a:p>
+          <a:p>
+            <a:r>
+              <a:rPr lang="pt-BR" sz="800" dirty="0" smtClean="0">
+                <a:solidFill>
+                  <a:srgbClr val="AF9CB2"/>
+                </a:solidFill>
+                <a:latin typeface="Segoe UI" panose="020B0502040204020203" pitchFamily="34" charset="0"/>
+                <a:ea typeface="Segoe UI" panose="020B0502040204020203" pitchFamily="34" charset="0"/>
+                <a:cs typeface="Segoe UI" panose="020B0502040204020203" pitchFamily="34" charset="0"/>
+              </a:rPr>
+              <a:t>&lt;p&gt;Lorem </a:t>
+            </a:r>
+            <a:r>
+              <a:rPr lang="pt-BR" sz="800" dirty="0">
+                <a:solidFill>
+                  <a:srgbClr val="AF9CB2"/>
+                </a:solidFill>
+                <a:latin typeface="Segoe UI" panose="020B0502040204020203" pitchFamily="34" charset="0"/>
+                <a:ea typeface="Segoe UI" panose="020B0502040204020203" pitchFamily="34" charset="0"/>
+                <a:cs typeface="Segoe UI" panose="020B0502040204020203" pitchFamily="34" charset="0"/>
+              </a:rPr>
+              <a:t>ipsum dolor sit amet, consectetur adipisicing elit, </a:t>
+            </a:r>
+            <a:r>
+              <a:rPr lang="pt-BR" sz="800" dirty="0" smtClean="0">
+                <a:solidFill>
+                  <a:srgbClr val="AF9CB2"/>
+                </a:solidFill>
+                <a:latin typeface="Segoe UI" panose="020B0502040204020203" pitchFamily="34" charset="0"/>
+                <a:ea typeface="Segoe UI" panose="020B0502040204020203" pitchFamily="34" charset="0"/>
+                <a:cs typeface="Segoe UI" panose="020B0502040204020203" pitchFamily="34" charset="0"/>
+              </a:rPr>
+              <a:t>do...&lt;/p&gt;</a:t>
+            </a:r>
+          </a:p>
+          <a:p>
+            <a:endParaRPr lang="pt-BR" sz="800" dirty="0">
+              <a:solidFill>
+                <a:srgbClr val="AF9CB2"/>
+              </a:solidFill>
+              <a:latin typeface="Segoe UI" panose="020B0502040204020203" pitchFamily="34" charset="0"/>
+              <a:ea typeface="Segoe UI" panose="020B0502040204020203" pitchFamily="34" charset="0"/>
+              <a:cs typeface="Segoe UI" panose="020B0502040204020203" pitchFamily="34" charset="0"/>
+            </a:endParaRPr>
+          </a:p>
+          <a:p>
+            <a:r>
+              <a:rPr lang="pt-BR" sz="800" b="1" dirty="0">
+                <a:solidFill>
+                  <a:srgbClr val="8F7593"/>
+                </a:solidFill>
+                <a:latin typeface="Segoe UI" panose="020B0502040204020203" pitchFamily="34" charset="0"/>
+                <a:ea typeface="Segoe UI" panose="020B0502040204020203" pitchFamily="34" charset="0"/>
+                <a:cs typeface="Segoe UI" panose="020B0502040204020203" pitchFamily="34" charset="0"/>
+              </a:rPr>
+              <a:t>&lt;h5&gt;Title&lt;h5&gt;</a:t>
+            </a:r>
+          </a:p>
+          <a:p>
+            <a:r>
+              <a:rPr lang="pt-BR" sz="800" b="1" dirty="0">
+                <a:solidFill>
+                  <a:srgbClr val="8F7593"/>
+                </a:solidFill>
+                <a:latin typeface="Segoe UI" panose="020B0502040204020203" pitchFamily="34" charset="0"/>
+                <a:ea typeface="Segoe UI" panose="020B0502040204020203" pitchFamily="34" charset="0"/>
+                <a:cs typeface="Segoe UI" panose="020B0502040204020203" pitchFamily="34" charset="0"/>
+              </a:rPr>
+              <a:t>&lt;h5&gt;Title&lt;h5&gt;</a:t>
+            </a:r>
+          </a:p>
+          <a:p>
+            <a:r>
+              <a:rPr lang="pt-BR" sz="800" dirty="0">
+                <a:solidFill>
+                  <a:srgbClr val="AF9CB2"/>
+                </a:solidFill>
+                <a:latin typeface="Segoe UI" panose="020B0502040204020203" pitchFamily="34" charset="0"/>
+                <a:ea typeface="Segoe UI" panose="020B0502040204020203" pitchFamily="34" charset="0"/>
+                <a:cs typeface="Segoe UI" panose="020B0502040204020203" pitchFamily="34" charset="0"/>
+              </a:rPr>
+              <a:t>&lt;p&gt;Lorem ipsum dolor sit amet, consectetur adipisicing elit, do...&lt;/p&gt;</a:t>
+            </a:r>
+          </a:p>
+          <a:p>
+            <a:endParaRPr lang="pt-BR" sz="800" dirty="0" smtClean="0">
+              <a:solidFill>
+                <a:srgbClr val="AF9CB2"/>
+              </a:solidFill>
+              <a:latin typeface="Segoe UI" panose="020B0502040204020203" pitchFamily="34" charset="0"/>
+              <a:ea typeface="Segoe UI" panose="020B0502040204020203" pitchFamily="34" charset="0"/>
+              <a:cs typeface="Segoe UI" panose="020B0502040204020203" pitchFamily="34" charset="0"/>
+            </a:endParaRPr>
+          </a:p>
+          <a:p>
+            <a:r>
+              <a:rPr lang="pt-BR" sz="800" b="1" dirty="0">
+                <a:solidFill>
+                  <a:srgbClr val="AF9CB2"/>
+                </a:solidFill>
+                <a:latin typeface="Segoe UI" panose="020B0502040204020203" pitchFamily="34" charset="0"/>
+                <a:ea typeface="Segoe UI" panose="020B0502040204020203" pitchFamily="34" charset="0"/>
+                <a:cs typeface="Segoe UI" panose="020B0502040204020203" pitchFamily="34" charset="0"/>
+              </a:rPr>
+              <a:t>&lt;h5&gt;Title&lt;h5&gt;</a:t>
+            </a:r>
+          </a:p>
+          <a:p>
+            <a:r>
+              <a:rPr lang="pt-BR" sz="800" b="1" dirty="0">
+                <a:solidFill>
+                  <a:srgbClr val="AF9CB2"/>
+                </a:solidFill>
+                <a:latin typeface="Segoe UI" panose="020B0502040204020203" pitchFamily="34" charset="0"/>
+                <a:ea typeface="Segoe UI" panose="020B0502040204020203" pitchFamily="34" charset="0"/>
+                <a:cs typeface="Segoe UI" panose="020B0502040204020203" pitchFamily="34" charset="0"/>
+              </a:rPr>
+              <a:t>&lt;h5&gt;Title&lt;h5&gt;</a:t>
+            </a:r>
+          </a:p>
+          <a:p>
+            <a:r>
+              <a:rPr lang="pt-BR" sz="800" dirty="0">
+                <a:solidFill>
+                  <a:srgbClr val="AF9CB2"/>
+                </a:solidFill>
+                <a:latin typeface="Segoe UI" panose="020B0502040204020203" pitchFamily="34" charset="0"/>
+                <a:ea typeface="Segoe UI" panose="020B0502040204020203" pitchFamily="34" charset="0"/>
+                <a:cs typeface="Segoe UI" panose="020B0502040204020203" pitchFamily="34" charset="0"/>
+              </a:rPr>
+              <a:t>&lt;p&gt;Lorem ipsum dolor sit amet, consectetur adipisicing elit, do...&lt;/p&gt;</a:t>
+            </a:r>
+          </a:p>
+          <a:p>
+            <a:endParaRPr lang="pt-BR" sz="1000" dirty="0" smtClean="0">
+              <a:solidFill>
+                <a:srgbClr val="AF9CB2"/>
+              </a:solidFill>
+              <a:latin typeface="Segoe UI" panose="020B0502040204020203" pitchFamily="34" charset="0"/>
+              <a:ea typeface="Segoe UI" panose="020B0502040204020203" pitchFamily="34" charset="0"/>
+              <a:cs typeface="Segoe UI" panose="020B0502040204020203" pitchFamily="34" charset="0"/>
+            </a:endParaRPr>
+          </a:p>
+          <a:p>
+            <a:endParaRPr lang="pt-BR" sz="1000" dirty="0">
+              <a:solidFill>
+                <a:srgbClr val="AF9CB2"/>
+              </a:solidFill>
+              <a:latin typeface="Segoe UI" panose="020B0502040204020203" pitchFamily="34" charset="0"/>
+              <a:ea typeface="Segoe UI" panose="020B0502040204020203" pitchFamily="34" charset="0"/>
+              <a:cs typeface="Segoe UI" panose="020B0502040204020203" pitchFamily="34" charset="0"/>
+            </a:endParaRPr>
+          </a:p>
+          <a:p>
+            <a:pPr lvl="0"/>
+            <a:r>
+              <a:rPr lang="pt-BR" sz="800" b="1" dirty="0">
+                <a:solidFill>
+                  <a:srgbClr val="8F7593"/>
+                </a:solidFill>
+                <a:latin typeface="Segoe UI" panose="020B0502040204020203" pitchFamily="34" charset="0"/>
+                <a:ea typeface="Segoe UI" panose="020B0502040204020203" pitchFamily="34" charset="0"/>
+                <a:cs typeface="Segoe UI" panose="020B0502040204020203" pitchFamily="34" charset="0"/>
+              </a:rPr>
+              <a:t>&lt;h5&gt; Title &lt;/h5&gt;</a:t>
+            </a:r>
+          </a:p>
+          <a:p>
+            <a:pPr lvl="0"/>
+            <a:endParaRPr lang="pt-BR" sz="800" b="1" dirty="0">
+              <a:solidFill>
+                <a:srgbClr val="8F7593"/>
+              </a:solidFill>
+              <a:latin typeface="Segoe UI" panose="020B0502040204020203" pitchFamily="34" charset="0"/>
+              <a:ea typeface="Segoe UI" panose="020B0502040204020203" pitchFamily="34" charset="0"/>
+              <a:cs typeface="Segoe UI" panose="020B0502040204020203" pitchFamily="34" charset="0"/>
+            </a:endParaRPr>
+          </a:p>
+          <a:p>
+            <a:pPr lvl="0"/>
+            <a:r>
+              <a:rPr lang="pt-BR" sz="800" b="1" dirty="0">
+                <a:solidFill>
+                  <a:srgbClr val="8F7593"/>
+                </a:solidFill>
+                <a:latin typeface="Segoe UI" panose="020B0502040204020203" pitchFamily="34" charset="0"/>
+                <a:ea typeface="Segoe UI" panose="020B0502040204020203" pitchFamily="34" charset="0"/>
+                <a:cs typeface="Segoe UI" panose="020B0502040204020203" pitchFamily="34" charset="0"/>
+              </a:rPr>
+              <a:t>&lt;h5&gt;Title&lt;h5&gt;</a:t>
+            </a:r>
+          </a:p>
+          <a:p>
+            <a:pPr lvl="0"/>
+            <a:r>
+              <a:rPr lang="pt-BR" sz="800" b="1" dirty="0">
+                <a:solidFill>
+                  <a:srgbClr val="8F7593"/>
+                </a:solidFill>
+                <a:latin typeface="Segoe UI" panose="020B0502040204020203" pitchFamily="34" charset="0"/>
+                <a:ea typeface="Segoe UI" panose="020B0502040204020203" pitchFamily="34" charset="0"/>
+                <a:cs typeface="Segoe UI" panose="020B0502040204020203" pitchFamily="34" charset="0"/>
+              </a:rPr>
+              <a:t>&lt;h5&gt;Title&lt;h5&gt;</a:t>
+            </a:r>
+          </a:p>
+          <a:p>
+            <a:pPr lvl="0"/>
+            <a:r>
+              <a:rPr lang="pt-BR" sz="800" dirty="0">
+                <a:solidFill>
+                  <a:srgbClr val="AF9CB2"/>
+                </a:solidFill>
+                <a:latin typeface="Segoe UI" panose="020B0502040204020203" pitchFamily="34" charset="0"/>
+                <a:ea typeface="Segoe UI" panose="020B0502040204020203" pitchFamily="34" charset="0"/>
+                <a:cs typeface="Segoe UI" panose="020B0502040204020203" pitchFamily="34" charset="0"/>
+              </a:rPr>
+              <a:t>&lt;p&gt;Lorem ipsum dolor sit amet, consectetur adipisicing elit, do...&lt;/p&gt;</a:t>
+            </a:r>
+          </a:p>
+          <a:p>
+            <a:pPr lvl="0"/>
+            <a:endParaRPr lang="pt-BR" sz="800" dirty="0">
+              <a:solidFill>
+                <a:srgbClr val="AF9CB2"/>
+              </a:solidFill>
+              <a:latin typeface="Segoe UI" panose="020B0502040204020203" pitchFamily="34" charset="0"/>
+              <a:ea typeface="Segoe UI" panose="020B0502040204020203" pitchFamily="34" charset="0"/>
+              <a:cs typeface="Segoe UI" panose="020B0502040204020203" pitchFamily="34" charset="0"/>
+            </a:endParaRPr>
+          </a:p>
+          <a:p>
+            <a:pPr lvl="0"/>
+            <a:r>
+              <a:rPr lang="pt-BR" sz="800" b="1" dirty="0">
+                <a:solidFill>
+                  <a:srgbClr val="AF9CB2"/>
+                </a:solidFill>
+                <a:latin typeface="Segoe UI" panose="020B0502040204020203" pitchFamily="34" charset="0"/>
+                <a:ea typeface="Segoe UI" panose="020B0502040204020203" pitchFamily="34" charset="0"/>
+                <a:cs typeface="Segoe UI" panose="020B0502040204020203" pitchFamily="34" charset="0"/>
+              </a:rPr>
+              <a:t>&lt;h5&gt;Title&lt;h5&gt;</a:t>
+            </a:r>
+          </a:p>
+          <a:p>
+            <a:pPr lvl="0"/>
+            <a:r>
+              <a:rPr lang="pt-BR" sz="800" b="1" dirty="0">
+                <a:solidFill>
+                  <a:srgbClr val="AF9CB2"/>
+                </a:solidFill>
+                <a:latin typeface="Segoe UI" panose="020B0502040204020203" pitchFamily="34" charset="0"/>
+                <a:ea typeface="Segoe UI" panose="020B0502040204020203" pitchFamily="34" charset="0"/>
+                <a:cs typeface="Segoe UI" panose="020B0502040204020203" pitchFamily="34" charset="0"/>
+              </a:rPr>
+              <a:t>&lt;h5&gt;Title&lt;h5&gt;</a:t>
+            </a:r>
+          </a:p>
+          <a:p>
+            <a:pPr lvl="0"/>
+            <a:r>
+              <a:rPr lang="pt-BR" sz="800" dirty="0">
+                <a:solidFill>
+                  <a:srgbClr val="AF9CB2"/>
+                </a:solidFill>
+                <a:latin typeface="Segoe UI" panose="020B0502040204020203" pitchFamily="34" charset="0"/>
+                <a:ea typeface="Segoe UI" panose="020B0502040204020203" pitchFamily="34" charset="0"/>
+                <a:cs typeface="Segoe UI" panose="020B0502040204020203" pitchFamily="34" charset="0"/>
+              </a:rPr>
+              <a:t>&lt;p&gt;Lorem ipsum dolor sit amet, consectetur adipisicing elit, do...&lt;/p&gt;</a:t>
+            </a:r>
+          </a:p>
+          <a:p>
+            <a:pPr lvl="0"/>
+            <a:endParaRPr lang="pt-BR" sz="800" dirty="0">
+              <a:solidFill>
+                <a:srgbClr val="AF9CB2"/>
+              </a:solidFill>
+              <a:latin typeface="Segoe UI" panose="020B0502040204020203" pitchFamily="34" charset="0"/>
+              <a:ea typeface="Segoe UI" panose="020B0502040204020203" pitchFamily="34" charset="0"/>
+              <a:cs typeface="Segoe UI" panose="020B0502040204020203" pitchFamily="34" charset="0"/>
+            </a:endParaRPr>
+          </a:p>
+          <a:p>
+            <a:pPr lvl="0"/>
+            <a:r>
+              <a:rPr lang="pt-BR" sz="800" b="1" dirty="0">
+                <a:solidFill>
+                  <a:srgbClr val="AF9CB2"/>
+                </a:solidFill>
+                <a:latin typeface="Segoe UI" panose="020B0502040204020203" pitchFamily="34" charset="0"/>
+                <a:ea typeface="Segoe UI" panose="020B0502040204020203" pitchFamily="34" charset="0"/>
+                <a:cs typeface="Segoe UI" panose="020B0502040204020203" pitchFamily="34" charset="0"/>
+              </a:rPr>
+              <a:t>&lt;h5&gt;Title&lt;h5&gt;</a:t>
+            </a:r>
+          </a:p>
+          <a:p>
+            <a:pPr lvl="0"/>
+            <a:r>
+              <a:rPr lang="pt-BR" sz="800" b="1" dirty="0">
+                <a:solidFill>
+                  <a:srgbClr val="AF9CB2"/>
+                </a:solidFill>
+                <a:latin typeface="Segoe UI" panose="020B0502040204020203" pitchFamily="34" charset="0"/>
+                <a:ea typeface="Segoe UI" panose="020B0502040204020203" pitchFamily="34" charset="0"/>
+                <a:cs typeface="Segoe UI" panose="020B0502040204020203" pitchFamily="34" charset="0"/>
+              </a:rPr>
+              <a:t>&lt;h5&gt;Title&lt;h5&gt;</a:t>
+            </a:r>
+          </a:p>
+          <a:p>
+            <a:pPr lvl="0"/>
+            <a:r>
+              <a:rPr lang="pt-BR" sz="800" dirty="0">
+                <a:solidFill>
+                  <a:srgbClr val="AF9CB2"/>
+                </a:solidFill>
+                <a:latin typeface="Segoe UI" panose="020B0502040204020203" pitchFamily="34" charset="0"/>
+                <a:ea typeface="Segoe UI" panose="020B0502040204020203" pitchFamily="34" charset="0"/>
+                <a:cs typeface="Segoe UI" panose="020B0502040204020203" pitchFamily="34" charset="0"/>
+              </a:rPr>
+              <a:t>&lt;p&gt;Lorem ipsum dolor sit amet, consectetur adipisicing elit, do...&lt;/p</a:t>
+            </a:r>
+            <a:r>
+              <a:rPr lang="pt-BR" sz="800" dirty="0" smtClean="0">
+                <a:solidFill>
+                  <a:srgbClr val="AF9CB2"/>
+                </a:solidFill>
+                <a:latin typeface="Segoe UI" panose="020B0502040204020203" pitchFamily="34" charset="0"/>
+                <a:ea typeface="Segoe UI" panose="020B0502040204020203" pitchFamily="34" charset="0"/>
+                <a:cs typeface="Segoe UI" panose="020B0502040204020203" pitchFamily="34" charset="0"/>
+              </a:rPr>
+              <a:t>&gt;</a:t>
+            </a:r>
+          </a:p>
+          <a:p>
+            <a:pPr lvl="0"/>
+            <a:endParaRPr lang="pt-BR" sz="800" dirty="0">
+              <a:solidFill>
+                <a:srgbClr val="AF9CB2"/>
+              </a:solidFill>
+              <a:latin typeface="Segoe UI" panose="020B0502040204020203" pitchFamily="34" charset="0"/>
+              <a:ea typeface="Segoe UI" panose="020B0502040204020203" pitchFamily="34" charset="0"/>
+              <a:cs typeface="Segoe UI" panose="020B0502040204020203" pitchFamily="34" charset="0"/>
+            </a:endParaRPr>
+          </a:p>
+          <a:p>
+            <a:pPr lvl="0"/>
+            <a:endParaRPr lang="pt-BR" sz="800" dirty="0" smtClean="0">
+              <a:solidFill>
+                <a:srgbClr val="AF9CB2"/>
+              </a:solidFill>
+              <a:latin typeface="Segoe UI" panose="020B0502040204020203" pitchFamily="34" charset="0"/>
+              <a:ea typeface="Segoe UI" panose="020B0502040204020203" pitchFamily="34" charset="0"/>
+              <a:cs typeface="Segoe UI" panose="020B0502040204020203" pitchFamily="34" charset="0"/>
+            </a:endParaRPr>
+          </a:p>
+          <a:p>
+            <a:pPr lvl="0"/>
+            <a:endParaRPr lang="pt-BR" sz="800" dirty="0">
+              <a:solidFill>
+                <a:srgbClr val="AF9CB2"/>
+              </a:solidFill>
+              <a:latin typeface="Segoe UI" panose="020B0502040204020203" pitchFamily="34" charset="0"/>
+              <a:ea typeface="Segoe UI" panose="020B0502040204020203" pitchFamily="34" charset="0"/>
+              <a:cs typeface="Segoe UI" panose="020B0502040204020203" pitchFamily="34" charset="0"/>
+            </a:endParaRPr>
+          </a:p>
+          <a:p>
+            <a:r>
+              <a:rPr lang="pt-BR" sz="800" b="1" dirty="0">
+                <a:solidFill>
+                  <a:srgbClr val="8F7593"/>
+                </a:solidFill>
+                <a:latin typeface="Segoe UI" panose="020B0502040204020203" pitchFamily="34" charset="0"/>
+                <a:ea typeface="Segoe UI" panose="020B0502040204020203" pitchFamily="34" charset="0"/>
+                <a:cs typeface="Segoe UI" panose="020B0502040204020203" pitchFamily="34" charset="0"/>
+              </a:rPr>
+              <a:t>&lt;h5&gt; Title &lt;/h5</a:t>
+            </a:r>
+            <a:r>
+              <a:rPr lang="pt-BR" sz="800" b="1" dirty="0" smtClean="0">
+                <a:solidFill>
+                  <a:srgbClr val="8F7593"/>
+                </a:solidFill>
+                <a:latin typeface="Segoe UI" panose="020B0502040204020203" pitchFamily="34" charset="0"/>
+                <a:ea typeface="Segoe UI" panose="020B0502040204020203" pitchFamily="34" charset="0"/>
+                <a:cs typeface="Segoe UI" panose="020B0502040204020203" pitchFamily="34" charset="0"/>
+              </a:rPr>
+              <a:t>&gt;</a:t>
+            </a:r>
+            <a:endParaRPr lang="pt-BR" sz="800" dirty="0">
+              <a:solidFill>
+                <a:srgbClr val="8F7593"/>
+              </a:solidFill>
+              <a:latin typeface="Segoe UI" panose="020B0502040204020203" pitchFamily="34" charset="0"/>
+              <a:ea typeface="Segoe UI" panose="020B0502040204020203" pitchFamily="34" charset="0"/>
+              <a:cs typeface="Segoe UI" panose="020B0502040204020203" pitchFamily="34" charset="0"/>
+            </a:endParaRPr>
+          </a:p>
+        </p:txBody>
+      </p:sp>
+      <p:cxnSp>
+        <p:nvCxnSpPr>
+          <p:cNvPr id="49" name="Conector reto 48"/>
+          <p:cNvCxnSpPr/>
+          <p:nvPr/>
+        </p:nvCxnSpPr>
+        <p:spPr>
+          <a:xfrm>
+            <a:off x="4457700" y="4072463"/>
+            <a:ext cx="1888116" cy="0"/>
+          </a:xfrm>
+          <a:prstGeom prst="line">
+            <a:avLst/>
+          </a:prstGeom>
+          <a:ln/>
+        </p:spPr>
+        <p:style>
+          <a:lnRef idx="1">
+            <a:schemeClr val="dk1"/>
+          </a:lnRef>
+          <a:fillRef idx="0">
+            <a:schemeClr val="dk1"/>
+          </a:fillRef>
+          <a:effectRef idx="0">
+            <a:schemeClr val="dk1"/>
+          </a:effectRef>
+          <a:fontRef idx="minor">
+            <a:schemeClr val="tx1"/>
+          </a:fontRef>
+        </p:style>
+      </p:cxnSp>
+      <p:cxnSp>
+        <p:nvCxnSpPr>
+          <p:cNvPr id="51" name="Conector reto 50"/>
+          <p:cNvCxnSpPr/>
+          <p:nvPr/>
+        </p:nvCxnSpPr>
+        <p:spPr>
+          <a:xfrm>
+            <a:off x="4457700" y="6361013"/>
+            <a:ext cx="1790700" cy="0"/>
+          </a:xfrm>
+          <a:prstGeom prst="line">
+            <a:avLst/>
+          </a:prstGeom>
+          <a:ln/>
+        </p:spPr>
+        <p:style>
+          <a:lnRef idx="1">
+            <a:schemeClr val="dk1"/>
+          </a:lnRef>
+          <a:fillRef idx="0">
+            <a:schemeClr val="dk1"/>
+          </a:fillRef>
+          <a:effectRef idx="0">
+            <a:schemeClr val="dk1"/>
+          </a:effectRef>
+          <a:fontRef idx="minor">
+            <a:schemeClr val="tx1"/>
+          </a:fontRef>
+        </p:style>
+      </p:cxnSp>
+      <p:sp>
+        <p:nvSpPr>
+          <p:cNvPr id="53" name="Retângulo 52"/>
+          <p:cNvSpPr/>
+          <p:nvPr/>
+        </p:nvSpPr>
+        <p:spPr>
+          <a:xfrm>
+            <a:off x="2472866" y="6187519"/>
+            <a:ext cx="1172034" cy="461665"/>
+          </a:xfrm>
+          <a:prstGeom prst="rect">
+            <a:avLst/>
+          </a:prstGeom>
+        </p:spPr>
+        <p:txBody>
+          <a:bodyPr wrap="square">
+            <a:spAutoFit/>
+          </a:bodyPr>
+          <a:lstStyle/>
+          <a:p>
+            <a:pPr lvl="0"/>
+            <a:r>
+              <a:rPr lang="pt-BR" sz="800" dirty="0">
+                <a:solidFill>
+                  <a:srgbClr val="AF9CB2"/>
+                </a:solidFill>
+                <a:latin typeface="Segoe UI" panose="020B0502040204020203" pitchFamily="34" charset="0"/>
+                <a:ea typeface="Segoe UI" panose="020B0502040204020203" pitchFamily="34" charset="0"/>
+                <a:cs typeface="Segoe UI" panose="020B0502040204020203" pitchFamily="34" charset="0"/>
+              </a:rPr>
+              <a:t>&lt;label</a:t>
+            </a:r>
+            <a:r>
+              <a:rPr lang="pt-BR" sz="800" dirty="0" smtClean="0">
+                <a:solidFill>
+                  <a:srgbClr val="AF9CB2"/>
+                </a:solidFill>
+                <a:latin typeface="Segoe UI" panose="020B0502040204020203" pitchFamily="34" charset="0"/>
+                <a:ea typeface="Segoe UI" panose="020B0502040204020203" pitchFamily="34" charset="0"/>
+                <a:cs typeface="Segoe UI" panose="020B0502040204020203" pitchFamily="34" charset="0"/>
+              </a:rPr>
+              <a:t>&gt;</a:t>
+            </a:r>
+          </a:p>
+          <a:p>
+            <a:r>
+              <a:rPr lang="pt-BR" sz="800" dirty="0">
+                <a:solidFill>
+                  <a:srgbClr val="AF9CB2"/>
+                </a:solidFill>
+                <a:latin typeface="Segoe UI" panose="020B0502040204020203" pitchFamily="34" charset="0"/>
+                <a:ea typeface="Segoe UI" panose="020B0502040204020203" pitchFamily="34" charset="0"/>
+                <a:cs typeface="Segoe UI" panose="020B0502040204020203" pitchFamily="34" charset="0"/>
+              </a:rPr>
+              <a:t>&lt;label&gt;</a:t>
+            </a:r>
+          </a:p>
+          <a:p>
+            <a:r>
+              <a:rPr lang="pt-BR" sz="800" dirty="0">
+                <a:solidFill>
+                  <a:srgbClr val="AF9CB2"/>
+                </a:solidFill>
+                <a:latin typeface="Segoe UI" panose="020B0502040204020203" pitchFamily="34" charset="0"/>
+                <a:ea typeface="Segoe UI" panose="020B0502040204020203" pitchFamily="34" charset="0"/>
+                <a:cs typeface="Segoe UI" panose="020B0502040204020203" pitchFamily="34" charset="0"/>
+              </a:rPr>
+              <a:t>&lt;label</a:t>
+            </a:r>
+            <a:r>
+              <a:rPr lang="pt-BR" sz="800" dirty="0" smtClean="0">
+                <a:solidFill>
+                  <a:srgbClr val="AF9CB2"/>
+                </a:solidFill>
+                <a:latin typeface="Segoe UI" panose="020B0502040204020203" pitchFamily="34" charset="0"/>
+                <a:ea typeface="Segoe UI" panose="020B0502040204020203" pitchFamily="34" charset="0"/>
+                <a:cs typeface="Segoe UI" panose="020B0502040204020203" pitchFamily="34" charset="0"/>
+              </a:rPr>
+              <a:t>&gt;</a:t>
+            </a:r>
+            <a:endParaRPr lang="pt-BR" sz="800" dirty="0">
+              <a:solidFill>
+                <a:srgbClr val="AF9CB2"/>
+              </a:solidFill>
+              <a:latin typeface="Segoe UI" panose="020B0502040204020203" pitchFamily="34" charset="0"/>
+              <a:ea typeface="Segoe UI" panose="020B0502040204020203" pitchFamily="34" charset="0"/>
+              <a:cs typeface="Segoe UI" panose="020B0502040204020203" pitchFamily="34" charset="0"/>
+            </a:endParaRPr>
+          </a:p>
+        </p:txBody>
+      </p:sp>
+      <p:sp>
+        <p:nvSpPr>
+          <p:cNvPr id="57" name="CaixaDeTexto 56"/>
+          <p:cNvSpPr txBox="1"/>
+          <p:nvPr/>
+        </p:nvSpPr>
+        <p:spPr>
+          <a:xfrm>
+            <a:off x="2348588" y="1506934"/>
+            <a:ext cx="728084" cy="276999"/>
+          </a:xfrm>
+          <a:prstGeom prst="rect">
+            <a:avLst/>
+          </a:prstGeom>
+          <a:noFill/>
+        </p:spPr>
+        <p:txBody>
+          <a:bodyPr wrap="none" rtlCol="0">
+            <a:spAutoFit/>
+          </a:bodyPr>
+          <a:lstStyle/>
+          <a:p>
+            <a:r>
+              <a:rPr lang="pt-BR" sz="1200" i="1" dirty="0" smtClean="0">
+                <a:latin typeface="Segoe UI" panose="020B0502040204020203" pitchFamily="34" charset="0"/>
+                <a:ea typeface="Segoe UI" panose="020B0502040204020203" pitchFamily="34" charset="0"/>
+                <a:cs typeface="Segoe UI" panose="020B0502040204020203" pitchFamily="34" charset="0"/>
+              </a:rPr>
+              <a:t>.col-xl-3</a:t>
+            </a:r>
+            <a:endParaRPr lang="pt-BR" sz="1200" i="1" dirty="0">
+              <a:latin typeface="Segoe UI" panose="020B0502040204020203" pitchFamily="34" charset="0"/>
+              <a:ea typeface="Segoe UI" panose="020B0502040204020203" pitchFamily="34" charset="0"/>
+              <a:cs typeface="Segoe UI" panose="020B0502040204020203" pitchFamily="34" charset="0"/>
+            </a:endParaRPr>
+          </a:p>
+        </p:txBody>
+      </p:sp>
+      <p:cxnSp>
+        <p:nvCxnSpPr>
+          <p:cNvPr id="59" name="Conector reto 58"/>
+          <p:cNvCxnSpPr/>
+          <p:nvPr/>
+        </p:nvCxnSpPr>
+        <p:spPr>
+          <a:xfrm flipH="1">
+            <a:off x="939800" y="101600"/>
+            <a:ext cx="1395534" cy="0"/>
+          </a:xfrm>
+          <a:prstGeom prst="line">
+            <a:avLst/>
+          </a:prstGeom>
+          <a:ln w="12700">
+            <a:prstDash val="lgDash"/>
+          </a:ln>
+        </p:spPr>
+        <p:style>
+          <a:lnRef idx="1">
+            <a:schemeClr val="dk1"/>
+          </a:lnRef>
+          <a:fillRef idx="0">
+            <a:schemeClr val="dk1"/>
+          </a:fillRef>
+          <a:effectRef idx="0">
+            <a:schemeClr val="dk1"/>
+          </a:effectRef>
+          <a:fontRef idx="minor">
+            <a:schemeClr val="tx1"/>
+          </a:fontRef>
+        </p:style>
+      </p:cxnSp>
+      <p:cxnSp>
+        <p:nvCxnSpPr>
+          <p:cNvPr id="60" name="Conector reto 59"/>
+          <p:cNvCxnSpPr/>
+          <p:nvPr/>
+        </p:nvCxnSpPr>
+        <p:spPr>
+          <a:xfrm flipH="1">
+            <a:off x="953054" y="1752600"/>
+            <a:ext cx="1395534" cy="0"/>
+          </a:xfrm>
+          <a:prstGeom prst="line">
+            <a:avLst/>
+          </a:prstGeom>
+          <a:ln w="12700">
+            <a:prstDash val="lgDash"/>
+          </a:ln>
+        </p:spPr>
+        <p:style>
+          <a:lnRef idx="1">
+            <a:schemeClr val="dk1"/>
+          </a:lnRef>
+          <a:fillRef idx="0">
+            <a:schemeClr val="dk1"/>
+          </a:fillRef>
+          <a:effectRef idx="0">
+            <a:schemeClr val="dk1"/>
+          </a:effectRef>
+          <a:fontRef idx="minor">
+            <a:schemeClr val="tx1"/>
+          </a:fontRef>
+        </p:style>
+      </p:cxnSp>
+      <p:cxnSp>
+        <p:nvCxnSpPr>
+          <p:cNvPr id="61" name="Conector reto 60"/>
+          <p:cNvCxnSpPr/>
+          <p:nvPr/>
+        </p:nvCxnSpPr>
+        <p:spPr>
+          <a:xfrm flipH="1">
+            <a:off x="939800" y="6769100"/>
+            <a:ext cx="1395534" cy="0"/>
+          </a:xfrm>
+          <a:prstGeom prst="line">
+            <a:avLst/>
+          </a:prstGeom>
+          <a:ln w="12700">
+            <a:prstDash val="lgDash"/>
+          </a:ln>
+        </p:spPr>
+        <p:style>
+          <a:lnRef idx="1">
+            <a:schemeClr val="dk1"/>
+          </a:lnRef>
+          <a:fillRef idx="0">
+            <a:schemeClr val="dk1"/>
+          </a:fillRef>
+          <a:effectRef idx="0">
+            <a:schemeClr val="dk1"/>
+          </a:effectRef>
+          <a:fontRef idx="minor">
+            <a:schemeClr val="tx1"/>
+          </a:fontRef>
+        </p:style>
+      </p:cxnSp>
+      <p:sp>
+        <p:nvSpPr>
+          <p:cNvPr id="62" name="CaixaDeTexto 61"/>
+          <p:cNvSpPr txBox="1"/>
+          <p:nvPr/>
+        </p:nvSpPr>
+        <p:spPr>
+          <a:xfrm>
+            <a:off x="1052911" y="665490"/>
+            <a:ext cx="1055289" cy="523220"/>
+          </a:xfrm>
+          <a:prstGeom prst="rect">
+            <a:avLst/>
+          </a:prstGeom>
+          <a:noFill/>
+        </p:spPr>
+        <p:txBody>
+          <a:bodyPr wrap="none" rtlCol="0">
+            <a:spAutoFit/>
+          </a:bodyPr>
+          <a:lstStyle/>
+          <a:p>
+            <a:r>
+              <a:rPr lang="pt-BR" sz="1600" i="1" dirty="0" smtClean="0">
+                <a:latin typeface="Segoe UI" panose="020B0502040204020203" pitchFamily="34" charset="0"/>
+                <a:ea typeface="Segoe UI" panose="020B0502040204020203" pitchFamily="34" charset="0"/>
+                <a:cs typeface="Segoe UI" panose="020B0502040204020203" pitchFamily="34" charset="0"/>
+              </a:rPr>
+              <a:t>Container</a:t>
+            </a:r>
+          </a:p>
+          <a:p>
+            <a:r>
+              <a:rPr lang="pt-BR" sz="1200" i="1" dirty="0" smtClean="0">
+                <a:latin typeface="Segoe UI" panose="020B0502040204020203" pitchFamily="34" charset="0"/>
+                <a:ea typeface="Segoe UI" panose="020B0502040204020203" pitchFamily="34" charset="0"/>
+                <a:cs typeface="Segoe UI" panose="020B0502040204020203" pitchFamily="34" charset="0"/>
+              </a:rPr>
+              <a:t>(cabeçalho)</a:t>
+            </a:r>
+            <a:endParaRPr lang="pt-BR" sz="1200" i="1" dirty="0">
+              <a:latin typeface="Segoe UI" panose="020B0502040204020203" pitchFamily="34" charset="0"/>
+              <a:ea typeface="Segoe UI" panose="020B0502040204020203" pitchFamily="34" charset="0"/>
+              <a:cs typeface="Segoe UI" panose="020B0502040204020203" pitchFamily="34" charset="0"/>
+            </a:endParaRPr>
+          </a:p>
+        </p:txBody>
+      </p:sp>
+      <p:sp>
+        <p:nvSpPr>
+          <p:cNvPr id="63" name="CaixaDeTexto 62"/>
+          <p:cNvSpPr txBox="1"/>
+          <p:nvPr/>
+        </p:nvSpPr>
+        <p:spPr>
+          <a:xfrm>
+            <a:off x="1043388" y="3999240"/>
+            <a:ext cx="1055289" cy="523220"/>
+          </a:xfrm>
+          <a:prstGeom prst="rect">
+            <a:avLst/>
+          </a:prstGeom>
+          <a:noFill/>
+        </p:spPr>
+        <p:txBody>
+          <a:bodyPr wrap="none" rtlCol="0">
+            <a:spAutoFit/>
+          </a:bodyPr>
+          <a:lstStyle/>
+          <a:p>
+            <a:r>
+              <a:rPr lang="pt-BR" sz="1600" i="1" dirty="0">
+                <a:latin typeface="Segoe UI" panose="020B0502040204020203" pitchFamily="34" charset="0"/>
+                <a:ea typeface="Segoe UI" panose="020B0502040204020203" pitchFamily="34" charset="0"/>
+                <a:cs typeface="Segoe UI" panose="020B0502040204020203" pitchFamily="34" charset="0"/>
+              </a:rPr>
+              <a:t>Container</a:t>
+            </a:r>
+            <a:endParaRPr lang="pt-BR" sz="1400" i="1" dirty="0">
+              <a:latin typeface="Segoe UI" panose="020B0502040204020203" pitchFamily="34" charset="0"/>
+              <a:ea typeface="Segoe UI" panose="020B0502040204020203" pitchFamily="34" charset="0"/>
+              <a:cs typeface="Segoe UI" panose="020B0502040204020203" pitchFamily="34" charset="0"/>
+            </a:endParaRPr>
+          </a:p>
+          <a:p>
+            <a:r>
+              <a:rPr lang="pt-BR" sz="1200" i="1" dirty="0" smtClean="0">
+                <a:latin typeface="Segoe UI" panose="020B0502040204020203" pitchFamily="34" charset="0"/>
+                <a:ea typeface="Segoe UI" panose="020B0502040204020203" pitchFamily="34" charset="0"/>
+                <a:cs typeface="Segoe UI" panose="020B0502040204020203" pitchFamily="34" charset="0"/>
+              </a:rPr>
+              <a:t>(conteúdo)</a:t>
+            </a:r>
+            <a:endParaRPr lang="pt-BR" sz="1200" i="1" dirty="0">
+              <a:latin typeface="Segoe UI" panose="020B0502040204020203" pitchFamily="34" charset="0"/>
+              <a:ea typeface="Segoe UI" panose="020B0502040204020203" pitchFamily="34" charset="0"/>
+              <a:cs typeface="Segoe UI" panose="020B0502040204020203" pitchFamily="34" charset="0"/>
+            </a:endParaRPr>
+          </a:p>
+        </p:txBody>
+      </p:sp>
+      <p:sp>
+        <p:nvSpPr>
+          <p:cNvPr id="65" name="CaixaDeTexto 64"/>
+          <p:cNvSpPr txBox="1"/>
+          <p:nvPr/>
+        </p:nvSpPr>
+        <p:spPr>
+          <a:xfrm>
+            <a:off x="2293600" y="94451"/>
+            <a:ext cx="598241" cy="276999"/>
+          </a:xfrm>
+          <a:prstGeom prst="rect">
+            <a:avLst/>
+          </a:prstGeom>
+          <a:noFill/>
+        </p:spPr>
+        <p:txBody>
+          <a:bodyPr wrap="none" rtlCol="0">
+            <a:spAutoFit/>
+          </a:bodyPr>
+          <a:lstStyle/>
+          <a:p>
+            <a:r>
+              <a:rPr lang="pt-BR" sz="1200" dirty="0" smtClean="0">
+                <a:latin typeface="Segoe UI" panose="020B0502040204020203" pitchFamily="34" charset="0"/>
+                <a:ea typeface="Segoe UI" panose="020B0502040204020203" pitchFamily="34" charset="0"/>
+                <a:cs typeface="Segoe UI" panose="020B0502040204020203" pitchFamily="34" charset="0"/>
+              </a:rPr>
+              <a:t>&lt;div&gt;</a:t>
+            </a:r>
+            <a:endParaRPr lang="pt-BR" sz="1200" dirty="0">
+              <a:latin typeface="Segoe UI" panose="020B0502040204020203" pitchFamily="34" charset="0"/>
+              <a:ea typeface="Segoe UI" panose="020B0502040204020203" pitchFamily="34" charset="0"/>
+              <a:cs typeface="Segoe UI" panose="020B0502040204020203" pitchFamily="34" charset="0"/>
+            </a:endParaRPr>
+          </a:p>
+        </p:txBody>
+      </p:sp>
+      <p:sp>
+        <p:nvSpPr>
+          <p:cNvPr id="66" name="CaixaDeTexto 65"/>
+          <p:cNvSpPr txBox="1"/>
+          <p:nvPr/>
+        </p:nvSpPr>
+        <p:spPr>
+          <a:xfrm>
+            <a:off x="6357604" y="1491268"/>
+            <a:ext cx="728084" cy="276999"/>
+          </a:xfrm>
+          <a:prstGeom prst="rect">
+            <a:avLst/>
+          </a:prstGeom>
+          <a:noFill/>
+        </p:spPr>
+        <p:txBody>
+          <a:bodyPr wrap="none" rtlCol="0">
+            <a:spAutoFit/>
+          </a:bodyPr>
+          <a:lstStyle/>
+          <a:p>
+            <a:r>
+              <a:rPr lang="pt-BR" sz="1200" i="1" dirty="0" smtClean="0">
+                <a:latin typeface="Segoe UI" panose="020B0502040204020203" pitchFamily="34" charset="0"/>
+                <a:ea typeface="Segoe UI" panose="020B0502040204020203" pitchFamily="34" charset="0"/>
+                <a:cs typeface="Segoe UI" panose="020B0502040204020203" pitchFamily="34" charset="0"/>
+              </a:rPr>
+              <a:t>.col-xl-9</a:t>
+            </a:r>
+            <a:endParaRPr lang="pt-BR" sz="1200" i="1" dirty="0">
+              <a:latin typeface="Segoe UI" panose="020B0502040204020203" pitchFamily="34" charset="0"/>
+              <a:ea typeface="Segoe UI" panose="020B0502040204020203" pitchFamily="34" charset="0"/>
+              <a:cs typeface="Segoe UI" panose="020B0502040204020203" pitchFamily="34" charset="0"/>
+            </a:endParaRPr>
+          </a:p>
+        </p:txBody>
+      </p:sp>
+      <p:sp>
+        <p:nvSpPr>
+          <p:cNvPr id="67" name="CaixaDeTexto 66"/>
+          <p:cNvSpPr txBox="1"/>
+          <p:nvPr/>
+        </p:nvSpPr>
+        <p:spPr>
+          <a:xfrm>
+            <a:off x="6509449" y="94450"/>
+            <a:ext cx="598241" cy="276999"/>
+          </a:xfrm>
+          <a:prstGeom prst="rect">
+            <a:avLst/>
+          </a:prstGeom>
+          <a:noFill/>
+        </p:spPr>
+        <p:txBody>
+          <a:bodyPr wrap="none" rtlCol="0">
+            <a:spAutoFit/>
+          </a:bodyPr>
+          <a:lstStyle/>
+          <a:p>
+            <a:r>
+              <a:rPr lang="pt-BR" sz="1200" dirty="0" smtClean="0">
+                <a:latin typeface="Segoe UI" panose="020B0502040204020203" pitchFamily="34" charset="0"/>
+                <a:ea typeface="Segoe UI" panose="020B0502040204020203" pitchFamily="34" charset="0"/>
+                <a:cs typeface="Segoe UI" panose="020B0502040204020203" pitchFamily="34" charset="0"/>
+              </a:rPr>
+              <a:t>&lt;div&gt;</a:t>
+            </a:r>
+            <a:endParaRPr lang="pt-BR" sz="1200" dirty="0">
+              <a:latin typeface="Segoe UI" panose="020B0502040204020203" pitchFamily="34" charset="0"/>
+              <a:ea typeface="Segoe UI" panose="020B0502040204020203" pitchFamily="34" charset="0"/>
+              <a:cs typeface="Segoe UI" panose="020B0502040204020203" pitchFamily="34" charset="0"/>
+            </a:endParaRPr>
+          </a:p>
+        </p:txBody>
+      </p:sp>
+      <p:sp>
+        <p:nvSpPr>
+          <p:cNvPr id="68" name="CaixaDeTexto 67"/>
+          <p:cNvSpPr txBox="1"/>
+          <p:nvPr/>
+        </p:nvSpPr>
+        <p:spPr>
+          <a:xfrm>
+            <a:off x="6397112" y="6262816"/>
+            <a:ext cx="676788" cy="430887"/>
+          </a:xfrm>
+          <a:prstGeom prst="rect">
+            <a:avLst/>
+          </a:prstGeom>
+          <a:noFill/>
+        </p:spPr>
+        <p:txBody>
+          <a:bodyPr wrap="none" rtlCol="0">
+            <a:spAutoFit/>
+          </a:bodyPr>
+          <a:lstStyle/>
+          <a:p>
+            <a:pPr algn="r"/>
+            <a:r>
+              <a:rPr lang="pt-BR" sz="1100" b="1" dirty="0" smtClean="0">
+                <a:latin typeface="Segoe UI" panose="020B0502040204020203" pitchFamily="34" charset="0"/>
+                <a:ea typeface="Segoe UI" panose="020B0502040204020203" pitchFamily="34" charset="0"/>
+                <a:cs typeface="Segoe UI" panose="020B0502040204020203" pitchFamily="34" charset="0"/>
+              </a:rPr>
+              <a:t>&lt;div&gt;</a:t>
+            </a:r>
+          </a:p>
+          <a:p>
+            <a:pPr algn="r"/>
+            <a:r>
+              <a:rPr lang="pt-BR" sz="1100" i="1" dirty="0" smtClean="0">
+                <a:latin typeface="Segoe UI" panose="020B0502040204020203" pitchFamily="34" charset="0"/>
+                <a:ea typeface="Segoe UI" panose="020B0502040204020203" pitchFamily="34" charset="0"/>
+                <a:cs typeface="Segoe UI" panose="020B0502040204020203" pitchFamily="34" charset="0"/>
+              </a:rPr>
+              <a:t>.col-xl-7</a:t>
+            </a:r>
+            <a:endParaRPr lang="pt-BR" sz="1100" i="1" dirty="0">
+              <a:latin typeface="Segoe UI" panose="020B0502040204020203" pitchFamily="34" charset="0"/>
+              <a:ea typeface="Segoe UI" panose="020B0502040204020203" pitchFamily="34" charset="0"/>
+              <a:cs typeface="Segoe UI" panose="020B0502040204020203" pitchFamily="34" charset="0"/>
+            </a:endParaRPr>
+          </a:p>
+        </p:txBody>
+      </p:sp>
+      <p:sp>
+        <p:nvSpPr>
+          <p:cNvPr id="71" name="CaixaDeTexto 70"/>
+          <p:cNvSpPr txBox="1"/>
+          <p:nvPr/>
+        </p:nvSpPr>
+        <p:spPr>
+          <a:xfrm>
+            <a:off x="6357604" y="537816"/>
+            <a:ext cx="535724" cy="276999"/>
+          </a:xfrm>
+          <a:prstGeom prst="rect">
+            <a:avLst/>
+          </a:prstGeom>
+          <a:noFill/>
+        </p:spPr>
+        <p:txBody>
+          <a:bodyPr wrap="none" rtlCol="0">
+            <a:spAutoFit/>
+          </a:bodyPr>
+          <a:lstStyle/>
+          <a:p>
+            <a:r>
+              <a:rPr lang="pt-BR" sz="1200" dirty="0" smtClean="0">
+                <a:latin typeface="Segoe UI" panose="020B0502040204020203" pitchFamily="34" charset="0"/>
+                <a:ea typeface="Segoe UI" panose="020B0502040204020203" pitchFamily="34" charset="0"/>
+                <a:cs typeface="Segoe UI" panose="020B0502040204020203" pitchFamily="34" charset="0"/>
+              </a:rPr>
+              <a:t>&lt;</a:t>
+            </a:r>
+            <a:r>
+              <a:rPr lang="pt-BR" sz="1200" dirty="0" err="1" smtClean="0">
+                <a:latin typeface="Segoe UI" panose="020B0502040204020203" pitchFamily="34" charset="0"/>
+                <a:ea typeface="Segoe UI" panose="020B0502040204020203" pitchFamily="34" charset="0"/>
+                <a:cs typeface="Segoe UI" panose="020B0502040204020203" pitchFamily="34" charset="0"/>
+              </a:rPr>
+              <a:t>hr</a:t>
+            </a:r>
+            <a:r>
+              <a:rPr lang="pt-BR" sz="1200" dirty="0" smtClean="0">
+                <a:latin typeface="Segoe UI" panose="020B0502040204020203" pitchFamily="34" charset="0"/>
+                <a:ea typeface="Segoe UI" panose="020B0502040204020203" pitchFamily="34" charset="0"/>
+                <a:cs typeface="Segoe UI" panose="020B0502040204020203" pitchFamily="34" charset="0"/>
+              </a:rPr>
+              <a:t>&gt;</a:t>
+            </a:r>
+            <a:endParaRPr lang="pt-BR" sz="1200" dirty="0">
+              <a:latin typeface="Segoe UI" panose="020B0502040204020203" pitchFamily="34" charset="0"/>
+              <a:ea typeface="Segoe UI" panose="020B0502040204020203" pitchFamily="34" charset="0"/>
+              <a:cs typeface="Segoe UI" panose="020B0502040204020203" pitchFamily="34" charset="0"/>
+            </a:endParaRPr>
+          </a:p>
+        </p:txBody>
+      </p:sp>
+      <p:sp>
+        <p:nvSpPr>
+          <p:cNvPr id="72" name="CaixaDeTexto 71"/>
+          <p:cNvSpPr txBox="1"/>
+          <p:nvPr/>
+        </p:nvSpPr>
+        <p:spPr>
+          <a:xfrm>
+            <a:off x="6049478" y="3869769"/>
+            <a:ext cx="478016" cy="246221"/>
+          </a:xfrm>
+          <a:prstGeom prst="rect">
+            <a:avLst/>
+          </a:prstGeom>
+          <a:noFill/>
+        </p:spPr>
+        <p:txBody>
+          <a:bodyPr wrap="none" rtlCol="0">
+            <a:spAutoFit/>
+          </a:bodyPr>
+          <a:lstStyle/>
+          <a:p>
+            <a:r>
+              <a:rPr lang="pt-BR" sz="1000" dirty="0" smtClean="0">
+                <a:latin typeface="Segoe UI" panose="020B0502040204020203" pitchFamily="34" charset="0"/>
+                <a:ea typeface="Segoe UI" panose="020B0502040204020203" pitchFamily="34" charset="0"/>
+                <a:cs typeface="Segoe UI" panose="020B0502040204020203" pitchFamily="34" charset="0"/>
+              </a:rPr>
+              <a:t>&lt;</a:t>
+            </a:r>
+            <a:r>
+              <a:rPr lang="pt-BR" sz="1000" dirty="0" err="1" smtClean="0">
+                <a:latin typeface="Segoe UI" panose="020B0502040204020203" pitchFamily="34" charset="0"/>
+                <a:ea typeface="Segoe UI" panose="020B0502040204020203" pitchFamily="34" charset="0"/>
+                <a:cs typeface="Segoe UI" panose="020B0502040204020203" pitchFamily="34" charset="0"/>
+              </a:rPr>
+              <a:t>hr</a:t>
+            </a:r>
+            <a:r>
+              <a:rPr lang="pt-BR" sz="1000" dirty="0" smtClean="0">
+                <a:latin typeface="Segoe UI" panose="020B0502040204020203" pitchFamily="34" charset="0"/>
+                <a:ea typeface="Segoe UI" panose="020B0502040204020203" pitchFamily="34" charset="0"/>
+                <a:cs typeface="Segoe UI" panose="020B0502040204020203" pitchFamily="34" charset="0"/>
+              </a:rPr>
+              <a:t>&gt;</a:t>
+            </a:r>
+            <a:endParaRPr lang="pt-BR" sz="1000" dirty="0">
+              <a:latin typeface="Segoe UI" panose="020B0502040204020203" pitchFamily="34" charset="0"/>
+              <a:ea typeface="Segoe UI" panose="020B0502040204020203" pitchFamily="34" charset="0"/>
+              <a:cs typeface="Segoe UI" panose="020B0502040204020203" pitchFamily="34" charset="0"/>
+            </a:endParaRPr>
+          </a:p>
+        </p:txBody>
+      </p:sp>
+      <p:sp>
+        <p:nvSpPr>
+          <p:cNvPr id="73" name="CaixaDeTexto 72"/>
+          <p:cNvSpPr txBox="1"/>
+          <p:nvPr/>
+        </p:nvSpPr>
+        <p:spPr>
+          <a:xfrm>
+            <a:off x="5978745" y="6165592"/>
+            <a:ext cx="478016" cy="246221"/>
+          </a:xfrm>
+          <a:prstGeom prst="rect">
+            <a:avLst/>
+          </a:prstGeom>
+          <a:noFill/>
+        </p:spPr>
+        <p:txBody>
+          <a:bodyPr wrap="none" rtlCol="0">
+            <a:spAutoFit/>
+          </a:bodyPr>
+          <a:lstStyle/>
+          <a:p>
+            <a:r>
+              <a:rPr lang="pt-BR" sz="1000" dirty="0" smtClean="0">
+                <a:latin typeface="Segoe UI" panose="020B0502040204020203" pitchFamily="34" charset="0"/>
+                <a:ea typeface="Segoe UI" panose="020B0502040204020203" pitchFamily="34" charset="0"/>
+                <a:cs typeface="Segoe UI" panose="020B0502040204020203" pitchFamily="34" charset="0"/>
+              </a:rPr>
+              <a:t>&lt;</a:t>
+            </a:r>
+            <a:r>
+              <a:rPr lang="pt-BR" sz="1000" dirty="0" err="1" smtClean="0">
+                <a:latin typeface="Segoe UI" panose="020B0502040204020203" pitchFamily="34" charset="0"/>
+                <a:ea typeface="Segoe UI" panose="020B0502040204020203" pitchFamily="34" charset="0"/>
+                <a:cs typeface="Segoe UI" panose="020B0502040204020203" pitchFamily="34" charset="0"/>
+              </a:rPr>
+              <a:t>hr</a:t>
+            </a:r>
+            <a:r>
+              <a:rPr lang="pt-BR" sz="1000" dirty="0" smtClean="0">
+                <a:latin typeface="Segoe UI" panose="020B0502040204020203" pitchFamily="34" charset="0"/>
+                <a:ea typeface="Segoe UI" panose="020B0502040204020203" pitchFamily="34" charset="0"/>
+                <a:cs typeface="Segoe UI" panose="020B0502040204020203" pitchFamily="34" charset="0"/>
+              </a:rPr>
+              <a:t>&gt;</a:t>
+            </a:r>
+            <a:endParaRPr lang="pt-BR" sz="1000" dirty="0">
+              <a:latin typeface="Segoe UI" panose="020B0502040204020203" pitchFamily="34" charset="0"/>
+              <a:ea typeface="Segoe UI" panose="020B0502040204020203" pitchFamily="34" charset="0"/>
+              <a:cs typeface="Segoe UI" panose="020B0502040204020203" pitchFamily="34" charset="0"/>
+            </a:endParaRPr>
+          </a:p>
+        </p:txBody>
+      </p:sp>
+      <p:sp>
+        <p:nvSpPr>
+          <p:cNvPr id="74" name="CaixaDeTexto 73"/>
+          <p:cNvSpPr txBox="1"/>
+          <p:nvPr/>
+        </p:nvSpPr>
+        <p:spPr>
+          <a:xfrm>
+            <a:off x="3666612" y="6248680"/>
+            <a:ext cx="676788" cy="430887"/>
+          </a:xfrm>
+          <a:prstGeom prst="rect">
+            <a:avLst/>
+          </a:prstGeom>
+          <a:noFill/>
+        </p:spPr>
+        <p:txBody>
+          <a:bodyPr wrap="none" rtlCol="0">
+            <a:spAutoFit/>
+          </a:bodyPr>
+          <a:lstStyle/>
+          <a:p>
+            <a:pPr algn="r"/>
+            <a:r>
+              <a:rPr lang="pt-BR" sz="1100" b="1" dirty="0" smtClean="0">
+                <a:latin typeface="Segoe UI" panose="020B0502040204020203" pitchFamily="34" charset="0"/>
+                <a:ea typeface="Segoe UI" panose="020B0502040204020203" pitchFamily="34" charset="0"/>
+                <a:cs typeface="Segoe UI" panose="020B0502040204020203" pitchFamily="34" charset="0"/>
+              </a:rPr>
+              <a:t>&lt;div&gt;</a:t>
+            </a:r>
+          </a:p>
+          <a:p>
+            <a:pPr algn="r"/>
+            <a:r>
+              <a:rPr lang="pt-BR" sz="1100" i="1" dirty="0" smtClean="0">
+                <a:latin typeface="Segoe UI" panose="020B0502040204020203" pitchFamily="34" charset="0"/>
+                <a:ea typeface="Segoe UI" panose="020B0502040204020203" pitchFamily="34" charset="0"/>
+                <a:cs typeface="Segoe UI" panose="020B0502040204020203" pitchFamily="34" charset="0"/>
+              </a:rPr>
+              <a:t>.col-xl-2</a:t>
+            </a:r>
+            <a:endParaRPr lang="pt-BR" sz="1100" i="1" dirty="0">
+              <a:latin typeface="Segoe UI" panose="020B0502040204020203" pitchFamily="34" charset="0"/>
+              <a:ea typeface="Segoe UI" panose="020B0502040204020203" pitchFamily="34" charset="0"/>
+              <a:cs typeface="Segoe UI" panose="020B0502040204020203" pitchFamily="34" charset="0"/>
+            </a:endParaRPr>
+          </a:p>
+        </p:txBody>
+      </p:sp>
+      <p:sp>
+        <p:nvSpPr>
+          <p:cNvPr id="75" name="CaixaDeTexto 74"/>
+          <p:cNvSpPr txBox="1"/>
+          <p:nvPr/>
+        </p:nvSpPr>
+        <p:spPr>
+          <a:xfrm>
+            <a:off x="2968112" y="6267561"/>
+            <a:ext cx="676788" cy="430887"/>
+          </a:xfrm>
+          <a:prstGeom prst="rect">
+            <a:avLst/>
+          </a:prstGeom>
+          <a:noFill/>
+        </p:spPr>
+        <p:txBody>
+          <a:bodyPr wrap="none" rtlCol="0">
+            <a:spAutoFit/>
+          </a:bodyPr>
+          <a:lstStyle/>
+          <a:p>
+            <a:pPr algn="r"/>
+            <a:r>
+              <a:rPr lang="pt-BR" sz="1100" b="1" dirty="0" smtClean="0">
+                <a:latin typeface="Segoe UI" panose="020B0502040204020203" pitchFamily="34" charset="0"/>
+                <a:ea typeface="Segoe UI" panose="020B0502040204020203" pitchFamily="34" charset="0"/>
+                <a:cs typeface="Segoe UI" panose="020B0502040204020203" pitchFamily="34" charset="0"/>
+              </a:rPr>
+              <a:t>&lt;div&gt;</a:t>
+            </a:r>
+          </a:p>
+          <a:p>
+            <a:pPr algn="r"/>
+            <a:r>
+              <a:rPr lang="pt-BR" sz="1100" i="1" dirty="0" smtClean="0">
+                <a:latin typeface="Segoe UI" panose="020B0502040204020203" pitchFamily="34" charset="0"/>
+                <a:ea typeface="Segoe UI" panose="020B0502040204020203" pitchFamily="34" charset="0"/>
+                <a:cs typeface="Segoe UI" panose="020B0502040204020203" pitchFamily="34" charset="0"/>
+              </a:rPr>
+              <a:t>.col-xl-3</a:t>
+            </a:r>
+            <a:endParaRPr lang="pt-BR" sz="1100" i="1" dirty="0">
+              <a:latin typeface="Segoe UI" panose="020B0502040204020203" pitchFamily="34" charset="0"/>
+              <a:ea typeface="Segoe UI" panose="020B0502040204020203" pitchFamily="34" charset="0"/>
+              <a:cs typeface="Segoe UI" panose="020B0502040204020203" pitchFamily="34" charset="0"/>
+            </a:endParaRPr>
+          </a:p>
+        </p:txBody>
+      </p:sp>
+      <p:sp>
+        <p:nvSpPr>
+          <p:cNvPr id="76" name="CaixaDeTexto 75"/>
+          <p:cNvSpPr txBox="1"/>
+          <p:nvPr/>
+        </p:nvSpPr>
+        <p:spPr>
+          <a:xfrm>
+            <a:off x="2384657" y="1962842"/>
+            <a:ext cx="598241" cy="276999"/>
+          </a:xfrm>
+          <a:prstGeom prst="rect">
+            <a:avLst/>
+          </a:prstGeom>
+          <a:noFill/>
+        </p:spPr>
+        <p:txBody>
+          <a:bodyPr wrap="none" rtlCol="0">
+            <a:spAutoFit/>
+          </a:bodyPr>
+          <a:lstStyle/>
+          <a:p>
+            <a:r>
+              <a:rPr lang="pt-BR" sz="1200" dirty="0" smtClean="0">
+                <a:latin typeface="Segoe UI" panose="020B0502040204020203" pitchFamily="34" charset="0"/>
+                <a:ea typeface="Segoe UI" panose="020B0502040204020203" pitchFamily="34" charset="0"/>
+                <a:cs typeface="Segoe UI" panose="020B0502040204020203" pitchFamily="34" charset="0"/>
+              </a:rPr>
+              <a:t>&lt;div&gt;</a:t>
+            </a:r>
+            <a:endParaRPr lang="pt-BR" sz="1200" dirty="0">
+              <a:latin typeface="Segoe UI" panose="020B0502040204020203" pitchFamily="34" charset="0"/>
+              <a:ea typeface="Segoe UI" panose="020B0502040204020203" pitchFamily="34" charset="0"/>
+              <a:cs typeface="Segoe UI" panose="020B0502040204020203" pitchFamily="34" charset="0"/>
+            </a:endParaRPr>
+          </a:p>
+        </p:txBody>
+      </p:sp>
+      <p:sp>
+        <p:nvSpPr>
+          <p:cNvPr id="77" name="CaixaDeTexto 76"/>
+          <p:cNvSpPr txBox="1"/>
+          <p:nvPr/>
+        </p:nvSpPr>
+        <p:spPr>
+          <a:xfrm>
+            <a:off x="2384657" y="4451523"/>
+            <a:ext cx="598241" cy="276999"/>
+          </a:xfrm>
+          <a:prstGeom prst="rect">
+            <a:avLst/>
+          </a:prstGeom>
+          <a:noFill/>
+        </p:spPr>
+        <p:txBody>
+          <a:bodyPr wrap="none" rtlCol="0">
+            <a:spAutoFit/>
+          </a:bodyPr>
+          <a:lstStyle/>
+          <a:p>
+            <a:r>
+              <a:rPr lang="pt-BR" sz="1200" dirty="0" smtClean="0">
+                <a:latin typeface="Segoe UI" panose="020B0502040204020203" pitchFamily="34" charset="0"/>
+                <a:ea typeface="Segoe UI" panose="020B0502040204020203" pitchFamily="34" charset="0"/>
+                <a:cs typeface="Segoe UI" panose="020B0502040204020203" pitchFamily="34" charset="0"/>
+              </a:rPr>
+              <a:t>&lt;div&gt;</a:t>
+            </a:r>
+            <a:endParaRPr lang="pt-BR" sz="1200" dirty="0">
+              <a:latin typeface="Segoe UI" panose="020B0502040204020203" pitchFamily="34" charset="0"/>
+              <a:ea typeface="Segoe UI" panose="020B0502040204020203" pitchFamily="34" charset="0"/>
+              <a:cs typeface="Segoe UI" panose="020B0502040204020203" pitchFamily="34" charset="0"/>
+            </a:endParaRPr>
+          </a:p>
+        </p:txBody>
+      </p:sp>
+      <p:sp>
+        <p:nvSpPr>
+          <p:cNvPr id="78" name="CaixaDeTexto 77"/>
+          <p:cNvSpPr txBox="1"/>
+          <p:nvPr/>
+        </p:nvSpPr>
+        <p:spPr>
+          <a:xfrm>
+            <a:off x="2384658" y="5914992"/>
+            <a:ext cx="598241" cy="276999"/>
+          </a:xfrm>
+          <a:prstGeom prst="rect">
+            <a:avLst/>
+          </a:prstGeom>
+          <a:noFill/>
+        </p:spPr>
+        <p:txBody>
+          <a:bodyPr wrap="none" rtlCol="0">
+            <a:spAutoFit/>
+          </a:bodyPr>
+          <a:lstStyle/>
+          <a:p>
+            <a:r>
+              <a:rPr lang="pt-BR" sz="1200" dirty="0" smtClean="0">
+                <a:latin typeface="Segoe UI" panose="020B0502040204020203" pitchFamily="34" charset="0"/>
+                <a:ea typeface="Segoe UI" panose="020B0502040204020203" pitchFamily="34" charset="0"/>
+                <a:cs typeface="Segoe UI" panose="020B0502040204020203" pitchFamily="34" charset="0"/>
+              </a:rPr>
+              <a:t>&lt;div&gt;</a:t>
+            </a:r>
+            <a:endParaRPr lang="pt-BR" sz="1200" dirty="0">
+              <a:latin typeface="Segoe UI" panose="020B0502040204020203" pitchFamily="34" charset="0"/>
+              <a:ea typeface="Segoe UI" panose="020B0502040204020203" pitchFamily="34" charset="0"/>
+              <a:cs typeface="Segoe UI" panose="020B0502040204020203" pitchFamily="34" charset="0"/>
+            </a:endParaRPr>
+          </a:p>
+        </p:txBody>
+      </p:sp>
+      <p:sp>
+        <p:nvSpPr>
+          <p:cNvPr id="79" name="CaixaDeTexto 78"/>
+          <p:cNvSpPr txBox="1"/>
+          <p:nvPr/>
+        </p:nvSpPr>
+        <p:spPr>
+          <a:xfrm>
+            <a:off x="3628570" y="2000585"/>
+            <a:ext cx="598241" cy="276999"/>
+          </a:xfrm>
+          <a:prstGeom prst="rect">
+            <a:avLst/>
+          </a:prstGeom>
+          <a:noFill/>
+        </p:spPr>
+        <p:txBody>
+          <a:bodyPr wrap="none" rtlCol="0">
+            <a:spAutoFit/>
+          </a:bodyPr>
+          <a:lstStyle/>
+          <a:p>
+            <a:r>
+              <a:rPr lang="pt-BR" sz="1200" dirty="0" smtClean="0">
+                <a:latin typeface="Segoe UI" panose="020B0502040204020203" pitchFamily="34" charset="0"/>
+                <a:ea typeface="Segoe UI" panose="020B0502040204020203" pitchFamily="34" charset="0"/>
+                <a:cs typeface="Segoe UI" panose="020B0502040204020203" pitchFamily="34" charset="0"/>
+              </a:rPr>
+              <a:t>&lt;div&gt;</a:t>
+            </a:r>
+            <a:endParaRPr lang="pt-BR" sz="1200" dirty="0">
+              <a:latin typeface="Segoe UI" panose="020B0502040204020203" pitchFamily="34" charset="0"/>
+              <a:ea typeface="Segoe UI" panose="020B0502040204020203" pitchFamily="34" charset="0"/>
+              <a:cs typeface="Segoe UI" panose="020B0502040204020203" pitchFamily="34" charset="0"/>
+            </a:endParaRPr>
+          </a:p>
+        </p:txBody>
+      </p:sp>
+      <p:sp>
+        <p:nvSpPr>
+          <p:cNvPr id="80" name="CaixaDeTexto 79"/>
+          <p:cNvSpPr txBox="1"/>
+          <p:nvPr/>
+        </p:nvSpPr>
+        <p:spPr>
+          <a:xfrm>
+            <a:off x="3614887" y="3714627"/>
+            <a:ext cx="598241" cy="276999"/>
+          </a:xfrm>
+          <a:prstGeom prst="rect">
+            <a:avLst/>
+          </a:prstGeom>
+          <a:noFill/>
+        </p:spPr>
+        <p:txBody>
+          <a:bodyPr wrap="none" rtlCol="0">
+            <a:spAutoFit/>
+          </a:bodyPr>
+          <a:lstStyle/>
+          <a:p>
+            <a:r>
+              <a:rPr lang="pt-BR" sz="1200" dirty="0" smtClean="0">
+                <a:latin typeface="Segoe UI" panose="020B0502040204020203" pitchFamily="34" charset="0"/>
+                <a:ea typeface="Segoe UI" panose="020B0502040204020203" pitchFamily="34" charset="0"/>
+                <a:cs typeface="Segoe UI" panose="020B0502040204020203" pitchFamily="34" charset="0"/>
+              </a:rPr>
+              <a:t>&lt;div&gt;</a:t>
+            </a:r>
+            <a:endParaRPr lang="pt-BR" sz="1200" dirty="0">
+              <a:latin typeface="Segoe UI" panose="020B0502040204020203" pitchFamily="34" charset="0"/>
+              <a:ea typeface="Segoe UI" panose="020B0502040204020203" pitchFamily="34" charset="0"/>
+              <a:cs typeface="Segoe UI" panose="020B0502040204020203" pitchFamily="34" charset="0"/>
+            </a:endParaRPr>
+          </a:p>
+        </p:txBody>
+      </p:sp>
+      <p:sp>
+        <p:nvSpPr>
+          <p:cNvPr id="81" name="CaixaDeTexto 80"/>
+          <p:cNvSpPr txBox="1"/>
+          <p:nvPr/>
+        </p:nvSpPr>
+        <p:spPr>
+          <a:xfrm>
+            <a:off x="3597970" y="5644529"/>
+            <a:ext cx="598241" cy="276999"/>
+          </a:xfrm>
+          <a:prstGeom prst="rect">
+            <a:avLst/>
+          </a:prstGeom>
+          <a:noFill/>
+        </p:spPr>
+        <p:txBody>
+          <a:bodyPr wrap="none" rtlCol="0">
+            <a:spAutoFit/>
+          </a:bodyPr>
+          <a:lstStyle/>
+          <a:p>
+            <a:r>
+              <a:rPr lang="pt-BR" sz="1200" dirty="0" smtClean="0">
+                <a:latin typeface="Segoe UI" panose="020B0502040204020203" pitchFamily="34" charset="0"/>
+                <a:ea typeface="Segoe UI" panose="020B0502040204020203" pitchFamily="34" charset="0"/>
+                <a:cs typeface="Segoe UI" panose="020B0502040204020203" pitchFamily="34" charset="0"/>
+              </a:rPr>
+              <a:t>&lt;div&gt;</a:t>
+            </a:r>
+            <a:endParaRPr lang="pt-BR" sz="1200" dirty="0">
+              <a:latin typeface="Segoe UI" panose="020B0502040204020203" pitchFamily="34" charset="0"/>
+              <a:ea typeface="Segoe UI" panose="020B0502040204020203" pitchFamily="34" charset="0"/>
+              <a:cs typeface="Segoe UI" panose="020B0502040204020203" pitchFamily="34" charset="0"/>
+            </a:endParaRPr>
+          </a:p>
+        </p:txBody>
+      </p:sp>
+    </p:spTree>
+    <p:extLst>
+      <p:ext uri="{BB962C8B-B14F-4D97-AF65-F5344CB8AC3E}">
+        <p14:creationId xmlns:p14="http://schemas.microsoft.com/office/powerpoint/2010/main" val="1250095570"/>
+      </p:ext>
+    </p:extLst>
+  </p:cSld>
+  <p:clrMapOvr>
+    <a:masterClrMapping/>
+  </p:clrMapOvr>
+  <mc:AlternateContent xmlns:mc="http://schemas.openxmlformats.org/markup-compatibility/2006" xmlns:p14="http://schemas.microsoft.com/office/powerpoint/2010/main">
+    <mc:Choice Requires="p14">
+      <p:transition spd="med" p14:dur="700">
+        <p:fade/>
+      </p:transition>
+    </mc:Choice>
+    <mc:Fallback xmlns="">
+      <p:transition spd="med">
+        <p:fade/>
+      </p:transition>
+    </mc:Fallback>
+  </mc:AlternateContent>
+  <p:timing>
+    <p:tnLst>
+      <p:par>
+        <p:cTn id="1" dur="indefinite" restart="never" nodeType="tmRoot"/>
+      </p:par>
+    </p:tnLst>
+  </p:timing>
+</p:sld>
+</file>
+
+<file path=ppt/slides/slide8.xml><?xml version="1.0" encoding="utf-8"?>
+<p:sld xmlns:a="http://schemas.openxmlformats.org/drawingml/2006/main" xmlns:r="http://schemas.openxmlformats.org/officeDocument/2006/relationships" xmlns:p="http://schemas.openxmlformats.org/presentationml/2006/main">
+  <p:cSld>
+    <p:bg>
+      <p:bgPr>
+        <a:solidFill>
+          <a:schemeClr val="bg2"/>
+        </a:solidFill>
+        <a:effectLst/>
+      </p:bgPr>
+    </p:bg>
+    <p:spTree>
+      <p:nvGrpSpPr>
+        <p:cNvPr id="1" name=""/>
+        <p:cNvGrpSpPr/>
+        <p:nvPr/>
+      </p:nvGrpSpPr>
+      <p:grpSpPr>
+        <a:xfrm>
+          <a:off x="0" y="0"/>
+          <a:ext cx="0" cy="0"/>
+          <a:chOff x="0" y="0"/>
+          <a:chExt cx="0" cy="0"/>
+        </a:xfrm>
+      </p:grpSpPr>
+      <p:sp>
+        <p:nvSpPr>
+          <p:cNvPr id="2" name="Título 1"/>
+          <p:cNvSpPr>
+            <a:spLocks noGrp="1"/>
+          </p:cNvSpPr>
+          <p:nvPr>
+            <p:ph type="title"/>
+          </p:nvPr>
+        </p:nvSpPr>
+        <p:spPr/>
+        <p:txBody>
+          <a:bodyPr>
+            <a:normAutofit/>
+          </a:bodyPr>
+          <a:lstStyle/>
+          <a:p>
+            <a:pPr algn="l" defTabSz="914400">
+              <a:spcBef>
+                <a:spcPts val="0"/>
+              </a:spcBef>
+              <a:buNone/>
+            </a:pPr>
+            <a:r>
+              <a:rPr lang="pt-BR" sz="3200" b="0" i="0" dirty="0" smtClean="0">
+                <a:solidFill>
+                  <a:schemeClr val="bg1"/>
+                </a:solidFill>
+                <a:latin typeface="Segoe UI" panose="020B0502040204020203" pitchFamily="34" charset="0"/>
+                <a:ea typeface="Segoe UI" panose="020B0502040204020203" pitchFamily="34" charset="0"/>
+                <a:cs typeface="Segoe UI" panose="020B0502040204020203" pitchFamily="34" charset="0"/>
+              </a:rPr>
+              <a:t>Layout de Título e Conteúdo com Lista</a:t>
+            </a:r>
+            <a:endParaRPr lang="pt-BR" sz="3200" b="0" i="0" dirty="0">
+              <a:solidFill>
+                <a:schemeClr val="bg1"/>
+              </a:solidFill>
+              <a:latin typeface="Segoe UI" panose="020B0502040204020203" pitchFamily="34" charset="0"/>
+              <a:ea typeface="Segoe UI" panose="020B0502040204020203" pitchFamily="34" charset="0"/>
+              <a:cs typeface="Segoe UI" panose="020B0502040204020203" pitchFamily="34" charset="0"/>
+            </a:endParaRPr>
+          </a:p>
+        </p:txBody>
+      </p:sp>
+      <p:sp>
+        <p:nvSpPr>
+          <p:cNvPr id="3" name="Espaço Reservado para Conteúdo 2"/>
+          <p:cNvSpPr>
+            <a:spLocks noGrp="1"/>
+          </p:cNvSpPr>
+          <p:nvPr>
+            <p:ph idx="1"/>
+          </p:nvPr>
+        </p:nvSpPr>
+        <p:spPr/>
+        <p:txBody>
+          <a:bodyPr>
+            <a:normAutofit/>
+          </a:bodyPr>
+          <a:lstStyle/>
+          <a:p>
+            <a:pPr>
+              <a:lnSpc>
+                <a:spcPct val="110000"/>
+              </a:lnSpc>
+              <a:buClr>
+                <a:srgbClr val="595959"/>
+              </a:buClr>
+            </a:pPr>
+            <a:r>
+              <a:rPr lang="pt-BR" sz="2400" b="0" i="0" dirty="0" smtClean="0">
+                <a:solidFill>
+                  <a:srgbClr val="595959"/>
+                </a:solidFill>
+                <a:latin typeface="Segoe UI" panose="020B0502040204020203" pitchFamily="34" charset="0"/>
+                <a:ea typeface="Segoe UI" panose="020B0502040204020203" pitchFamily="34" charset="0"/>
+                <a:cs typeface="Segoe UI" panose="020B0502040204020203" pitchFamily="34" charset="0"/>
+              </a:rPr>
+              <a:t>Adicione seu primeiro marcador aqui</a:t>
+            </a:r>
+          </a:p>
+          <a:p>
+            <a:pPr>
+              <a:lnSpc>
+                <a:spcPct val="110000"/>
+              </a:lnSpc>
+              <a:buClr>
+                <a:srgbClr val="595959"/>
+              </a:buClr>
+            </a:pPr>
+            <a:r>
+              <a:rPr lang="pt-BR" sz="2400" b="0" i="0" dirty="0" smtClean="0">
+                <a:solidFill>
+                  <a:srgbClr val="595959"/>
+                </a:solidFill>
+                <a:latin typeface="Segoe UI" panose="020B0502040204020203" pitchFamily="34" charset="0"/>
+                <a:ea typeface="Segoe UI" panose="020B0502040204020203" pitchFamily="34" charset="0"/>
+                <a:cs typeface="Segoe UI" panose="020B0502040204020203" pitchFamily="34" charset="0"/>
+              </a:rPr>
+              <a:t>Adicione seu segundo marcador aqui</a:t>
+            </a:r>
+          </a:p>
+          <a:p>
+            <a:pPr>
+              <a:lnSpc>
+                <a:spcPct val="110000"/>
+              </a:lnSpc>
+              <a:buClr>
+                <a:srgbClr val="595959"/>
+              </a:buClr>
+            </a:pPr>
+            <a:r>
+              <a:rPr lang="pt-BR" sz="2400" b="0" i="0" dirty="0" smtClean="0">
+                <a:solidFill>
+                  <a:srgbClr val="595959"/>
+                </a:solidFill>
+                <a:latin typeface="Segoe UI" panose="020B0502040204020203" pitchFamily="34" charset="0"/>
+                <a:ea typeface="Segoe UI" panose="020B0502040204020203" pitchFamily="34" charset="0"/>
+                <a:cs typeface="Segoe UI" panose="020B0502040204020203" pitchFamily="34" charset="0"/>
+              </a:rPr>
+              <a:t>Adicione seu terceiro marcador aqui</a:t>
+            </a:r>
+            <a:endParaRPr lang="pt-BR" sz="2400" b="0" i="0" dirty="0">
+              <a:solidFill>
+                <a:srgbClr val="595959"/>
+              </a:solidFill>
+              <a:latin typeface="Segoe UI" panose="020B0502040204020203" pitchFamily="34" charset="0"/>
+              <a:ea typeface="Segoe UI" panose="020B0502040204020203" pitchFamily="34" charset="0"/>
+              <a:cs typeface="Segoe UI" panose="020B0502040204020203" pitchFamily="34" charset="0"/>
+            </a:endParaRPr>
+          </a:p>
+        </p:txBody>
+      </p:sp>
+    </p:spTree>
+    <p:extLst>
+      <p:ext uri="{BB962C8B-B14F-4D97-AF65-F5344CB8AC3E}">
+        <p14:creationId xmlns:p14="http://schemas.microsoft.com/office/powerpoint/2010/main" val="3639872359"/>
+      </p:ext>
+    </p:extLst>
+  </p:cSld>
+  <p:clrMapOvr>
+    <a:masterClrMapping/>
+  </p:clrMapOvr>
+  <mc:AlternateContent xmlns:mc="http://schemas.openxmlformats.org/markup-compatibility/2006" xmlns:p14="http://schemas.microsoft.com/office/powerpoint/2010/main">
+    <mc:Choice Requires="p14">
+      <p:transition spd="med" p14:dur="700">
+        <p:fade/>
+      </p:transition>
+    </mc:Choice>
+    <mc:Fallback xmlns="">
+      <p:transition spd="med">
+        <p:fade/>
+      </p:transition>
+    </mc:Fallback>
+  </mc:AlternateContent>
+  <p:timing>
+    <p:tnLst>
+      <p:par>
+        <p:cTn id="1" dur="indefinite" restart="never" nodeType="tmRoot"/>
+      </p:par>
+    </p:tnLst>
+  </p:timing>
+</p:sld>
+</file>
+
+<file path=ppt/slides/slide9.xml><?xml version="1.0" encoding="utf-8"?>
+<p:sld xmlns:a="http://schemas.openxmlformats.org/drawingml/2006/main" xmlns:r="http://schemas.openxmlformats.org/officeDocument/2006/relationships" xmlns:p="http://schemas.openxmlformats.org/presentationml/2006/main">
+  <p:cSld>
+    <p:spTree>
+      <p:nvGrpSpPr>
+        <p:cNvPr id="1" name=""/>
+        <p:cNvGrpSpPr/>
+        <p:nvPr/>
+      </p:nvGrpSpPr>
+      <p:grpSpPr>
+        <a:xfrm>
+          <a:off x="0" y="0"/>
+          <a:ext cx="0" cy="0"/>
+          <a:chOff x="0" y="0"/>
+          <a:chExt cx="0" cy="0"/>
+        </a:xfrm>
+      </p:grpSpPr>
+      <p:sp>
+        <p:nvSpPr>
+          <p:cNvPr id="2" name="Título 1"/>
+          <p:cNvSpPr>
+            <a:spLocks noGrp="1"/>
+          </p:cNvSpPr>
+          <p:nvPr>
+            <p:ph type="title"/>
+          </p:nvPr>
+        </p:nvSpPr>
+        <p:spPr/>
+        <p:txBody>
+          <a:bodyPr>
+            <a:normAutofit/>
+          </a:bodyPr>
+          <a:lstStyle/>
+          <a:p>
+            <a:pPr algn="l" defTabSz="914400">
+              <a:spcBef>
+                <a:spcPts val="0"/>
+              </a:spcBef>
+              <a:buNone/>
+            </a:pPr>
+            <a:r>
+              <a:rPr lang="pt-BR" sz="3200" b="0" i="0" dirty="0" smtClean="0">
+                <a:solidFill>
+                  <a:schemeClr val="bg1"/>
+                </a:solidFill>
+                <a:latin typeface="Book Antiqua"/>
+                <a:ea typeface="+mj-ea"/>
+                <a:cs typeface="+mj-cs"/>
+              </a:rPr>
+              <a:t>Layout de Título e Conteúdo com Gráfico</a:t>
+            </a:r>
+            <a:endParaRPr lang="pt-BR" sz="3200" b="0" i="0" dirty="0">
+              <a:solidFill>
+                <a:schemeClr val="bg1"/>
+              </a:solidFill>
+              <a:latin typeface="Book Antiqua"/>
+              <a:ea typeface="+mj-ea"/>
+              <a:cs typeface="+mj-cs"/>
+            </a:endParaRPr>
+          </a:p>
+        </p:txBody>
+      </p:sp>
+      <p:graphicFrame>
+        <p:nvGraphicFramePr>
+          <p:cNvPr id="7" name="Espaço Reservado para Conteúdo 6"/>
+          <p:cNvGraphicFramePr>
+            <a:graphicFrameLocks noGrp="1"/>
+          </p:cNvGraphicFramePr>
+          <p:nvPr>
+            <p:ph idx="1"/>
+            <p:extLst>
+              <p:ext uri="{D42A27DB-BD31-4B8C-83A1-F6EECF244321}">
+                <p14:modId xmlns:p14="http://schemas.microsoft.com/office/powerpoint/2010/main" val="583852116"/>
+              </p:ext>
+            </p:extLst>
+          </p:nvPr>
+        </p:nvGraphicFramePr>
+        <p:xfrm>
+          <a:off x="1295400" y="1828800"/>
+          <a:ext cx="9601200" cy="4343400"/>
+        </p:xfrm>
+        <a:graphic>
+          <a:graphicData uri="http://schemas.openxmlformats.org/drawingml/2006/chart">
+            <c:chart xmlns:c="http://schemas.openxmlformats.org/drawingml/2006/chart" xmlns:r="http://schemas.openxmlformats.org/officeDocument/2006/relationships" r:id="rId2"/>
+          </a:graphicData>
+        </a:graphic>
+      </p:graphicFrame>
+    </p:spTree>
+    <p:extLst>
+      <p:ext uri="{BB962C8B-B14F-4D97-AF65-F5344CB8AC3E}">
+        <p14:creationId xmlns:p14="http://schemas.microsoft.com/office/powerpoint/2010/main" val="3574231650"/>
+      </p:ext>
+    </p:extLst>
+  </p:cSld>
+  <p:clrMapOvr>
+    <a:masterClrMapping/>
+  </p:clrMapOvr>
+  <mc:AlternateContent xmlns:mc="http://schemas.openxmlformats.org/markup-compatibility/2006" xmlns:p14="http://schemas.microsoft.com/office/powerpoint/2010/main">
+    <mc:Choice Requires="p14">
+      <p:transition spd="med" p14:dur="700">
+        <p:fade/>
+      </p:transition>
+    </mc:Choice>
+    <mc:Fallback xmlns="">
+      <p:transition spd="med">
+        <p:fade/>
+      </p:transition>
+    </mc:Fallback>
+  </mc:AlternateContent>
+  <p:timing>
+    <p:tnLst>
+      <p:par>
+        <p:cTn id="1" dur="indefinite" restart="never" nodeType="tmRoot"/>
+      </p:par>
+    </p:tnLst>
+  </p:timing>
+</p:sld>
+</file>
+
 <file path=ppt/theme/theme1.xml><?xml version="1.0" encoding="utf-8"?>
 <a:theme xmlns:a="http://schemas.openxmlformats.org/drawingml/2006/main" name="SalesDirection_16x9_TP103431346">
   <a:themeElements>
@@ -12426,14 +16539,14 @@
         <a:srgbClr val="666699"/>
       </a:folHlink>
     </a:clrScheme>
-    <a:fontScheme name="Personalizada 1">
+    <a:fontScheme name="Book Antiqua">
       <a:majorFont>
-        <a:latin typeface="Segoe UI"/>
+        <a:latin typeface="Book Antiqua"/>
         <a:ea typeface=""/>
         <a:cs typeface=""/>
       </a:majorFont>
       <a:minorFont>
-        <a:latin typeface="Segoe UI"/>
+        <a:latin typeface="Book Antiqua"/>
         <a:ea typeface=""/>
         <a:cs typeface=""/>
       </a:minorFont>

--- a/Desenvolvendo Sites Responsivos com Bootstrap 4.pptx
+++ b/Desenvolvendo Sites Responsivos com Bootstrap 4.pptx
@@ -5,10 +5,10 @@
     <p:sldMasterId id="2147483648" r:id="rId2"/>
   </p:sldMasterIdLst>
   <p:notesMasterIdLst>
-    <p:notesMasterId r:id="rId20"/>
+    <p:notesMasterId r:id="rId21"/>
   </p:notesMasterIdLst>
   <p:handoutMasterIdLst>
-    <p:handoutMasterId r:id="rId21"/>
+    <p:handoutMasterId r:id="rId22"/>
   </p:handoutMasterIdLst>
   <p:sldIdLst>
     <p:sldId id="257" r:id="rId3"/>
@@ -16,18 +16,19 @@
     <p:sldId id="270" r:id="rId5"/>
     <p:sldId id="272" r:id="rId6"/>
     <p:sldId id="271" r:id="rId7"/>
-    <p:sldId id="274" r:id="rId8"/>
-    <p:sldId id="275" r:id="rId9"/>
-    <p:sldId id="258" r:id="rId10"/>
-    <p:sldId id="259" r:id="rId11"/>
-    <p:sldId id="260" r:id="rId12"/>
-    <p:sldId id="261" r:id="rId13"/>
-    <p:sldId id="262" r:id="rId14"/>
-    <p:sldId id="263" r:id="rId15"/>
-    <p:sldId id="264" r:id="rId16"/>
-    <p:sldId id="265" r:id="rId17"/>
-    <p:sldId id="267" r:id="rId18"/>
-    <p:sldId id="268" r:id="rId19"/>
+    <p:sldId id="277" r:id="rId8"/>
+    <p:sldId id="274" r:id="rId9"/>
+    <p:sldId id="275" r:id="rId10"/>
+    <p:sldId id="258" r:id="rId11"/>
+    <p:sldId id="259" r:id="rId12"/>
+    <p:sldId id="260" r:id="rId13"/>
+    <p:sldId id="261" r:id="rId14"/>
+    <p:sldId id="262" r:id="rId15"/>
+    <p:sldId id="263" r:id="rId16"/>
+    <p:sldId id="264" r:id="rId17"/>
+    <p:sldId id="265" r:id="rId18"/>
+    <p:sldId id="267" r:id="rId19"/>
+    <p:sldId id="268" r:id="rId20"/>
   </p:sldIdLst>
   <p:sldSz cx="12192000" cy="6858000"/>
   <p:notesSz cx="6858000" cy="9144000"/>
@@ -446,11 +447,11 @@
         </c:dLbls>
         <c:gapWidth val="100"/>
         <c:overlap val="-24"/>
-        <c:axId val="190191184"/>
-        <c:axId val="143545952"/>
+        <c:axId val="179597008"/>
+        <c:axId val="179597568"/>
       </c:barChart>
       <c:catAx>
-        <c:axId val="190191184"/>
+        <c:axId val="179597008"/>
         <c:scaling>
           <c:orientation val="minMax"/>
         </c:scaling>
@@ -490,7 +491,7 @@
             <a:endParaRPr lang="pt-BR"/>
           </a:p>
         </c:txPr>
-        <c:crossAx val="143545952"/>
+        <c:crossAx val="179597568"/>
         <c:crosses val="autoZero"/>
         <c:auto val="1"/>
         <c:lblAlgn val="ctr"/>
@@ -498,7 +499,7 @@
         <c:noMultiLvlLbl val="0"/>
       </c:catAx>
       <c:valAx>
-        <c:axId val="143545952"/>
+        <c:axId val="179597568"/>
         <c:scaling>
           <c:orientation val="minMax"/>
         </c:scaling>
@@ -546,7 +547,7 @@
             <a:endParaRPr lang="pt-BR"/>
           </a:p>
         </c:txPr>
-        <c:crossAx val="190191184"/>
+        <c:crossAx val="179597008"/>
         <c:crosses val="autoZero"/>
         <c:crossBetween val="between"/>
       </c:valAx>
@@ -560,7 +561,6 @@
     </c:plotArea>
     <c:legend>
       <c:legendPos val="b"/>
-      <c:layout/>
       <c:overlay val="0"/>
       <c:spPr>
         <a:noFill/>
@@ -2348,418 +2348,6 @@
       <dsp:cNvGrpSpPr/>
     </dsp:nvGrpSpPr>
     <dsp:grpSpPr/>
-    <dsp:sp modelId="{881B8FEC-9D20-4669-BB2E-FA9CEA0BE5A9}">
-      <dsp:nvSpPr>
-        <dsp:cNvPr id="0" name=""/>
-        <dsp:cNvSpPr/>
-      </dsp:nvSpPr>
-      <dsp:spPr>
-        <a:xfrm>
-          <a:off x="4453" y="1653197"/>
-          <a:ext cx="2592511" cy="1037004"/>
-        </a:xfrm>
-        <a:prstGeom prst="chevron">
-          <a:avLst/>
-        </a:prstGeom>
-        <a:gradFill rotWithShape="0">
-          <a:gsLst>
-            <a:gs pos="0">
-              <a:schemeClr val="accent2">
-                <a:hueOff val="0"/>
-                <a:satOff val="0"/>
-                <a:lumOff val="0"/>
-                <a:alphaOff val="0"/>
-                <a:satMod val="103000"/>
-                <a:lumMod val="102000"/>
-                <a:tint val="94000"/>
-              </a:schemeClr>
-            </a:gs>
-            <a:gs pos="50000">
-              <a:schemeClr val="accent2">
-                <a:hueOff val="0"/>
-                <a:satOff val="0"/>
-                <a:lumOff val="0"/>
-                <a:alphaOff val="0"/>
-                <a:satMod val="110000"/>
-                <a:lumMod val="100000"/>
-                <a:shade val="100000"/>
-              </a:schemeClr>
-            </a:gs>
-            <a:gs pos="100000">
-              <a:schemeClr val="accent2">
-                <a:hueOff val="0"/>
-                <a:satOff val="0"/>
-                <a:lumOff val="0"/>
-                <a:alphaOff val="0"/>
-                <a:lumMod val="99000"/>
-                <a:satMod val="120000"/>
-                <a:shade val="78000"/>
-              </a:schemeClr>
-            </a:gs>
-          </a:gsLst>
-          <a:lin ang="5400000" scaled="0"/>
-        </a:gradFill>
-        <a:ln>
-          <a:noFill/>
-        </a:ln>
-        <a:effectLst/>
-      </dsp:spPr>
-      <dsp:style>
-        <a:lnRef idx="0">
-          <a:scrgbClr r="0" g="0" b="0"/>
-        </a:lnRef>
-        <a:fillRef idx="3">
-          <a:scrgbClr r="0" g="0" b="0"/>
-        </a:fillRef>
-        <a:effectRef idx="2">
-          <a:scrgbClr r="0" g="0" b="0"/>
-        </a:effectRef>
-        <a:fontRef idx="minor">
-          <a:schemeClr val="lt1"/>
-        </a:fontRef>
-      </dsp:style>
-      <dsp:txBody>
-        <a:bodyPr spcFirstLastPara="0" vert="horz" wrap="square" lIns="108014" tIns="36005" rIns="36005" bIns="36005" numCol="1" spcCol="1270" anchor="ctr" anchorCtr="0">
-          <a:noAutofit/>
-        </a:bodyPr>
-        <a:lstStyle/>
-        <a:p>
-          <a:pPr lvl="0" algn="l" defTabSz="914400">
-            <a:lnSpc>
-              <a:spcPct val="90000"/>
-            </a:lnSpc>
-            <a:spcBef>
-              <a:spcPct val="0"/>
-            </a:spcBef>
-            <a:spcAft>
-              <a:spcPct val="35000"/>
-            </a:spcAft>
-            <a:buNone/>
-          </a:pPr>
-          <a:r>
-            <a:rPr lang="en-US" sz="2700" b="0" i="0" kern="1200" dirty="0">
-              <a:latin typeface="Book Antiqua"/>
-              <a:ea typeface="+mn-ea"/>
-              <a:cs typeface="+mn-cs"/>
-            </a:rPr>
-            <a:t>Título da Etapa 1</a:t>
-          </a:r>
-        </a:p>
-      </dsp:txBody>
-      <dsp:txXfrm>
-        <a:off x="522955" y="1653197"/>
-        <a:ext cx="1555507" cy="1037004"/>
-      </dsp:txXfrm>
-    </dsp:sp>
-    <dsp:sp modelId="{919A589F-F74A-40C3-BE88-AB8730BCAB04}">
-      <dsp:nvSpPr>
-        <dsp:cNvPr id="0" name=""/>
-        <dsp:cNvSpPr/>
-      </dsp:nvSpPr>
-      <dsp:spPr>
-        <a:xfrm>
-          <a:off x="2337714" y="1653197"/>
-          <a:ext cx="2592511" cy="1037004"/>
-        </a:xfrm>
-        <a:prstGeom prst="chevron">
-          <a:avLst/>
-        </a:prstGeom>
-        <a:gradFill rotWithShape="0">
-          <a:gsLst>
-            <a:gs pos="0">
-              <a:schemeClr val="accent3">
-                <a:hueOff val="0"/>
-                <a:satOff val="0"/>
-                <a:lumOff val="0"/>
-                <a:alphaOff val="0"/>
-                <a:satMod val="103000"/>
-                <a:lumMod val="102000"/>
-                <a:tint val="94000"/>
-              </a:schemeClr>
-            </a:gs>
-            <a:gs pos="50000">
-              <a:schemeClr val="accent3">
-                <a:hueOff val="0"/>
-                <a:satOff val="0"/>
-                <a:lumOff val="0"/>
-                <a:alphaOff val="0"/>
-                <a:satMod val="110000"/>
-                <a:lumMod val="100000"/>
-                <a:shade val="100000"/>
-              </a:schemeClr>
-            </a:gs>
-            <a:gs pos="100000">
-              <a:schemeClr val="accent3">
-                <a:hueOff val="0"/>
-                <a:satOff val="0"/>
-                <a:lumOff val="0"/>
-                <a:alphaOff val="0"/>
-                <a:lumMod val="99000"/>
-                <a:satMod val="120000"/>
-                <a:shade val="78000"/>
-              </a:schemeClr>
-            </a:gs>
-          </a:gsLst>
-          <a:lin ang="5400000" scaled="0"/>
-        </a:gradFill>
-        <a:ln>
-          <a:noFill/>
-        </a:ln>
-        <a:effectLst/>
-      </dsp:spPr>
-      <dsp:style>
-        <a:lnRef idx="0">
-          <a:scrgbClr r="0" g="0" b="0"/>
-        </a:lnRef>
-        <a:fillRef idx="3">
-          <a:scrgbClr r="0" g="0" b="0"/>
-        </a:fillRef>
-        <a:effectRef idx="2">
-          <a:scrgbClr r="0" g="0" b="0"/>
-        </a:effectRef>
-        <a:fontRef idx="minor">
-          <a:schemeClr val="lt1"/>
-        </a:fontRef>
-      </dsp:style>
-      <dsp:txBody>
-        <a:bodyPr spcFirstLastPara="0" vert="horz" wrap="square" lIns="108014" tIns="36005" rIns="36005" bIns="36005" numCol="1" spcCol="1270" anchor="ctr" anchorCtr="0">
-          <a:noAutofit/>
-        </a:bodyPr>
-        <a:lstStyle/>
-        <a:p>
-          <a:pPr lvl="0" algn="l" defTabSz="914400">
-            <a:lnSpc>
-              <a:spcPct val="90000"/>
-            </a:lnSpc>
-            <a:spcBef>
-              <a:spcPct val="0"/>
-            </a:spcBef>
-            <a:spcAft>
-              <a:spcPct val="35000"/>
-            </a:spcAft>
-            <a:buNone/>
-          </a:pPr>
-          <a:r>
-            <a:rPr lang="en-US" sz="2700" b="0" i="0" kern="1200" dirty="0">
-              <a:latin typeface="Book Antiqua"/>
-              <a:ea typeface="+mn-ea"/>
-              <a:cs typeface="+mn-cs"/>
-            </a:rPr>
-            <a:t>Título da Etapa 2</a:t>
-          </a:r>
-        </a:p>
-      </dsp:txBody>
-      <dsp:txXfrm>
-        <a:off x="2856216" y="1653197"/>
-        <a:ext cx="1555507" cy="1037004"/>
-      </dsp:txXfrm>
-    </dsp:sp>
-    <dsp:sp modelId="{268F2328-4548-422B-9C65-80797E16B241}">
-      <dsp:nvSpPr>
-        <dsp:cNvPr id="0" name=""/>
-        <dsp:cNvSpPr/>
-      </dsp:nvSpPr>
-      <dsp:spPr>
-        <a:xfrm>
-          <a:off x="4670974" y="1653197"/>
-          <a:ext cx="2592511" cy="1037004"/>
-        </a:xfrm>
-        <a:prstGeom prst="chevron">
-          <a:avLst/>
-        </a:prstGeom>
-        <a:gradFill rotWithShape="0">
-          <a:gsLst>
-            <a:gs pos="0">
-              <a:schemeClr val="accent4">
-                <a:hueOff val="0"/>
-                <a:satOff val="0"/>
-                <a:lumOff val="0"/>
-                <a:alphaOff val="0"/>
-                <a:satMod val="103000"/>
-                <a:lumMod val="102000"/>
-                <a:tint val="94000"/>
-              </a:schemeClr>
-            </a:gs>
-            <a:gs pos="50000">
-              <a:schemeClr val="accent4">
-                <a:hueOff val="0"/>
-                <a:satOff val="0"/>
-                <a:lumOff val="0"/>
-                <a:alphaOff val="0"/>
-                <a:satMod val="110000"/>
-                <a:lumMod val="100000"/>
-                <a:shade val="100000"/>
-              </a:schemeClr>
-            </a:gs>
-            <a:gs pos="100000">
-              <a:schemeClr val="accent4">
-                <a:hueOff val="0"/>
-                <a:satOff val="0"/>
-                <a:lumOff val="0"/>
-                <a:alphaOff val="0"/>
-                <a:lumMod val="99000"/>
-                <a:satMod val="120000"/>
-                <a:shade val="78000"/>
-              </a:schemeClr>
-            </a:gs>
-          </a:gsLst>
-          <a:lin ang="5400000" scaled="0"/>
-        </a:gradFill>
-        <a:ln>
-          <a:noFill/>
-        </a:ln>
-        <a:effectLst/>
-      </dsp:spPr>
-      <dsp:style>
-        <a:lnRef idx="0">
-          <a:scrgbClr r="0" g="0" b="0"/>
-        </a:lnRef>
-        <a:fillRef idx="3">
-          <a:scrgbClr r="0" g="0" b="0"/>
-        </a:fillRef>
-        <a:effectRef idx="2">
-          <a:scrgbClr r="0" g="0" b="0"/>
-        </a:effectRef>
-        <a:fontRef idx="minor">
-          <a:schemeClr val="lt1"/>
-        </a:fontRef>
-      </dsp:style>
-      <dsp:txBody>
-        <a:bodyPr spcFirstLastPara="0" vert="horz" wrap="square" lIns="108014" tIns="36005" rIns="36005" bIns="36005" numCol="1" spcCol="1270" anchor="ctr" anchorCtr="0">
-          <a:noAutofit/>
-        </a:bodyPr>
-        <a:lstStyle/>
-        <a:p>
-          <a:pPr lvl="0" algn="l" defTabSz="914400">
-            <a:lnSpc>
-              <a:spcPct val="90000"/>
-            </a:lnSpc>
-            <a:spcBef>
-              <a:spcPct val="0"/>
-            </a:spcBef>
-            <a:spcAft>
-              <a:spcPct val="35000"/>
-            </a:spcAft>
-            <a:buNone/>
-          </a:pPr>
-          <a:r>
-            <a:rPr lang="en-US" sz="2700" b="0" i="0" kern="1200" dirty="0">
-              <a:latin typeface="Book Antiqua"/>
-              <a:ea typeface="+mn-ea"/>
-              <a:cs typeface="+mn-cs"/>
-            </a:rPr>
-            <a:t>Título da Etapa 3</a:t>
-          </a:r>
-        </a:p>
-      </dsp:txBody>
-      <dsp:txXfrm>
-        <a:off x="5189476" y="1653197"/>
-        <a:ext cx="1555507" cy="1037004"/>
-      </dsp:txXfrm>
-    </dsp:sp>
-    <dsp:sp modelId="{BDD0B0F7-A87C-4B5B-A4C3-4E4BE6EB0FE4}">
-      <dsp:nvSpPr>
-        <dsp:cNvPr id="0" name=""/>
-        <dsp:cNvSpPr/>
-      </dsp:nvSpPr>
-      <dsp:spPr>
-        <a:xfrm>
-          <a:off x="7004234" y="1653197"/>
-          <a:ext cx="2592511" cy="1037004"/>
-        </a:xfrm>
-        <a:prstGeom prst="chevron">
-          <a:avLst/>
-        </a:prstGeom>
-        <a:gradFill rotWithShape="0">
-          <a:gsLst>
-            <a:gs pos="0">
-              <a:schemeClr val="accent5">
-                <a:hueOff val="0"/>
-                <a:satOff val="0"/>
-                <a:lumOff val="0"/>
-                <a:alphaOff val="0"/>
-                <a:satMod val="103000"/>
-                <a:lumMod val="102000"/>
-                <a:tint val="94000"/>
-              </a:schemeClr>
-            </a:gs>
-            <a:gs pos="50000">
-              <a:schemeClr val="accent5">
-                <a:hueOff val="0"/>
-                <a:satOff val="0"/>
-                <a:lumOff val="0"/>
-                <a:alphaOff val="0"/>
-                <a:satMod val="110000"/>
-                <a:lumMod val="100000"/>
-                <a:shade val="100000"/>
-              </a:schemeClr>
-            </a:gs>
-            <a:gs pos="100000">
-              <a:schemeClr val="accent5">
-                <a:hueOff val="0"/>
-                <a:satOff val="0"/>
-                <a:lumOff val="0"/>
-                <a:alphaOff val="0"/>
-                <a:lumMod val="99000"/>
-                <a:satMod val="120000"/>
-                <a:shade val="78000"/>
-              </a:schemeClr>
-            </a:gs>
-          </a:gsLst>
-          <a:lin ang="5400000" scaled="0"/>
-        </a:gradFill>
-        <a:ln>
-          <a:noFill/>
-        </a:ln>
-        <a:effectLst/>
-      </dsp:spPr>
-      <dsp:style>
-        <a:lnRef idx="0">
-          <a:scrgbClr r="0" g="0" b="0"/>
-        </a:lnRef>
-        <a:fillRef idx="3">
-          <a:scrgbClr r="0" g="0" b="0"/>
-        </a:fillRef>
-        <a:effectRef idx="2">
-          <a:scrgbClr r="0" g="0" b="0"/>
-        </a:effectRef>
-        <a:fontRef idx="minor">
-          <a:schemeClr val="lt1"/>
-        </a:fontRef>
-      </dsp:style>
-      <dsp:txBody>
-        <a:bodyPr spcFirstLastPara="0" vert="horz" wrap="square" lIns="108014" tIns="36005" rIns="36005" bIns="36005" numCol="1" spcCol="1270" anchor="ctr" anchorCtr="0">
-          <a:noAutofit/>
-        </a:bodyPr>
-        <a:lstStyle/>
-        <a:p>
-          <a:pPr lvl="0" algn="l" defTabSz="914400">
-            <a:lnSpc>
-              <a:spcPct val="90000"/>
-            </a:lnSpc>
-            <a:spcBef>
-              <a:spcPct val="0"/>
-            </a:spcBef>
-            <a:spcAft>
-              <a:spcPct val="35000"/>
-            </a:spcAft>
-            <a:buNone/>
-          </a:pPr>
-          <a:r>
-            <a:rPr lang="en-US" sz="2700" b="0" i="0" kern="1200" dirty="0">
-              <a:latin typeface="Book Antiqua"/>
-              <a:ea typeface="+mn-ea"/>
-              <a:cs typeface="+mn-cs"/>
-            </a:rPr>
-            <a:t>Título da Etapa 4</a:t>
-          </a:r>
-        </a:p>
-      </dsp:txBody>
-      <dsp:txXfrm>
-        <a:off x="7522736" y="1653197"/>
-        <a:ext cx="1555507" cy="1037004"/>
-      </dsp:txXfrm>
-    </dsp:sp>
   </dsp:spTree>
 </dsp:drawing>
 </file>
@@ -4163,7 +3751,7 @@
           <a:p>
             <a:fld id="{D63D5444-F62C-42C3-A75A-D9DBA807730F}" type="datetimeFigureOut">
               <a:rPr lang="pt-BR" smtClean="0"/>
-              <a:t>02/11/2017</a:t>
+              <a:t>06/11/2017</a:t>
             </a:fld>
             <a:endParaRPr lang="pt-BR" dirty="0"/>
           </a:p>
@@ -4328,7 +3916,7 @@
           <a:p>
             <a:fld id="{12CAA1FA-7B6A-47D2-8D61-F225D71B51FF}" type="datetimeFigureOut">
               <a:rPr lang="pt-BR" smtClean="0"/>
-              <a:t>02/11/2017</a:t>
+              <a:t>06/11/2017</a:t>
             </a:fld>
             <a:endParaRPr lang="pt-BR" dirty="0"/>
           </a:p>
@@ -5176,7 +4764,7 @@
           <a:p>
             <a:fld id="{A79A3335-6331-4872-A8B7-ECD55539F4D0}" type="datetimeFigureOut">
               <a:rPr lang="pt-BR" smtClean="0"/>
-              <a:t>02/11/2017</a:t>
+              <a:t>06/11/2017</a:t>
             </a:fld>
             <a:endParaRPr lang="pt-BR" dirty="0"/>
           </a:p>
@@ -5437,7 +5025,7 @@
           <a:p>
             <a:fld id="{A79A3335-6331-4872-A8B7-ECD55539F4D0}" type="datetimeFigureOut">
               <a:rPr lang="pt-BR" smtClean="0"/>
-              <a:t>02/11/2017</a:t>
+              <a:t>06/11/2017</a:t>
             </a:fld>
             <a:endParaRPr lang="pt-BR" dirty="0"/>
           </a:p>
@@ -5965,7 +5553,7 @@
           <a:p>
             <a:fld id="{A79A3335-6331-4872-A8B7-ECD55539F4D0}" type="datetimeFigureOut">
               <a:rPr lang="pt-BR" smtClean="0"/>
-              <a:t>02/11/2017</a:t>
+              <a:t>06/11/2017</a:t>
             </a:fld>
             <a:endParaRPr lang="pt-BR" dirty="0"/>
           </a:p>
@@ -6297,7 +5885,7 @@
           <a:p>
             <a:fld id="{A79A3335-6331-4872-A8B7-ECD55539F4D0}" type="datetimeFigureOut">
               <a:rPr lang="pt-BR" smtClean="0"/>
-              <a:t>02/11/2017</a:t>
+              <a:t>06/11/2017</a:t>
             </a:fld>
             <a:endParaRPr lang="pt-BR" dirty="0"/>
           </a:p>
@@ -6479,7 +6067,7 @@
           <a:p>
             <a:fld id="{A79A3335-6331-4872-A8B7-ECD55539F4D0}" type="datetimeFigureOut">
               <a:rPr lang="pt-BR" smtClean="0"/>
-              <a:t>02/11/2017</a:t>
+              <a:t>06/11/2017</a:t>
             </a:fld>
             <a:endParaRPr lang="pt-BR" dirty="0"/>
           </a:p>
@@ -7736,7 +7324,7 @@
           <a:p>
             <a:fld id="{A79A3335-6331-4872-A8B7-ECD55539F4D0}" type="datetimeFigureOut">
               <a:rPr lang="pt-BR" smtClean="0"/>
-              <a:t>02/11/2017</a:t>
+              <a:t>06/11/2017</a:t>
             </a:fld>
             <a:endParaRPr lang="pt-BR" dirty="0"/>
           </a:p>
@@ -8119,7 +7707,7 @@
           <a:p>
             <a:fld id="{A79A3335-6331-4872-A8B7-ECD55539F4D0}" type="datetimeFigureOut">
               <a:rPr lang="pt-BR" smtClean="0"/>
-              <a:t>02/11/2017</a:t>
+              <a:t>06/11/2017</a:t>
             </a:fld>
             <a:endParaRPr lang="pt-BR" dirty="0"/>
           </a:p>
@@ -8249,7 +7837,7 @@
           <a:p>
             <a:fld id="{A79A3335-6331-4872-A8B7-ECD55539F4D0}" type="datetimeFigureOut">
               <a:rPr lang="pt-BR" smtClean="0"/>
-              <a:t>02/11/2017</a:t>
+              <a:t>06/11/2017</a:t>
             </a:fld>
             <a:endParaRPr lang="pt-BR" dirty="0"/>
           </a:p>
@@ -8356,7 +7944,7 @@
           <a:p>
             <a:fld id="{A79A3335-6331-4872-A8B7-ECD55539F4D0}" type="datetimeFigureOut">
               <a:rPr lang="pt-BR" smtClean="0"/>
-              <a:t>02/11/2017</a:t>
+              <a:t>06/11/2017</a:t>
             </a:fld>
             <a:endParaRPr lang="pt-BR" dirty="0"/>
           </a:p>
@@ -8647,7 +8235,7 @@
           <a:p>
             <a:fld id="{A79A3335-6331-4872-A8B7-ECD55539F4D0}" type="datetimeFigureOut">
               <a:rPr lang="pt-BR" smtClean="0"/>
-              <a:t>02/11/2017</a:t>
+              <a:t>06/11/2017</a:t>
             </a:fld>
             <a:endParaRPr lang="pt-BR" dirty="0"/>
           </a:p>
@@ -9010,7 +8598,7 @@
             <a:fld id="{A79A3335-6331-4872-A8B7-ECD55539F4D0}" type="datetimeFigureOut">
               <a:rPr lang="pt-BR" smtClean="0"/>
               <a:pPr/>
-              <a:t>02/11/2017</a:t>
+              <a:t>06/11/2017</a:t>
             </a:fld>
             <a:endParaRPr lang="pt-BR" dirty="0"/>
           </a:p>
@@ -9624,6 +9212,125 @@
                 <a:ea typeface="+mj-ea"/>
                 <a:cs typeface="+mj-cs"/>
               </a:rPr>
+              <a:t>Layout de Título e Conteúdo com Gráfico</a:t>
+            </a:r>
+            <a:endParaRPr lang="pt-BR" sz="3200" b="0" i="0" dirty="0">
+              <a:solidFill>
+                <a:schemeClr val="bg1"/>
+              </a:solidFill>
+              <a:latin typeface="Book Antiqua"/>
+              <a:ea typeface="+mj-ea"/>
+              <a:cs typeface="+mj-cs"/>
+            </a:endParaRPr>
+          </a:p>
+        </p:txBody>
+      </p:sp>
+      <p:graphicFrame>
+        <p:nvGraphicFramePr>
+          <p:cNvPr id="7" name="Espaço Reservado para Conteúdo 6"/>
+          <p:cNvGraphicFramePr>
+            <a:graphicFrameLocks noGrp="1"/>
+          </p:cNvGraphicFramePr>
+          <p:nvPr>
+            <p:ph idx="1"/>
+            <p:extLst>
+              <p:ext uri="{D42A27DB-BD31-4B8C-83A1-F6EECF244321}">
+                <p14:modId xmlns:p14="http://schemas.microsoft.com/office/powerpoint/2010/main" val="583852116"/>
+              </p:ext>
+            </p:extLst>
+          </p:nvPr>
+        </p:nvGraphicFramePr>
+        <p:xfrm>
+          <a:off x="1295400" y="1828800"/>
+          <a:ext cx="9601200" cy="4343400"/>
+        </p:xfrm>
+        <a:graphic>
+          <a:graphicData uri="http://schemas.openxmlformats.org/drawingml/2006/chart">
+            <c:chart xmlns:c="http://schemas.openxmlformats.org/drawingml/2006/chart" xmlns:r="http://schemas.openxmlformats.org/officeDocument/2006/relationships" r:id="rId2"/>
+          </a:graphicData>
+        </a:graphic>
+      </p:graphicFrame>
+    </p:spTree>
+    <p:extLst>
+      <p:ext uri="{BB962C8B-B14F-4D97-AF65-F5344CB8AC3E}">
+        <p14:creationId xmlns:p14="http://schemas.microsoft.com/office/powerpoint/2010/main" val="3574231650"/>
+      </p:ext>
+    </p:extLst>
+  </p:cSld>
+  <p:clrMapOvr>
+    <a:masterClrMapping/>
+  </p:clrMapOvr>
+  <mc:AlternateContent xmlns:mc="http://schemas.openxmlformats.org/markup-compatibility/2006" xmlns:p14="http://schemas.microsoft.com/office/powerpoint/2010/main">
+    <mc:Choice Requires="p14">
+      <p:transition spd="med" p14:dur="700">
+        <p:fade/>
+      </p:transition>
+    </mc:Choice>
+    <mc:Fallback xmlns="">
+      <p:transition spd="med">
+        <p:fade/>
+      </p:transition>
+    </mc:Fallback>
+  </mc:AlternateContent>
+  <p:timing>
+    <p:tnLst>
+      <p:par>
+        <p:cTn id="1" dur="indefinite" restart="never" nodeType="tmRoot"/>
+      </p:par>
+    </p:tnLst>
+  </p:timing>
+</p:sld>
+</file>
+
+<file path=ppt/slides/slide11.xml><?xml version="1.0" encoding="utf-8"?>
+<p:sld xmlns:a="http://schemas.openxmlformats.org/drawingml/2006/main" xmlns:r="http://schemas.openxmlformats.org/officeDocument/2006/relationships" xmlns:p="http://schemas.openxmlformats.org/presentationml/2006/main">
+  <p:cSld>
+    <p:spTree>
+      <p:nvGrpSpPr>
+        <p:cNvPr id="1" name=""/>
+        <p:cNvGrpSpPr/>
+        <p:nvPr/>
+      </p:nvGrpSpPr>
+      <p:grpSpPr>
+        <a:xfrm>
+          <a:off x="0" y="0"/>
+          <a:ext cx="0" cy="0"/>
+          <a:chOff x="0" y="0"/>
+          <a:chExt cx="0" cy="0"/>
+        </a:xfrm>
+      </p:grpSpPr>
+      <p:sp>
+        <p:nvSpPr>
+          <p:cNvPr id="2" name="Título 1"/>
+          <p:cNvSpPr>
+            <a:spLocks noGrp="1"/>
+          </p:cNvSpPr>
+          <p:nvPr>
+            <p:ph type="title"/>
+          </p:nvPr>
+        </p:nvSpPr>
+        <p:spPr/>
+        <p:txBody>
+          <a:bodyPr>
+            <a:normAutofit/>
+          </a:bodyPr>
+          <a:lstStyle/>
+          <a:p>
+            <a:pPr algn="l" defTabSz="914400">
+              <a:spcBef>
+                <a:spcPts val="0"/>
+              </a:spcBef>
+              <a:buNone/>
+            </a:pPr>
+            <a:r>
+              <a:rPr lang="pt-BR" sz="3200" b="0" i="0" dirty="0" smtClean="0">
+                <a:solidFill>
+                  <a:schemeClr val="bg1"/>
+                </a:solidFill>
+                <a:latin typeface="Book Antiqua"/>
+                <a:ea typeface="+mj-ea"/>
+                <a:cs typeface="+mj-cs"/>
+              </a:rPr>
               <a:t>Layout de Conteúdo de Duas Partes com Tabela</a:t>
             </a:r>
             <a:endParaRPr lang="pt-BR" sz="3200" b="0" i="0" dirty="0">
@@ -9967,7 +9674,7 @@
 </p:sld>
 </file>
 
-<file path=ppt/slides/slide11.xml><?xml version="1.0" encoding="utf-8"?>
+<file path=ppt/slides/slide12.xml><?xml version="1.0" encoding="utf-8"?>
 <p:sld xmlns:a="http://schemas.openxmlformats.org/drawingml/2006/main" xmlns:r="http://schemas.openxmlformats.org/officeDocument/2006/relationships" xmlns:p="http://schemas.openxmlformats.org/presentationml/2006/main">
   <p:cSld>
     <p:spTree>
@@ -10086,93 +9793,6 @@
 </p:sld>
 </file>
 
-<file path=ppt/slides/slide12.xml><?xml version="1.0" encoding="utf-8"?>
-<p:sld xmlns:a="http://schemas.openxmlformats.org/drawingml/2006/main" xmlns:r="http://schemas.openxmlformats.org/officeDocument/2006/relationships" xmlns:p="http://schemas.openxmlformats.org/presentationml/2006/main">
-  <p:cSld>
-    <p:spTree>
-      <p:nvGrpSpPr>
-        <p:cNvPr id="1" name=""/>
-        <p:cNvGrpSpPr/>
-        <p:nvPr/>
-      </p:nvGrpSpPr>
-      <p:grpSpPr>
-        <a:xfrm>
-          <a:off x="0" y="0"/>
-          <a:ext cx="0" cy="0"/>
-          <a:chOff x="0" y="0"/>
-          <a:chExt cx="0" cy="0"/>
-        </a:xfrm>
-      </p:grpSpPr>
-      <p:sp>
-        <p:nvSpPr>
-          <p:cNvPr id="2" name="Título 1"/>
-          <p:cNvSpPr>
-            <a:spLocks noGrp="1"/>
-          </p:cNvSpPr>
-          <p:nvPr>
-            <p:ph type="ctrTitle"/>
-          </p:nvPr>
-        </p:nvSpPr>
-        <p:spPr/>
-        <p:txBody>
-          <a:bodyPr/>
-          <a:lstStyle/>
-          <a:p>
-            <a:endParaRPr lang="pt-BR" dirty="0"/>
-          </a:p>
-        </p:txBody>
-      </p:sp>
-      <p:sp>
-        <p:nvSpPr>
-          <p:cNvPr id="3" name="Subtítulo 2"/>
-          <p:cNvSpPr>
-            <a:spLocks noGrp="1"/>
-          </p:cNvSpPr>
-          <p:nvPr>
-            <p:ph type="subTitle" idx="1"/>
-          </p:nvPr>
-        </p:nvSpPr>
-        <p:spPr/>
-        <p:txBody>
-          <a:bodyPr/>
-          <a:lstStyle/>
-          <a:p>
-            <a:endParaRPr lang="pt-BR" dirty="0"/>
-          </a:p>
-        </p:txBody>
-      </p:sp>
-    </p:spTree>
-    <p:extLst>
-      <p:ext uri="{BB962C8B-B14F-4D97-AF65-F5344CB8AC3E}">
-        <p14:creationId xmlns:p14="http://schemas.microsoft.com/office/powerpoint/2010/main" val="1636679273"/>
-      </p:ext>
-    </p:extLst>
-  </p:cSld>
-  <p:clrMapOvr>
-    <a:masterClrMapping/>
-  </p:clrMapOvr>
-  <mc:AlternateContent xmlns:mc="http://schemas.openxmlformats.org/markup-compatibility/2006" xmlns:p14="http://schemas.microsoft.com/office/powerpoint/2010/main">
-    <mc:Choice Requires="p14">
-      <p:transition spd="med" p14:dur="700">
-        <p:fade/>
-      </p:transition>
-    </mc:Choice>
-    <mc:Fallback xmlns="">
-      <p:transition spd="med">
-        <p:fade/>
-      </p:transition>
-    </mc:Fallback>
-  </mc:AlternateContent>
-  <p:timing>
-    <p:tnLst>
-      <p:par>
-        <p:cTn id="1" dur="indefinite" restart="never" nodeType="tmRoot"/>
-      </p:par>
-    </p:tnLst>
-  </p:timing>
-</p:sld>
-</file>
-
 <file path=ppt/slides/slide13.xml><?xml version="1.0" encoding="utf-8"?>
 <p:sld xmlns:a="http://schemas.openxmlformats.org/drawingml/2006/main" xmlns:r="http://schemas.openxmlformats.org/officeDocument/2006/relationships" xmlns:p="http://schemas.openxmlformats.org/presentationml/2006/main">
   <p:cSld>
@@ -10197,7 +9817,7 @@
             <a:spLocks noGrp="1"/>
           </p:cNvSpPr>
           <p:nvPr>
-            <p:ph type="title"/>
+            <p:ph type="ctrTitle"/>
           </p:nvPr>
         </p:nvSpPr>
         <p:spPr/>
@@ -10211,12 +9831,12 @@
       </p:sp>
       <p:sp>
         <p:nvSpPr>
-          <p:cNvPr id="3" name="Espaço Reservado para Texto 2"/>
+          <p:cNvPr id="3" name="Subtítulo 2"/>
           <p:cNvSpPr>
             <a:spLocks noGrp="1"/>
           </p:cNvSpPr>
           <p:nvPr>
-            <p:ph type="body" idx="1"/>
+            <p:ph type="subTitle" idx="1"/>
           </p:nvPr>
         </p:nvSpPr>
         <p:spPr/>
@@ -10231,7 +9851,7 @@
     </p:spTree>
     <p:extLst>
       <p:ext uri="{BB962C8B-B14F-4D97-AF65-F5344CB8AC3E}">
-        <p14:creationId xmlns:p14="http://schemas.microsoft.com/office/powerpoint/2010/main" val="3374778722"/>
+        <p14:creationId xmlns:p14="http://schemas.microsoft.com/office/powerpoint/2010/main" val="1636679273"/>
       </p:ext>
     </p:extLst>
   </p:cSld>
@@ -10315,67 +9935,10 @@
           </a:p>
         </p:txBody>
       </p:sp>
-      <p:sp>
-        <p:nvSpPr>
-          <p:cNvPr id="4" name="Espaço Reservado para Conteúdo 3"/>
-          <p:cNvSpPr>
-            <a:spLocks noGrp="1"/>
-          </p:cNvSpPr>
-          <p:nvPr>
-            <p:ph sz="half" idx="2"/>
-          </p:nvPr>
-        </p:nvSpPr>
-        <p:spPr/>
-        <p:txBody>
-          <a:bodyPr/>
-          <a:lstStyle/>
-          <a:p>
-            <a:endParaRPr lang="pt-BR" dirty="0"/>
-          </a:p>
-        </p:txBody>
-      </p:sp>
-      <p:sp>
-        <p:nvSpPr>
-          <p:cNvPr id="5" name="Espaço Reservado para Texto 4"/>
-          <p:cNvSpPr>
-            <a:spLocks noGrp="1"/>
-          </p:cNvSpPr>
-          <p:nvPr>
-            <p:ph type="body" sz="quarter" idx="3"/>
-          </p:nvPr>
-        </p:nvSpPr>
-        <p:spPr/>
-        <p:txBody>
-          <a:bodyPr/>
-          <a:lstStyle/>
-          <a:p>
-            <a:endParaRPr lang="pt-BR" dirty="0"/>
-          </a:p>
-        </p:txBody>
-      </p:sp>
-      <p:sp>
-        <p:nvSpPr>
-          <p:cNvPr id="6" name="Espaço Reservado para Conteúdo 5"/>
-          <p:cNvSpPr>
-            <a:spLocks noGrp="1"/>
-          </p:cNvSpPr>
-          <p:nvPr>
-            <p:ph sz="quarter" idx="4"/>
-          </p:nvPr>
-        </p:nvSpPr>
-        <p:spPr/>
-        <p:txBody>
-          <a:bodyPr/>
-          <a:lstStyle/>
-          <a:p>
-            <a:endParaRPr lang="pt-BR" dirty="0"/>
-          </a:p>
-        </p:txBody>
-      </p:sp>
     </p:spTree>
     <p:extLst>
       <p:ext uri="{BB962C8B-B14F-4D97-AF65-F5344CB8AC3E}">
-        <p14:creationId xmlns:p14="http://schemas.microsoft.com/office/powerpoint/2010/main" val="737118897"/>
+        <p14:creationId xmlns:p14="http://schemas.microsoft.com/office/powerpoint/2010/main" val="3374778722"/>
       </p:ext>
     </p:extLst>
   </p:cSld>
@@ -10440,10 +10003,86 @@
           </a:p>
         </p:txBody>
       </p:sp>
+      <p:sp>
+        <p:nvSpPr>
+          <p:cNvPr id="3" name="Espaço Reservado para Texto 2"/>
+          <p:cNvSpPr>
+            <a:spLocks noGrp="1"/>
+          </p:cNvSpPr>
+          <p:nvPr>
+            <p:ph type="body" idx="1"/>
+          </p:nvPr>
+        </p:nvSpPr>
+        <p:spPr/>
+        <p:txBody>
+          <a:bodyPr/>
+          <a:lstStyle/>
+          <a:p>
+            <a:endParaRPr lang="pt-BR" dirty="0"/>
+          </a:p>
+        </p:txBody>
+      </p:sp>
+      <p:sp>
+        <p:nvSpPr>
+          <p:cNvPr id="4" name="Espaço Reservado para Conteúdo 3"/>
+          <p:cNvSpPr>
+            <a:spLocks noGrp="1"/>
+          </p:cNvSpPr>
+          <p:nvPr>
+            <p:ph sz="half" idx="2"/>
+          </p:nvPr>
+        </p:nvSpPr>
+        <p:spPr/>
+        <p:txBody>
+          <a:bodyPr/>
+          <a:lstStyle/>
+          <a:p>
+            <a:endParaRPr lang="pt-BR" dirty="0"/>
+          </a:p>
+        </p:txBody>
+      </p:sp>
+      <p:sp>
+        <p:nvSpPr>
+          <p:cNvPr id="5" name="Espaço Reservado para Texto 4"/>
+          <p:cNvSpPr>
+            <a:spLocks noGrp="1"/>
+          </p:cNvSpPr>
+          <p:nvPr>
+            <p:ph type="body" sz="quarter" idx="3"/>
+          </p:nvPr>
+        </p:nvSpPr>
+        <p:spPr/>
+        <p:txBody>
+          <a:bodyPr/>
+          <a:lstStyle/>
+          <a:p>
+            <a:endParaRPr lang="pt-BR" dirty="0"/>
+          </a:p>
+        </p:txBody>
+      </p:sp>
+      <p:sp>
+        <p:nvSpPr>
+          <p:cNvPr id="6" name="Espaço Reservado para Conteúdo 5"/>
+          <p:cNvSpPr>
+            <a:spLocks noGrp="1"/>
+          </p:cNvSpPr>
+          <p:nvPr>
+            <p:ph sz="quarter" idx="4"/>
+          </p:nvPr>
+        </p:nvSpPr>
+        <p:spPr/>
+        <p:txBody>
+          <a:bodyPr/>
+          <a:lstStyle/>
+          <a:p>
+            <a:endParaRPr lang="pt-BR" dirty="0"/>
+          </a:p>
+        </p:txBody>
+      </p:sp>
     </p:spTree>
     <p:extLst>
       <p:ext uri="{BB962C8B-B14F-4D97-AF65-F5344CB8AC3E}">
-        <p14:creationId xmlns:p14="http://schemas.microsoft.com/office/powerpoint/2010/main" val="3061729273"/>
+        <p14:creationId xmlns:p14="http://schemas.microsoft.com/office/powerpoint/2010/main" val="737118897"/>
       </p:ext>
     </p:extLst>
   </p:cSld>
@@ -10508,6 +10147,74 @@
           </a:p>
         </p:txBody>
       </p:sp>
+    </p:spTree>
+    <p:extLst>
+      <p:ext uri="{BB962C8B-B14F-4D97-AF65-F5344CB8AC3E}">
+        <p14:creationId xmlns:p14="http://schemas.microsoft.com/office/powerpoint/2010/main" val="3061729273"/>
+      </p:ext>
+    </p:extLst>
+  </p:cSld>
+  <p:clrMapOvr>
+    <a:masterClrMapping/>
+  </p:clrMapOvr>
+  <mc:AlternateContent xmlns:mc="http://schemas.openxmlformats.org/markup-compatibility/2006" xmlns:p14="http://schemas.microsoft.com/office/powerpoint/2010/main">
+    <mc:Choice Requires="p14">
+      <p:transition spd="med" p14:dur="700">
+        <p:fade/>
+      </p:transition>
+    </mc:Choice>
+    <mc:Fallback xmlns="">
+      <p:transition spd="med">
+        <p:fade/>
+      </p:transition>
+    </mc:Fallback>
+  </mc:AlternateContent>
+  <p:timing>
+    <p:tnLst>
+      <p:par>
+        <p:cTn id="1" dur="indefinite" restart="never" nodeType="tmRoot"/>
+      </p:par>
+    </p:tnLst>
+  </p:timing>
+</p:sld>
+</file>
+
+<file path=ppt/slides/slide17.xml><?xml version="1.0" encoding="utf-8"?>
+<p:sld xmlns:a="http://schemas.openxmlformats.org/drawingml/2006/main" xmlns:r="http://schemas.openxmlformats.org/officeDocument/2006/relationships" xmlns:p="http://schemas.openxmlformats.org/presentationml/2006/main">
+  <p:cSld>
+    <p:spTree>
+      <p:nvGrpSpPr>
+        <p:cNvPr id="1" name=""/>
+        <p:cNvGrpSpPr/>
+        <p:nvPr/>
+      </p:nvGrpSpPr>
+      <p:grpSpPr>
+        <a:xfrm>
+          <a:off x="0" y="0"/>
+          <a:ext cx="0" cy="0"/>
+          <a:chOff x="0" y="0"/>
+          <a:chExt cx="0" cy="0"/>
+        </a:xfrm>
+      </p:grpSpPr>
+      <p:sp>
+        <p:nvSpPr>
+          <p:cNvPr id="2" name="Título 1"/>
+          <p:cNvSpPr>
+            <a:spLocks noGrp="1"/>
+          </p:cNvSpPr>
+          <p:nvPr>
+            <p:ph type="title"/>
+          </p:nvPr>
+        </p:nvSpPr>
+        <p:spPr/>
+        <p:txBody>
+          <a:bodyPr/>
+          <a:lstStyle/>
+          <a:p>
+            <a:endParaRPr lang="pt-BR" dirty="0"/>
+          </a:p>
+        </p:txBody>
+      </p:sp>
       <p:sp>
         <p:nvSpPr>
           <p:cNvPr id="3" name="Espaço Reservado para Conteúdo 2"/>
@@ -10578,7 +10285,7 @@
 </p:sld>
 </file>
 
-<file path=ppt/slides/slide17.xml><?xml version="1.0" encoding="utf-8"?>
+<file path=ppt/slides/slide18.xml><?xml version="1.0" encoding="utf-8"?>
 <p:sld xmlns:a="http://schemas.openxmlformats.org/drawingml/2006/main" xmlns:r="http://schemas.openxmlformats.org/officeDocument/2006/relationships" xmlns:p="http://schemas.openxmlformats.org/presentationml/2006/main">
   <p:cSld>
     <p:spTree>
@@ -11314,8 +11021,23 @@
                 <a:ea typeface="Segoe UI" panose="020B0502040204020203" pitchFamily="34" charset="0"/>
                 <a:cs typeface="Segoe UI" panose="020B0502040204020203" pitchFamily="34" charset="0"/>
               </a:rPr>
-              <a:t>Unidades de Medida</a:t>
-            </a:r>
+              <a:t>Unidades de </a:t>
+            </a:r>
+            <a:r>
+              <a:rPr lang="pt-BR" dirty="0" smtClean="0">
+                <a:latin typeface="Segoe UI" panose="020B0502040204020203" pitchFamily="34" charset="0"/>
+                <a:ea typeface="Segoe UI" panose="020B0502040204020203" pitchFamily="34" charset="0"/>
+                <a:cs typeface="Segoe UI" panose="020B0502040204020203" pitchFamily="34" charset="0"/>
+              </a:rPr>
+              <a:t>Medida</a:t>
+            </a:r>
+          </a:p>
+          <a:p>
+            <a:pPr algn="just">
+              <a:lnSpc>
+                <a:spcPct val="150000"/>
+              </a:lnSpc>
+            </a:pPr>
             <a:endParaRPr lang="pt-BR" dirty="0">
               <a:latin typeface="Segoe UI" panose="020B0502040204020203" pitchFamily="34" charset="0"/>
               <a:ea typeface="Segoe UI" panose="020B0502040204020203" pitchFamily="34" charset="0"/>
@@ -12394,6 +12116,509 @@
           <a:chExt cx="0" cy="0"/>
         </a:xfrm>
       </p:grpSpPr>
+      <p:sp>
+        <p:nvSpPr>
+          <p:cNvPr id="2" name="Título 1"/>
+          <p:cNvSpPr>
+            <a:spLocks noGrp="1"/>
+          </p:cNvSpPr>
+          <p:nvPr>
+            <p:ph type="title"/>
+          </p:nvPr>
+        </p:nvSpPr>
+        <p:spPr/>
+        <p:txBody>
+          <a:bodyPr>
+            <a:normAutofit/>
+          </a:bodyPr>
+          <a:lstStyle/>
+          <a:p>
+            <a:r>
+              <a:rPr lang="pt-BR" sz="4000" dirty="0" err="1" smtClean="0">
+                <a:latin typeface="Century Gothic" panose="020B0502020202020204" pitchFamily="34" charset="0"/>
+                <a:ea typeface="Segoe UI" panose="020B0502040204020203" pitchFamily="34" charset="0"/>
+                <a:cs typeface="Segoe UI" panose="020B0502040204020203" pitchFamily="34" charset="0"/>
+              </a:rPr>
+              <a:t>Pré</a:t>
+            </a:r>
+            <a:r>
+              <a:rPr lang="pt-BR" sz="4000" dirty="0" smtClean="0">
+                <a:latin typeface="Century Gothic" panose="020B0502020202020204" pitchFamily="34" charset="0"/>
+                <a:ea typeface="Segoe UI" panose="020B0502040204020203" pitchFamily="34" charset="0"/>
+                <a:cs typeface="Segoe UI" panose="020B0502040204020203" pitchFamily="34" charset="0"/>
+              </a:rPr>
+              <a:t>-processadores CSS</a:t>
+            </a:r>
+            <a:endParaRPr lang="pt-BR" sz="4000" dirty="0">
+              <a:latin typeface="Century Gothic" panose="020B0502020202020204" pitchFamily="34" charset="0"/>
+              <a:ea typeface="Segoe UI" panose="020B0502040204020203" pitchFamily="34" charset="0"/>
+              <a:cs typeface="Segoe UI" panose="020B0502040204020203" pitchFamily="34" charset="0"/>
+            </a:endParaRPr>
+          </a:p>
+        </p:txBody>
+      </p:sp>
+      <p:sp>
+        <p:nvSpPr>
+          <p:cNvPr id="8" name="Espaço Reservado para Conteúdo 2"/>
+          <p:cNvSpPr txBox="1">
+            <a:spLocks/>
+          </p:cNvSpPr>
+          <p:nvPr/>
+        </p:nvSpPr>
+        <p:spPr>
+          <a:xfrm>
+            <a:off x="1295400" y="1828800"/>
+            <a:ext cx="5889171" cy="4343400"/>
+          </a:xfrm>
+          <a:prstGeom prst="rect">
+            <a:avLst/>
+          </a:prstGeom>
+        </p:spPr>
+        <p:txBody>
+          <a:bodyPr>
+            <a:normAutofit lnSpcReduction="10000"/>
+          </a:bodyPr>
+          <a:lstStyle>
+            <a:lvl1pPr marL="274320" indent="-274320" algn="l" defTabSz="914400" rtl="0" eaLnBrk="1" latinLnBrk="0" hangingPunct="1">
+              <a:lnSpc>
+                <a:spcPct val="90000"/>
+              </a:lnSpc>
+              <a:spcBef>
+                <a:spcPts val="1800"/>
+              </a:spcBef>
+              <a:buFont typeface="Arial" panose="020B0604020202020204" pitchFamily="34" charset="0"/>
+              <a:buChar char="•"/>
+              <a:defRPr sz="2400" kern="1200">
+                <a:solidFill>
+                  <a:schemeClr val="tx1"/>
+                </a:solidFill>
+                <a:latin typeface="+mn-lt"/>
+                <a:ea typeface="+mn-ea"/>
+                <a:cs typeface="+mn-cs"/>
+              </a:defRPr>
+            </a:lvl1pPr>
+            <a:lvl2pPr marL="548640" indent="-228600" algn="l" defTabSz="914400" rtl="0" eaLnBrk="1" latinLnBrk="0" hangingPunct="1">
+              <a:lnSpc>
+                <a:spcPct val="90000"/>
+              </a:lnSpc>
+              <a:spcBef>
+                <a:spcPts val="1000"/>
+              </a:spcBef>
+              <a:buFont typeface="Arial" panose="020B0604020202020204" pitchFamily="34" charset="0"/>
+              <a:buChar char="•"/>
+              <a:defRPr sz="2000" kern="1200">
+                <a:solidFill>
+                  <a:schemeClr val="tx1"/>
+                </a:solidFill>
+                <a:latin typeface="+mn-lt"/>
+                <a:ea typeface="+mn-ea"/>
+                <a:cs typeface="+mn-cs"/>
+              </a:defRPr>
+            </a:lvl2pPr>
+            <a:lvl3pPr marL="822960" indent="-228600" algn="l" defTabSz="914400" rtl="0" eaLnBrk="1" latinLnBrk="0" hangingPunct="1">
+              <a:lnSpc>
+                <a:spcPct val="90000"/>
+              </a:lnSpc>
+              <a:spcBef>
+                <a:spcPts val="800"/>
+              </a:spcBef>
+              <a:buFont typeface="Arial" panose="020B0604020202020204" pitchFamily="34" charset="0"/>
+              <a:buChar char="•"/>
+              <a:defRPr sz="1800" kern="1200">
+                <a:solidFill>
+                  <a:schemeClr val="tx1"/>
+                </a:solidFill>
+                <a:latin typeface="+mn-lt"/>
+                <a:ea typeface="+mn-ea"/>
+                <a:cs typeface="+mn-cs"/>
+              </a:defRPr>
+            </a:lvl3pPr>
+            <a:lvl4pPr marL="1097280" indent="-228600" algn="l" defTabSz="914400" rtl="0" eaLnBrk="1" latinLnBrk="0" hangingPunct="1">
+              <a:lnSpc>
+                <a:spcPct val="90000"/>
+              </a:lnSpc>
+              <a:spcBef>
+                <a:spcPts val="800"/>
+              </a:spcBef>
+              <a:buFont typeface="Arial" panose="020B0604020202020204" pitchFamily="34" charset="0"/>
+              <a:buChar char="•"/>
+              <a:defRPr sz="1600" kern="1200">
+                <a:solidFill>
+                  <a:schemeClr val="tx1"/>
+                </a:solidFill>
+                <a:latin typeface="+mn-lt"/>
+                <a:ea typeface="+mn-ea"/>
+                <a:cs typeface="+mn-cs"/>
+              </a:defRPr>
+            </a:lvl4pPr>
+            <a:lvl5pPr marL="1325880" indent="-228600" algn="l" defTabSz="914400" rtl="0" eaLnBrk="1" latinLnBrk="0" hangingPunct="1">
+              <a:lnSpc>
+                <a:spcPct val="90000"/>
+              </a:lnSpc>
+              <a:spcBef>
+                <a:spcPts val="800"/>
+              </a:spcBef>
+              <a:buFont typeface="Arial" panose="020B0604020202020204" pitchFamily="34" charset="0"/>
+              <a:buChar char="•"/>
+              <a:defRPr sz="1600" kern="1200">
+                <a:solidFill>
+                  <a:schemeClr val="tx1"/>
+                </a:solidFill>
+                <a:latin typeface="+mn-lt"/>
+                <a:ea typeface="+mn-ea"/>
+                <a:cs typeface="+mn-cs"/>
+              </a:defRPr>
+            </a:lvl5pPr>
+            <a:lvl6pPr marL="1554480" indent="-228600" algn="l" defTabSz="914400" rtl="0" eaLnBrk="1" latinLnBrk="0" hangingPunct="1">
+              <a:lnSpc>
+                <a:spcPct val="90000"/>
+              </a:lnSpc>
+              <a:spcBef>
+                <a:spcPts val="800"/>
+              </a:spcBef>
+              <a:buFont typeface="Arial" panose="020B0604020202020204" pitchFamily="34" charset="0"/>
+              <a:buChar char="•"/>
+              <a:defRPr sz="1600" kern="1200">
+                <a:solidFill>
+                  <a:schemeClr val="tx1"/>
+                </a:solidFill>
+                <a:latin typeface="+mn-lt"/>
+                <a:ea typeface="+mn-ea"/>
+                <a:cs typeface="+mn-cs"/>
+              </a:defRPr>
+            </a:lvl6pPr>
+            <a:lvl7pPr marL="1783080" indent="-228600" algn="l" defTabSz="914400" rtl="0" eaLnBrk="1" latinLnBrk="0" hangingPunct="1">
+              <a:lnSpc>
+                <a:spcPct val="90000"/>
+              </a:lnSpc>
+              <a:spcBef>
+                <a:spcPts val="800"/>
+              </a:spcBef>
+              <a:buFont typeface="Arial" panose="020B0604020202020204" pitchFamily="34" charset="0"/>
+              <a:buChar char="•"/>
+              <a:defRPr sz="1600" kern="1200">
+                <a:solidFill>
+                  <a:schemeClr val="tx1"/>
+                </a:solidFill>
+                <a:latin typeface="+mn-lt"/>
+                <a:ea typeface="+mn-ea"/>
+                <a:cs typeface="+mn-cs"/>
+              </a:defRPr>
+            </a:lvl7pPr>
+            <a:lvl8pPr marL="2011680" indent="-228600" algn="l" defTabSz="914400" rtl="0" eaLnBrk="1" latinLnBrk="0" hangingPunct="1">
+              <a:lnSpc>
+                <a:spcPct val="90000"/>
+              </a:lnSpc>
+              <a:spcBef>
+                <a:spcPts val="800"/>
+              </a:spcBef>
+              <a:buFont typeface="Arial" panose="020B0604020202020204" pitchFamily="34" charset="0"/>
+              <a:buChar char="•"/>
+              <a:defRPr sz="1600" kern="1200">
+                <a:solidFill>
+                  <a:schemeClr val="tx1"/>
+                </a:solidFill>
+                <a:latin typeface="+mn-lt"/>
+                <a:ea typeface="+mn-ea"/>
+                <a:cs typeface="+mn-cs"/>
+              </a:defRPr>
+            </a:lvl8pPr>
+            <a:lvl9pPr marL="2240280" indent="-228600" algn="l" defTabSz="914400" rtl="0" eaLnBrk="1" latinLnBrk="0" hangingPunct="1">
+              <a:lnSpc>
+                <a:spcPct val="90000"/>
+              </a:lnSpc>
+              <a:spcBef>
+                <a:spcPts val="800"/>
+              </a:spcBef>
+              <a:buFont typeface="Arial" panose="020B0604020202020204" pitchFamily="34" charset="0"/>
+              <a:buChar char="•"/>
+              <a:defRPr sz="1600" kern="1200">
+                <a:solidFill>
+                  <a:schemeClr val="tx1"/>
+                </a:solidFill>
+                <a:latin typeface="+mn-lt"/>
+                <a:ea typeface="+mn-ea"/>
+                <a:cs typeface="+mn-cs"/>
+              </a:defRPr>
+            </a:lvl9pPr>
+          </a:lstStyle>
+          <a:p>
+            <a:pPr algn="just">
+              <a:lnSpc>
+                <a:spcPct val="150000"/>
+              </a:lnSpc>
+            </a:pPr>
+            <a:r>
+              <a:rPr lang="pt-BR" dirty="0" smtClean="0">
+                <a:latin typeface="Segoe UI" panose="020B0502040204020203" pitchFamily="34" charset="0"/>
+                <a:ea typeface="Segoe UI" panose="020B0502040204020203" pitchFamily="34" charset="0"/>
+                <a:cs typeface="Segoe UI" panose="020B0502040204020203" pitchFamily="34" charset="0"/>
+              </a:rPr>
+              <a:t>SASS</a:t>
+            </a:r>
+          </a:p>
+          <a:p>
+            <a:pPr lvl="1" algn="just">
+              <a:lnSpc>
+                <a:spcPct val="150000"/>
+              </a:lnSpc>
+            </a:pPr>
+            <a:r>
+              <a:rPr lang="pt-BR" dirty="0" smtClean="0">
+                <a:latin typeface="Segoe UI" panose="020B0502040204020203" pitchFamily="34" charset="0"/>
+                <a:ea typeface="Segoe UI" panose="020B0502040204020203" pitchFamily="34" charset="0"/>
+                <a:cs typeface="Segoe UI" panose="020B0502040204020203" pitchFamily="34" charset="0"/>
+              </a:rPr>
+              <a:t>Variáveis</a:t>
+            </a:r>
+          </a:p>
+          <a:p>
+            <a:pPr lvl="1" algn="just">
+              <a:lnSpc>
+                <a:spcPct val="150000"/>
+              </a:lnSpc>
+            </a:pPr>
+            <a:r>
+              <a:rPr lang="pt-BR" dirty="0" err="1" smtClean="0">
+                <a:latin typeface="Segoe UI" panose="020B0502040204020203" pitchFamily="34" charset="0"/>
+                <a:ea typeface="Segoe UI" panose="020B0502040204020203" pitchFamily="34" charset="0"/>
+                <a:cs typeface="Segoe UI" panose="020B0502040204020203" pitchFamily="34" charset="0"/>
+              </a:rPr>
+              <a:t>Mixins</a:t>
+            </a:r>
+            <a:endParaRPr lang="pt-BR" dirty="0" smtClean="0">
+              <a:latin typeface="Segoe UI" panose="020B0502040204020203" pitchFamily="34" charset="0"/>
+              <a:ea typeface="Segoe UI" panose="020B0502040204020203" pitchFamily="34" charset="0"/>
+              <a:cs typeface="Segoe UI" panose="020B0502040204020203" pitchFamily="34" charset="0"/>
+            </a:endParaRPr>
+          </a:p>
+          <a:p>
+            <a:pPr lvl="1" algn="just">
+              <a:lnSpc>
+                <a:spcPct val="150000"/>
+              </a:lnSpc>
+            </a:pPr>
+            <a:r>
+              <a:rPr lang="pt-BR" dirty="0" smtClean="0">
+                <a:latin typeface="Segoe UI" panose="020B0502040204020203" pitchFamily="34" charset="0"/>
+                <a:ea typeface="Segoe UI" panose="020B0502040204020203" pitchFamily="34" charset="0"/>
+                <a:cs typeface="Segoe UI" panose="020B0502040204020203" pitchFamily="34" charset="0"/>
+              </a:rPr>
+              <a:t>Importações</a:t>
+            </a:r>
+          </a:p>
+          <a:p>
+            <a:pPr lvl="1" algn="just">
+              <a:lnSpc>
+                <a:spcPct val="150000"/>
+              </a:lnSpc>
+            </a:pPr>
+            <a:r>
+              <a:rPr lang="pt-BR" dirty="0" smtClean="0">
+                <a:latin typeface="Segoe UI" panose="020B0502040204020203" pitchFamily="34" charset="0"/>
+                <a:ea typeface="Segoe UI" panose="020B0502040204020203" pitchFamily="34" charset="0"/>
+                <a:cs typeface="Segoe UI" panose="020B0502040204020203" pitchFamily="34" charset="0"/>
+              </a:rPr>
+              <a:t>Reuso de Código</a:t>
+            </a:r>
+          </a:p>
+          <a:p>
+            <a:pPr algn="just">
+              <a:lnSpc>
+                <a:spcPct val="150000"/>
+              </a:lnSpc>
+            </a:pPr>
+            <a:r>
+              <a:rPr lang="pt-BR" dirty="0" smtClean="0">
+                <a:latin typeface="Segoe UI" panose="020B0502040204020203" pitchFamily="34" charset="0"/>
+                <a:ea typeface="Segoe UI" panose="020B0502040204020203" pitchFamily="34" charset="0"/>
+                <a:cs typeface="Segoe UI" panose="020B0502040204020203" pitchFamily="34" charset="0"/>
+              </a:rPr>
+              <a:t>LESS</a:t>
+            </a:r>
+          </a:p>
+          <a:p>
+            <a:pPr algn="just">
+              <a:lnSpc>
+                <a:spcPct val="150000"/>
+              </a:lnSpc>
+            </a:pPr>
+            <a:r>
+              <a:rPr lang="pt-BR" dirty="0" err="1" smtClean="0">
+                <a:latin typeface="Segoe UI" panose="020B0502040204020203" pitchFamily="34" charset="0"/>
+                <a:ea typeface="Segoe UI" panose="020B0502040204020203" pitchFamily="34" charset="0"/>
+                <a:cs typeface="Segoe UI" panose="020B0502040204020203" pitchFamily="34" charset="0"/>
+              </a:rPr>
+              <a:t>Stylus</a:t>
+            </a:r>
+            <a:endParaRPr lang="pt-BR" dirty="0" smtClean="0">
+              <a:latin typeface="Segoe UI" panose="020B0502040204020203" pitchFamily="34" charset="0"/>
+              <a:ea typeface="Segoe UI" panose="020B0502040204020203" pitchFamily="34" charset="0"/>
+              <a:cs typeface="Segoe UI" panose="020B0502040204020203" pitchFamily="34" charset="0"/>
+            </a:endParaRPr>
+          </a:p>
+        </p:txBody>
+      </p:sp>
+      <p:pic>
+        <p:nvPicPr>
+          <p:cNvPr id="3" name="Imagem 2"/>
+          <p:cNvPicPr>
+            <a:picLocks noChangeAspect="1"/>
+          </p:cNvPicPr>
+          <p:nvPr/>
+        </p:nvPicPr>
+        <p:blipFill rotWithShape="1">
+          <a:blip r:embed="rId2">
+            <a:extLst>
+              <a:ext uri="{28A0092B-C50C-407E-A947-70E740481C1C}">
+                <a14:useLocalDpi xmlns:a14="http://schemas.microsoft.com/office/drawing/2010/main" val="0"/>
+              </a:ext>
+            </a:extLst>
+          </a:blip>
+          <a:srcRect t="3433"/>
+          <a:stretch/>
+        </p:blipFill>
+        <p:spPr>
+          <a:xfrm>
+            <a:off x="5248057" y="1828800"/>
+            <a:ext cx="3230533" cy="2339719"/>
+          </a:xfrm>
+          <a:prstGeom prst="rect">
+            <a:avLst/>
+          </a:prstGeom>
+        </p:spPr>
+      </p:pic>
+      <p:pic>
+        <p:nvPicPr>
+          <p:cNvPr id="1026" name="Picture 2" descr="https://prepros.io/img/less-logo.png"/>
+          <p:cNvPicPr>
+            <a:picLocks noChangeAspect="1" noChangeArrowheads="1"/>
+          </p:cNvPicPr>
+          <p:nvPr/>
+        </p:nvPicPr>
+        <p:blipFill>
+          <a:blip r:embed="rId3">
+            <a:extLst>
+              <a:ext uri="{28A0092B-C50C-407E-A947-70E740481C1C}">
+                <a14:useLocalDpi xmlns:a14="http://schemas.microsoft.com/office/drawing/2010/main" val="0"/>
+              </a:ext>
+            </a:extLst>
+          </a:blip>
+          <a:srcRect/>
+          <a:stretch>
+            <a:fillRect/>
+          </a:stretch>
+        </p:blipFill>
+        <p:spPr bwMode="auto">
+          <a:xfrm>
+            <a:off x="6533343" y="4688197"/>
+            <a:ext cx="3890493" cy="1484003"/>
+          </a:xfrm>
+          <a:prstGeom prst="rect">
+            <a:avLst/>
+          </a:prstGeom>
+          <a:noFill/>
+          <a:extLst>
+            <a:ext uri="{909E8E84-426E-40DD-AFC4-6F175D3DCCD1}">
+              <a14:hiddenFill xmlns:a14="http://schemas.microsoft.com/office/drawing/2010/main">
+                <a:solidFill>
+                  <a:srgbClr val="FFFFFF"/>
+                </a:solidFill>
+              </a14:hiddenFill>
+            </a:ext>
+          </a:extLst>
+        </p:spPr>
+      </p:pic>
+      <p:pic>
+        <p:nvPicPr>
+          <p:cNvPr id="1028" name="Picture 4" descr="https://upload.wikimedia.org/wikipedia/commons/thumb/f/f9/Stylus.svg/1000px-Stylus.svg.png"/>
+          <p:cNvPicPr>
+            <a:picLocks noChangeAspect="1" noChangeArrowheads="1"/>
+          </p:cNvPicPr>
+          <p:nvPr/>
+        </p:nvPicPr>
+        <p:blipFill>
+          <a:blip r:embed="rId4" cstate="print">
+            <a:extLst>
+              <a:ext uri="{28A0092B-C50C-407E-A947-70E740481C1C}">
+                <a14:useLocalDpi xmlns:a14="http://schemas.microsoft.com/office/drawing/2010/main" val="0"/>
+              </a:ext>
+            </a:extLst>
+          </a:blip>
+          <a:srcRect/>
+          <a:stretch>
+            <a:fillRect/>
+          </a:stretch>
+        </p:blipFill>
+        <p:spPr bwMode="auto">
+          <a:xfrm>
+            <a:off x="8976575" y="1828800"/>
+            <a:ext cx="2538490" cy="2401411"/>
+          </a:xfrm>
+          <a:prstGeom prst="rect">
+            <a:avLst/>
+          </a:prstGeom>
+          <a:noFill/>
+          <a:extLst>
+            <a:ext uri="{909E8E84-426E-40DD-AFC4-6F175D3DCCD1}">
+              <a14:hiddenFill xmlns:a14="http://schemas.microsoft.com/office/drawing/2010/main">
+                <a:solidFill>
+                  <a:srgbClr val="FFFFFF"/>
+                </a:solidFill>
+              </a14:hiddenFill>
+            </a:ext>
+          </a:extLst>
+        </p:spPr>
+      </p:pic>
+    </p:spTree>
+    <p:extLst>
+      <p:ext uri="{BB962C8B-B14F-4D97-AF65-F5344CB8AC3E}">
+        <p14:creationId xmlns:p14="http://schemas.microsoft.com/office/powerpoint/2010/main" val="1336875567"/>
+      </p:ext>
+    </p:extLst>
+  </p:cSld>
+  <p:clrMapOvr>
+    <a:masterClrMapping/>
+  </p:clrMapOvr>
+  <mc:AlternateContent xmlns:mc="http://schemas.openxmlformats.org/markup-compatibility/2006" xmlns:p14="http://schemas.microsoft.com/office/powerpoint/2010/main">
+    <mc:Choice Requires="p14">
+      <p:transition spd="med" p14:dur="700">
+        <p:fade/>
+      </p:transition>
+    </mc:Choice>
+    <mc:Fallback xmlns="">
+      <p:transition spd="med">
+        <p:fade/>
+      </p:transition>
+    </mc:Fallback>
+  </mc:AlternateContent>
+  <p:timing>
+    <p:tnLst>
+      <p:par>
+        <p:cTn id="1" dur="indefinite" restart="never" nodeType="tmRoot"/>
+      </p:par>
+    </p:tnLst>
+  </p:timing>
+</p:sld>
+</file>
+
+<file path=ppt/slides/slide7.xml><?xml version="1.0" encoding="utf-8"?>
+<p:sld xmlns:a="http://schemas.openxmlformats.org/drawingml/2006/main" xmlns:r="http://schemas.openxmlformats.org/officeDocument/2006/relationships" xmlns:p="http://schemas.openxmlformats.org/presentationml/2006/main">
+  <p:cSld>
+    <p:spTree>
+      <p:nvGrpSpPr>
+        <p:cNvPr id="1" name=""/>
+        <p:cNvGrpSpPr/>
+        <p:nvPr/>
+      </p:nvGrpSpPr>
+      <p:grpSpPr>
+        <a:xfrm>
+          <a:off x="0" y="0"/>
+          <a:ext cx="0" cy="0"/>
+          <a:chOff x="0" y="0"/>
+          <a:chExt cx="0" cy="0"/>
+        </a:xfrm>
+      </p:grpSpPr>
       <p:pic>
         <p:nvPicPr>
           <p:cNvPr id="2" name="Imagem 1"/>
@@ -12502,18 +12727,7 @@
                 <a:ea typeface="Segoe UI" panose="020B0502040204020203" pitchFamily="34" charset="0"/>
                 <a:cs typeface="Segoe UI" panose="020B0502040204020203" pitchFamily="34" charset="0"/>
               </a:rPr>
-              <a:t>Curriculum </a:t>
-            </a:r>
-            <a:r>
-              <a:rPr lang="pt-BR" sz="4000" dirty="0" smtClean="0">
-                <a:solidFill>
-                  <a:srgbClr val="595959"/>
-                </a:solidFill>
-                <a:latin typeface="Segoe UI" panose="020B0502040204020203" pitchFamily="34" charset="0"/>
-                <a:ea typeface="Segoe UI" panose="020B0502040204020203" pitchFamily="34" charset="0"/>
-                <a:cs typeface="Segoe UI" panose="020B0502040204020203" pitchFamily="34" charset="0"/>
-              </a:rPr>
-              <a:t>Online</a:t>
+              <a:t>Curriculum Online</a:t>
             </a:r>
             <a:endParaRPr lang="pt-BR" sz="4000" dirty="0">
               <a:solidFill>
@@ -12558,7 +12772,7 @@
 </p:sld>
 </file>
 
-<file path=ppt/slides/slide7.xml><?xml version="1.0" encoding="utf-8"?>
+<file path=ppt/slides/slide8.xml><?xml version="1.0" encoding="utf-8"?>
 <p:sld xmlns:a="http://schemas.openxmlformats.org/drawingml/2006/main" xmlns:r="http://schemas.openxmlformats.org/officeDocument/2006/relationships" xmlns:p="http://schemas.openxmlformats.org/presentationml/2006/main">
   <p:cSld>
     <p:spTree>
@@ -16188,7 +16402,7 @@
 </p:sld>
 </file>
 
-<file path=ppt/slides/slide8.xml><?xml version="1.0" encoding="utf-8"?>
+<file path=ppt/slides/slide9.xml><?xml version="1.0" encoding="utf-8"?>
 <p:sld xmlns:a="http://schemas.openxmlformats.org/drawingml/2006/main" xmlns:r="http://schemas.openxmlformats.org/officeDocument/2006/relationships" xmlns:p="http://schemas.openxmlformats.org/presentationml/2006/main">
   <p:cSld>
     <p:bg>
@@ -16351,125 +16565,6 @@
     <p:extLst>
       <p:ext uri="{BB962C8B-B14F-4D97-AF65-F5344CB8AC3E}">
         <p14:creationId xmlns:p14="http://schemas.microsoft.com/office/powerpoint/2010/main" val="3639872359"/>
-      </p:ext>
-    </p:extLst>
-  </p:cSld>
-  <p:clrMapOvr>
-    <a:masterClrMapping/>
-  </p:clrMapOvr>
-  <mc:AlternateContent xmlns:mc="http://schemas.openxmlformats.org/markup-compatibility/2006" xmlns:p14="http://schemas.microsoft.com/office/powerpoint/2010/main">
-    <mc:Choice Requires="p14">
-      <p:transition spd="med" p14:dur="700">
-        <p:fade/>
-      </p:transition>
-    </mc:Choice>
-    <mc:Fallback xmlns="">
-      <p:transition spd="med">
-        <p:fade/>
-      </p:transition>
-    </mc:Fallback>
-  </mc:AlternateContent>
-  <p:timing>
-    <p:tnLst>
-      <p:par>
-        <p:cTn id="1" dur="indefinite" restart="never" nodeType="tmRoot"/>
-      </p:par>
-    </p:tnLst>
-  </p:timing>
-</p:sld>
-</file>
-
-<file path=ppt/slides/slide9.xml><?xml version="1.0" encoding="utf-8"?>
-<p:sld xmlns:a="http://schemas.openxmlformats.org/drawingml/2006/main" xmlns:r="http://schemas.openxmlformats.org/officeDocument/2006/relationships" xmlns:p="http://schemas.openxmlformats.org/presentationml/2006/main">
-  <p:cSld>
-    <p:spTree>
-      <p:nvGrpSpPr>
-        <p:cNvPr id="1" name=""/>
-        <p:cNvGrpSpPr/>
-        <p:nvPr/>
-      </p:nvGrpSpPr>
-      <p:grpSpPr>
-        <a:xfrm>
-          <a:off x="0" y="0"/>
-          <a:ext cx="0" cy="0"/>
-          <a:chOff x="0" y="0"/>
-          <a:chExt cx="0" cy="0"/>
-        </a:xfrm>
-      </p:grpSpPr>
-      <p:sp>
-        <p:nvSpPr>
-          <p:cNvPr id="2" name="Título 1"/>
-          <p:cNvSpPr>
-            <a:spLocks noGrp="1"/>
-          </p:cNvSpPr>
-          <p:nvPr>
-            <p:ph type="title"/>
-          </p:nvPr>
-        </p:nvSpPr>
-        <p:spPr/>
-        <p:txBody>
-          <a:bodyPr>
-            <a:normAutofit/>
-          </a:bodyPr>
-          <a:lstStyle/>
-          <a:p>
-            <a:pPr algn="l" defTabSz="914400">
-              <a:spcBef>
-                <a:spcPts val="0"/>
-              </a:spcBef>
-              <a:buNone/>
-            </a:pPr>
-            <a:r>
-              <a:rPr lang="pt-BR" sz="3200" b="0" i="0" dirty="0" smtClean="0">
-                <a:solidFill>
-                  <a:schemeClr val="bg1"/>
-                </a:solidFill>
-                <a:latin typeface="Book Antiqua"/>
-                <a:ea typeface="+mj-ea"/>
-                <a:cs typeface="+mj-cs"/>
-              </a:rPr>
-              <a:t>Layout de Título e Conteúdo com Gráfico</a:t>
-            </a:r>
-            <a:endParaRPr lang="pt-BR" sz="3200" b="0" i="0" dirty="0">
-              <a:solidFill>
-                <a:schemeClr val="bg1"/>
-              </a:solidFill>
-              <a:latin typeface="Book Antiqua"/>
-              <a:ea typeface="+mj-ea"/>
-              <a:cs typeface="+mj-cs"/>
-            </a:endParaRPr>
-          </a:p>
-        </p:txBody>
-      </p:sp>
-      <p:graphicFrame>
-        <p:nvGraphicFramePr>
-          <p:cNvPr id="7" name="Espaço Reservado para Conteúdo 6"/>
-          <p:cNvGraphicFramePr>
-            <a:graphicFrameLocks noGrp="1"/>
-          </p:cNvGraphicFramePr>
-          <p:nvPr>
-            <p:ph idx="1"/>
-            <p:extLst>
-              <p:ext uri="{D42A27DB-BD31-4B8C-83A1-F6EECF244321}">
-                <p14:modId xmlns:p14="http://schemas.microsoft.com/office/powerpoint/2010/main" val="583852116"/>
-              </p:ext>
-            </p:extLst>
-          </p:nvPr>
-        </p:nvGraphicFramePr>
-        <p:xfrm>
-          <a:off x="1295400" y="1828800"/>
-          <a:ext cx="9601200" cy="4343400"/>
-        </p:xfrm>
-        <a:graphic>
-          <a:graphicData uri="http://schemas.openxmlformats.org/drawingml/2006/chart">
-            <c:chart xmlns:c="http://schemas.openxmlformats.org/drawingml/2006/chart" xmlns:r="http://schemas.openxmlformats.org/officeDocument/2006/relationships" r:id="rId2"/>
-          </a:graphicData>
-        </a:graphic>
-      </p:graphicFrame>
-    </p:spTree>
-    <p:extLst>
-      <p:ext uri="{BB962C8B-B14F-4D97-AF65-F5344CB8AC3E}">
-        <p14:creationId xmlns:p14="http://schemas.microsoft.com/office/powerpoint/2010/main" val="3574231650"/>
       </p:ext>
     </p:extLst>
   </p:cSld>
